--- a/Jozef_Krajčovič.pptx
+++ b/Jozef_Krajčovič.pptx
@@ -6,7 +6,7 @@
     <p:sldMasterId id="2147483660" r:id="rId2"/>
   </p:sldMasterIdLst>
   <p:notesMasterIdLst>
-    <p:notesMasterId r:id="rId17"/>
+    <p:notesMasterId r:id="rId19"/>
   </p:notesMasterIdLst>
   <p:sldIdLst>
     <p:sldId id="256" r:id="rId3"/>
@@ -14,15 +14,17 @@
     <p:sldId id="285" r:id="rId5"/>
     <p:sldId id="286" r:id="rId6"/>
     <p:sldId id="290" r:id="rId7"/>
-    <p:sldId id="292" r:id="rId8"/>
-    <p:sldId id="281" r:id="rId9"/>
-    <p:sldId id="287" r:id="rId10"/>
-    <p:sldId id="277" r:id="rId11"/>
-    <p:sldId id="291" r:id="rId12"/>
-    <p:sldId id="293" r:id="rId13"/>
-    <p:sldId id="295" r:id="rId14"/>
-    <p:sldId id="262" r:id="rId15"/>
-    <p:sldId id="263" r:id="rId16"/>
+    <p:sldId id="297" r:id="rId8"/>
+    <p:sldId id="299" r:id="rId9"/>
+    <p:sldId id="298" r:id="rId10"/>
+    <p:sldId id="292" r:id="rId11"/>
+    <p:sldId id="281" r:id="rId12"/>
+    <p:sldId id="287" r:id="rId13"/>
+    <p:sldId id="277" r:id="rId14"/>
+    <p:sldId id="291" r:id="rId15"/>
+    <p:sldId id="293" r:id="rId16"/>
+    <p:sldId id="262" r:id="rId17"/>
+    <p:sldId id="263" r:id="rId18"/>
   </p:sldIdLst>
   <p:sldSz cx="9144000" cy="5143500" type="screen16x9"/>
   <p:notesSz cx="6858000" cy="9144000"/>
@@ -207,7 +209,7 @@
             <a:fld id="{417BABF7-0521-4687-9D2B-807B4AABA4E6}" type="datetimeFigureOut">
               <a:rPr lang="sk-SK" smtClean="0"/>
               <a:pPr/>
-              <a:t>28. 11. 2012</a:t>
+              <a:t>29. 11. 2012</a:t>
             </a:fld>
             <a:endParaRPr lang="sk-SK" dirty="0"/>
           </a:p>
@@ -565,6 +567,558 @@
 </p:notes>
 </file>
 
+<file path=ppt/notesSlides/notesSlide10.xml><?xml version="1.0" encoding="utf-8"?>
+<p:notes xmlns:a="http://schemas.openxmlformats.org/drawingml/2006/main" xmlns:r="http://schemas.openxmlformats.org/officeDocument/2006/relationships" xmlns:p="http://schemas.openxmlformats.org/presentationml/2006/main">
+  <p:cSld>
+    <p:spTree>
+      <p:nvGrpSpPr>
+        <p:cNvPr id="1" name=""/>
+        <p:cNvGrpSpPr/>
+        <p:nvPr/>
+      </p:nvGrpSpPr>
+      <p:grpSpPr>
+        <a:xfrm>
+          <a:off x="0" y="0"/>
+          <a:ext cx="0" cy="0"/>
+          <a:chOff x="0" y="0"/>
+          <a:chExt cx="0" cy="0"/>
+        </a:xfrm>
+      </p:grpSpPr>
+      <p:sp>
+        <p:nvSpPr>
+          <p:cNvPr id="2" name="Zástupný symbol obrazu snímky 1"/>
+          <p:cNvSpPr>
+            <a:spLocks noGrp="1" noRot="1" noChangeAspect="1"/>
+          </p:cNvSpPr>
+          <p:nvPr>
+            <p:ph type="sldImg"/>
+          </p:nvPr>
+        </p:nvSpPr>
+        <p:spPr/>
+      </p:sp>
+      <p:sp>
+        <p:nvSpPr>
+          <p:cNvPr id="3" name="Zástupný symbol poznámok 2"/>
+          <p:cNvSpPr>
+            <a:spLocks noGrp="1"/>
+          </p:cNvSpPr>
+          <p:nvPr>
+            <p:ph type="body" idx="1"/>
+          </p:nvPr>
+        </p:nvSpPr>
+        <p:spPr/>
+        <p:txBody>
+          <a:bodyPr>
+            <a:normAutofit/>
+          </a:bodyPr>
+          <a:lstStyle/>
+          <a:p>
+            <a:r>
+              <a:rPr lang="en-US" dirty="0" err="1" smtClean="0"/>
+              <a:t>Zhodntenie</a:t>
+            </a:r>
+            <a:r>
+              <a:rPr lang="en-US" baseline="0" dirty="0" smtClean="0"/>
+              <a:t> </a:t>
+            </a:r>
+            <a:r>
+              <a:rPr lang="en-US" baseline="0" dirty="0" err="1" smtClean="0"/>
+              <a:t>našho</a:t>
+            </a:r>
+            <a:r>
+              <a:rPr lang="en-US" baseline="0" dirty="0" smtClean="0"/>
+              <a:t> </a:t>
+            </a:r>
+            <a:r>
+              <a:rPr lang="en-US" baseline="0" dirty="0" err="1" smtClean="0"/>
+              <a:t>systemu</a:t>
+            </a:r>
+            <a:r>
+              <a:rPr lang="en-US" baseline="0" dirty="0" smtClean="0"/>
+              <a:t> </a:t>
+            </a:r>
+            <a:r>
+              <a:rPr lang="en-US" baseline="0" dirty="0" err="1" smtClean="0"/>
+              <a:t>čo</a:t>
+            </a:r>
+            <a:r>
+              <a:rPr lang="en-US" baseline="0" dirty="0" smtClean="0"/>
+              <a:t> </a:t>
+            </a:r>
+            <a:r>
+              <a:rPr lang="en-US" baseline="0" dirty="0" err="1" smtClean="0"/>
+              <a:t>sa</a:t>
+            </a:r>
+            <a:r>
+              <a:rPr lang="en-US" baseline="0" dirty="0" smtClean="0"/>
+              <a:t> </a:t>
+            </a:r>
+            <a:r>
+              <a:rPr lang="en-US" baseline="0" dirty="0" err="1" smtClean="0"/>
+              <a:t>nam</a:t>
+            </a:r>
+            <a:r>
+              <a:rPr lang="en-US" baseline="0" dirty="0" smtClean="0"/>
+              <a:t> </a:t>
+            </a:r>
+            <a:r>
+              <a:rPr lang="en-US" baseline="0" dirty="0" err="1" smtClean="0"/>
+              <a:t>podarilo</a:t>
+            </a:r>
+            <a:r>
+              <a:rPr lang="en-US" baseline="0" dirty="0" smtClean="0"/>
+              <a:t> , </a:t>
+            </a:r>
+            <a:r>
+              <a:rPr lang="en-US" baseline="0" dirty="0" err="1" smtClean="0"/>
+              <a:t>čo</a:t>
+            </a:r>
+            <a:r>
+              <a:rPr lang="en-US" baseline="0" dirty="0" smtClean="0"/>
+              <a:t> </a:t>
+            </a:r>
+            <a:r>
+              <a:rPr lang="en-US" baseline="0" dirty="0" err="1" smtClean="0"/>
+              <a:t>sme</a:t>
+            </a:r>
+            <a:r>
+              <a:rPr lang="en-US" baseline="0" dirty="0" smtClean="0"/>
+              <a:t> </a:t>
+            </a:r>
+            <a:r>
+              <a:rPr lang="en-US" baseline="0" dirty="0" err="1" smtClean="0"/>
+              <a:t>chceli</a:t>
+            </a:r>
+            <a:r>
+              <a:rPr lang="en-US" baseline="0" dirty="0" smtClean="0"/>
+              <a:t>, </a:t>
+            </a:r>
+            <a:r>
+              <a:rPr lang="en-US" baseline="0" dirty="0" err="1" smtClean="0"/>
+              <a:t>čo</a:t>
+            </a:r>
+            <a:r>
+              <a:rPr lang="en-US" baseline="0" dirty="0" smtClean="0"/>
+              <a:t> by </a:t>
+            </a:r>
+            <a:r>
+              <a:rPr lang="en-US" baseline="0" dirty="0" err="1" smtClean="0"/>
+              <a:t>sme</a:t>
+            </a:r>
+            <a:r>
+              <a:rPr lang="en-US" baseline="0" dirty="0" smtClean="0"/>
+              <a:t> </a:t>
+            </a:r>
+            <a:r>
+              <a:rPr lang="en-US" baseline="0" dirty="0" err="1" smtClean="0"/>
+              <a:t>robili</a:t>
+            </a:r>
+            <a:r>
+              <a:rPr lang="en-US" baseline="0" dirty="0" smtClean="0"/>
+              <a:t> </a:t>
+            </a:r>
+            <a:r>
+              <a:rPr lang="en-US" baseline="0" dirty="0" err="1" smtClean="0"/>
+              <a:t>inač</a:t>
+            </a:r>
+            <a:r>
+              <a:rPr lang="en-US" baseline="0" dirty="0" smtClean="0"/>
+              <a:t>, </a:t>
+            </a:r>
+            <a:r>
+              <a:rPr lang="en-US" baseline="0" dirty="0" err="1" smtClean="0"/>
+              <a:t>na</a:t>
+            </a:r>
+            <a:r>
+              <a:rPr lang="en-US" baseline="0" dirty="0" smtClean="0"/>
+              <a:t> </a:t>
+            </a:r>
+            <a:r>
+              <a:rPr lang="en-US" baseline="0" dirty="0" err="1" smtClean="0"/>
+              <a:t>ake</a:t>
+            </a:r>
+            <a:r>
+              <a:rPr lang="en-US" baseline="0" dirty="0" smtClean="0"/>
+              <a:t> </a:t>
+            </a:r>
+            <a:r>
+              <a:rPr lang="en-US" baseline="0" dirty="0" err="1" smtClean="0"/>
+              <a:t>problemy</a:t>
+            </a:r>
+            <a:r>
+              <a:rPr lang="en-US" baseline="0" dirty="0" smtClean="0"/>
+              <a:t> </a:t>
+            </a:r>
+            <a:r>
+              <a:rPr lang="en-US" baseline="0" dirty="0" err="1" smtClean="0"/>
+              <a:t>sme</a:t>
+            </a:r>
+            <a:r>
+              <a:rPr lang="en-US" baseline="0" dirty="0" smtClean="0"/>
+              <a:t> </a:t>
+            </a:r>
+            <a:r>
+              <a:rPr lang="en-US" baseline="0" dirty="0" err="1" smtClean="0"/>
+              <a:t>narazily</a:t>
+            </a:r>
+            <a:r>
+              <a:rPr lang="en-US" baseline="0" dirty="0" smtClean="0"/>
+              <a:t> …</a:t>
+            </a:r>
+          </a:p>
+        </p:txBody>
+      </p:sp>
+      <p:sp>
+        <p:nvSpPr>
+          <p:cNvPr id="4" name="Zástupný symbol čísla snímky 3"/>
+          <p:cNvSpPr>
+            <a:spLocks noGrp="1"/>
+          </p:cNvSpPr>
+          <p:nvPr>
+            <p:ph type="sldNum" sz="quarter" idx="10"/>
+          </p:nvPr>
+        </p:nvSpPr>
+        <p:spPr/>
+        <p:txBody>
+          <a:bodyPr/>
+          <a:lstStyle/>
+          <a:p>
+            <a:fld id="{45D1DA62-001F-4525-B5C7-5BA4A19F932D}" type="slidenum">
+              <a:rPr lang="sk-SK" smtClean="0"/>
+              <a:pPr/>
+              <a:t>13</a:t>
+            </a:fld>
+            <a:endParaRPr lang="sk-SK" dirty="0"/>
+          </a:p>
+        </p:txBody>
+      </p:sp>
+    </p:spTree>
+  </p:cSld>
+  <p:clrMapOvr>
+    <a:masterClrMapping/>
+  </p:clrMapOvr>
+</p:notes>
+</file>
+
+<file path=ppt/notesSlides/notesSlide11.xml><?xml version="1.0" encoding="utf-8"?>
+<p:notes xmlns:a="http://schemas.openxmlformats.org/drawingml/2006/main" xmlns:r="http://schemas.openxmlformats.org/officeDocument/2006/relationships" xmlns:p="http://schemas.openxmlformats.org/presentationml/2006/main">
+  <p:cSld>
+    <p:spTree>
+      <p:nvGrpSpPr>
+        <p:cNvPr id="1" name=""/>
+        <p:cNvGrpSpPr/>
+        <p:nvPr/>
+      </p:nvGrpSpPr>
+      <p:grpSpPr>
+        <a:xfrm>
+          <a:off x="0" y="0"/>
+          <a:ext cx="0" cy="0"/>
+          <a:chOff x="0" y="0"/>
+          <a:chExt cx="0" cy="0"/>
+        </a:xfrm>
+      </p:grpSpPr>
+      <p:sp>
+        <p:nvSpPr>
+          <p:cNvPr id="2" name="Zástupný symbol obrazu snímky 1"/>
+          <p:cNvSpPr>
+            <a:spLocks noGrp="1" noRot="1" noChangeAspect="1"/>
+          </p:cNvSpPr>
+          <p:nvPr>
+            <p:ph type="sldImg"/>
+          </p:nvPr>
+        </p:nvSpPr>
+        <p:spPr/>
+      </p:sp>
+      <p:sp>
+        <p:nvSpPr>
+          <p:cNvPr id="3" name="Zástupný symbol poznámok 2"/>
+          <p:cNvSpPr>
+            <a:spLocks noGrp="1"/>
+          </p:cNvSpPr>
+          <p:nvPr>
+            <p:ph type="body" idx="1"/>
+          </p:nvPr>
+        </p:nvSpPr>
+        <p:spPr/>
+        <p:txBody>
+          <a:bodyPr>
+            <a:normAutofit/>
+          </a:bodyPr>
+          <a:lstStyle/>
+          <a:p>
+            <a:r>
+              <a:rPr lang="en-US" dirty="0" err="1" smtClean="0"/>
+              <a:t>Zhodnotenie</a:t>
+            </a:r>
+            <a:r>
+              <a:rPr lang="en-US" baseline="0" dirty="0" smtClean="0"/>
+              <a:t> </a:t>
+            </a:r>
+            <a:r>
+              <a:rPr lang="en-US" baseline="0" dirty="0" err="1" smtClean="0"/>
+              <a:t>projektu</a:t>
+            </a:r>
+            <a:r>
+              <a:rPr lang="en-US" baseline="0" dirty="0" smtClean="0"/>
+              <a:t> a JEES (</a:t>
+            </a:r>
+            <a:r>
+              <a:rPr lang="en-US" baseline="0" dirty="0" err="1" smtClean="0"/>
+              <a:t>retrospektiva</a:t>
+            </a:r>
+            <a:r>
+              <a:rPr lang="en-US" baseline="0" dirty="0" smtClean="0"/>
+              <a:t>) </a:t>
+            </a:r>
+            <a:r>
+              <a:rPr lang="en-US" baseline="0" dirty="0" err="1" smtClean="0"/>
+              <a:t>čo</a:t>
+            </a:r>
+            <a:r>
+              <a:rPr lang="en-US" baseline="0" dirty="0" smtClean="0"/>
+              <a:t> </a:t>
+            </a:r>
+            <a:r>
+              <a:rPr lang="en-US" baseline="0" dirty="0" err="1" smtClean="0"/>
+              <a:t>si</a:t>
+            </a:r>
+            <a:r>
+              <a:rPr lang="en-US" baseline="0" dirty="0" smtClean="0"/>
+              <a:t> o nom </a:t>
+            </a:r>
+            <a:r>
+              <a:rPr lang="en-US" baseline="0" dirty="0" err="1" smtClean="0"/>
+              <a:t>myslime</a:t>
+            </a:r>
+            <a:r>
+              <a:rPr lang="en-US" baseline="0" dirty="0" smtClean="0"/>
+              <a:t>, </a:t>
+            </a:r>
+            <a:r>
+              <a:rPr lang="en-US" baseline="0" dirty="0" err="1" smtClean="0"/>
+              <a:t>či</a:t>
+            </a:r>
+            <a:r>
+              <a:rPr lang="en-US" baseline="0" dirty="0" smtClean="0"/>
+              <a:t> by </a:t>
+            </a:r>
+            <a:r>
+              <a:rPr lang="en-US" baseline="0" dirty="0" err="1" smtClean="0"/>
+              <a:t>sme</a:t>
+            </a:r>
+            <a:r>
+              <a:rPr lang="en-US" baseline="0" dirty="0" smtClean="0"/>
+              <a:t> </a:t>
+            </a:r>
+            <a:r>
+              <a:rPr lang="en-US" baseline="0" dirty="0" err="1" smtClean="0"/>
+              <a:t>si</a:t>
+            </a:r>
+            <a:r>
+              <a:rPr lang="en-US" baseline="0" dirty="0" smtClean="0"/>
+              <a:t> ho </a:t>
+            </a:r>
+            <a:r>
+              <a:rPr lang="en-US" baseline="0" dirty="0" err="1" smtClean="0"/>
+              <a:t>vybrali</a:t>
+            </a:r>
+            <a:r>
+              <a:rPr lang="en-US" baseline="0" dirty="0" smtClean="0"/>
+              <a:t> </a:t>
+            </a:r>
+            <a:r>
+              <a:rPr lang="en-US" baseline="0" dirty="0" err="1" smtClean="0"/>
+              <a:t>ak</a:t>
+            </a:r>
+            <a:r>
+              <a:rPr lang="en-US" baseline="0" dirty="0" smtClean="0"/>
+              <a:t> by </a:t>
+            </a:r>
+            <a:r>
+              <a:rPr lang="en-US" baseline="0" dirty="0" err="1" smtClean="0"/>
+              <a:t>sme</a:t>
+            </a:r>
+            <a:r>
+              <a:rPr lang="en-US" baseline="0" dirty="0" smtClean="0"/>
+              <a:t> </a:t>
+            </a:r>
+            <a:r>
+              <a:rPr lang="en-US" baseline="0" dirty="0" err="1" smtClean="0"/>
+              <a:t>vytvarali</a:t>
+            </a:r>
+            <a:r>
+              <a:rPr lang="en-US" baseline="0" dirty="0" smtClean="0"/>
+              <a:t> </a:t>
+            </a:r>
+            <a:r>
+              <a:rPr lang="en-US" baseline="0" dirty="0" err="1" smtClean="0"/>
+              <a:t>podobne</a:t>
+            </a:r>
+            <a:r>
+              <a:rPr lang="en-US" baseline="0" dirty="0" smtClean="0"/>
+              <a:t> </a:t>
+            </a:r>
+            <a:r>
+              <a:rPr lang="en-US" baseline="0" dirty="0" err="1" smtClean="0"/>
+              <a:t>riešenie</a:t>
+            </a:r>
+            <a:r>
+              <a:rPr lang="en-US" baseline="0" dirty="0" smtClean="0"/>
+              <a:t> </a:t>
+            </a:r>
+          </a:p>
+          <a:p>
+            <a:r>
+              <a:rPr lang="en-US" baseline="0" dirty="0" err="1" smtClean="0"/>
+              <a:t>Proste</a:t>
+            </a:r>
+            <a:r>
+              <a:rPr lang="en-US" baseline="0" dirty="0" smtClean="0"/>
+              <a:t> </a:t>
+            </a:r>
+            <a:r>
+              <a:rPr lang="en-US" baseline="0" dirty="0" err="1" smtClean="0"/>
+              <a:t>naše</a:t>
+            </a:r>
+            <a:r>
+              <a:rPr lang="en-US" baseline="0" dirty="0" smtClean="0"/>
+              <a:t> </a:t>
+            </a:r>
+            <a:r>
+              <a:rPr lang="en-US" baseline="0" dirty="0" err="1" smtClean="0"/>
+              <a:t>odporučania</a:t>
+            </a:r>
+            <a:r>
+              <a:rPr lang="en-US" baseline="0" dirty="0" smtClean="0"/>
+              <a:t>…</a:t>
+            </a:r>
+            <a:endParaRPr lang="sk-SK" dirty="0"/>
+          </a:p>
+        </p:txBody>
+      </p:sp>
+      <p:sp>
+        <p:nvSpPr>
+          <p:cNvPr id="4" name="Zástupný symbol čísla snímky 3"/>
+          <p:cNvSpPr>
+            <a:spLocks noGrp="1"/>
+          </p:cNvSpPr>
+          <p:nvPr>
+            <p:ph type="sldNum" sz="quarter" idx="10"/>
+          </p:nvPr>
+        </p:nvSpPr>
+        <p:spPr/>
+        <p:txBody>
+          <a:bodyPr/>
+          <a:lstStyle/>
+          <a:p>
+            <a:fld id="{45D1DA62-001F-4525-B5C7-5BA4A19F932D}" type="slidenum">
+              <a:rPr lang="sk-SK" smtClean="0"/>
+              <a:pPr/>
+              <a:t>14</a:t>
+            </a:fld>
+            <a:endParaRPr lang="sk-SK" dirty="0"/>
+          </a:p>
+        </p:txBody>
+      </p:sp>
+    </p:spTree>
+  </p:cSld>
+  <p:clrMapOvr>
+    <a:masterClrMapping/>
+  </p:clrMapOvr>
+</p:notes>
+</file>
+
+<file path=ppt/notesSlides/notesSlide12.xml><?xml version="1.0" encoding="utf-8"?>
+<p:notes xmlns:a="http://schemas.openxmlformats.org/drawingml/2006/main" xmlns:r="http://schemas.openxmlformats.org/officeDocument/2006/relationships" xmlns:p="http://schemas.openxmlformats.org/presentationml/2006/main">
+  <p:cSld>
+    <p:spTree>
+      <p:nvGrpSpPr>
+        <p:cNvPr id="1" name=""/>
+        <p:cNvGrpSpPr/>
+        <p:nvPr/>
+      </p:nvGrpSpPr>
+      <p:grpSpPr>
+        <a:xfrm>
+          <a:off x="0" y="0"/>
+          <a:ext cx="0" cy="0"/>
+          <a:chOff x="0" y="0"/>
+          <a:chExt cx="0" cy="0"/>
+        </a:xfrm>
+      </p:grpSpPr>
+      <p:sp>
+        <p:nvSpPr>
+          <p:cNvPr id="2" name="Zástupný symbol obrazu snímky 1"/>
+          <p:cNvSpPr>
+            <a:spLocks noGrp="1" noRot="1" noChangeAspect="1"/>
+          </p:cNvSpPr>
+          <p:nvPr>
+            <p:ph type="sldImg"/>
+          </p:nvPr>
+        </p:nvSpPr>
+        <p:spPr>
+          <a:xfrm>
+            <a:off x="381000" y="685800"/>
+            <a:ext cx="6096000" cy="3429000"/>
+          </a:xfrm>
+        </p:spPr>
+      </p:sp>
+      <p:sp>
+        <p:nvSpPr>
+          <p:cNvPr id="3" name="Zástupný symbol poznámok 2"/>
+          <p:cNvSpPr>
+            <a:spLocks noGrp="1"/>
+          </p:cNvSpPr>
+          <p:nvPr>
+            <p:ph type="body" idx="1"/>
+          </p:nvPr>
+        </p:nvSpPr>
+        <p:spPr/>
+        <p:txBody>
+          <a:bodyPr>
+            <a:normAutofit/>
+          </a:bodyPr>
+          <a:lstStyle/>
+          <a:p>
+            <a:r>
+              <a:rPr lang="sk-SK" dirty="0" smtClean="0"/>
+              <a:t> </a:t>
+            </a:r>
+            <a:endParaRPr lang="sk-SK" dirty="0"/>
+          </a:p>
+        </p:txBody>
+      </p:sp>
+      <p:sp>
+        <p:nvSpPr>
+          <p:cNvPr id="4" name="Zástupný symbol čísla snímky 3"/>
+          <p:cNvSpPr>
+            <a:spLocks noGrp="1"/>
+          </p:cNvSpPr>
+          <p:nvPr>
+            <p:ph type="sldNum" sz="quarter" idx="10"/>
+          </p:nvPr>
+        </p:nvSpPr>
+        <p:spPr/>
+        <p:txBody>
+          <a:bodyPr/>
+          <a:lstStyle/>
+          <a:p>
+            <a:fld id="{45D1DA62-001F-4525-B5C7-5BA4A19F932D}" type="slidenum">
+              <a:rPr lang="sk-SK" smtClean="0"/>
+              <a:pPr/>
+              <a:t>16</a:t>
+            </a:fld>
+            <a:endParaRPr lang="sk-SK" dirty="0"/>
+          </a:p>
+        </p:txBody>
+      </p:sp>
+    </p:spTree>
+  </p:cSld>
+  <p:clrMapOvr>
+    <a:masterClrMapping/>
+  </p:clrMapOvr>
+</p:notes>
+</file>
+
 <file path=ppt/notesSlides/notesSlide2.xml><?xml version="1.0" encoding="utf-8"?>
 <p:notes xmlns:a="http://schemas.openxmlformats.org/drawingml/2006/main" xmlns:r="http://schemas.openxmlformats.org/officeDocument/2006/relationships" xmlns:p="http://schemas.openxmlformats.org/presentationml/2006/main">
   <p:cSld>
@@ -1073,20 +1627,88 @@
           <a:p>
             <a:r>
               <a:rPr lang="en-US" dirty="0" err="1" smtClean="0"/>
-              <a:t>Zse</a:t>
+              <a:t>Reprezentacia</a:t>
             </a:r>
             <a:r>
               <a:rPr lang="en-US" dirty="0" smtClean="0"/>
-              <a:t> o </a:t>
+              <a:t> </a:t>
             </a:r>
             <a:r>
               <a:rPr lang="en-US" dirty="0" err="1" smtClean="0"/>
-              <a:t>jeees</a:t>
+              <a:t>znalosti</a:t>
             </a:r>
             <a:r>
               <a:rPr lang="en-US" dirty="0" smtClean="0"/>
-              <a:t>-u</a:t>
-            </a:r>
+              <a:t> : </a:t>
+            </a:r>
+          </a:p>
+          <a:p>
+            <a:endParaRPr lang="en-US" dirty="0" smtClean="0"/>
+          </a:p>
+          <a:p>
+            <a:r>
+              <a:rPr lang="en-US" dirty="0" err="1" smtClean="0"/>
+              <a:t>Priklady</a:t>
+            </a:r>
+            <a:r>
+              <a:rPr lang="en-US" dirty="0" smtClean="0"/>
+              <a:t> </a:t>
+            </a:r>
+            <a:r>
+              <a:rPr lang="en-US" dirty="0" err="1" smtClean="0"/>
+              <a:t>na</a:t>
+            </a:r>
+            <a:r>
+              <a:rPr lang="en-US" dirty="0" smtClean="0"/>
+              <a:t> </a:t>
+            </a:r>
+            <a:r>
+              <a:rPr lang="en-US" dirty="0" err="1" smtClean="0"/>
+              <a:t>všetky</a:t>
+            </a:r>
+            <a:r>
+              <a:rPr lang="en-US" baseline="0" dirty="0" smtClean="0"/>
+              <a:t>  </a:t>
+            </a:r>
+            <a:r>
+              <a:rPr lang="en-US" baseline="0" dirty="0" err="1" smtClean="0"/>
+              <a:t>možne</a:t>
+            </a:r>
+            <a:r>
+              <a:rPr lang="en-US" baseline="0" dirty="0" smtClean="0"/>
+              <a:t> </a:t>
+            </a:r>
+            <a:r>
+              <a:rPr lang="en-US" baseline="0" dirty="0" err="1" smtClean="0"/>
+              <a:t>reprezentacie</a:t>
+            </a:r>
+            <a:r>
+              <a:rPr lang="en-US" baseline="0" dirty="0" smtClean="0"/>
+              <a:t> </a:t>
+            </a:r>
+            <a:r>
+              <a:rPr lang="en-US" baseline="0" dirty="0" err="1" smtClean="0"/>
+              <a:t>pravidiel</a:t>
+            </a:r>
+            <a:r>
+              <a:rPr lang="en-US" baseline="0" dirty="0" smtClean="0"/>
+              <a:t> </a:t>
+            </a:r>
+            <a:r>
+              <a:rPr lang="en-US" dirty="0" err="1" smtClean="0"/>
+              <a:t>nejake</a:t>
+            </a:r>
+            <a:r>
+              <a:rPr lang="en-US" dirty="0" smtClean="0"/>
+              <a:t> simple</a:t>
+            </a:r>
+            <a:r>
+              <a:rPr lang="en-US" baseline="0" dirty="0" smtClean="0"/>
+              <a:t>  </a:t>
+            </a:r>
+            <a:endParaRPr lang="sk-SK" dirty="0" smtClean="0"/>
+          </a:p>
+          <a:p>
             <a:endParaRPr lang="sk-SK" dirty="0"/>
           </a:p>
         </p:txBody>
@@ -1170,8 +1792,85 @@
           <a:lstStyle/>
           <a:p>
             <a:r>
+              <a:rPr lang="en-US" dirty="0" err="1" smtClean="0"/>
+              <a:t>Reprezentacia</a:t>
+            </a:r>
+            <a:r>
               <a:rPr lang="en-US" dirty="0" smtClean="0"/>
               <a:t> </a:t>
+            </a:r>
+            <a:r>
+              <a:rPr lang="en-US" dirty="0" err="1" smtClean="0"/>
+              <a:t>znalosti</a:t>
+            </a:r>
+            <a:r>
+              <a:rPr lang="en-US" dirty="0" smtClean="0"/>
+              <a:t> : </a:t>
+            </a:r>
+          </a:p>
+          <a:p>
+            <a:endParaRPr lang="en-US" dirty="0" smtClean="0"/>
+          </a:p>
+          <a:p>
+            <a:r>
+              <a:rPr lang="en-US" dirty="0" err="1" smtClean="0"/>
+              <a:t>Priklady</a:t>
+            </a:r>
+            <a:r>
+              <a:rPr lang="en-US" dirty="0" smtClean="0"/>
+              <a:t> </a:t>
+            </a:r>
+            <a:r>
+              <a:rPr lang="en-US" dirty="0" err="1" smtClean="0"/>
+              <a:t>na</a:t>
+            </a:r>
+            <a:r>
+              <a:rPr lang="en-US" dirty="0" smtClean="0"/>
+              <a:t> </a:t>
+            </a:r>
+            <a:r>
+              <a:rPr lang="en-US" dirty="0" err="1" smtClean="0"/>
+              <a:t>všetky</a:t>
+            </a:r>
+            <a:r>
+              <a:rPr lang="en-US" baseline="0" dirty="0" smtClean="0"/>
+              <a:t>  </a:t>
+            </a:r>
+            <a:r>
+              <a:rPr lang="en-US" baseline="0" dirty="0" err="1" smtClean="0"/>
+              <a:t>možne</a:t>
+            </a:r>
+            <a:r>
+              <a:rPr lang="en-US" baseline="0" dirty="0" smtClean="0"/>
+              <a:t> </a:t>
+            </a:r>
+            <a:r>
+              <a:rPr lang="en-US" baseline="0" dirty="0" err="1" smtClean="0"/>
+              <a:t>reprezentacie</a:t>
+            </a:r>
+            <a:r>
+              <a:rPr lang="en-US" baseline="0" dirty="0" smtClean="0"/>
+              <a:t> </a:t>
+            </a:r>
+            <a:r>
+              <a:rPr lang="en-US" baseline="0" dirty="0" err="1" smtClean="0"/>
+              <a:t>pravidiel</a:t>
+            </a:r>
+            <a:r>
+              <a:rPr lang="en-US" baseline="0" dirty="0" smtClean="0"/>
+              <a:t> </a:t>
+            </a:r>
+            <a:r>
+              <a:rPr lang="en-US" dirty="0" err="1" smtClean="0"/>
+              <a:t>nejake</a:t>
+            </a:r>
+            <a:r>
+              <a:rPr lang="en-US" dirty="0" smtClean="0"/>
+              <a:t> simple</a:t>
+            </a:r>
+            <a:r>
+              <a:rPr lang="en-US" baseline="0" dirty="0" smtClean="0"/>
+              <a:t>  </a:t>
             </a:r>
             <a:endParaRPr lang="sk-SK" dirty="0"/>
           </a:p>
@@ -1273,9 +1972,226 @@
               <a:defRPr/>
             </a:pPr>
             <a:r>
-              <a:rPr lang="en-US" dirty="0" smtClean="0"/>
-              <a:t> </a:t>
-            </a:r>
+              <a:rPr lang="sk-SK" sz="1200" kern="1200" dirty="0" smtClean="0">
+                <a:solidFill>
+                  <a:schemeClr val="tx1"/>
+                </a:solidFill>
+                <a:latin typeface="+mn-lt"/>
+                <a:ea typeface="+mn-ea"/>
+                <a:cs typeface="+mn-cs"/>
+              </a:rPr>
+              <a:t>Dôležitou súčasťou návrhu expertného systému s využitím JESS knižnice je určenie architektúry systému, respektíve v akom pomere bude využitý Java kód ku skriptom s JESS príkazmi. Dohromady je až 7 rôznych </a:t>
+            </a:r>
+            <a:r>
+              <a:rPr lang="sk-SK" sz="1200" kern="1200" dirty="0" err="1" smtClean="0">
+                <a:solidFill>
+                  <a:schemeClr val="tx1"/>
+                </a:solidFill>
+                <a:latin typeface="+mn-lt"/>
+                <a:ea typeface="+mn-ea"/>
+                <a:cs typeface="+mn-cs"/>
+              </a:rPr>
+              <a:t>variánt</a:t>
+            </a:r>
+            <a:r>
+              <a:rPr lang="sk-SK" sz="1200" kern="1200" dirty="0" smtClean="0">
+                <a:solidFill>
+                  <a:schemeClr val="tx1"/>
+                </a:solidFill>
+                <a:latin typeface="+mn-lt"/>
+                <a:ea typeface="+mn-ea"/>
+                <a:cs typeface="+mn-cs"/>
+              </a:rPr>
+              <a:t>:</a:t>
+            </a:r>
+          </a:p>
+          <a:p>
+            <a:endParaRPr lang="en-US" dirty="0" smtClean="0"/>
+          </a:p>
+          <a:p>
+            <a:pPr lvl="0"/>
+            <a:r>
+              <a:rPr lang="sk-SK" sz="1200" kern="1200" dirty="0" smtClean="0">
+                <a:solidFill>
+                  <a:schemeClr val="tx1"/>
+                </a:solidFill>
+                <a:latin typeface="+mn-lt"/>
+                <a:ea typeface="+mn-ea"/>
+                <a:cs typeface="+mn-cs"/>
+              </a:rPr>
+              <a:t>Čistý JESS systém, bez použitia Java kódu</a:t>
+            </a:r>
+          </a:p>
+          <a:p>
+            <a:pPr lvl="0"/>
+            <a:r>
+              <a:rPr lang="sk-SK" sz="1200" kern="1200" dirty="0" smtClean="0">
+                <a:solidFill>
+                  <a:schemeClr val="tx1"/>
+                </a:solidFill>
+                <a:latin typeface="+mn-lt"/>
+                <a:ea typeface="+mn-ea"/>
+                <a:cs typeface="+mn-cs"/>
+              </a:rPr>
+              <a:t>Čistý JESS systém, s prístupom do Java API</a:t>
+            </a:r>
+          </a:p>
+          <a:p>
+            <a:pPr lvl="0"/>
+            <a:r>
+              <a:rPr lang="sk-SK" sz="1200" kern="1200" dirty="0" smtClean="0">
+                <a:solidFill>
+                  <a:schemeClr val="tx1"/>
+                </a:solidFill>
+                <a:latin typeface="+mn-lt"/>
+                <a:ea typeface="+mn-ea"/>
+                <a:cs typeface="+mn-cs"/>
+              </a:rPr>
+              <a:t>Väčšina systému v JESS, v Jave napísaných zopár upravených JESS príkazov</a:t>
+            </a:r>
+          </a:p>
+          <a:p>
+            <a:pPr lvl="0"/>
+            <a:r>
+              <a:rPr lang="sk-SK" sz="1200" kern="1200" dirty="0" smtClean="0">
+                <a:solidFill>
+                  <a:schemeClr val="tx1"/>
+                </a:solidFill>
+                <a:latin typeface="+mn-lt"/>
+                <a:ea typeface="+mn-ea"/>
+                <a:cs typeface="+mn-cs"/>
+              </a:rPr>
+              <a:t>Polovica v JESS, podstatná časť v Jave (vlastné príkazy a API), </a:t>
+            </a:r>
+            <a:r>
+              <a:rPr lang="sk-SK" sz="1200" i="1" kern="1200" dirty="0" err="1" smtClean="0">
+                <a:solidFill>
+                  <a:schemeClr val="tx1"/>
+                </a:solidFill>
+                <a:latin typeface="+mn-lt"/>
+                <a:ea typeface="+mn-ea"/>
+                <a:cs typeface="+mn-cs"/>
+              </a:rPr>
+              <a:t>main</a:t>
+            </a:r>
+            <a:r>
+              <a:rPr lang="sk-SK" sz="1200" i="1" kern="1200" dirty="0" smtClean="0">
+                <a:solidFill>
+                  <a:schemeClr val="tx1"/>
+                </a:solidFill>
+                <a:latin typeface="+mn-lt"/>
+                <a:ea typeface="+mn-ea"/>
+                <a:cs typeface="+mn-cs"/>
+              </a:rPr>
+              <a:t>()</a:t>
+            </a:r>
+            <a:r>
+              <a:rPr lang="sk-SK" sz="1200" kern="1200" dirty="0" smtClean="0">
+                <a:solidFill>
+                  <a:schemeClr val="tx1"/>
+                </a:solidFill>
+                <a:latin typeface="+mn-lt"/>
+                <a:ea typeface="+mn-ea"/>
+                <a:cs typeface="+mn-cs"/>
+              </a:rPr>
+              <a:t> funkcia je v JESS</a:t>
+            </a:r>
+          </a:p>
+          <a:p>
+            <a:pPr lvl="0"/>
+            <a:r>
+              <a:rPr lang="sk-SK" sz="1200" kern="1200" dirty="0" smtClean="0">
+                <a:solidFill>
+                  <a:schemeClr val="tx1"/>
+                </a:solidFill>
+                <a:latin typeface="+mn-lt"/>
+                <a:ea typeface="+mn-ea"/>
+                <a:cs typeface="+mn-cs"/>
+              </a:rPr>
+              <a:t>Ako predchádzajúce, ale </a:t>
+            </a:r>
+            <a:r>
+              <a:rPr lang="sk-SK" sz="1200" i="1" kern="1200" dirty="0" err="1" smtClean="0">
+                <a:solidFill>
+                  <a:schemeClr val="tx1"/>
+                </a:solidFill>
+                <a:latin typeface="+mn-lt"/>
+                <a:ea typeface="+mn-ea"/>
+                <a:cs typeface="+mn-cs"/>
+              </a:rPr>
+              <a:t>main</a:t>
+            </a:r>
+            <a:r>
+              <a:rPr lang="sk-SK" sz="1200" i="1" kern="1200" dirty="0" smtClean="0">
+                <a:solidFill>
+                  <a:schemeClr val="tx1"/>
+                </a:solidFill>
+                <a:latin typeface="+mn-lt"/>
+                <a:ea typeface="+mn-ea"/>
+                <a:cs typeface="+mn-cs"/>
+              </a:rPr>
+              <a:t>()</a:t>
+            </a:r>
+            <a:r>
+              <a:rPr lang="sk-SK" sz="1200" kern="1200" dirty="0" smtClean="0">
+                <a:solidFill>
+                  <a:schemeClr val="tx1"/>
+                </a:solidFill>
+                <a:latin typeface="+mn-lt"/>
+                <a:ea typeface="+mn-ea"/>
+                <a:cs typeface="+mn-cs"/>
+              </a:rPr>
+              <a:t> je v Jave</a:t>
+            </a:r>
+          </a:p>
+          <a:p>
+            <a:pPr lvl="0"/>
+            <a:r>
+              <a:rPr lang="sk-SK" sz="1200" kern="1200" dirty="0" smtClean="0">
+                <a:solidFill>
+                  <a:schemeClr val="tx1"/>
+                </a:solidFill>
+                <a:latin typeface="+mn-lt"/>
+                <a:ea typeface="+mn-ea"/>
+                <a:cs typeface="+mn-cs"/>
+              </a:rPr>
+              <a:t>Väčšina v Jave, načítava JESS kód v </a:t>
+            </a:r>
+            <a:r>
+              <a:rPr lang="sk-SK" sz="1200" kern="1200" dirty="0" err="1" smtClean="0">
+                <a:solidFill>
+                  <a:schemeClr val="tx1"/>
+                </a:solidFill>
+                <a:latin typeface="+mn-lt"/>
+                <a:ea typeface="+mn-ea"/>
+                <a:cs typeface="+mn-cs"/>
+              </a:rPr>
+              <a:t>runtime</a:t>
+            </a:r>
+            <a:endParaRPr lang="sk-SK" sz="1200" kern="1200" dirty="0" smtClean="0">
+              <a:solidFill>
+                <a:schemeClr val="tx1"/>
+              </a:solidFill>
+              <a:latin typeface="+mn-lt"/>
+              <a:ea typeface="+mn-ea"/>
+              <a:cs typeface="+mn-cs"/>
+            </a:endParaRPr>
+          </a:p>
+          <a:p>
+            <a:pPr lvl="0"/>
+            <a:r>
+              <a:rPr lang="sk-SK" sz="1200" kern="1200" dirty="0" smtClean="0">
+                <a:solidFill>
+                  <a:schemeClr val="tx1"/>
+                </a:solidFill>
+                <a:latin typeface="+mn-lt"/>
+                <a:ea typeface="+mn-ea"/>
+                <a:cs typeface="+mn-cs"/>
+              </a:rPr>
+              <a:t>Čistý Java systém, ktorý pracuje s JESS iba cez Java API</a:t>
+            </a:r>
+          </a:p>
+          <a:p>
             <a:endParaRPr lang="sk-SK" dirty="0"/>
           </a:p>
         </p:txBody>
@@ -1298,7 +2214,7 @@
             <a:fld id="{45D1DA62-001F-4525-B5C7-5BA4A19F932D}" type="slidenum">
               <a:rPr lang="sk-SK" smtClean="0"/>
               <a:pPr/>
-              <a:t>9</a:t>
+              <a:t>8</a:t>
             </a:fld>
             <a:endParaRPr lang="sk-SK" dirty="0"/>
           </a:p>
@@ -1360,156 +2276,42 @@
           <a:p>
             <a:r>
               <a:rPr lang="en-US" dirty="0" err="1" smtClean="0"/>
-              <a:t>Zhodntenie</a:t>
-            </a:r>
-            <a:r>
-              <a:rPr lang="en-US" baseline="0" dirty="0" smtClean="0"/>
+              <a:t>Zse</a:t>
+            </a:r>
+            <a:r>
+              <a:rPr lang="en-US" dirty="0" smtClean="0"/>
+              <a:t> o </a:t>
+            </a:r>
+            <a:r>
+              <a:rPr lang="en-US" dirty="0" err="1" smtClean="0"/>
+              <a:t>jeees</a:t>
+            </a:r>
+            <a:r>
+              <a:rPr lang="en-US" dirty="0" smtClean="0"/>
+              <a:t>-u</a:t>
+            </a:r>
+          </a:p>
+          <a:p>
+            <a:endParaRPr lang="en-US" dirty="0" smtClean="0"/>
+          </a:p>
+          <a:p>
+            <a:r>
+              <a:rPr lang="en-US" dirty="0" err="1" smtClean="0"/>
+              <a:t>Vyhody</a:t>
+            </a:r>
+            <a:r>
+              <a:rPr lang="en-US" dirty="0" smtClean="0"/>
               <a:t> </a:t>
             </a:r>
             <a:r>
-              <a:rPr lang="en-US" baseline="0" dirty="0" err="1" smtClean="0"/>
-              <a:t>našho</a:t>
-            </a:r>
-            <a:r>
-              <a:rPr lang="en-US" baseline="0" dirty="0" smtClean="0"/>
+              <a:rPr lang="en-US" dirty="0" err="1" smtClean="0"/>
+              <a:t>nevyhody</a:t>
+            </a:r>
+            <a:r>
+              <a:rPr lang="en-US" dirty="0" smtClean="0"/>
               <a:t> </a:t>
             </a:r>
-            <a:r>
-              <a:rPr lang="en-US" baseline="0" dirty="0" err="1" smtClean="0"/>
-              <a:t>systemu</a:t>
-            </a:r>
-            <a:r>
-              <a:rPr lang="en-US" baseline="0" dirty="0" smtClean="0"/>
-              <a:t> </a:t>
-            </a:r>
-            <a:r>
-              <a:rPr lang="en-US" baseline="0" dirty="0" err="1" smtClean="0"/>
-              <a:t>čo</a:t>
-            </a:r>
-            <a:r>
-              <a:rPr lang="en-US" baseline="0" dirty="0" smtClean="0"/>
-              <a:t> </a:t>
-            </a:r>
-            <a:r>
-              <a:rPr lang="en-US" baseline="0" dirty="0" err="1" smtClean="0"/>
-              <a:t>sa</a:t>
-            </a:r>
-            <a:r>
-              <a:rPr lang="en-US" baseline="0" dirty="0" smtClean="0"/>
-              <a:t> </a:t>
-            </a:r>
-            <a:r>
-              <a:rPr lang="en-US" baseline="0" dirty="0" err="1" smtClean="0"/>
-              <a:t>nam</a:t>
-            </a:r>
-            <a:r>
-              <a:rPr lang="en-US" baseline="0" dirty="0" smtClean="0"/>
-              <a:t> </a:t>
-            </a:r>
-            <a:r>
-              <a:rPr lang="en-US" baseline="0" dirty="0" err="1" smtClean="0"/>
-              <a:t>podarilo</a:t>
-            </a:r>
-            <a:r>
-              <a:rPr lang="en-US" baseline="0" dirty="0" smtClean="0"/>
-              <a:t> , </a:t>
-            </a:r>
-            <a:r>
-              <a:rPr lang="en-US" baseline="0" dirty="0" err="1" smtClean="0"/>
-              <a:t>čo</a:t>
-            </a:r>
-            <a:r>
-              <a:rPr lang="en-US" baseline="0" dirty="0" smtClean="0"/>
-              <a:t> </a:t>
-            </a:r>
-            <a:r>
-              <a:rPr lang="en-US" baseline="0" dirty="0" err="1" smtClean="0"/>
-              <a:t>sme</a:t>
-            </a:r>
-            <a:r>
-              <a:rPr lang="en-US" baseline="0" dirty="0" smtClean="0"/>
-              <a:t> </a:t>
-            </a:r>
-            <a:r>
-              <a:rPr lang="en-US" baseline="0" dirty="0" err="1" smtClean="0"/>
-              <a:t>chceli</a:t>
-            </a:r>
-            <a:r>
-              <a:rPr lang="en-US" baseline="0" dirty="0" smtClean="0"/>
-              <a:t>, </a:t>
-            </a:r>
-            <a:r>
-              <a:rPr lang="en-US" baseline="0" dirty="0" err="1" smtClean="0"/>
-              <a:t>čo</a:t>
-            </a:r>
-            <a:r>
-              <a:rPr lang="en-US" baseline="0" dirty="0" smtClean="0"/>
-              <a:t> by </a:t>
-            </a:r>
-            <a:r>
-              <a:rPr lang="en-US" baseline="0" dirty="0" err="1" smtClean="0"/>
-              <a:t>sme</a:t>
-            </a:r>
-            <a:r>
-              <a:rPr lang="en-US" baseline="0" dirty="0" smtClean="0"/>
-              <a:t> </a:t>
-            </a:r>
-            <a:r>
-              <a:rPr lang="en-US" baseline="0" dirty="0" err="1" smtClean="0"/>
-              <a:t>robili</a:t>
-            </a:r>
-            <a:r>
-              <a:rPr lang="en-US" baseline="0" dirty="0" smtClean="0"/>
-              <a:t> </a:t>
-            </a:r>
-            <a:r>
-              <a:rPr lang="en-US" baseline="0" dirty="0" err="1" smtClean="0"/>
-              <a:t>inač</a:t>
-            </a:r>
-            <a:r>
-              <a:rPr lang="en-US" baseline="0" dirty="0" smtClean="0"/>
-              <a:t>, </a:t>
-            </a:r>
-            <a:r>
-              <a:rPr lang="en-US" baseline="0" dirty="0" err="1" smtClean="0"/>
-              <a:t>na</a:t>
-            </a:r>
-            <a:r>
-              <a:rPr lang="en-US" baseline="0" dirty="0" smtClean="0"/>
-              <a:t> </a:t>
-            </a:r>
-            <a:r>
-              <a:rPr lang="en-US" baseline="0" dirty="0" err="1" smtClean="0"/>
-              <a:t>ake</a:t>
-            </a:r>
-            <a:r>
-              <a:rPr lang="en-US" baseline="0" dirty="0" smtClean="0"/>
-              <a:t> </a:t>
-            </a:r>
-            <a:r>
-              <a:rPr lang="en-US" baseline="0" dirty="0" err="1" smtClean="0"/>
-              <a:t>problemy</a:t>
-            </a:r>
-            <a:r>
-              <a:rPr lang="en-US" baseline="0" dirty="0" smtClean="0"/>
-              <a:t> </a:t>
-            </a:r>
-            <a:r>
-              <a:rPr lang="en-US" baseline="0" dirty="0" err="1" smtClean="0"/>
-              <a:t>sme</a:t>
-            </a:r>
-            <a:r>
-              <a:rPr lang="en-US" baseline="0" dirty="0" smtClean="0"/>
-              <a:t> </a:t>
-            </a:r>
-            <a:r>
-              <a:rPr lang="en-US" baseline="0" dirty="0" err="1" smtClean="0"/>
-              <a:t>narazily</a:t>
-            </a:r>
-            <a:r>
-              <a:rPr lang="en-US" baseline="0" dirty="0" smtClean="0"/>
-              <a:t> …</a:t>
-            </a:r>
+            <a:endParaRPr lang="sk-SK" dirty="0"/>
           </a:p>
         </p:txBody>
       </p:sp>
@@ -1531,7 +2333,7 @@
             <a:fld id="{45D1DA62-001F-4525-B5C7-5BA4A19F932D}" type="slidenum">
               <a:rPr lang="sk-SK" smtClean="0"/>
               <a:pPr/>
-              <a:t>10</a:t>
+              <a:t>9</a:t>
             </a:fld>
             <a:endParaRPr lang="sk-SK" dirty="0"/>
           </a:p>
@@ -1592,150 +2394,8 @@
           <a:lstStyle/>
           <a:p>
             <a:r>
-              <a:rPr lang="en-US" dirty="0" err="1" smtClean="0"/>
-              <a:t>Zhodnotenie</a:t>
-            </a:r>
-            <a:r>
-              <a:rPr lang="en-US" baseline="0" dirty="0" smtClean="0"/>
+              <a:rPr lang="en-US" dirty="0" smtClean="0"/>
               <a:t> </a:t>
-            </a:r>
-            <a:r>
-              <a:rPr lang="en-US" baseline="0" dirty="0" err="1" smtClean="0"/>
-              <a:t>projektu</a:t>
-            </a:r>
-            <a:r>
-              <a:rPr lang="en-US" baseline="0" dirty="0" smtClean="0"/>
-              <a:t> a JEES (</a:t>
-            </a:r>
-            <a:r>
-              <a:rPr lang="en-US" baseline="0" dirty="0" err="1" smtClean="0"/>
-              <a:t>retrospektiva</a:t>
-            </a:r>
-            <a:r>
-              <a:rPr lang="en-US" baseline="0" dirty="0" smtClean="0"/>
-              <a:t>) </a:t>
-            </a:r>
-            <a:r>
-              <a:rPr lang="en-US" baseline="0" dirty="0" err="1" smtClean="0"/>
-              <a:t>čo</a:t>
-            </a:r>
-            <a:r>
-              <a:rPr lang="en-US" baseline="0" dirty="0" smtClean="0"/>
-              <a:t> </a:t>
-            </a:r>
-            <a:r>
-              <a:rPr lang="en-US" baseline="0" dirty="0" err="1" smtClean="0"/>
-              <a:t>si</a:t>
-            </a:r>
-            <a:r>
-              <a:rPr lang="en-US" baseline="0" dirty="0" smtClean="0"/>
-              <a:t> o nom </a:t>
-            </a:r>
-            <a:r>
-              <a:rPr lang="en-US" baseline="0" dirty="0" err="1" smtClean="0"/>
-              <a:t>myslime</a:t>
-            </a:r>
-            <a:r>
-              <a:rPr lang="en-US" baseline="0" dirty="0" smtClean="0"/>
-              <a:t>, </a:t>
-            </a:r>
-            <a:r>
-              <a:rPr lang="en-US" baseline="0" dirty="0" err="1" smtClean="0"/>
-              <a:t>či</a:t>
-            </a:r>
-            <a:r>
-              <a:rPr lang="en-US" baseline="0" dirty="0" smtClean="0"/>
-              <a:t> by </a:t>
-            </a:r>
-            <a:r>
-              <a:rPr lang="en-US" baseline="0" dirty="0" err="1" smtClean="0"/>
-              <a:t>sme</a:t>
-            </a:r>
-            <a:r>
-              <a:rPr lang="en-US" baseline="0" dirty="0" smtClean="0"/>
-              <a:t> </a:t>
-            </a:r>
-            <a:r>
-              <a:rPr lang="en-US" baseline="0" dirty="0" err="1" smtClean="0"/>
-              <a:t>si</a:t>
-            </a:r>
-            <a:r>
-              <a:rPr lang="en-US" baseline="0" dirty="0" smtClean="0"/>
-              <a:t> ho </a:t>
-            </a:r>
-            <a:r>
-              <a:rPr lang="en-US" baseline="0" dirty="0" err="1" smtClean="0"/>
-              <a:t>vybrali</a:t>
-            </a:r>
-            <a:r>
-              <a:rPr lang="en-US" baseline="0" dirty="0" smtClean="0"/>
-              <a:t> </a:t>
-            </a:r>
-            <a:r>
-              <a:rPr lang="en-US" baseline="0" dirty="0" err="1" smtClean="0"/>
-              <a:t>ak</a:t>
-            </a:r>
-            <a:r>
-              <a:rPr lang="en-US" baseline="0" dirty="0" smtClean="0"/>
-              <a:t> by </a:t>
-            </a:r>
-            <a:r>
-              <a:rPr lang="en-US" baseline="0" dirty="0" err="1" smtClean="0"/>
-              <a:t>sme</a:t>
-            </a:r>
-            <a:r>
-              <a:rPr lang="en-US" baseline="0" dirty="0" smtClean="0"/>
-              <a:t> </a:t>
-            </a:r>
-            <a:r>
-              <a:rPr lang="en-US" baseline="0" dirty="0" err="1" smtClean="0"/>
-              <a:t>vytvarali</a:t>
-            </a:r>
-            <a:r>
-              <a:rPr lang="en-US" baseline="0" dirty="0" smtClean="0"/>
-              <a:t> </a:t>
-            </a:r>
-            <a:r>
-              <a:rPr lang="en-US" baseline="0" dirty="0" err="1" smtClean="0"/>
-              <a:t>podobne</a:t>
-            </a:r>
-            <a:r>
-              <a:rPr lang="en-US" baseline="0" dirty="0" smtClean="0"/>
-              <a:t> </a:t>
-            </a:r>
-            <a:r>
-              <a:rPr lang="en-US" baseline="0" dirty="0" err="1" smtClean="0"/>
-              <a:t>riešenie</a:t>
-            </a:r>
-            <a:r>
-              <a:rPr lang="en-US" baseline="0" dirty="0" smtClean="0"/>
-              <a:t> </a:t>
-            </a:r>
-          </a:p>
-          <a:p>
-            <a:r>
-              <a:rPr lang="en-US" baseline="0" dirty="0" err="1" smtClean="0"/>
-              <a:t>Proste</a:t>
-            </a:r>
-            <a:r>
-              <a:rPr lang="en-US" baseline="0" dirty="0" smtClean="0"/>
-              <a:t> </a:t>
-            </a:r>
-            <a:r>
-              <a:rPr lang="en-US" baseline="0" dirty="0" err="1" smtClean="0"/>
-              <a:t>naše</a:t>
-            </a:r>
-            <a:r>
-              <a:rPr lang="en-US" baseline="0" dirty="0" smtClean="0"/>
-              <a:t> </a:t>
-            </a:r>
-            <a:r>
-              <a:rPr lang="en-US" baseline="0" dirty="0" err="1" smtClean="0"/>
-              <a:t>odporučania</a:t>
-            </a:r>
-            <a:r>
-              <a:rPr lang="en-US" baseline="0" dirty="0" smtClean="0"/>
-              <a:t>…</a:t>
             </a:r>
             <a:endParaRPr lang="sk-SK" dirty="0"/>
           </a:p>
@@ -1759,7 +2419,7 @@
             <a:fld id="{45D1DA62-001F-4525-B5C7-5BA4A19F932D}" type="slidenum">
               <a:rPr lang="sk-SK" smtClean="0"/>
               <a:pPr/>
-              <a:t>11</a:t>
+              <a:t>10</a:t>
             </a:fld>
             <a:endParaRPr lang="sk-SK" dirty="0"/>
           </a:p>
@@ -1800,12 +2460,7 @@
             <p:ph type="sldImg"/>
           </p:nvPr>
         </p:nvSpPr>
-        <p:spPr>
-          <a:xfrm>
-            <a:off x="381000" y="685800"/>
-            <a:ext cx="6096000" cy="3429000"/>
-          </a:xfrm>
-        </p:spPr>
+        <p:spPr/>
       </p:sp>
       <p:sp>
         <p:nvSpPr>
@@ -1824,8 +2479,25 @@
           </a:bodyPr>
           <a:lstStyle/>
           <a:p>
-            <a:r>
-              <a:rPr lang="sk-SK" dirty="0" smtClean="0"/>
+            <a:pPr marL="0" marR="0" indent="0" algn="l" defTabSz="914400" rtl="0" eaLnBrk="1" fontAlgn="auto" latinLnBrk="0" hangingPunct="1">
+              <a:lnSpc>
+                <a:spcPct val="100000"/>
+              </a:lnSpc>
+              <a:spcBef>
+                <a:spcPts val="0"/>
+              </a:spcBef>
+              <a:spcAft>
+                <a:spcPts val="0"/>
+              </a:spcAft>
+              <a:buClrTx/>
+              <a:buSzTx/>
+              <a:buFontTx/>
+              <a:buNone/>
+              <a:tabLst/>
+              <a:defRPr/>
+            </a:pPr>
+            <a:r>
+              <a:rPr lang="en-US" dirty="0" smtClean="0"/>
               <a:t> </a:t>
             </a:r>
             <a:endParaRPr lang="sk-SK" dirty="0"/>
@@ -1850,7 +2522,7 @@
             <a:fld id="{45D1DA62-001F-4525-B5C7-5BA4A19F932D}" type="slidenum">
               <a:rPr lang="sk-SK" smtClean="0"/>
               <a:pPr/>
-              <a:t>14</a:t>
+              <a:t>12</a:t>
             </a:fld>
             <a:endParaRPr lang="sk-SK" dirty="0"/>
           </a:p>
@@ -2046,7 +2718,7 @@
             <a:fld id="{10336B07-8511-4DF2-93E1-5665CA9277ED}" type="datetimeFigureOut">
               <a:rPr lang="sk-SK" smtClean="0"/>
               <a:pPr/>
-              <a:t>28. 11. 2012</a:t>
+              <a:t>29. 11. 2012</a:t>
             </a:fld>
             <a:endParaRPr lang="sk-SK" dirty="0"/>
           </a:p>
@@ -2213,7 +2885,7 @@
             <a:fld id="{10336B07-8511-4DF2-93E1-5665CA9277ED}" type="datetimeFigureOut">
               <a:rPr lang="sk-SK" smtClean="0"/>
               <a:pPr/>
-              <a:t>28. 11. 2012</a:t>
+              <a:t>29. 11. 2012</a:t>
             </a:fld>
             <a:endParaRPr lang="sk-SK" dirty="0"/>
           </a:p>
@@ -2390,7 +3062,7 @@
             <a:fld id="{10336B07-8511-4DF2-93E1-5665CA9277ED}" type="datetimeFigureOut">
               <a:rPr lang="sk-SK" smtClean="0"/>
               <a:pPr/>
-              <a:t>28. 11. 2012</a:t>
+              <a:t>29. 11. 2012</a:t>
             </a:fld>
             <a:endParaRPr lang="sk-SK" dirty="0"/>
           </a:p>
@@ -2635,7 +3307,7 @@
                 </a:solidFill>
               </a:rPr>
               <a:pPr/>
-              <a:t>28. 11. 2012</a:t>
+              <a:t>29. 11. 2012</a:t>
             </a:fld>
             <a:endParaRPr lang="sk-SK" dirty="0">
               <a:solidFill>
@@ -2832,7 +3504,7 @@
                 </a:solidFill>
               </a:rPr>
               <a:pPr/>
-              <a:t>28. 11. 2012</a:t>
+              <a:t>29. 11. 2012</a:t>
             </a:fld>
             <a:endParaRPr lang="sk-SK" dirty="0">
               <a:solidFill>
@@ -3105,7 +3777,7 @@
                 </a:solidFill>
               </a:rPr>
               <a:pPr/>
-              <a:t>28. 11. 2012</a:t>
+              <a:t>29. 11. 2012</a:t>
             </a:fld>
             <a:endParaRPr lang="sk-SK" dirty="0">
               <a:solidFill>
@@ -3420,7 +4092,7 @@
                 </a:solidFill>
               </a:rPr>
               <a:pPr/>
-              <a:t>28. 11. 2012</a:t>
+              <a:t>29. 11. 2012</a:t>
             </a:fld>
             <a:endParaRPr lang="sk-SK" dirty="0">
               <a:solidFill>
@@ -3869,7 +4541,7 @@
                 </a:solidFill>
               </a:rPr>
               <a:pPr/>
-              <a:t>28. 11. 2012</a:t>
+              <a:t>29. 11. 2012</a:t>
             </a:fld>
             <a:endParaRPr lang="sk-SK" dirty="0">
               <a:solidFill>
@@ -4014,7 +4686,7 @@
                 </a:solidFill>
               </a:rPr>
               <a:pPr/>
-              <a:t>28. 11. 2012</a:t>
+              <a:t>29. 11. 2012</a:t>
             </a:fld>
             <a:endParaRPr lang="sk-SK" dirty="0">
               <a:solidFill>
@@ -4136,7 +4808,7 @@
                 </a:solidFill>
               </a:rPr>
               <a:pPr/>
-              <a:t>28. 11. 2012</a:t>
+              <a:t>29. 11. 2012</a:t>
             </a:fld>
             <a:endParaRPr lang="sk-SK" dirty="0">
               <a:solidFill>
@@ -4440,7 +5112,7 @@
                 </a:solidFill>
               </a:rPr>
               <a:pPr/>
-              <a:t>28. 11. 2012</a:t>
+              <a:t>29. 11. 2012</a:t>
             </a:fld>
             <a:endParaRPr lang="sk-SK" dirty="0">
               <a:solidFill>
@@ -4631,7 +5303,7 @@
             <a:fld id="{10336B07-8511-4DF2-93E1-5665CA9277ED}" type="datetimeFigureOut">
               <a:rPr lang="sk-SK" smtClean="0"/>
               <a:pPr/>
-              <a:t>28. 11. 2012</a:t>
+              <a:t>29. 11. 2012</a:t>
             </a:fld>
             <a:endParaRPr lang="sk-SK" dirty="0"/>
           </a:p>
@@ -4887,7 +5559,7 @@
                 </a:solidFill>
               </a:rPr>
               <a:pPr/>
-              <a:t>28. 11. 2012</a:t>
+              <a:t>29. 11. 2012</a:t>
             </a:fld>
             <a:endParaRPr lang="sk-SK" dirty="0">
               <a:solidFill>
@@ -5084,7 +5756,7 @@
                 </a:solidFill>
               </a:rPr>
               <a:pPr/>
-              <a:t>28. 11. 2012</a:t>
+              <a:t>29. 11. 2012</a:t>
             </a:fld>
             <a:endParaRPr lang="sk-SK" dirty="0">
               <a:solidFill>
@@ -5291,7 +5963,7 @@
                 </a:solidFill>
               </a:rPr>
               <a:pPr/>
-              <a:t>28. 11. 2012</a:t>
+              <a:t>29. 11. 2012</a:t>
             </a:fld>
             <a:endParaRPr lang="sk-SK" dirty="0">
               <a:solidFill>
@@ -5558,7 +6230,7 @@
             <a:fld id="{10336B07-8511-4DF2-93E1-5665CA9277ED}" type="datetimeFigureOut">
               <a:rPr lang="sk-SK" smtClean="0"/>
               <a:pPr/>
-              <a:t>28. 11. 2012</a:t>
+              <a:t>29. 11. 2012</a:t>
             </a:fld>
             <a:endParaRPr lang="sk-SK" dirty="0"/>
           </a:p>
@@ -5843,7 +6515,7 @@
             <a:fld id="{10336B07-8511-4DF2-93E1-5665CA9277ED}" type="datetimeFigureOut">
               <a:rPr lang="sk-SK" smtClean="0"/>
               <a:pPr/>
-              <a:t>28. 11. 2012</a:t>
+              <a:t>29. 11. 2012</a:t>
             </a:fld>
             <a:endParaRPr lang="sk-SK" dirty="0"/>
           </a:p>
@@ -6267,7 +6939,7 @@
             <a:fld id="{10336B07-8511-4DF2-93E1-5665CA9277ED}" type="datetimeFigureOut">
               <a:rPr lang="sk-SK" smtClean="0"/>
               <a:pPr/>
-              <a:t>28. 11. 2012</a:t>
+              <a:t>29. 11. 2012</a:t>
             </a:fld>
             <a:endParaRPr lang="sk-SK" dirty="0"/>
           </a:p>
@@ -6382,7 +7054,7 @@
             <a:fld id="{10336B07-8511-4DF2-93E1-5665CA9277ED}" type="datetimeFigureOut">
               <a:rPr lang="sk-SK" smtClean="0"/>
               <a:pPr/>
-              <a:t>28. 11. 2012</a:t>
+              <a:t>29. 11. 2012</a:t>
             </a:fld>
             <a:endParaRPr lang="sk-SK" dirty="0"/>
           </a:p>
@@ -6474,7 +7146,7 @@
             <a:fld id="{10336B07-8511-4DF2-93E1-5665CA9277ED}" type="datetimeFigureOut">
               <a:rPr lang="sk-SK" smtClean="0"/>
               <a:pPr/>
-              <a:t>28. 11. 2012</a:t>
+              <a:t>29. 11. 2012</a:t>
             </a:fld>
             <a:endParaRPr lang="sk-SK" dirty="0"/>
           </a:p>
@@ -6748,7 +7420,7 @@
             <a:fld id="{10336B07-8511-4DF2-93E1-5665CA9277ED}" type="datetimeFigureOut">
               <a:rPr lang="sk-SK" smtClean="0"/>
               <a:pPr/>
-              <a:t>28. 11. 2012</a:t>
+              <a:t>29. 11. 2012</a:t>
             </a:fld>
             <a:endParaRPr lang="sk-SK" dirty="0"/>
           </a:p>
@@ -6998,7 +7670,7 @@
             <a:fld id="{10336B07-8511-4DF2-93E1-5665CA9277ED}" type="datetimeFigureOut">
               <a:rPr lang="sk-SK" smtClean="0"/>
               <a:pPr/>
-              <a:t>28. 11. 2012</a:t>
+              <a:t>29. 11. 2012</a:t>
             </a:fld>
             <a:endParaRPr lang="sk-SK" dirty="0"/>
           </a:p>
@@ -7225,7 +7897,7 @@
             <a:fld id="{10336B07-8511-4DF2-93E1-5665CA9277ED}" type="datetimeFigureOut">
               <a:rPr lang="sk-SK" smtClean="0"/>
               <a:pPr/>
-              <a:t>28. 11. 2012</a:t>
+              <a:t>29. 11. 2012</a:t>
             </a:fld>
             <a:endParaRPr lang="sk-SK" dirty="0"/>
           </a:p>
@@ -7755,7 +8427,7 @@
                 </a:solidFill>
               </a:rPr>
               <a:pPr/>
-              <a:t>28. 11. 2012</a:t>
+              <a:t>29. 11. 2012</a:t>
             </a:fld>
             <a:endParaRPr lang="sk-SK" dirty="0">
               <a:solidFill>
@@ -8211,13 +8883,3086 @@
       </p:grpSpPr>
       <p:sp>
         <p:nvSpPr>
+          <p:cNvPr id="5" name="BlokTextu 4"/>
+          <p:cNvSpPr txBox="1"/>
+          <p:nvPr/>
+        </p:nvSpPr>
+        <p:spPr>
+          <a:xfrm>
+            <a:off x="1043608" y="987574"/>
+            <a:ext cx="3816424" cy="1107996"/>
+          </a:xfrm>
+          <a:prstGeom prst="rect">
+            <a:avLst/>
+          </a:prstGeom>
+          <a:noFill/>
+        </p:spPr>
+        <p:txBody>
+          <a:bodyPr wrap="square" rtlCol="0">
+            <a:spAutoFit/>
+          </a:bodyPr>
+          <a:lstStyle/>
+          <a:p>
+            <a:r>
+              <a:rPr lang="en-US" sz="6600" dirty="0" err="1" smtClean="0">
+                <a:solidFill>
+                  <a:srgbClr val="20272A"/>
+                </a:solidFill>
+                <a:latin typeface="Arial" pitchFamily="34" charset="0"/>
+                <a:ea typeface="KaiTi" pitchFamily="49" charset="-122"/>
+                <a:cs typeface="Arial" pitchFamily="34" charset="0"/>
+              </a:rPr>
+              <a:t>Použité</a:t>
+            </a:r>
+            <a:endParaRPr lang="en-US" sz="4400" dirty="0" smtClean="0">
+              <a:solidFill>
+                <a:srgbClr val="20272A"/>
+              </a:solidFill>
+              <a:latin typeface="Arial" pitchFamily="34" charset="0"/>
+              <a:ea typeface="KaiTi" pitchFamily="49" charset="-122"/>
+              <a:cs typeface="Arial" pitchFamily="34" charset="0"/>
+            </a:endParaRPr>
+          </a:p>
+        </p:txBody>
+      </p:sp>
+      <p:sp>
+        <p:nvSpPr>
+          <p:cNvPr id="9" name="BlokTextu 8"/>
+          <p:cNvSpPr txBox="1"/>
+          <p:nvPr/>
+        </p:nvSpPr>
+        <p:spPr>
+          <a:xfrm>
+            <a:off x="2411760" y="1635646"/>
+            <a:ext cx="6444208" cy="1323439"/>
+          </a:xfrm>
+          <a:prstGeom prst="rect">
+            <a:avLst/>
+          </a:prstGeom>
+          <a:noFill/>
+        </p:spPr>
+        <p:txBody>
+          <a:bodyPr wrap="square" rtlCol="0">
+            <a:spAutoFit/>
+          </a:bodyPr>
+          <a:lstStyle/>
+          <a:p>
+            <a:r>
+              <a:rPr lang="en-US" sz="8000" b="1" dirty="0" err="1" smtClean="0">
+                <a:solidFill>
+                  <a:srgbClr val="851019"/>
+                </a:solidFill>
+                <a:latin typeface="Arial" pitchFamily="34" charset="0"/>
+                <a:ea typeface="KaiTi" pitchFamily="49" charset="-122"/>
+                <a:cs typeface="Arial" pitchFamily="34" charset="0"/>
+              </a:rPr>
+              <a:t>technológie</a:t>
+            </a:r>
+            <a:endParaRPr lang="sk-SK" sz="8000" b="1" dirty="0">
+              <a:solidFill>
+                <a:srgbClr val="851019"/>
+              </a:solidFill>
+              <a:latin typeface="Arial" pitchFamily="34" charset="0"/>
+              <a:ea typeface="KaiTi" pitchFamily="49" charset="-122"/>
+              <a:cs typeface="Arial" pitchFamily="34" charset="0"/>
+            </a:endParaRPr>
+          </a:p>
+        </p:txBody>
+      </p:sp>
+      <p:sp>
+        <p:nvSpPr>
+          <p:cNvPr id="10" name="BlokTextu 9"/>
+          <p:cNvSpPr txBox="1"/>
+          <p:nvPr/>
+        </p:nvSpPr>
+        <p:spPr>
+          <a:xfrm>
+            <a:off x="899592" y="3867894"/>
+            <a:ext cx="7560840" cy="646331"/>
+          </a:xfrm>
+          <a:prstGeom prst="rect">
+            <a:avLst/>
+          </a:prstGeom>
+          <a:noFill/>
+        </p:spPr>
+        <p:txBody>
+          <a:bodyPr wrap="square" rtlCol="0">
+            <a:spAutoFit/>
+          </a:bodyPr>
+          <a:lstStyle/>
+          <a:p>
+            <a:r>
+              <a:rPr lang="en-US" sz="3600" dirty="0" smtClean="0">
+                <a:solidFill>
+                  <a:srgbClr val="20272A"/>
+                </a:solidFill>
+                <a:latin typeface="Arial" pitchFamily="34" charset="0"/>
+                <a:ea typeface="KaiTi" pitchFamily="49" charset="-122"/>
+                <a:cs typeface="Arial" pitchFamily="34" charset="0"/>
+              </a:rPr>
+              <a:t>JEES + Java .API + </a:t>
+            </a:r>
+            <a:r>
+              <a:rPr lang="en-US" sz="3600" dirty="0" err="1" smtClean="0">
+                <a:solidFill>
+                  <a:srgbClr val="20272A"/>
+                </a:solidFill>
+                <a:latin typeface="Arial" pitchFamily="34" charset="0"/>
+                <a:ea typeface="KaiTi" pitchFamily="49" charset="-122"/>
+                <a:cs typeface="Arial" pitchFamily="34" charset="0"/>
+              </a:rPr>
+              <a:t>NetBeans</a:t>
+            </a:r>
+            <a:r>
+              <a:rPr lang="en-US" sz="3600" dirty="0" smtClean="0">
+                <a:solidFill>
+                  <a:srgbClr val="20272A"/>
+                </a:solidFill>
+                <a:latin typeface="Arial" pitchFamily="34" charset="0"/>
+                <a:ea typeface="KaiTi" pitchFamily="49" charset="-122"/>
+                <a:cs typeface="Arial" pitchFamily="34" charset="0"/>
+              </a:rPr>
+              <a:t> IDE</a:t>
+            </a:r>
+            <a:endParaRPr lang="en-US" sz="2000" dirty="0" smtClean="0">
+              <a:solidFill>
+                <a:srgbClr val="20272A"/>
+              </a:solidFill>
+              <a:latin typeface="Arial" pitchFamily="34" charset="0"/>
+              <a:ea typeface="KaiTi" pitchFamily="49" charset="-122"/>
+              <a:cs typeface="Arial" pitchFamily="34" charset="0"/>
+            </a:endParaRPr>
+          </a:p>
+        </p:txBody>
+      </p:sp>
+    </p:spTree>
+  </p:cSld>
+  <p:clrMapOvr>
+    <a:masterClrMapping/>
+  </p:clrMapOvr>
+  <p:transition>
+    <p:push/>
+  </p:transition>
+  <p:timing>
+    <p:tnLst>
+      <p:par>
+        <p:cTn id="1" dur="indefinite" restart="never" nodeType="tmRoot">
+          <p:childTnLst>
+            <p:seq concurrent="1" nextAc="seek">
+              <p:cTn id="2" dur="indefinite" nodeType="mainSeq">
+                <p:childTnLst>
+                  <p:par>
+                    <p:cTn id="3" fill="hold">
+                      <p:stCondLst>
+                        <p:cond delay="indefinite"/>
+                        <p:cond evt="onBegin" delay="0">
+                          <p:tn val="2"/>
+                        </p:cond>
+                      </p:stCondLst>
+                      <p:childTnLst>
+                        <p:par>
+                          <p:cTn id="4" fill="hold">
+                            <p:stCondLst>
+                              <p:cond delay="0"/>
+                            </p:stCondLst>
+                            <p:childTnLst>
+                              <p:par>
+                                <p:cTn id="5" presetID="53" presetClass="entr" presetSubtype="0" fill="hold" grpId="0" nodeType="withEffect">
+                                  <p:stCondLst>
+                                    <p:cond delay="0"/>
+                                  </p:stCondLst>
+                                  <p:childTnLst>
+                                    <p:set>
+                                      <p:cBhvr>
+                                        <p:cTn id="6" dur="1" fill="hold">
+                                          <p:stCondLst>
+                                            <p:cond delay="0"/>
+                                          </p:stCondLst>
+                                        </p:cTn>
+                                        <p:tgtEl>
+                                          <p:spTgt spid="10"/>
+                                        </p:tgtEl>
+                                        <p:attrNameLst>
+                                          <p:attrName>style.visibility</p:attrName>
+                                        </p:attrNameLst>
+                                      </p:cBhvr>
+                                      <p:to>
+                                        <p:strVal val="visible"/>
+                                      </p:to>
+                                    </p:set>
+                                    <p:anim calcmode="lin" valueType="num">
+                                      <p:cBhvr>
+                                        <p:cTn id="7" dur="500" fill="hold"/>
+                                        <p:tgtEl>
+                                          <p:spTgt spid="10"/>
+                                        </p:tgtEl>
+                                        <p:attrNameLst>
+                                          <p:attrName>ppt_w</p:attrName>
+                                        </p:attrNameLst>
+                                      </p:cBhvr>
+                                      <p:tavLst>
+                                        <p:tav tm="0">
+                                          <p:val>
+                                            <p:fltVal val="0"/>
+                                          </p:val>
+                                        </p:tav>
+                                        <p:tav tm="100000">
+                                          <p:val>
+                                            <p:strVal val="#ppt_w"/>
+                                          </p:val>
+                                        </p:tav>
+                                      </p:tavLst>
+                                    </p:anim>
+                                    <p:anim calcmode="lin" valueType="num">
+                                      <p:cBhvr>
+                                        <p:cTn id="8" dur="500" fill="hold"/>
+                                        <p:tgtEl>
+                                          <p:spTgt spid="10"/>
+                                        </p:tgtEl>
+                                        <p:attrNameLst>
+                                          <p:attrName>ppt_h</p:attrName>
+                                        </p:attrNameLst>
+                                      </p:cBhvr>
+                                      <p:tavLst>
+                                        <p:tav tm="0">
+                                          <p:val>
+                                            <p:fltVal val="0"/>
+                                          </p:val>
+                                        </p:tav>
+                                        <p:tav tm="100000">
+                                          <p:val>
+                                            <p:strVal val="#ppt_h"/>
+                                          </p:val>
+                                        </p:tav>
+                                      </p:tavLst>
+                                    </p:anim>
+                                    <p:animEffect transition="in" filter="fade">
+                                      <p:cBhvr>
+                                        <p:cTn id="9" dur="500"/>
+                                        <p:tgtEl>
+                                          <p:spTgt spid="10"/>
+                                        </p:tgtEl>
+                                      </p:cBhvr>
+                                    </p:animEffect>
+                                  </p:childTnLst>
+                                </p:cTn>
+                              </p:par>
+                            </p:childTnLst>
+                          </p:cTn>
+                        </p:par>
+                      </p:childTnLst>
+                    </p:cTn>
+                  </p:par>
+                </p:childTnLst>
+              </p:cTn>
+              <p:prevCondLst>
+                <p:cond evt="onPrev" delay="0">
+                  <p:tgtEl>
+                    <p:sldTgt/>
+                  </p:tgtEl>
+                </p:cond>
+              </p:prevCondLst>
+              <p:nextCondLst>
+                <p:cond evt="onNext" delay="0">
+                  <p:tgtEl>
+                    <p:sldTgt/>
+                  </p:tgtEl>
+                </p:cond>
+              </p:nextCondLst>
+            </p:seq>
+          </p:childTnLst>
+        </p:cTn>
+      </p:par>
+    </p:tnLst>
+    <p:bldLst>
+      <p:bldP spid="10" grpId="0"/>
+    </p:bldLst>
+  </p:timing>
+</p:sld>
+</file>
+
+<file path=ppt/slides/slide11.xml><?xml version="1.0" encoding="utf-8"?>
+<p:sld xmlns:a="http://schemas.openxmlformats.org/drawingml/2006/main" xmlns:r="http://schemas.openxmlformats.org/officeDocument/2006/relationships" xmlns:p="http://schemas.openxmlformats.org/presentationml/2006/main">
+  <p:cSld>
+    <p:spTree>
+      <p:nvGrpSpPr>
+        <p:cNvPr id="1" name=""/>
+        <p:cNvGrpSpPr/>
+        <p:nvPr/>
+      </p:nvGrpSpPr>
+      <p:grpSpPr>
+        <a:xfrm>
+          <a:off x="0" y="0"/>
+          <a:ext cx="0" cy="0"/>
+          <a:chOff x="0" y="0"/>
+          <a:chExt cx="0" cy="0"/>
+        </a:xfrm>
+      </p:grpSpPr>
+      <p:grpSp>
+        <p:nvGrpSpPr>
+          <p:cNvPr id="51" name="Skupina 50"/>
+          <p:cNvGrpSpPr/>
+          <p:nvPr/>
+        </p:nvGrpSpPr>
+        <p:grpSpPr>
+          <a:xfrm>
+            <a:off x="1979712" y="2427734"/>
+            <a:ext cx="1440160" cy="842610"/>
+            <a:chOff x="1979712" y="2427734"/>
+            <a:chExt cx="1440160" cy="842610"/>
+          </a:xfrm>
+        </p:grpSpPr>
+        <p:grpSp>
+          <p:nvGrpSpPr>
+            <p:cNvPr id="17" name="Skupina 16"/>
+            <p:cNvGrpSpPr/>
+            <p:nvPr/>
+          </p:nvGrpSpPr>
+          <p:grpSpPr>
+            <a:xfrm>
+              <a:off x="1979712" y="2427734"/>
+              <a:ext cx="1296144" cy="792088"/>
+              <a:chOff x="1979712" y="2355726"/>
+              <a:chExt cx="1296144" cy="792088"/>
+            </a:xfrm>
+          </p:grpSpPr>
+          <p:sp>
+            <p:nvSpPr>
+              <p:cNvPr id="2" name="Zaoblený obdĺžnik 1"/>
+              <p:cNvSpPr/>
+              <p:nvPr/>
+            </p:nvSpPr>
+            <p:spPr>
+              <a:xfrm>
+                <a:off x="1979712" y="2355726"/>
+                <a:ext cx="1296144" cy="792088"/>
+              </a:xfrm>
+              <a:prstGeom prst="roundRect">
+                <a:avLst/>
+              </a:prstGeom>
+              <a:noFill/>
+              <a:ln w="38100">
+                <a:solidFill>
+                  <a:srgbClr val="20272A"/>
+                </a:solidFill>
+              </a:ln>
+            </p:spPr>
+            <p:style>
+              <a:lnRef idx="2">
+                <a:schemeClr val="accent1">
+                  <a:shade val="50000"/>
+                </a:schemeClr>
+              </a:lnRef>
+              <a:fillRef idx="1">
+                <a:schemeClr val="accent1"/>
+              </a:fillRef>
+              <a:effectRef idx="0">
+                <a:schemeClr val="accent1"/>
+              </a:effectRef>
+              <a:fontRef idx="minor">
+                <a:schemeClr val="lt1"/>
+              </a:fontRef>
+            </p:style>
+            <p:txBody>
+              <a:bodyPr rtlCol="0" anchor="ctr"/>
+              <a:lstStyle/>
+              <a:p>
+                <a:pPr algn="ctr"/>
+                <a:endParaRPr lang="sk-SK"/>
+              </a:p>
+            </p:txBody>
+          </p:sp>
+          <p:sp>
+            <p:nvSpPr>
+              <p:cNvPr id="5" name="BlokTextu 4"/>
+              <p:cNvSpPr txBox="1"/>
+              <p:nvPr/>
+            </p:nvSpPr>
+            <p:spPr>
+              <a:xfrm>
+                <a:off x="2267744" y="2427734"/>
+                <a:ext cx="936104" cy="584775"/>
+              </a:xfrm>
+              <a:prstGeom prst="rect">
+                <a:avLst/>
+              </a:prstGeom>
+              <a:noFill/>
+            </p:spPr>
+            <p:txBody>
+              <a:bodyPr wrap="square" rtlCol="0">
+                <a:spAutoFit/>
+              </a:bodyPr>
+              <a:lstStyle/>
+              <a:p>
+                <a:r>
+                  <a:rPr lang="en-US" sz="3200" b="1" dirty="0" smtClean="0">
+                    <a:solidFill>
+                      <a:srgbClr val="20272A"/>
+                    </a:solidFill>
+                    <a:latin typeface="Segoe UI" pitchFamily="34" charset="0"/>
+                    <a:ea typeface="Segoe UI" pitchFamily="34" charset="0"/>
+                    <a:cs typeface="Segoe UI" pitchFamily="34" charset="0"/>
+                  </a:rPr>
+                  <a:t>UI</a:t>
+                </a:r>
+                <a:r>
+                  <a:rPr lang="en-US" dirty="0" smtClean="0"/>
+                  <a:t> </a:t>
+                </a:r>
+                <a:endParaRPr lang="sk-SK" dirty="0"/>
+              </a:p>
+            </p:txBody>
+          </p:sp>
+        </p:grpSp>
+        <p:sp>
+          <p:nvSpPr>
+            <p:cNvPr id="6" name="BlokTextu 5"/>
+            <p:cNvSpPr txBox="1"/>
+            <p:nvPr/>
+          </p:nvSpPr>
+          <p:spPr>
+            <a:xfrm>
+              <a:off x="1979712" y="2931790"/>
+              <a:ext cx="1440160" cy="338554"/>
+            </a:xfrm>
+            <a:prstGeom prst="rect">
+              <a:avLst/>
+            </a:prstGeom>
+            <a:noFill/>
+          </p:spPr>
+          <p:txBody>
+            <a:bodyPr wrap="square" rtlCol="0">
+              <a:spAutoFit/>
+            </a:bodyPr>
+            <a:lstStyle/>
+            <a:p>
+              <a:r>
+                <a:rPr lang="en-US" sz="1600" dirty="0" smtClean="0">
+                  <a:latin typeface="Arial" pitchFamily="34" charset="0"/>
+                  <a:cs typeface="Arial" pitchFamily="34" charset="0"/>
+                </a:rPr>
+                <a:t> Java .API</a:t>
+              </a:r>
+              <a:endParaRPr lang="sk-SK" sz="1600" dirty="0">
+                <a:latin typeface="Arial" pitchFamily="34" charset="0"/>
+                <a:cs typeface="Arial" pitchFamily="34" charset="0"/>
+              </a:endParaRPr>
+            </a:p>
+          </p:txBody>
+        </p:sp>
+      </p:grpSp>
+      <p:cxnSp>
+        <p:nvCxnSpPr>
+          <p:cNvPr id="8" name="Rovná spojovacia šípka 7"/>
+          <p:cNvCxnSpPr/>
+          <p:nvPr/>
+        </p:nvCxnSpPr>
+        <p:spPr>
+          <a:xfrm>
+            <a:off x="3275856" y="2643758"/>
+            <a:ext cx="1368152" cy="0"/>
+          </a:xfrm>
+          <a:prstGeom prst="straightConnector1">
+            <a:avLst/>
+          </a:prstGeom>
+          <a:ln w="19050">
+            <a:solidFill>
+              <a:srgbClr val="20272A"/>
+            </a:solidFill>
+            <a:tailEnd type="arrow"/>
+          </a:ln>
+        </p:spPr>
+        <p:style>
+          <a:lnRef idx="1">
+            <a:schemeClr val="accent1"/>
+          </a:lnRef>
+          <a:fillRef idx="0">
+            <a:schemeClr val="accent1"/>
+          </a:fillRef>
+          <a:effectRef idx="0">
+            <a:schemeClr val="accent1"/>
+          </a:effectRef>
+          <a:fontRef idx="minor">
+            <a:schemeClr val="tx1"/>
+          </a:fontRef>
+        </p:style>
+      </p:cxnSp>
+      <p:cxnSp>
+        <p:nvCxnSpPr>
+          <p:cNvPr id="9" name="Rovná spojovacia šípka 8"/>
+          <p:cNvCxnSpPr/>
+          <p:nvPr/>
+        </p:nvCxnSpPr>
+        <p:spPr>
+          <a:xfrm flipH="1">
+            <a:off x="3275856" y="2931790"/>
+            <a:ext cx="1368152" cy="0"/>
+          </a:xfrm>
+          <a:prstGeom prst="straightConnector1">
+            <a:avLst/>
+          </a:prstGeom>
+          <a:ln w="19050">
+            <a:solidFill>
+              <a:srgbClr val="20272A"/>
+            </a:solidFill>
+            <a:tailEnd type="arrow"/>
+          </a:ln>
+        </p:spPr>
+        <p:style>
+          <a:lnRef idx="1">
+            <a:schemeClr val="accent1"/>
+          </a:lnRef>
+          <a:fillRef idx="0">
+            <a:schemeClr val="accent1"/>
+          </a:fillRef>
+          <a:effectRef idx="0">
+            <a:schemeClr val="accent1"/>
+          </a:effectRef>
+          <a:fontRef idx="minor">
+            <a:schemeClr val="tx1"/>
+          </a:fontRef>
+        </p:style>
+      </p:cxnSp>
+      <p:grpSp>
+        <p:nvGrpSpPr>
+          <p:cNvPr id="16" name="Skupina 15"/>
+          <p:cNvGrpSpPr/>
+          <p:nvPr/>
+        </p:nvGrpSpPr>
+        <p:grpSpPr>
+          <a:xfrm>
+            <a:off x="4644008" y="2283718"/>
+            <a:ext cx="1584176" cy="936104"/>
+            <a:chOff x="4644008" y="2283718"/>
+            <a:chExt cx="1584176" cy="936104"/>
+          </a:xfrm>
+        </p:grpSpPr>
+        <p:sp>
+          <p:nvSpPr>
+            <p:cNvPr id="3" name="Zaoblený obdĺžnik 2"/>
+            <p:cNvSpPr/>
+            <p:nvPr/>
+          </p:nvSpPr>
+          <p:spPr>
+            <a:xfrm>
+              <a:off x="4644008" y="2283718"/>
+              <a:ext cx="1584176" cy="936104"/>
+            </a:xfrm>
+            <a:prstGeom prst="roundRect">
+              <a:avLst/>
+            </a:prstGeom>
+            <a:noFill/>
+            <a:ln w="38100">
+              <a:solidFill>
+                <a:srgbClr val="20272A"/>
+              </a:solidFill>
+            </a:ln>
+          </p:spPr>
+          <p:style>
+            <a:lnRef idx="2">
+              <a:schemeClr val="accent1">
+                <a:shade val="50000"/>
+              </a:schemeClr>
+            </a:lnRef>
+            <a:fillRef idx="1">
+              <a:schemeClr val="accent1"/>
+            </a:fillRef>
+            <a:effectRef idx="0">
+              <a:schemeClr val="accent1"/>
+            </a:effectRef>
+            <a:fontRef idx="minor">
+              <a:schemeClr val="lt1"/>
+            </a:fontRef>
+          </p:style>
+          <p:txBody>
+            <a:bodyPr rtlCol="0" anchor="ctr"/>
+            <a:lstStyle/>
+            <a:p>
+              <a:pPr algn="ctr"/>
+              <a:endParaRPr lang="sk-SK"/>
+            </a:p>
+          </p:txBody>
+        </p:sp>
+        <p:sp>
+          <p:nvSpPr>
+            <p:cNvPr id="10" name="BlokTextu 9"/>
+            <p:cNvSpPr txBox="1"/>
+            <p:nvPr/>
+          </p:nvSpPr>
+          <p:spPr>
+            <a:xfrm>
+              <a:off x="4932040" y="2427734"/>
+              <a:ext cx="1224136" cy="584775"/>
+            </a:xfrm>
+            <a:prstGeom prst="rect">
+              <a:avLst/>
+            </a:prstGeom>
+            <a:noFill/>
+          </p:spPr>
+          <p:txBody>
+            <a:bodyPr wrap="square" rtlCol="0">
+              <a:spAutoFit/>
+            </a:bodyPr>
+            <a:lstStyle/>
+            <a:p>
+              <a:r>
+                <a:rPr lang="en-US" sz="3200" b="1" dirty="0" smtClean="0">
+                  <a:solidFill>
+                    <a:srgbClr val="20272A"/>
+                  </a:solidFill>
+                  <a:latin typeface="Segoe UI" pitchFamily="34" charset="0"/>
+                  <a:ea typeface="Segoe UI" pitchFamily="34" charset="0"/>
+                  <a:cs typeface="Segoe UI" pitchFamily="34" charset="0"/>
+                </a:rPr>
+                <a:t>JEES</a:t>
+              </a:r>
+              <a:r>
+                <a:rPr lang="en-US" dirty="0" smtClean="0"/>
+                <a:t> </a:t>
+              </a:r>
+              <a:endParaRPr lang="sk-SK" dirty="0"/>
+            </a:p>
+          </p:txBody>
+        </p:sp>
+        <p:sp>
+          <p:nvSpPr>
+            <p:cNvPr id="11" name="BlokTextu 10"/>
+            <p:cNvSpPr txBox="1"/>
+            <p:nvPr/>
+          </p:nvSpPr>
+          <p:spPr>
+            <a:xfrm>
+              <a:off x="4860032" y="2859782"/>
+              <a:ext cx="1296144" cy="338554"/>
+            </a:xfrm>
+            <a:prstGeom prst="rect">
+              <a:avLst/>
+            </a:prstGeom>
+            <a:noFill/>
+          </p:spPr>
+          <p:txBody>
+            <a:bodyPr wrap="square" rtlCol="0">
+              <a:spAutoFit/>
+            </a:bodyPr>
+            <a:lstStyle/>
+            <a:p>
+              <a:r>
+                <a:rPr lang="en-US" sz="1600" dirty="0" smtClean="0">
+                  <a:latin typeface="Arial" pitchFamily="34" charset="0"/>
+                  <a:cs typeface="Arial" pitchFamily="34" charset="0"/>
+                </a:rPr>
+                <a:t>Rule engine</a:t>
+              </a:r>
+              <a:endParaRPr lang="sk-SK" sz="1600" dirty="0">
+                <a:latin typeface="Arial" pitchFamily="34" charset="0"/>
+                <a:cs typeface="Arial" pitchFamily="34" charset="0"/>
+              </a:endParaRPr>
+            </a:p>
+          </p:txBody>
+        </p:sp>
+      </p:grpSp>
+      <p:grpSp>
+        <p:nvGrpSpPr>
+          <p:cNvPr id="15" name="Skupina 14"/>
+          <p:cNvGrpSpPr/>
+          <p:nvPr/>
+        </p:nvGrpSpPr>
+        <p:grpSpPr>
+          <a:xfrm>
+            <a:off x="4932040" y="3795886"/>
+            <a:ext cx="1152128" cy="800799"/>
+            <a:chOff x="4932040" y="3795886"/>
+            <a:chExt cx="1152128" cy="800799"/>
+          </a:xfrm>
+        </p:grpSpPr>
+        <p:sp>
+          <p:nvSpPr>
+            <p:cNvPr id="13" name="Vývojový diagram: magnetický disk 12"/>
+            <p:cNvSpPr/>
+            <p:nvPr/>
+          </p:nvSpPr>
+          <p:spPr>
+            <a:xfrm>
+              <a:off x="4932040" y="3795886"/>
+              <a:ext cx="1080120" cy="792088"/>
+            </a:xfrm>
+            <a:prstGeom prst="flowChartMagneticDisk">
+              <a:avLst/>
+            </a:prstGeom>
+            <a:noFill/>
+            <a:ln>
+              <a:solidFill>
+                <a:srgbClr val="20272A"/>
+              </a:solidFill>
+            </a:ln>
+          </p:spPr>
+          <p:style>
+            <a:lnRef idx="2">
+              <a:schemeClr val="accent1">
+                <a:shade val="50000"/>
+              </a:schemeClr>
+            </a:lnRef>
+            <a:fillRef idx="1">
+              <a:schemeClr val="accent1"/>
+            </a:fillRef>
+            <a:effectRef idx="0">
+              <a:schemeClr val="accent1"/>
+            </a:effectRef>
+            <a:fontRef idx="minor">
+              <a:schemeClr val="lt1"/>
+            </a:fontRef>
+          </p:style>
+          <p:txBody>
+            <a:bodyPr rtlCol="0" anchor="ctr"/>
+            <a:lstStyle/>
+            <a:p>
+              <a:pPr algn="ctr"/>
+              <a:endParaRPr lang="sk-SK"/>
+            </a:p>
+          </p:txBody>
+        </p:sp>
+        <p:sp>
+          <p:nvSpPr>
+            <p:cNvPr id="14" name="BlokTextu 13"/>
+            <p:cNvSpPr txBox="1"/>
+            <p:nvPr/>
+          </p:nvSpPr>
+          <p:spPr>
+            <a:xfrm>
+              <a:off x="4932040" y="4011910"/>
+              <a:ext cx="1152128" cy="584775"/>
+            </a:xfrm>
+            <a:prstGeom prst="rect">
+              <a:avLst/>
+            </a:prstGeom>
+            <a:noFill/>
+          </p:spPr>
+          <p:txBody>
+            <a:bodyPr wrap="square" rtlCol="0">
+              <a:spAutoFit/>
+            </a:bodyPr>
+            <a:lstStyle/>
+            <a:p>
+              <a:pPr algn="ctr"/>
+              <a:r>
+                <a:rPr lang="en-US" sz="1600" dirty="0" smtClean="0">
+                  <a:latin typeface="Arial" pitchFamily="34" charset="0"/>
+                  <a:cs typeface="Arial" pitchFamily="34" charset="0"/>
+                </a:rPr>
+                <a:t>Work </a:t>
+              </a:r>
+            </a:p>
+            <a:p>
+              <a:pPr algn="ctr"/>
+              <a:r>
+                <a:rPr lang="en-US" sz="1600" dirty="0" smtClean="0">
+                  <a:latin typeface="Arial" pitchFamily="34" charset="0"/>
+                  <a:cs typeface="Arial" pitchFamily="34" charset="0"/>
+                </a:rPr>
+                <a:t>memory</a:t>
+              </a:r>
+              <a:endParaRPr lang="sk-SK" sz="1600" dirty="0">
+                <a:latin typeface="Arial" pitchFamily="34" charset="0"/>
+                <a:cs typeface="Arial" pitchFamily="34" charset="0"/>
+              </a:endParaRPr>
+            </a:p>
+          </p:txBody>
+        </p:sp>
+      </p:grpSp>
+      <p:cxnSp>
+        <p:nvCxnSpPr>
+          <p:cNvPr id="18" name="Rovná spojovacia šípka 17"/>
+          <p:cNvCxnSpPr>
+            <a:stCxn id="11" idx="2"/>
+          </p:cNvCxnSpPr>
+          <p:nvPr/>
+        </p:nvCxnSpPr>
+        <p:spPr>
+          <a:xfrm>
+            <a:off x="5508104" y="3198336"/>
+            <a:ext cx="0" cy="597550"/>
+          </a:xfrm>
+          <a:prstGeom prst="straightConnector1">
+            <a:avLst/>
+          </a:prstGeom>
+          <a:ln w="19050">
+            <a:solidFill>
+              <a:srgbClr val="20272A"/>
+            </a:solidFill>
+            <a:tailEnd type="arrow"/>
+          </a:ln>
+        </p:spPr>
+        <p:style>
+          <a:lnRef idx="1">
+            <a:schemeClr val="accent1"/>
+          </a:lnRef>
+          <a:fillRef idx="0">
+            <a:schemeClr val="accent1"/>
+          </a:fillRef>
+          <a:effectRef idx="0">
+            <a:schemeClr val="accent1"/>
+          </a:effectRef>
+          <a:fontRef idx="minor">
+            <a:schemeClr val="tx1"/>
+          </a:fontRef>
+        </p:style>
+      </p:cxnSp>
+      <p:grpSp>
+        <p:nvGrpSpPr>
+          <p:cNvPr id="32" name="Skupina 31"/>
+          <p:cNvGrpSpPr/>
+          <p:nvPr/>
+        </p:nvGrpSpPr>
+        <p:grpSpPr>
+          <a:xfrm>
+            <a:off x="6948264" y="1995686"/>
+            <a:ext cx="2195736" cy="1085645"/>
+            <a:chOff x="6588224" y="1923678"/>
+            <a:chExt cx="2195736" cy="1105492"/>
+          </a:xfrm>
+        </p:grpSpPr>
+        <p:sp>
+          <p:nvSpPr>
+            <p:cNvPr id="25" name="Zahnutý roh 24"/>
+            <p:cNvSpPr/>
+            <p:nvPr/>
+          </p:nvSpPr>
+          <p:spPr>
+            <a:xfrm flipV="1">
+              <a:off x="7178690" y="1923678"/>
+              <a:ext cx="604867" cy="742793"/>
+            </a:xfrm>
+            <a:prstGeom prst="foldedCorner">
+              <a:avLst/>
+            </a:prstGeom>
+            <a:noFill/>
+            <a:ln w="19050">
+              <a:solidFill>
+                <a:srgbClr val="404040"/>
+              </a:solidFill>
+            </a:ln>
+          </p:spPr>
+          <p:style>
+            <a:lnRef idx="2">
+              <a:schemeClr val="accent1">
+                <a:shade val="50000"/>
+              </a:schemeClr>
+            </a:lnRef>
+            <a:fillRef idx="1">
+              <a:schemeClr val="accent1"/>
+            </a:fillRef>
+            <a:effectRef idx="0">
+              <a:schemeClr val="accent1"/>
+            </a:effectRef>
+            <a:fontRef idx="minor">
+              <a:schemeClr val="lt1"/>
+            </a:fontRef>
+          </p:style>
+          <p:txBody>
+            <a:bodyPr rtlCol="0" anchor="ctr"/>
+            <a:lstStyle/>
+            <a:p>
+              <a:pPr algn="ctr"/>
+              <a:endParaRPr lang="sk-SK"/>
+            </a:p>
+          </p:txBody>
+        </p:sp>
+        <p:sp>
+          <p:nvSpPr>
+            <p:cNvPr id="24" name="BlokTextu 23"/>
+            <p:cNvSpPr txBox="1"/>
+            <p:nvPr/>
+          </p:nvSpPr>
+          <p:spPr>
+            <a:xfrm>
+              <a:off x="6588224" y="2715766"/>
+              <a:ext cx="2195736" cy="313404"/>
+            </a:xfrm>
+            <a:prstGeom prst="rect">
+              <a:avLst/>
+            </a:prstGeom>
+            <a:noFill/>
+          </p:spPr>
+          <p:txBody>
+            <a:bodyPr wrap="square" rtlCol="0">
+              <a:spAutoFit/>
+            </a:bodyPr>
+            <a:lstStyle/>
+            <a:p>
+              <a:r>
+                <a:rPr lang="en-US" sz="1400" dirty="0" smtClean="0">
+                  <a:solidFill>
+                    <a:srgbClr val="20272A"/>
+                  </a:solidFill>
+                  <a:latin typeface="Arial" pitchFamily="34" charset="0"/>
+                  <a:ea typeface="Segoe UI" pitchFamily="34" charset="0"/>
+                  <a:cs typeface="Arial" pitchFamily="34" charset="0"/>
+                </a:rPr>
+                <a:t>Rule + Function base </a:t>
+              </a:r>
+              <a:endParaRPr lang="sk-SK" sz="1400" dirty="0">
+                <a:solidFill>
+                  <a:srgbClr val="20272A"/>
+                </a:solidFill>
+                <a:latin typeface="Arial" pitchFamily="34" charset="0"/>
+                <a:ea typeface="Segoe UI" pitchFamily="34" charset="0"/>
+                <a:cs typeface="Arial" pitchFamily="34" charset="0"/>
+              </a:endParaRPr>
+            </a:p>
+          </p:txBody>
+        </p:sp>
+        <p:sp>
+          <p:nvSpPr>
+            <p:cNvPr id="31" name="BlokTextu 30"/>
+            <p:cNvSpPr txBox="1"/>
+            <p:nvPr/>
+          </p:nvSpPr>
+          <p:spPr>
+            <a:xfrm>
+              <a:off x="7236296" y="2283718"/>
+              <a:ext cx="504056" cy="307777"/>
+            </a:xfrm>
+            <a:prstGeom prst="rect">
+              <a:avLst/>
+            </a:prstGeom>
+            <a:noFill/>
+          </p:spPr>
+          <p:txBody>
+            <a:bodyPr wrap="square" rtlCol="0">
+              <a:spAutoFit/>
+            </a:bodyPr>
+            <a:lstStyle/>
+            <a:p>
+              <a:r>
+                <a:rPr lang="en-US" sz="1400" dirty="0" smtClean="0">
+                  <a:solidFill>
+                    <a:srgbClr val="20272A"/>
+                  </a:solidFill>
+                  <a:latin typeface="Segoe UI" pitchFamily="34" charset="0"/>
+                  <a:ea typeface="Segoe UI" pitchFamily="34" charset="0"/>
+                  <a:cs typeface="Segoe UI" pitchFamily="34" charset="0"/>
+                </a:rPr>
+                <a:t>.</a:t>
+              </a:r>
+              <a:r>
+                <a:rPr lang="en-US" sz="1400" dirty="0" err="1" smtClean="0">
+                  <a:solidFill>
+                    <a:srgbClr val="20272A"/>
+                  </a:solidFill>
+                  <a:latin typeface="Segoe UI" pitchFamily="34" charset="0"/>
+                  <a:ea typeface="Segoe UI" pitchFamily="34" charset="0"/>
+                  <a:cs typeface="Segoe UI" pitchFamily="34" charset="0"/>
+                </a:rPr>
+                <a:t>clp</a:t>
+              </a:r>
+              <a:endParaRPr lang="sk-SK" sz="1400" dirty="0">
+                <a:solidFill>
+                  <a:srgbClr val="20272A"/>
+                </a:solidFill>
+                <a:latin typeface="Segoe UI" pitchFamily="34" charset="0"/>
+                <a:ea typeface="Segoe UI" pitchFamily="34" charset="0"/>
+                <a:cs typeface="Segoe UI" pitchFamily="34" charset="0"/>
+              </a:endParaRPr>
+            </a:p>
+          </p:txBody>
+        </p:sp>
+      </p:grpSp>
+      <p:grpSp>
+        <p:nvGrpSpPr>
+          <p:cNvPr id="33" name="Skupina 32"/>
+          <p:cNvGrpSpPr/>
+          <p:nvPr/>
+        </p:nvGrpSpPr>
+        <p:grpSpPr>
+          <a:xfrm>
+            <a:off x="6948264" y="3363838"/>
+            <a:ext cx="2195736" cy="1099865"/>
+            <a:chOff x="6588224" y="1923678"/>
+            <a:chExt cx="2195736" cy="1099865"/>
+          </a:xfrm>
+        </p:grpSpPr>
+        <p:sp>
+          <p:nvSpPr>
+            <p:cNvPr id="34" name="Zahnutý roh 33"/>
+            <p:cNvSpPr/>
+            <p:nvPr/>
+          </p:nvSpPr>
+          <p:spPr>
+            <a:xfrm flipV="1">
+              <a:off x="7178690" y="1923678"/>
+              <a:ext cx="604867" cy="742793"/>
+            </a:xfrm>
+            <a:prstGeom prst="foldedCorner">
+              <a:avLst/>
+            </a:prstGeom>
+            <a:noFill/>
+            <a:ln w="19050">
+              <a:solidFill>
+                <a:srgbClr val="404040"/>
+              </a:solidFill>
+            </a:ln>
+          </p:spPr>
+          <p:style>
+            <a:lnRef idx="2">
+              <a:schemeClr val="accent1">
+                <a:shade val="50000"/>
+              </a:schemeClr>
+            </a:lnRef>
+            <a:fillRef idx="1">
+              <a:schemeClr val="accent1"/>
+            </a:fillRef>
+            <a:effectRef idx="0">
+              <a:schemeClr val="accent1"/>
+            </a:effectRef>
+            <a:fontRef idx="minor">
+              <a:schemeClr val="lt1"/>
+            </a:fontRef>
+          </p:style>
+          <p:txBody>
+            <a:bodyPr rtlCol="0" anchor="ctr"/>
+            <a:lstStyle/>
+            <a:p>
+              <a:pPr algn="ctr"/>
+              <a:endParaRPr lang="sk-SK"/>
+            </a:p>
+          </p:txBody>
+        </p:sp>
+        <p:sp>
+          <p:nvSpPr>
+            <p:cNvPr id="35" name="BlokTextu 34"/>
+            <p:cNvSpPr txBox="1"/>
+            <p:nvPr/>
+          </p:nvSpPr>
+          <p:spPr>
+            <a:xfrm>
+              <a:off x="6588224" y="2715766"/>
+              <a:ext cx="2195736" cy="307777"/>
+            </a:xfrm>
+            <a:prstGeom prst="rect">
+              <a:avLst/>
+            </a:prstGeom>
+            <a:noFill/>
+          </p:spPr>
+          <p:txBody>
+            <a:bodyPr wrap="square" rtlCol="0">
+              <a:spAutoFit/>
+            </a:bodyPr>
+            <a:lstStyle/>
+            <a:p>
+              <a:r>
+                <a:rPr lang="en-US" sz="1400" dirty="0" smtClean="0">
+                  <a:solidFill>
+                    <a:srgbClr val="20272A"/>
+                  </a:solidFill>
+                  <a:latin typeface="Segoe UI" pitchFamily="34" charset="0"/>
+                  <a:ea typeface="Segoe UI" pitchFamily="34" charset="0"/>
+                  <a:cs typeface="Segoe UI" pitchFamily="34" charset="0"/>
+                </a:rPr>
+                <a:t>      </a:t>
+              </a:r>
+              <a:r>
+                <a:rPr lang="en-US" sz="1400" dirty="0" smtClean="0">
+                  <a:solidFill>
+                    <a:srgbClr val="20272A"/>
+                  </a:solidFill>
+                  <a:latin typeface="Arial" pitchFamily="34" charset="0"/>
+                  <a:ea typeface="Segoe UI" pitchFamily="34" charset="0"/>
+                  <a:cs typeface="Arial" pitchFamily="34" charset="0"/>
+                </a:rPr>
+                <a:t>Fact base (KB</a:t>
+              </a:r>
+              <a:r>
+                <a:rPr lang="en-US" sz="1400" dirty="0" smtClean="0">
+                  <a:solidFill>
+                    <a:srgbClr val="20272A"/>
+                  </a:solidFill>
+                  <a:latin typeface="Segoe UI" pitchFamily="34" charset="0"/>
+                  <a:ea typeface="Segoe UI" pitchFamily="34" charset="0"/>
+                  <a:cs typeface="Segoe UI" pitchFamily="34" charset="0"/>
+                </a:rPr>
+                <a:t>)</a:t>
+              </a:r>
+              <a:endParaRPr lang="sk-SK" sz="1400" dirty="0">
+                <a:solidFill>
+                  <a:srgbClr val="20272A"/>
+                </a:solidFill>
+                <a:latin typeface="Segoe UI" pitchFamily="34" charset="0"/>
+                <a:ea typeface="Segoe UI" pitchFamily="34" charset="0"/>
+                <a:cs typeface="Segoe UI" pitchFamily="34" charset="0"/>
+              </a:endParaRPr>
+            </a:p>
+          </p:txBody>
+        </p:sp>
+        <p:sp>
+          <p:nvSpPr>
+            <p:cNvPr id="36" name="BlokTextu 35"/>
+            <p:cNvSpPr txBox="1"/>
+            <p:nvPr/>
+          </p:nvSpPr>
+          <p:spPr>
+            <a:xfrm>
+              <a:off x="7236296" y="2283718"/>
+              <a:ext cx="504056" cy="307777"/>
+            </a:xfrm>
+            <a:prstGeom prst="rect">
+              <a:avLst/>
+            </a:prstGeom>
+            <a:noFill/>
+          </p:spPr>
+          <p:txBody>
+            <a:bodyPr wrap="square" rtlCol="0">
+              <a:spAutoFit/>
+            </a:bodyPr>
+            <a:lstStyle/>
+            <a:p>
+              <a:r>
+                <a:rPr lang="en-US" sz="1400" dirty="0" smtClean="0">
+                  <a:solidFill>
+                    <a:srgbClr val="20272A"/>
+                  </a:solidFill>
+                  <a:latin typeface="Segoe UI" pitchFamily="34" charset="0"/>
+                  <a:ea typeface="Segoe UI" pitchFamily="34" charset="0"/>
+                  <a:cs typeface="Segoe UI" pitchFamily="34" charset="0"/>
+                </a:rPr>
+                <a:t>.</a:t>
+              </a:r>
+              <a:r>
+                <a:rPr lang="en-US" sz="1400" dirty="0" err="1" smtClean="0">
+                  <a:solidFill>
+                    <a:srgbClr val="20272A"/>
+                  </a:solidFill>
+                  <a:latin typeface="Segoe UI" pitchFamily="34" charset="0"/>
+                  <a:ea typeface="Segoe UI" pitchFamily="34" charset="0"/>
+                  <a:cs typeface="Segoe UI" pitchFamily="34" charset="0"/>
+                </a:rPr>
+                <a:t>clp</a:t>
+              </a:r>
+              <a:endParaRPr lang="sk-SK" sz="1400" dirty="0">
+                <a:solidFill>
+                  <a:srgbClr val="20272A"/>
+                </a:solidFill>
+                <a:latin typeface="Segoe UI" pitchFamily="34" charset="0"/>
+                <a:ea typeface="Segoe UI" pitchFamily="34" charset="0"/>
+                <a:cs typeface="Segoe UI" pitchFamily="34" charset="0"/>
+              </a:endParaRPr>
+            </a:p>
+          </p:txBody>
+        </p:sp>
+      </p:grpSp>
+      <p:cxnSp>
+        <p:nvCxnSpPr>
+          <p:cNvPr id="37" name="Rovná spojovacia šípka 36"/>
+          <p:cNvCxnSpPr>
+            <a:stCxn id="3" idx="3"/>
+            <a:endCxn id="25" idx="1"/>
+          </p:cNvCxnSpPr>
+          <p:nvPr/>
+        </p:nvCxnSpPr>
+        <p:spPr>
+          <a:xfrm flipV="1">
+            <a:off x="6228184" y="2360415"/>
+            <a:ext cx="1310546" cy="391355"/>
+          </a:xfrm>
+          <a:prstGeom prst="straightConnector1">
+            <a:avLst/>
+          </a:prstGeom>
+          <a:ln w="19050">
+            <a:solidFill>
+              <a:srgbClr val="20272A"/>
+            </a:solidFill>
+            <a:tailEnd type="arrow"/>
+          </a:ln>
+        </p:spPr>
+        <p:style>
+          <a:lnRef idx="1">
+            <a:schemeClr val="accent1"/>
+          </a:lnRef>
+          <a:fillRef idx="0">
+            <a:schemeClr val="accent1"/>
+          </a:fillRef>
+          <a:effectRef idx="0">
+            <a:schemeClr val="accent1"/>
+          </a:effectRef>
+          <a:fontRef idx="minor">
+            <a:schemeClr val="tx1"/>
+          </a:fontRef>
+        </p:style>
+      </p:cxnSp>
+      <p:cxnSp>
+        <p:nvCxnSpPr>
+          <p:cNvPr id="39" name="Rovná spojovacia šípka 38"/>
+          <p:cNvCxnSpPr>
+            <a:stCxn id="3" idx="3"/>
+            <a:endCxn id="34" idx="1"/>
+          </p:cNvCxnSpPr>
+          <p:nvPr/>
+        </p:nvCxnSpPr>
+        <p:spPr>
+          <a:xfrm>
+            <a:off x="6228184" y="2751770"/>
+            <a:ext cx="1310546" cy="983464"/>
+          </a:xfrm>
+          <a:prstGeom prst="straightConnector1">
+            <a:avLst/>
+          </a:prstGeom>
+          <a:ln w="19050">
+            <a:solidFill>
+              <a:srgbClr val="20272A"/>
+            </a:solidFill>
+            <a:tailEnd type="arrow"/>
+          </a:ln>
+        </p:spPr>
+        <p:style>
+          <a:lnRef idx="1">
+            <a:schemeClr val="accent1"/>
+          </a:lnRef>
+          <a:fillRef idx="0">
+            <a:schemeClr val="accent1"/>
+          </a:fillRef>
+          <a:effectRef idx="0">
+            <a:schemeClr val="accent1"/>
+          </a:effectRef>
+          <a:fontRef idx="minor">
+            <a:schemeClr val="tx1"/>
+          </a:fontRef>
+        </p:style>
+      </p:cxnSp>
+      <p:grpSp>
+        <p:nvGrpSpPr>
+          <p:cNvPr id="44" name="Skupina 43"/>
+          <p:cNvGrpSpPr/>
+          <p:nvPr/>
+        </p:nvGrpSpPr>
+        <p:grpSpPr>
+          <a:xfrm>
+            <a:off x="1115616" y="987574"/>
+            <a:ext cx="2592288" cy="1152128"/>
+            <a:chOff x="971600" y="627534"/>
+            <a:chExt cx="2592288" cy="1152128"/>
+          </a:xfrm>
+        </p:grpSpPr>
+        <p:sp>
+          <p:nvSpPr>
+            <p:cNvPr id="12" name="Obláčik 11"/>
+            <p:cNvSpPr/>
+            <p:nvPr/>
+          </p:nvSpPr>
+          <p:spPr>
+            <a:xfrm>
+              <a:off x="971600" y="627534"/>
+              <a:ext cx="2232248" cy="1152128"/>
+            </a:xfrm>
+            <a:prstGeom prst="cloudCallout">
+              <a:avLst>
+                <a:gd name="adj1" fmla="val -57796"/>
+                <a:gd name="adj2" fmla="val 26453"/>
+              </a:avLst>
+            </a:prstGeom>
+            <a:solidFill>
+              <a:schemeClr val="bg1"/>
+            </a:solidFill>
+            <a:ln w="28575">
+              <a:solidFill>
+                <a:srgbClr val="20272A"/>
+              </a:solidFill>
+            </a:ln>
+          </p:spPr>
+          <p:style>
+            <a:lnRef idx="2">
+              <a:schemeClr val="accent1">
+                <a:shade val="50000"/>
+              </a:schemeClr>
+            </a:lnRef>
+            <a:fillRef idx="1">
+              <a:schemeClr val="accent1"/>
+            </a:fillRef>
+            <a:effectRef idx="0">
+              <a:schemeClr val="accent1"/>
+            </a:effectRef>
+            <a:fontRef idx="minor">
+              <a:schemeClr val="lt1"/>
+            </a:fontRef>
+          </p:style>
+          <p:txBody>
+            <a:bodyPr rtlCol="0" anchor="ctr"/>
+            <a:lstStyle/>
+            <a:p>
+              <a:pPr algn="ctr"/>
+              <a:endParaRPr lang="sk-SK"/>
+            </a:p>
+          </p:txBody>
+        </p:sp>
+        <p:sp>
+          <p:nvSpPr>
+            <p:cNvPr id="42" name="BlokTextu 41"/>
+            <p:cNvSpPr txBox="1"/>
+            <p:nvPr/>
+          </p:nvSpPr>
+          <p:spPr>
+            <a:xfrm>
+              <a:off x="1187624" y="915566"/>
+              <a:ext cx="2376264" cy="523220"/>
+            </a:xfrm>
+            <a:prstGeom prst="rect">
+              <a:avLst/>
+            </a:prstGeom>
+            <a:noFill/>
+          </p:spPr>
+          <p:txBody>
+            <a:bodyPr wrap="square" rtlCol="0">
+              <a:spAutoFit/>
+            </a:bodyPr>
+            <a:lstStyle/>
+            <a:p>
+              <a:r>
+                <a:rPr lang="en-US" sz="1400" dirty="0" err="1" smtClean="0">
+                  <a:solidFill>
+                    <a:srgbClr val="20272A"/>
+                  </a:solidFill>
+                  <a:latin typeface="Arial" pitchFamily="34" charset="0"/>
+                  <a:ea typeface="Segoe UI" pitchFamily="34" charset="0"/>
+                  <a:cs typeface="Arial" pitchFamily="34" charset="0"/>
+                </a:rPr>
+                <a:t>Bože</a:t>
+              </a:r>
+              <a:r>
+                <a:rPr lang="en-US" sz="1400" dirty="0" smtClean="0">
+                  <a:solidFill>
+                    <a:srgbClr val="20272A"/>
+                  </a:solidFill>
+                  <a:latin typeface="Arial" pitchFamily="34" charset="0"/>
+                  <a:ea typeface="Segoe UI" pitchFamily="34" charset="0"/>
+                  <a:cs typeface="Arial" pitchFamily="34" charset="0"/>
+                </a:rPr>
+                <a:t> </a:t>
+              </a:r>
+              <a:r>
+                <a:rPr lang="en-US" sz="1400" dirty="0" err="1" smtClean="0">
+                  <a:solidFill>
+                    <a:srgbClr val="20272A"/>
+                  </a:solidFill>
+                  <a:latin typeface="Arial" pitchFamily="34" charset="0"/>
+                  <a:ea typeface="Segoe UI" pitchFamily="34" charset="0"/>
+                  <a:cs typeface="Arial" pitchFamily="34" charset="0"/>
+                </a:rPr>
+                <a:t>aký</a:t>
+              </a:r>
+              <a:r>
+                <a:rPr lang="en-US" sz="1400" dirty="0" smtClean="0">
+                  <a:solidFill>
+                    <a:srgbClr val="20272A"/>
+                  </a:solidFill>
+                  <a:latin typeface="Arial" pitchFamily="34" charset="0"/>
+                  <a:ea typeface="Segoe UI" pitchFamily="34" charset="0"/>
+                  <a:cs typeface="Arial" pitchFamily="34" charset="0"/>
+                </a:rPr>
+                <a:t> </a:t>
+              </a:r>
+              <a:r>
+                <a:rPr lang="en-US" sz="1400" dirty="0" err="1" smtClean="0">
+                  <a:solidFill>
+                    <a:srgbClr val="20272A"/>
+                  </a:solidFill>
+                  <a:latin typeface="Arial" pitchFamily="34" charset="0"/>
+                  <a:ea typeface="Segoe UI" pitchFamily="34" charset="0"/>
+                  <a:cs typeface="Arial" pitchFamily="34" charset="0"/>
+                </a:rPr>
+                <a:t>smartphone</a:t>
+              </a:r>
+              <a:r>
+                <a:rPr lang="en-US" sz="1400" dirty="0" smtClean="0">
+                  <a:solidFill>
+                    <a:srgbClr val="20272A"/>
+                  </a:solidFill>
+                  <a:latin typeface="Arial" pitchFamily="34" charset="0"/>
+                  <a:ea typeface="Segoe UI" pitchFamily="34" charset="0"/>
+                  <a:cs typeface="Arial" pitchFamily="34" charset="0"/>
+                </a:rPr>
+                <a:t> </a:t>
+              </a:r>
+            </a:p>
+            <a:p>
+              <a:r>
+                <a:rPr lang="en-US" sz="1400" dirty="0" err="1" smtClean="0">
+                  <a:solidFill>
+                    <a:srgbClr val="20272A"/>
+                  </a:solidFill>
+                  <a:latin typeface="Arial" pitchFamily="34" charset="0"/>
+                  <a:ea typeface="Segoe UI" pitchFamily="34" charset="0"/>
+                  <a:cs typeface="Arial" pitchFamily="34" charset="0"/>
+                </a:rPr>
+                <a:t>si</a:t>
+              </a:r>
+              <a:r>
+                <a:rPr lang="en-US" sz="1400" dirty="0" smtClean="0">
+                  <a:solidFill>
+                    <a:srgbClr val="20272A"/>
+                  </a:solidFill>
+                  <a:latin typeface="Arial" pitchFamily="34" charset="0"/>
+                  <a:ea typeface="Segoe UI" pitchFamily="34" charset="0"/>
+                  <a:cs typeface="Arial" pitchFamily="34" charset="0"/>
+                </a:rPr>
+                <a:t> </a:t>
+              </a:r>
+              <a:r>
+                <a:rPr lang="en-US" sz="1400" dirty="0" err="1" smtClean="0">
+                  <a:solidFill>
+                    <a:srgbClr val="20272A"/>
+                  </a:solidFill>
+                  <a:latin typeface="Arial" pitchFamily="34" charset="0"/>
+                  <a:ea typeface="Segoe UI" pitchFamily="34" charset="0"/>
+                  <a:cs typeface="Arial" pitchFamily="34" charset="0"/>
+                </a:rPr>
+                <a:t>mám</a:t>
+              </a:r>
+              <a:r>
+                <a:rPr lang="en-US" sz="1400" dirty="0" smtClean="0">
+                  <a:solidFill>
+                    <a:srgbClr val="20272A"/>
+                  </a:solidFill>
+                  <a:latin typeface="Arial" pitchFamily="34" charset="0"/>
+                  <a:ea typeface="Segoe UI" pitchFamily="34" charset="0"/>
+                  <a:cs typeface="Arial" pitchFamily="34" charset="0"/>
+                </a:rPr>
+                <a:t> </a:t>
+              </a:r>
+              <a:r>
+                <a:rPr lang="en-US" sz="1400" dirty="0" err="1" smtClean="0">
+                  <a:solidFill>
+                    <a:srgbClr val="20272A"/>
+                  </a:solidFill>
+                  <a:latin typeface="Arial" pitchFamily="34" charset="0"/>
+                  <a:ea typeface="Segoe UI" pitchFamily="34" charset="0"/>
+                  <a:cs typeface="Arial" pitchFamily="34" charset="0"/>
+                </a:rPr>
+                <a:t>kupiť</a:t>
+              </a:r>
+              <a:r>
+                <a:rPr lang="en-US" sz="1400" dirty="0" smtClean="0">
+                  <a:solidFill>
+                    <a:srgbClr val="20272A"/>
+                  </a:solidFill>
+                  <a:latin typeface="Arial" pitchFamily="34" charset="0"/>
+                  <a:ea typeface="Segoe UI" pitchFamily="34" charset="0"/>
+                  <a:cs typeface="Arial" pitchFamily="34" charset="0"/>
+                </a:rPr>
+                <a:t> ???</a:t>
+              </a:r>
+              <a:endParaRPr lang="sk-SK" sz="1400" dirty="0">
+                <a:solidFill>
+                  <a:srgbClr val="20272A"/>
+                </a:solidFill>
+                <a:latin typeface="Arial" pitchFamily="34" charset="0"/>
+                <a:ea typeface="Segoe UI" pitchFamily="34" charset="0"/>
+                <a:cs typeface="Arial" pitchFamily="34" charset="0"/>
+              </a:endParaRPr>
+            </a:p>
+          </p:txBody>
+        </p:sp>
+      </p:grpSp>
+      <p:sp>
+        <p:nvSpPr>
+          <p:cNvPr id="43" name="BlokTextu 42"/>
+          <p:cNvSpPr txBox="1"/>
+          <p:nvPr/>
+        </p:nvSpPr>
+        <p:spPr>
+          <a:xfrm>
+            <a:off x="2483768" y="0"/>
+            <a:ext cx="2555776" cy="830997"/>
+          </a:xfrm>
+          <a:prstGeom prst="rect">
+            <a:avLst/>
+          </a:prstGeom>
+          <a:noFill/>
+        </p:spPr>
+        <p:txBody>
+          <a:bodyPr wrap="square" rtlCol="0">
+            <a:spAutoFit/>
+          </a:bodyPr>
+          <a:lstStyle/>
+          <a:p>
+            <a:r>
+              <a:rPr lang="en-US" sz="4800" dirty="0" err="1" smtClean="0">
+                <a:solidFill>
+                  <a:srgbClr val="20272A"/>
+                </a:solidFill>
+                <a:latin typeface="Arial" pitchFamily="34" charset="0"/>
+                <a:ea typeface="KaiTi" pitchFamily="49" charset="-122"/>
+                <a:cs typeface="Arial" pitchFamily="34" charset="0"/>
+              </a:rPr>
+              <a:t>Ako</a:t>
+            </a:r>
+            <a:r>
+              <a:rPr lang="en-US" sz="4800" dirty="0" smtClean="0">
+                <a:solidFill>
+                  <a:srgbClr val="20272A"/>
+                </a:solidFill>
+                <a:latin typeface="Arial" pitchFamily="34" charset="0"/>
+                <a:ea typeface="KaiTi" pitchFamily="49" charset="-122"/>
+                <a:cs typeface="Arial" pitchFamily="34" charset="0"/>
+              </a:rPr>
+              <a:t> to </a:t>
+            </a:r>
+            <a:endParaRPr lang="en-US" sz="3200" dirty="0" smtClean="0">
+              <a:solidFill>
+                <a:srgbClr val="20272A"/>
+              </a:solidFill>
+              <a:latin typeface="Arial" pitchFamily="34" charset="0"/>
+              <a:ea typeface="KaiTi" pitchFamily="49" charset="-122"/>
+              <a:cs typeface="Arial" pitchFamily="34" charset="0"/>
+            </a:endParaRPr>
+          </a:p>
+        </p:txBody>
+      </p:sp>
+      <p:sp>
+        <p:nvSpPr>
+          <p:cNvPr id="45" name="BlokTextu 44"/>
+          <p:cNvSpPr txBox="1"/>
+          <p:nvPr/>
+        </p:nvSpPr>
+        <p:spPr>
+          <a:xfrm>
+            <a:off x="4139952" y="411510"/>
+            <a:ext cx="4032448" cy="923330"/>
+          </a:xfrm>
+          <a:prstGeom prst="rect">
+            <a:avLst/>
+          </a:prstGeom>
+          <a:noFill/>
+        </p:spPr>
+        <p:txBody>
+          <a:bodyPr wrap="square" rtlCol="0">
+            <a:spAutoFit/>
+          </a:bodyPr>
+          <a:lstStyle/>
+          <a:p>
+            <a:r>
+              <a:rPr lang="en-US" sz="5400" b="1" dirty="0" err="1" smtClean="0">
+                <a:solidFill>
+                  <a:srgbClr val="851019"/>
+                </a:solidFill>
+                <a:latin typeface="Arial" pitchFamily="34" charset="0"/>
+                <a:ea typeface="KaiTi" pitchFamily="49" charset="-122"/>
+                <a:cs typeface="Arial" pitchFamily="34" charset="0"/>
+              </a:rPr>
+              <a:t>funguje</a:t>
+            </a:r>
+            <a:endParaRPr lang="sk-SK" sz="5400" b="1" dirty="0">
+              <a:solidFill>
+                <a:srgbClr val="851019"/>
+              </a:solidFill>
+              <a:latin typeface="Arial" pitchFamily="34" charset="0"/>
+              <a:ea typeface="KaiTi" pitchFamily="49" charset="-122"/>
+              <a:cs typeface="Arial" pitchFamily="34" charset="0"/>
+            </a:endParaRPr>
+          </a:p>
+        </p:txBody>
+      </p:sp>
+      <p:cxnSp>
+        <p:nvCxnSpPr>
+          <p:cNvPr id="47" name="Rovná spojovacia šípka 46"/>
+          <p:cNvCxnSpPr/>
+          <p:nvPr/>
+        </p:nvCxnSpPr>
+        <p:spPr>
+          <a:xfrm>
+            <a:off x="1331640" y="2787774"/>
+            <a:ext cx="504056" cy="0"/>
+          </a:xfrm>
+          <a:prstGeom prst="straightConnector1">
+            <a:avLst/>
+          </a:prstGeom>
+          <a:ln w="19050">
+            <a:solidFill>
+              <a:srgbClr val="20272A"/>
+            </a:solidFill>
+            <a:tailEnd type="arrow"/>
+          </a:ln>
+        </p:spPr>
+        <p:style>
+          <a:lnRef idx="1">
+            <a:schemeClr val="accent1"/>
+          </a:lnRef>
+          <a:fillRef idx="0">
+            <a:schemeClr val="accent1"/>
+          </a:fillRef>
+          <a:effectRef idx="0">
+            <a:schemeClr val="accent1"/>
+          </a:effectRef>
+          <a:fontRef idx="minor">
+            <a:schemeClr val="tx1"/>
+          </a:fontRef>
+        </p:style>
+      </p:cxnSp>
+      <p:cxnSp>
+        <p:nvCxnSpPr>
+          <p:cNvPr id="50" name="Rovná spojovacia šípka 49"/>
+          <p:cNvCxnSpPr/>
+          <p:nvPr/>
+        </p:nvCxnSpPr>
+        <p:spPr>
+          <a:xfrm flipH="1">
+            <a:off x="1331640" y="2931790"/>
+            <a:ext cx="504056" cy="0"/>
+          </a:xfrm>
+          <a:prstGeom prst="straightConnector1">
+            <a:avLst/>
+          </a:prstGeom>
+          <a:ln w="19050">
+            <a:solidFill>
+              <a:srgbClr val="20272A"/>
+            </a:solidFill>
+            <a:tailEnd type="arrow"/>
+          </a:ln>
+        </p:spPr>
+        <p:style>
+          <a:lnRef idx="1">
+            <a:schemeClr val="accent1"/>
+          </a:lnRef>
+          <a:fillRef idx="0">
+            <a:schemeClr val="accent1"/>
+          </a:fillRef>
+          <a:effectRef idx="0">
+            <a:schemeClr val="accent1"/>
+          </a:effectRef>
+          <a:fontRef idx="minor">
+            <a:schemeClr val="tx1"/>
+          </a:fontRef>
+        </p:style>
+      </p:cxnSp>
+      <p:grpSp>
+        <p:nvGrpSpPr>
+          <p:cNvPr id="52" name="Skupina 51"/>
+          <p:cNvGrpSpPr/>
+          <p:nvPr/>
+        </p:nvGrpSpPr>
+        <p:grpSpPr>
+          <a:xfrm>
+            <a:off x="1115616" y="1059582"/>
+            <a:ext cx="2592288" cy="1152128"/>
+            <a:chOff x="971600" y="627534"/>
+            <a:chExt cx="2592288" cy="1152128"/>
+          </a:xfrm>
+        </p:grpSpPr>
+        <p:sp>
+          <p:nvSpPr>
+            <p:cNvPr id="53" name="Obláčik 52"/>
+            <p:cNvSpPr/>
+            <p:nvPr/>
+          </p:nvSpPr>
+          <p:spPr>
+            <a:xfrm>
+              <a:off x="971600" y="627534"/>
+              <a:ext cx="2232248" cy="1152128"/>
+            </a:xfrm>
+            <a:prstGeom prst="cloudCallout">
+              <a:avLst>
+                <a:gd name="adj1" fmla="val -57796"/>
+                <a:gd name="adj2" fmla="val 26453"/>
+              </a:avLst>
+            </a:prstGeom>
+            <a:solidFill>
+              <a:schemeClr val="bg1"/>
+            </a:solidFill>
+            <a:ln w="28575">
+              <a:solidFill>
+                <a:srgbClr val="20272A"/>
+              </a:solidFill>
+            </a:ln>
+          </p:spPr>
+          <p:style>
+            <a:lnRef idx="2">
+              <a:schemeClr val="accent1">
+                <a:shade val="50000"/>
+              </a:schemeClr>
+            </a:lnRef>
+            <a:fillRef idx="1">
+              <a:schemeClr val="accent1"/>
+            </a:fillRef>
+            <a:effectRef idx="0">
+              <a:schemeClr val="accent1"/>
+            </a:effectRef>
+            <a:fontRef idx="minor">
+              <a:schemeClr val="lt1"/>
+            </a:fontRef>
+          </p:style>
+          <p:txBody>
+            <a:bodyPr rtlCol="0" anchor="ctr"/>
+            <a:lstStyle/>
+            <a:p>
+              <a:pPr algn="ctr"/>
+              <a:endParaRPr lang="sk-SK"/>
+            </a:p>
+          </p:txBody>
+        </p:sp>
+        <p:sp>
+          <p:nvSpPr>
+            <p:cNvPr id="54" name="BlokTextu 53"/>
+            <p:cNvSpPr txBox="1"/>
+            <p:nvPr/>
+          </p:nvSpPr>
+          <p:spPr>
+            <a:xfrm>
+              <a:off x="1187624" y="915566"/>
+              <a:ext cx="2376264" cy="523220"/>
+            </a:xfrm>
+            <a:prstGeom prst="rect">
+              <a:avLst/>
+            </a:prstGeom>
+            <a:noFill/>
+          </p:spPr>
+          <p:txBody>
+            <a:bodyPr wrap="square" rtlCol="0">
+              <a:spAutoFit/>
+            </a:bodyPr>
+            <a:lstStyle/>
+            <a:p>
+              <a:r>
+                <a:rPr lang="en-US" sz="1400" dirty="0" err="1" smtClean="0">
+                  <a:solidFill>
+                    <a:srgbClr val="20272A"/>
+                  </a:solidFill>
+                  <a:latin typeface="Arial" pitchFamily="34" charset="0"/>
+                  <a:ea typeface="Segoe UI" pitchFamily="34" charset="0"/>
+                  <a:cs typeface="Arial" pitchFamily="34" charset="0"/>
+                </a:rPr>
+                <a:t>Áno</a:t>
+              </a:r>
+              <a:r>
+                <a:rPr lang="en-US" sz="1400" dirty="0" smtClean="0">
+                  <a:solidFill>
+                    <a:srgbClr val="20272A"/>
+                  </a:solidFill>
+                  <a:latin typeface="Arial" pitchFamily="34" charset="0"/>
+                  <a:ea typeface="Segoe UI" pitchFamily="34" charset="0"/>
+                  <a:cs typeface="Arial" pitchFamily="34" charset="0"/>
+                </a:rPr>
+                <a:t> to </a:t>
+              </a:r>
+              <a:r>
+                <a:rPr lang="en-US" sz="1400" dirty="0" err="1" smtClean="0">
+                  <a:solidFill>
+                    <a:srgbClr val="20272A"/>
+                  </a:solidFill>
+                  <a:latin typeface="Arial" pitchFamily="34" charset="0"/>
+                  <a:ea typeface="Segoe UI" pitchFamily="34" charset="0"/>
+                  <a:cs typeface="Arial" pitchFamily="34" charset="0"/>
+                </a:rPr>
+                <a:t>som</a:t>
+              </a:r>
+              <a:r>
+                <a:rPr lang="en-US" sz="1400" dirty="0" smtClean="0">
+                  <a:solidFill>
+                    <a:srgbClr val="20272A"/>
+                  </a:solidFill>
+                  <a:latin typeface="Arial" pitchFamily="34" charset="0"/>
+                  <a:ea typeface="Segoe UI" pitchFamily="34" charset="0"/>
+                  <a:cs typeface="Arial" pitchFamily="34" charset="0"/>
+                </a:rPr>
+                <a:t> </a:t>
+              </a:r>
+              <a:r>
+                <a:rPr lang="en-US" sz="1400" dirty="0" err="1" smtClean="0">
+                  <a:solidFill>
+                    <a:srgbClr val="20272A"/>
+                  </a:solidFill>
+                  <a:latin typeface="Arial" pitchFamily="34" charset="0"/>
+                  <a:ea typeface="Segoe UI" pitchFamily="34" charset="0"/>
+                  <a:cs typeface="Arial" pitchFamily="34" charset="0"/>
+                </a:rPr>
+                <a:t>presne</a:t>
+              </a:r>
+              <a:r>
+                <a:rPr lang="en-US" sz="1400" dirty="0" smtClean="0">
+                  <a:solidFill>
+                    <a:srgbClr val="20272A"/>
+                  </a:solidFill>
+                  <a:latin typeface="Arial" pitchFamily="34" charset="0"/>
+                  <a:ea typeface="Segoe UI" pitchFamily="34" charset="0"/>
+                  <a:cs typeface="Arial" pitchFamily="34" charset="0"/>
+                </a:rPr>
+                <a:t> </a:t>
+              </a:r>
+            </a:p>
+            <a:p>
+              <a:r>
+                <a:rPr lang="en-US" sz="1400" dirty="0" err="1" smtClean="0">
+                  <a:solidFill>
+                    <a:srgbClr val="20272A"/>
+                  </a:solidFill>
+                  <a:latin typeface="Arial" pitchFamily="34" charset="0"/>
+                  <a:ea typeface="Segoe UI" pitchFamily="34" charset="0"/>
+                  <a:cs typeface="Arial" pitchFamily="34" charset="0"/>
+                </a:rPr>
+                <a:t>chcela</a:t>
+              </a:r>
+              <a:r>
+                <a:rPr lang="en-US" sz="1400" dirty="0" smtClean="0">
+                  <a:solidFill>
+                    <a:srgbClr val="20272A"/>
+                  </a:solidFill>
+                  <a:latin typeface="Arial" pitchFamily="34" charset="0"/>
+                  <a:ea typeface="Segoe UI" pitchFamily="34" charset="0"/>
+                  <a:cs typeface="Arial" pitchFamily="34" charset="0"/>
+                </a:rPr>
+                <a:t> … </a:t>
+              </a:r>
+              <a:endParaRPr lang="sk-SK" sz="1400" dirty="0">
+                <a:solidFill>
+                  <a:srgbClr val="20272A"/>
+                </a:solidFill>
+                <a:latin typeface="Arial" pitchFamily="34" charset="0"/>
+                <a:ea typeface="Segoe UI" pitchFamily="34" charset="0"/>
+                <a:cs typeface="Arial" pitchFamily="34" charset="0"/>
+              </a:endParaRPr>
+            </a:p>
+          </p:txBody>
+        </p:sp>
+      </p:grpSp>
+      <p:pic>
+        <p:nvPicPr>
+          <p:cNvPr id="2050" name="Picture 2"/>
+          <p:cNvPicPr>
+            <a:picLocks noChangeAspect="1" noChangeArrowheads="1"/>
+          </p:cNvPicPr>
+          <p:nvPr/>
+        </p:nvPicPr>
+        <p:blipFill>
+          <a:blip r:embed="rId2" cstate="print"/>
+          <a:srcRect/>
+          <a:stretch>
+            <a:fillRect/>
+          </a:stretch>
+        </p:blipFill>
+        <p:spPr bwMode="auto">
+          <a:xfrm flipH="1">
+            <a:off x="179512" y="1923678"/>
+            <a:ext cx="998494" cy="2520280"/>
+          </a:xfrm>
+          <a:prstGeom prst="rect">
+            <a:avLst/>
+          </a:prstGeom>
+          <a:noFill/>
+          <a:ln w="9525">
+            <a:noFill/>
+            <a:miter lim="800000"/>
+            <a:headEnd/>
+            <a:tailEnd/>
+          </a:ln>
+          <a:effectLst/>
+        </p:spPr>
+      </p:pic>
+    </p:spTree>
+  </p:cSld>
+  <p:clrMapOvr>
+    <a:masterClrMapping/>
+  </p:clrMapOvr>
+  <p:timing>
+    <p:tnLst>
+      <p:par>
+        <p:cTn id="1" dur="indefinite" restart="never" nodeType="tmRoot">
+          <p:childTnLst>
+            <p:seq concurrent="1" nextAc="seek">
+              <p:cTn id="2" dur="indefinite" nodeType="mainSeq">
+                <p:childTnLst>
+                  <p:par>
+                    <p:cTn id="3" fill="hold">
+                      <p:stCondLst>
+                        <p:cond delay="indefinite"/>
+                      </p:stCondLst>
+                      <p:childTnLst>
+                        <p:par>
+                          <p:cTn id="4" fill="hold">
+                            <p:stCondLst>
+                              <p:cond delay="0"/>
+                            </p:stCondLst>
+                            <p:childTnLst>
+                              <p:par>
+                                <p:cTn id="5" presetID="12" presetClass="entr" presetSubtype="8" fill="hold" nodeType="clickEffect">
+                                  <p:stCondLst>
+                                    <p:cond delay="0"/>
+                                  </p:stCondLst>
+                                  <p:childTnLst>
+                                    <p:set>
+                                      <p:cBhvr>
+                                        <p:cTn id="6" dur="1" fill="hold">
+                                          <p:stCondLst>
+                                            <p:cond delay="0"/>
+                                          </p:stCondLst>
+                                        </p:cTn>
+                                        <p:tgtEl>
+                                          <p:spTgt spid="2050"/>
+                                        </p:tgtEl>
+                                        <p:attrNameLst>
+                                          <p:attrName>style.visibility</p:attrName>
+                                        </p:attrNameLst>
+                                      </p:cBhvr>
+                                      <p:to>
+                                        <p:strVal val="visible"/>
+                                      </p:to>
+                                    </p:set>
+                                    <p:animEffect transition="in" filter="slide(fromLeft)">
+                                      <p:cBhvr>
+                                        <p:cTn id="7" dur="500"/>
+                                        <p:tgtEl>
+                                          <p:spTgt spid="2050"/>
+                                        </p:tgtEl>
+                                      </p:cBhvr>
+                                    </p:animEffect>
+                                  </p:childTnLst>
+                                </p:cTn>
+                              </p:par>
+                            </p:childTnLst>
+                          </p:cTn>
+                        </p:par>
+                        <p:par>
+                          <p:cTn id="8" fill="hold">
+                            <p:stCondLst>
+                              <p:cond delay="500"/>
+                            </p:stCondLst>
+                            <p:childTnLst>
+                              <p:par>
+                                <p:cTn id="9" presetID="9" presetClass="entr" presetSubtype="0" fill="hold" nodeType="afterEffect">
+                                  <p:stCondLst>
+                                    <p:cond delay="0"/>
+                                  </p:stCondLst>
+                                  <p:childTnLst>
+                                    <p:set>
+                                      <p:cBhvr>
+                                        <p:cTn id="10" dur="1" fill="hold">
+                                          <p:stCondLst>
+                                            <p:cond delay="0"/>
+                                          </p:stCondLst>
+                                        </p:cTn>
+                                        <p:tgtEl>
+                                          <p:spTgt spid="44"/>
+                                        </p:tgtEl>
+                                        <p:attrNameLst>
+                                          <p:attrName>style.visibility</p:attrName>
+                                        </p:attrNameLst>
+                                      </p:cBhvr>
+                                      <p:to>
+                                        <p:strVal val="visible"/>
+                                      </p:to>
+                                    </p:set>
+                                    <p:animEffect transition="in" filter="dissolve">
+                                      <p:cBhvr>
+                                        <p:cTn id="11" dur="500"/>
+                                        <p:tgtEl>
+                                          <p:spTgt spid="44"/>
+                                        </p:tgtEl>
+                                      </p:cBhvr>
+                                    </p:animEffect>
+                                  </p:childTnLst>
+                                </p:cTn>
+                              </p:par>
+                            </p:childTnLst>
+                          </p:cTn>
+                        </p:par>
+                        <p:par>
+                          <p:cTn id="12" fill="hold">
+                            <p:stCondLst>
+                              <p:cond delay="1000"/>
+                            </p:stCondLst>
+                            <p:childTnLst>
+                              <p:par>
+                                <p:cTn id="13" presetID="12" presetClass="entr" presetSubtype="8" fill="hold" nodeType="afterEffect">
+                                  <p:stCondLst>
+                                    <p:cond delay="0"/>
+                                  </p:stCondLst>
+                                  <p:childTnLst>
+                                    <p:set>
+                                      <p:cBhvr>
+                                        <p:cTn id="14" dur="1" fill="hold">
+                                          <p:stCondLst>
+                                            <p:cond delay="0"/>
+                                          </p:stCondLst>
+                                        </p:cTn>
+                                        <p:tgtEl>
+                                          <p:spTgt spid="47"/>
+                                        </p:tgtEl>
+                                        <p:attrNameLst>
+                                          <p:attrName>style.visibility</p:attrName>
+                                        </p:attrNameLst>
+                                      </p:cBhvr>
+                                      <p:to>
+                                        <p:strVal val="visible"/>
+                                      </p:to>
+                                    </p:set>
+                                    <p:animEffect transition="in" filter="slide(fromLeft)">
+                                      <p:cBhvr>
+                                        <p:cTn id="15" dur="1000"/>
+                                        <p:tgtEl>
+                                          <p:spTgt spid="47"/>
+                                        </p:tgtEl>
+                                      </p:cBhvr>
+                                    </p:animEffect>
+                                  </p:childTnLst>
+                                </p:cTn>
+                              </p:par>
+                            </p:childTnLst>
+                          </p:cTn>
+                        </p:par>
+                        <p:par>
+                          <p:cTn id="16" fill="hold">
+                            <p:stCondLst>
+                              <p:cond delay="2000"/>
+                            </p:stCondLst>
+                            <p:childTnLst>
+                              <p:par>
+                                <p:cTn id="17" presetID="53" presetClass="entr" presetSubtype="0" fill="hold" nodeType="afterEffect">
+                                  <p:stCondLst>
+                                    <p:cond delay="0"/>
+                                  </p:stCondLst>
+                                  <p:childTnLst>
+                                    <p:set>
+                                      <p:cBhvr>
+                                        <p:cTn id="18" dur="1" fill="hold">
+                                          <p:stCondLst>
+                                            <p:cond delay="0"/>
+                                          </p:stCondLst>
+                                        </p:cTn>
+                                        <p:tgtEl>
+                                          <p:spTgt spid="51"/>
+                                        </p:tgtEl>
+                                        <p:attrNameLst>
+                                          <p:attrName>style.visibility</p:attrName>
+                                        </p:attrNameLst>
+                                      </p:cBhvr>
+                                      <p:to>
+                                        <p:strVal val="visible"/>
+                                      </p:to>
+                                    </p:set>
+                                    <p:anim calcmode="lin" valueType="num">
+                                      <p:cBhvr>
+                                        <p:cTn id="19" dur="500" fill="hold"/>
+                                        <p:tgtEl>
+                                          <p:spTgt spid="51"/>
+                                        </p:tgtEl>
+                                        <p:attrNameLst>
+                                          <p:attrName>ppt_w</p:attrName>
+                                        </p:attrNameLst>
+                                      </p:cBhvr>
+                                      <p:tavLst>
+                                        <p:tav tm="0">
+                                          <p:val>
+                                            <p:fltVal val="0"/>
+                                          </p:val>
+                                        </p:tav>
+                                        <p:tav tm="100000">
+                                          <p:val>
+                                            <p:strVal val="#ppt_w"/>
+                                          </p:val>
+                                        </p:tav>
+                                      </p:tavLst>
+                                    </p:anim>
+                                    <p:anim calcmode="lin" valueType="num">
+                                      <p:cBhvr>
+                                        <p:cTn id="20" dur="500" fill="hold"/>
+                                        <p:tgtEl>
+                                          <p:spTgt spid="51"/>
+                                        </p:tgtEl>
+                                        <p:attrNameLst>
+                                          <p:attrName>ppt_h</p:attrName>
+                                        </p:attrNameLst>
+                                      </p:cBhvr>
+                                      <p:tavLst>
+                                        <p:tav tm="0">
+                                          <p:val>
+                                            <p:fltVal val="0"/>
+                                          </p:val>
+                                        </p:tav>
+                                        <p:tav tm="100000">
+                                          <p:val>
+                                            <p:strVal val="#ppt_h"/>
+                                          </p:val>
+                                        </p:tav>
+                                      </p:tavLst>
+                                    </p:anim>
+                                    <p:animEffect transition="in" filter="fade">
+                                      <p:cBhvr>
+                                        <p:cTn id="21" dur="500"/>
+                                        <p:tgtEl>
+                                          <p:spTgt spid="51"/>
+                                        </p:tgtEl>
+                                      </p:cBhvr>
+                                    </p:animEffect>
+                                  </p:childTnLst>
+                                </p:cTn>
+                              </p:par>
+                            </p:childTnLst>
+                          </p:cTn>
+                        </p:par>
+                        <p:par>
+                          <p:cTn id="22" fill="hold">
+                            <p:stCondLst>
+                              <p:cond delay="2500"/>
+                            </p:stCondLst>
+                            <p:childTnLst>
+                              <p:par>
+                                <p:cTn id="23" presetID="12" presetClass="entr" presetSubtype="8" fill="hold" nodeType="afterEffect">
+                                  <p:stCondLst>
+                                    <p:cond delay="0"/>
+                                  </p:stCondLst>
+                                  <p:childTnLst>
+                                    <p:set>
+                                      <p:cBhvr>
+                                        <p:cTn id="24" dur="1" fill="hold">
+                                          <p:stCondLst>
+                                            <p:cond delay="0"/>
+                                          </p:stCondLst>
+                                        </p:cTn>
+                                        <p:tgtEl>
+                                          <p:spTgt spid="8"/>
+                                        </p:tgtEl>
+                                        <p:attrNameLst>
+                                          <p:attrName>style.visibility</p:attrName>
+                                        </p:attrNameLst>
+                                      </p:cBhvr>
+                                      <p:to>
+                                        <p:strVal val="visible"/>
+                                      </p:to>
+                                    </p:set>
+                                    <p:animEffect transition="in" filter="slide(fromLeft)">
+                                      <p:cBhvr>
+                                        <p:cTn id="25" dur="500"/>
+                                        <p:tgtEl>
+                                          <p:spTgt spid="8"/>
+                                        </p:tgtEl>
+                                      </p:cBhvr>
+                                    </p:animEffect>
+                                  </p:childTnLst>
+                                </p:cTn>
+                              </p:par>
+                            </p:childTnLst>
+                          </p:cTn>
+                        </p:par>
+                        <p:par>
+                          <p:cTn id="26" fill="hold">
+                            <p:stCondLst>
+                              <p:cond delay="3000"/>
+                            </p:stCondLst>
+                            <p:childTnLst>
+                              <p:par>
+                                <p:cTn id="27" presetID="53" presetClass="entr" presetSubtype="0" fill="hold" nodeType="afterEffect">
+                                  <p:stCondLst>
+                                    <p:cond delay="0"/>
+                                  </p:stCondLst>
+                                  <p:childTnLst>
+                                    <p:set>
+                                      <p:cBhvr>
+                                        <p:cTn id="28" dur="1" fill="hold">
+                                          <p:stCondLst>
+                                            <p:cond delay="0"/>
+                                          </p:stCondLst>
+                                        </p:cTn>
+                                        <p:tgtEl>
+                                          <p:spTgt spid="16"/>
+                                        </p:tgtEl>
+                                        <p:attrNameLst>
+                                          <p:attrName>style.visibility</p:attrName>
+                                        </p:attrNameLst>
+                                      </p:cBhvr>
+                                      <p:to>
+                                        <p:strVal val="visible"/>
+                                      </p:to>
+                                    </p:set>
+                                    <p:anim calcmode="lin" valueType="num">
+                                      <p:cBhvr>
+                                        <p:cTn id="29" dur="500" fill="hold"/>
+                                        <p:tgtEl>
+                                          <p:spTgt spid="16"/>
+                                        </p:tgtEl>
+                                        <p:attrNameLst>
+                                          <p:attrName>ppt_w</p:attrName>
+                                        </p:attrNameLst>
+                                      </p:cBhvr>
+                                      <p:tavLst>
+                                        <p:tav tm="0">
+                                          <p:val>
+                                            <p:fltVal val="0"/>
+                                          </p:val>
+                                        </p:tav>
+                                        <p:tav tm="100000">
+                                          <p:val>
+                                            <p:strVal val="#ppt_w"/>
+                                          </p:val>
+                                        </p:tav>
+                                      </p:tavLst>
+                                    </p:anim>
+                                    <p:anim calcmode="lin" valueType="num">
+                                      <p:cBhvr>
+                                        <p:cTn id="30" dur="500" fill="hold"/>
+                                        <p:tgtEl>
+                                          <p:spTgt spid="16"/>
+                                        </p:tgtEl>
+                                        <p:attrNameLst>
+                                          <p:attrName>ppt_h</p:attrName>
+                                        </p:attrNameLst>
+                                      </p:cBhvr>
+                                      <p:tavLst>
+                                        <p:tav tm="0">
+                                          <p:val>
+                                            <p:fltVal val="0"/>
+                                          </p:val>
+                                        </p:tav>
+                                        <p:tav tm="100000">
+                                          <p:val>
+                                            <p:strVal val="#ppt_h"/>
+                                          </p:val>
+                                        </p:tav>
+                                      </p:tavLst>
+                                    </p:anim>
+                                    <p:animEffect transition="in" filter="fade">
+                                      <p:cBhvr>
+                                        <p:cTn id="31" dur="500"/>
+                                        <p:tgtEl>
+                                          <p:spTgt spid="16"/>
+                                        </p:tgtEl>
+                                      </p:cBhvr>
+                                    </p:animEffect>
+                                  </p:childTnLst>
+                                </p:cTn>
+                              </p:par>
+                            </p:childTnLst>
+                          </p:cTn>
+                        </p:par>
+                        <p:par>
+                          <p:cTn id="32" fill="hold">
+                            <p:stCondLst>
+                              <p:cond delay="3500"/>
+                            </p:stCondLst>
+                            <p:childTnLst>
+                              <p:par>
+                                <p:cTn id="33" presetID="12" presetClass="entr" presetSubtype="1" fill="hold" nodeType="afterEffect">
+                                  <p:stCondLst>
+                                    <p:cond delay="0"/>
+                                  </p:stCondLst>
+                                  <p:childTnLst>
+                                    <p:set>
+                                      <p:cBhvr>
+                                        <p:cTn id="34" dur="1" fill="hold">
+                                          <p:stCondLst>
+                                            <p:cond delay="0"/>
+                                          </p:stCondLst>
+                                        </p:cTn>
+                                        <p:tgtEl>
+                                          <p:spTgt spid="18"/>
+                                        </p:tgtEl>
+                                        <p:attrNameLst>
+                                          <p:attrName>style.visibility</p:attrName>
+                                        </p:attrNameLst>
+                                      </p:cBhvr>
+                                      <p:to>
+                                        <p:strVal val="visible"/>
+                                      </p:to>
+                                    </p:set>
+                                    <p:animEffect transition="in" filter="slide(fromTop)">
+                                      <p:cBhvr>
+                                        <p:cTn id="35" dur="500"/>
+                                        <p:tgtEl>
+                                          <p:spTgt spid="18"/>
+                                        </p:tgtEl>
+                                      </p:cBhvr>
+                                    </p:animEffect>
+                                  </p:childTnLst>
+                                </p:cTn>
+                              </p:par>
+                            </p:childTnLst>
+                          </p:cTn>
+                        </p:par>
+                        <p:par>
+                          <p:cTn id="36" fill="hold">
+                            <p:stCondLst>
+                              <p:cond delay="4000"/>
+                            </p:stCondLst>
+                            <p:childTnLst>
+                              <p:par>
+                                <p:cTn id="37" presetID="53" presetClass="entr" presetSubtype="0" fill="hold" nodeType="afterEffect">
+                                  <p:stCondLst>
+                                    <p:cond delay="0"/>
+                                  </p:stCondLst>
+                                  <p:childTnLst>
+                                    <p:set>
+                                      <p:cBhvr>
+                                        <p:cTn id="38" dur="1" fill="hold">
+                                          <p:stCondLst>
+                                            <p:cond delay="0"/>
+                                          </p:stCondLst>
+                                        </p:cTn>
+                                        <p:tgtEl>
+                                          <p:spTgt spid="15"/>
+                                        </p:tgtEl>
+                                        <p:attrNameLst>
+                                          <p:attrName>style.visibility</p:attrName>
+                                        </p:attrNameLst>
+                                      </p:cBhvr>
+                                      <p:to>
+                                        <p:strVal val="visible"/>
+                                      </p:to>
+                                    </p:set>
+                                    <p:anim calcmode="lin" valueType="num">
+                                      <p:cBhvr>
+                                        <p:cTn id="39" dur="500" fill="hold"/>
+                                        <p:tgtEl>
+                                          <p:spTgt spid="15"/>
+                                        </p:tgtEl>
+                                        <p:attrNameLst>
+                                          <p:attrName>ppt_w</p:attrName>
+                                        </p:attrNameLst>
+                                      </p:cBhvr>
+                                      <p:tavLst>
+                                        <p:tav tm="0">
+                                          <p:val>
+                                            <p:fltVal val="0"/>
+                                          </p:val>
+                                        </p:tav>
+                                        <p:tav tm="100000">
+                                          <p:val>
+                                            <p:strVal val="#ppt_w"/>
+                                          </p:val>
+                                        </p:tav>
+                                      </p:tavLst>
+                                    </p:anim>
+                                    <p:anim calcmode="lin" valueType="num">
+                                      <p:cBhvr>
+                                        <p:cTn id="40" dur="500" fill="hold"/>
+                                        <p:tgtEl>
+                                          <p:spTgt spid="15"/>
+                                        </p:tgtEl>
+                                        <p:attrNameLst>
+                                          <p:attrName>ppt_h</p:attrName>
+                                        </p:attrNameLst>
+                                      </p:cBhvr>
+                                      <p:tavLst>
+                                        <p:tav tm="0">
+                                          <p:val>
+                                            <p:fltVal val="0"/>
+                                          </p:val>
+                                        </p:tav>
+                                        <p:tav tm="100000">
+                                          <p:val>
+                                            <p:strVal val="#ppt_h"/>
+                                          </p:val>
+                                        </p:tav>
+                                      </p:tavLst>
+                                    </p:anim>
+                                    <p:animEffect transition="in" filter="fade">
+                                      <p:cBhvr>
+                                        <p:cTn id="41" dur="500"/>
+                                        <p:tgtEl>
+                                          <p:spTgt spid="15"/>
+                                        </p:tgtEl>
+                                      </p:cBhvr>
+                                    </p:animEffect>
+                                  </p:childTnLst>
+                                </p:cTn>
+                              </p:par>
+                            </p:childTnLst>
+                          </p:cTn>
+                        </p:par>
+                        <p:par>
+                          <p:cTn id="42" fill="hold">
+                            <p:stCondLst>
+                              <p:cond delay="4500"/>
+                            </p:stCondLst>
+                            <p:childTnLst>
+                              <p:par>
+                                <p:cTn id="43" presetID="12" presetClass="entr" presetSubtype="4" fill="hold" nodeType="afterEffect">
+                                  <p:stCondLst>
+                                    <p:cond delay="0"/>
+                                  </p:stCondLst>
+                                  <p:childTnLst>
+                                    <p:set>
+                                      <p:cBhvr>
+                                        <p:cTn id="44" dur="1" fill="hold">
+                                          <p:stCondLst>
+                                            <p:cond delay="0"/>
+                                          </p:stCondLst>
+                                        </p:cTn>
+                                        <p:tgtEl>
+                                          <p:spTgt spid="37"/>
+                                        </p:tgtEl>
+                                        <p:attrNameLst>
+                                          <p:attrName>style.visibility</p:attrName>
+                                        </p:attrNameLst>
+                                      </p:cBhvr>
+                                      <p:to>
+                                        <p:strVal val="visible"/>
+                                      </p:to>
+                                    </p:set>
+                                    <p:animEffect transition="in" filter="slide(fromBottom)">
+                                      <p:cBhvr>
+                                        <p:cTn id="45" dur="500"/>
+                                        <p:tgtEl>
+                                          <p:spTgt spid="37"/>
+                                        </p:tgtEl>
+                                      </p:cBhvr>
+                                    </p:animEffect>
+                                  </p:childTnLst>
+                                </p:cTn>
+                              </p:par>
+                            </p:childTnLst>
+                          </p:cTn>
+                        </p:par>
+                        <p:par>
+                          <p:cTn id="46" fill="hold">
+                            <p:stCondLst>
+                              <p:cond delay="5000"/>
+                            </p:stCondLst>
+                            <p:childTnLst>
+                              <p:par>
+                                <p:cTn id="47" presetID="12" presetClass="entr" presetSubtype="4" fill="hold" nodeType="afterEffect">
+                                  <p:stCondLst>
+                                    <p:cond delay="0"/>
+                                  </p:stCondLst>
+                                  <p:childTnLst>
+                                    <p:set>
+                                      <p:cBhvr>
+                                        <p:cTn id="48" dur="1" fill="hold">
+                                          <p:stCondLst>
+                                            <p:cond delay="0"/>
+                                          </p:stCondLst>
+                                        </p:cTn>
+                                        <p:tgtEl>
+                                          <p:spTgt spid="39"/>
+                                        </p:tgtEl>
+                                        <p:attrNameLst>
+                                          <p:attrName>style.visibility</p:attrName>
+                                        </p:attrNameLst>
+                                      </p:cBhvr>
+                                      <p:to>
+                                        <p:strVal val="visible"/>
+                                      </p:to>
+                                    </p:set>
+                                    <p:animEffect transition="in" filter="slide(fromBottom)">
+                                      <p:cBhvr>
+                                        <p:cTn id="49" dur="500"/>
+                                        <p:tgtEl>
+                                          <p:spTgt spid="39"/>
+                                        </p:tgtEl>
+                                      </p:cBhvr>
+                                    </p:animEffect>
+                                  </p:childTnLst>
+                                </p:cTn>
+                              </p:par>
+                            </p:childTnLst>
+                          </p:cTn>
+                        </p:par>
+                        <p:par>
+                          <p:cTn id="50" fill="hold">
+                            <p:stCondLst>
+                              <p:cond delay="5500"/>
+                            </p:stCondLst>
+                            <p:childTnLst>
+                              <p:par>
+                                <p:cTn id="51" presetID="53" presetClass="entr" presetSubtype="0" fill="hold" nodeType="afterEffect">
+                                  <p:stCondLst>
+                                    <p:cond delay="0"/>
+                                  </p:stCondLst>
+                                  <p:childTnLst>
+                                    <p:set>
+                                      <p:cBhvr>
+                                        <p:cTn id="52" dur="1" fill="hold">
+                                          <p:stCondLst>
+                                            <p:cond delay="0"/>
+                                          </p:stCondLst>
+                                        </p:cTn>
+                                        <p:tgtEl>
+                                          <p:spTgt spid="32"/>
+                                        </p:tgtEl>
+                                        <p:attrNameLst>
+                                          <p:attrName>style.visibility</p:attrName>
+                                        </p:attrNameLst>
+                                      </p:cBhvr>
+                                      <p:to>
+                                        <p:strVal val="visible"/>
+                                      </p:to>
+                                    </p:set>
+                                    <p:anim calcmode="lin" valueType="num">
+                                      <p:cBhvr>
+                                        <p:cTn id="53" dur="500" fill="hold"/>
+                                        <p:tgtEl>
+                                          <p:spTgt spid="32"/>
+                                        </p:tgtEl>
+                                        <p:attrNameLst>
+                                          <p:attrName>ppt_w</p:attrName>
+                                        </p:attrNameLst>
+                                      </p:cBhvr>
+                                      <p:tavLst>
+                                        <p:tav tm="0">
+                                          <p:val>
+                                            <p:fltVal val="0"/>
+                                          </p:val>
+                                        </p:tav>
+                                        <p:tav tm="100000">
+                                          <p:val>
+                                            <p:strVal val="#ppt_w"/>
+                                          </p:val>
+                                        </p:tav>
+                                      </p:tavLst>
+                                    </p:anim>
+                                    <p:anim calcmode="lin" valueType="num">
+                                      <p:cBhvr>
+                                        <p:cTn id="54" dur="500" fill="hold"/>
+                                        <p:tgtEl>
+                                          <p:spTgt spid="32"/>
+                                        </p:tgtEl>
+                                        <p:attrNameLst>
+                                          <p:attrName>ppt_h</p:attrName>
+                                        </p:attrNameLst>
+                                      </p:cBhvr>
+                                      <p:tavLst>
+                                        <p:tav tm="0">
+                                          <p:val>
+                                            <p:fltVal val="0"/>
+                                          </p:val>
+                                        </p:tav>
+                                        <p:tav tm="100000">
+                                          <p:val>
+                                            <p:strVal val="#ppt_h"/>
+                                          </p:val>
+                                        </p:tav>
+                                      </p:tavLst>
+                                    </p:anim>
+                                    <p:animEffect transition="in" filter="fade">
+                                      <p:cBhvr>
+                                        <p:cTn id="55" dur="500"/>
+                                        <p:tgtEl>
+                                          <p:spTgt spid="32"/>
+                                        </p:tgtEl>
+                                      </p:cBhvr>
+                                    </p:animEffect>
+                                  </p:childTnLst>
+                                </p:cTn>
+                              </p:par>
+                            </p:childTnLst>
+                          </p:cTn>
+                        </p:par>
+                        <p:par>
+                          <p:cTn id="56" fill="hold">
+                            <p:stCondLst>
+                              <p:cond delay="6000"/>
+                            </p:stCondLst>
+                            <p:childTnLst>
+                              <p:par>
+                                <p:cTn id="57" presetID="53" presetClass="entr" presetSubtype="0" fill="hold" nodeType="afterEffect">
+                                  <p:stCondLst>
+                                    <p:cond delay="0"/>
+                                  </p:stCondLst>
+                                  <p:childTnLst>
+                                    <p:set>
+                                      <p:cBhvr>
+                                        <p:cTn id="58" dur="1" fill="hold">
+                                          <p:stCondLst>
+                                            <p:cond delay="0"/>
+                                          </p:stCondLst>
+                                        </p:cTn>
+                                        <p:tgtEl>
+                                          <p:spTgt spid="33"/>
+                                        </p:tgtEl>
+                                        <p:attrNameLst>
+                                          <p:attrName>style.visibility</p:attrName>
+                                        </p:attrNameLst>
+                                      </p:cBhvr>
+                                      <p:to>
+                                        <p:strVal val="visible"/>
+                                      </p:to>
+                                    </p:set>
+                                    <p:anim calcmode="lin" valueType="num">
+                                      <p:cBhvr>
+                                        <p:cTn id="59" dur="500" fill="hold"/>
+                                        <p:tgtEl>
+                                          <p:spTgt spid="33"/>
+                                        </p:tgtEl>
+                                        <p:attrNameLst>
+                                          <p:attrName>ppt_w</p:attrName>
+                                        </p:attrNameLst>
+                                      </p:cBhvr>
+                                      <p:tavLst>
+                                        <p:tav tm="0">
+                                          <p:val>
+                                            <p:fltVal val="0"/>
+                                          </p:val>
+                                        </p:tav>
+                                        <p:tav tm="100000">
+                                          <p:val>
+                                            <p:strVal val="#ppt_w"/>
+                                          </p:val>
+                                        </p:tav>
+                                      </p:tavLst>
+                                    </p:anim>
+                                    <p:anim calcmode="lin" valueType="num">
+                                      <p:cBhvr>
+                                        <p:cTn id="60" dur="500" fill="hold"/>
+                                        <p:tgtEl>
+                                          <p:spTgt spid="33"/>
+                                        </p:tgtEl>
+                                        <p:attrNameLst>
+                                          <p:attrName>ppt_h</p:attrName>
+                                        </p:attrNameLst>
+                                      </p:cBhvr>
+                                      <p:tavLst>
+                                        <p:tav tm="0">
+                                          <p:val>
+                                            <p:fltVal val="0"/>
+                                          </p:val>
+                                        </p:tav>
+                                        <p:tav tm="100000">
+                                          <p:val>
+                                            <p:strVal val="#ppt_h"/>
+                                          </p:val>
+                                        </p:tav>
+                                      </p:tavLst>
+                                    </p:anim>
+                                    <p:animEffect transition="in" filter="fade">
+                                      <p:cBhvr>
+                                        <p:cTn id="61" dur="500"/>
+                                        <p:tgtEl>
+                                          <p:spTgt spid="33"/>
+                                        </p:tgtEl>
+                                      </p:cBhvr>
+                                    </p:animEffect>
+                                  </p:childTnLst>
+                                </p:cTn>
+                              </p:par>
+                            </p:childTnLst>
+                          </p:cTn>
+                        </p:par>
+                        <p:par>
+                          <p:cTn id="62" fill="hold">
+                            <p:stCondLst>
+                              <p:cond delay="6500"/>
+                            </p:stCondLst>
+                            <p:childTnLst>
+                              <p:par>
+                                <p:cTn id="63" presetID="12" presetClass="entr" presetSubtype="2" fill="hold" nodeType="afterEffect">
+                                  <p:stCondLst>
+                                    <p:cond delay="0"/>
+                                  </p:stCondLst>
+                                  <p:childTnLst>
+                                    <p:set>
+                                      <p:cBhvr>
+                                        <p:cTn id="64" dur="1" fill="hold">
+                                          <p:stCondLst>
+                                            <p:cond delay="0"/>
+                                          </p:stCondLst>
+                                        </p:cTn>
+                                        <p:tgtEl>
+                                          <p:spTgt spid="9"/>
+                                        </p:tgtEl>
+                                        <p:attrNameLst>
+                                          <p:attrName>style.visibility</p:attrName>
+                                        </p:attrNameLst>
+                                      </p:cBhvr>
+                                      <p:to>
+                                        <p:strVal val="visible"/>
+                                      </p:to>
+                                    </p:set>
+                                    <p:animEffect transition="in" filter="slide(fromRight)">
+                                      <p:cBhvr>
+                                        <p:cTn id="65" dur="500"/>
+                                        <p:tgtEl>
+                                          <p:spTgt spid="9"/>
+                                        </p:tgtEl>
+                                      </p:cBhvr>
+                                    </p:animEffect>
+                                  </p:childTnLst>
+                                </p:cTn>
+                              </p:par>
+                            </p:childTnLst>
+                          </p:cTn>
+                        </p:par>
+                        <p:par>
+                          <p:cTn id="66" fill="hold">
+                            <p:stCondLst>
+                              <p:cond delay="7000"/>
+                            </p:stCondLst>
+                            <p:childTnLst>
+                              <p:par>
+                                <p:cTn id="67" presetID="12" presetClass="entr" presetSubtype="2" fill="hold" nodeType="afterEffect">
+                                  <p:stCondLst>
+                                    <p:cond delay="0"/>
+                                  </p:stCondLst>
+                                  <p:childTnLst>
+                                    <p:set>
+                                      <p:cBhvr>
+                                        <p:cTn id="68" dur="1" fill="hold">
+                                          <p:stCondLst>
+                                            <p:cond delay="0"/>
+                                          </p:stCondLst>
+                                        </p:cTn>
+                                        <p:tgtEl>
+                                          <p:spTgt spid="50"/>
+                                        </p:tgtEl>
+                                        <p:attrNameLst>
+                                          <p:attrName>style.visibility</p:attrName>
+                                        </p:attrNameLst>
+                                      </p:cBhvr>
+                                      <p:to>
+                                        <p:strVal val="visible"/>
+                                      </p:to>
+                                    </p:set>
+                                    <p:animEffect transition="in" filter="slide(fromRight)">
+                                      <p:cBhvr>
+                                        <p:cTn id="69" dur="500"/>
+                                        <p:tgtEl>
+                                          <p:spTgt spid="50"/>
+                                        </p:tgtEl>
+                                      </p:cBhvr>
+                                    </p:animEffect>
+                                  </p:childTnLst>
+                                </p:cTn>
+                              </p:par>
+                            </p:childTnLst>
+                          </p:cTn>
+                        </p:par>
+                        <p:par>
+                          <p:cTn id="70" fill="hold">
+                            <p:stCondLst>
+                              <p:cond delay="7500"/>
+                            </p:stCondLst>
+                            <p:childTnLst>
+                              <p:par>
+                                <p:cTn id="71" presetID="4" presetClass="exit" presetSubtype="16" fill="hold" nodeType="afterEffect">
+                                  <p:stCondLst>
+                                    <p:cond delay="0"/>
+                                  </p:stCondLst>
+                                  <p:childTnLst>
+                                    <p:animEffect transition="out" filter="box(in)">
+                                      <p:cBhvr>
+                                        <p:cTn id="72" dur="500"/>
+                                        <p:tgtEl>
+                                          <p:spTgt spid="44"/>
+                                        </p:tgtEl>
+                                      </p:cBhvr>
+                                    </p:animEffect>
+                                    <p:set>
+                                      <p:cBhvr>
+                                        <p:cTn id="73" dur="1" fill="hold">
+                                          <p:stCondLst>
+                                            <p:cond delay="499"/>
+                                          </p:stCondLst>
+                                        </p:cTn>
+                                        <p:tgtEl>
+                                          <p:spTgt spid="44"/>
+                                        </p:tgtEl>
+                                        <p:attrNameLst>
+                                          <p:attrName>style.visibility</p:attrName>
+                                        </p:attrNameLst>
+                                      </p:cBhvr>
+                                      <p:to>
+                                        <p:strVal val="hidden"/>
+                                      </p:to>
+                                    </p:set>
+                                  </p:childTnLst>
+                                </p:cTn>
+                              </p:par>
+                            </p:childTnLst>
+                          </p:cTn>
+                        </p:par>
+                        <p:par>
+                          <p:cTn id="74" fill="hold">
+                            <p:stCondLst>
+                              <p:cond delay="8000"/>
+                            </p:stCondLst>
+                            <p:childTnLst>
+                              <p:par>
+                                <p:cTn id="75" presetID="9" presetClass="entr" presetSubtype="0" fill="hold" nodeType="afterEffect">
+                                  <p:stCondLst>
+                                    <p:cond delay="0"/>
+                                  </p:stCondLst>
+                                  <p:childTnLst>
+                                    <p:set>
+                                      <p:cBhvr>
+                                        <p:cTn id="76" dur="1" fill="hold">
+                                          <p:stCondLst>
+                                            <p:cond delay="0"/>
+                                          </p:stCondLst>
+                                        </p:cTn>
+                                        <p:tgtEl>
+                                          <p:spTgt spid="52"/>
+                                        </p:tgtEl>
+                                        <p:attrNameLst>
+                                          <p:attrName>style.visibility</p:attrName>
+                                        </p:attrNameLst>
+                                      </p:cBhvr>
+                                      <p:to>
+                                        <p:strVal val="visible"/>
+                                      </p:to>
+                                    </p:set>
+                                    <p:animEffect transition="in" filter="dissolve">
+                                      <p:cBhvr>
+                                        <p:cTn id="77" dur="500"/>
+                                        <p:tgtEl>
+                                          <p:spTgt spid="52"/>
+                                        </p:tgtEl>
+                                      </p:cBhvr>
+                                    </p:animEffect>
+                                  </p:childTnLst>
+                                </p:cTn>
+                              </p:par>
+                            </p:childTnLst>
+                          </p:cTn>
+                        </p:par>
+                      </p:childTnLst>
+                    </p:cTn>
+                  </p:par>
+                </p:childTnLst>
+              </p:cTn>
+              <p:prevCondLst>
+                <p:cond evt="onPrev" delay="0">
+                  <p:tgtEl>
+                    <p:sldTgt/>
+                  </p:tgtEl>
+                </p:cond>
+              </p:prevCondLst>
+              <p:nextCondLst>
+                <p:cond evt="onNext" delay="0">
+                  <p:tgtEl>
+                    <p:sldTgt/>
+                  </p:tgtEl>
+                </p:cond>
+              </p:nextCondLst>
+            </p:seq>
+          </p:childTnLst>
+        </p:cTn>
+      </p:par>
+    </p:tnLst>
+  </p:timing>
+</p:sld>
+</file>
+
+<file path=ppt/slides/slide12.xml><?xml version="1.0" encoding="utf-8"?>
+<p:sld xmlns:a="http://schemas.openxmlformats.org/drawingml/2006/main" xmlns:r="http://schemas.openxmlformats.org/officeDocument/2006/relationships" xmlns:p="http://schemas.openxmlformats.org/presentationml/2006/main">
+  <p:cSld>
+    <p:spTree>
+      <p:nvGrpSpPr>
+        <p:cNvPr id="1" name=""/>
+        <p:cNvGrpSpPr/>
+        <p:nvPr/>
+      </p:nvGrpSpPr>
+      <p:grpSpPr>
+        <a:xfrm>
+          <a:off x="0" y="0"/>
+          <a:ext cx="0" cy="0"/>
+          <a:chOff x="0" y="0"/>
+          <a:chExt cx="0" cy="0"/>
+        </a:xfrm>
+      </p:grpSpPr>
+      <p:sp>
+        <p:nvSpPr>
+          <p:cNvPr id="9" name="TextBox 2"/>
+          <p:cNvSpPr txBox="1"/>
+          <p:nvPr/>
+        </p:nvSpPr>
+        <p:spPr>
+          <a:xfrm>
+            <a:off x="1690664" y="1275606"/>
+            <a:ext cx="7453336" cy="3016210"/>
+          </a:xfrm>
+          <a:prstGeom prst="rect">
+            <a:avLst/>
+          </a:prstGeom>
+          <a:noFill/>
+        </p:spPr>
+        <p:txBody>
+          <a:bodyPr wrap="square" lIns="0" tIns="0" rIns="0" bIns="0" rtlCol="0">
+            <a:spAutoFit/>
+          </a:bodyPr>
+          <a:lstStyle/>
+          <a:p>
+            <a:pPr marL="0" marR="0" lvl="0" indent="0" defTabSz="914400" eaLnBrk="1" fontAlgn="auto" latinLnBrk="0" hangingPunct="1">
+              <a:lnSpc>
+                <a:spcPct val="100000"/>
+              </a:lnSpc>
+              <a:spcBef>
+                <a:spcPts val="0"/>
+              </a:spcBef>
+              <a:spcAft>
+                <a:spcPts val="0"/>
+              </a:spcAft>
+              <a:buClrTx/>
+              <a:buSzTx/>
+              <a:buFontTx/>
+              <a:buNone/>
+              <a:tabLst/>
+              <a:defRPr/>
+            </a:pPr>
+            <a:r>
+              <a:rPr lang="sk-SK" sz="11000" kern="0" spc="-300" dirty="0" smtClean="0">
+                <a:ln w="18415" cmpd="sng">
+                  <a:solidFill>
+                    <a:srgbClr val="FFFFFF"/>
+                  </a:solidFill>
+                  <a:prstDash val="solid"/>
+                </a:ln>
+                <a:solidFill>
+                  <a:srgbClr val="FFFFFF"/>
+                </a:solidFill>
+                <a:effectLst>
+                  <a:outerShdw blurRad="50800" dist="38100" dir="2700000" algn="tl" rotWithShape="0">
+                    <a:prstClr val="black">
+                      <a:alpha val="40000"/>
+                    </a:prstClr>
+                  </a:outerShdw>
+                  <a:reflection blurRad="6350" stA="55000" endA="300" endPos="45500" dir="5400000" sy="-100000" algn="bl" rotWithShape="0"/>
+                </a:effectLst>
+                <a:latin typeface="Square721 BT" pitchFamily="34" charset="0"/>
+              </a:rPr>
+              <a:t> </a:t>
+            </a:r>
+            <a:r>
+              <a:rPr lang="en-US" sz="19600" b="1" kern="0" spc="-300" dirty="0" smtClean="0">
+                <a:ln w="18415" cmpd="sng">
+                  <a:noFill/>
+                  <a:prstDash val="solid"/>
+                </a:ln>
+                <a:solidFill>
+                  <a:srgbClr val="20272A"/>
+                </a:solidFill>
+                <a:latin typeface="Arial" pitchFamily="34" charset="0"/>
+                <a:cs typeface="Arial" pitchFamily="34" charset="0"/>
+              </a:rPr>
+              <a:t>demo</a:t>
+            </a:r>
+            <a:endParaRPr kumimoji="0" lang="en-US" sz="9600" b="1" u="none" strike="noStrike" kern="0" cap="none" spc="-300" normalizeH="0" baseline="0" noProof="0" dirty="0" smtClean="0">
+              <a:ln w="18415" cmpd="sng">
+                <a:noFill/>
+                <a:prstDash val="solid"/>
+              </a:ln>
+              <a:solidFill>
+                <a:srgbClr val="20272A"/>
+              </a:solidFill>
+              <a:uLnTx/>
+              <a:uFillTx/>
+              <a:latin typeface="Square721 BT" pitchFamily="34" charset="0"/>
+            </a:endParaRPr>
+          </a:p>
+        </p:txBody>
+      </p:sp>
+      <p:sp>
+        <p:nvSpPr>
+          <p:cNvPr id="12" name="BlokTextu 11"/>
+          <p:cNvSpPr txBox="1"/>
+          <p:nvPr/>
+        </p:nvSpPr>
+        <p:spPr>
+          <a:xfrm>
+            <a:off x="5292080" y="3867894"/>
+            <a:ext cx="3851920" cy="584775"/>
+          </a:xfrm>
+          <a:prstGeom prst="rect">
+            <a:avLst/>
+          </a:prstGeom>
+          <a:noFill/>
+        </p:spPr>
+        <p:txBody>
+          <a:bodyPr wrap="square" rtlCol="0">
+            <a:spAutoFit/>
+          </a:bodyPr>
+          <a:lstStyle/>
+          <a:p>
+            <a:r>
+              <a:rPr lang="en-US" sz="3200" dirty="0" smtClean="0">
+                <a:solidFill>
+                  <a:srgbClr val="20272A"/>
+                </a:solidFill>
+                <a:latin typeface="Arial" pitchFamily="34" charset="0"/>
+                <a:ea typeface="KaiTi" pitchFamily="49" charset="-122"/>
+                <a:cs typeface="Arial" pitchFamily="34" charset="0"/>
+              </a:rPr>
+              <a:t>  </a:t>
+            </a:r>
+            <a:r>
+              <a:rPr lang="en-US" sz="3200" dirty="0" err="1" smtClean="0">
+                <a:solidFill>
+                  <a:srgbClr val="20272A"/>
+                </a:solidFill>
+                <a:latin typeface="Arial" pitchFamily="34" charset="0"/>
+                <a:ea typeface="KaiTi" pitchFamily="49" charset="-122"/>
+                <a:cs typeface="Arial" pitchFamily="34" charset="0"/>
+              </a:rPr>
+              <a:t>ukážka</a:t>
+            </a:r>
+            <a:r>
+              <a:rPr lang="en-US" sz="3200" dirty="0" smtClean="0">
+                <a:solidFill>
+                  <a:srgbClr val="20272A"/>
+                </a:solidFill>
+                <a:latin typeface="Arial" pitchFamily="34" charset="0"/>
+                <a:ea typeface="KaiTi" pitchFamily="49" charset="-122"/>
+                <a:cs typeface="Arial" pitchFamily="34" charset="0"/>
+              </a:rPr>
+              <a:t> </a:t>
+            </a:r>
+            <a:r>
+              <a:rPr lang="en-US" sz="2800" b="1" dirty="0" err="1" smtClean="0">
+                <a:solidFill>
+                  <a:srgbClr val="851019"/>
+                </a:solidFill>
+                <a:latin typeface="Arial" pitchFamily="34" charset="0"/>
+                <a:ea typeface="KaiTi" pitchFamily="49" charset="-122"/>
+                <a:cs typeface="Arial" pitchFamily="34" charset="0"/>
+              </a:rPr>
+              <a:t>aplikácie</a:t>
+            </a:r>
+            <a:endParaRPr lang="sk-SK" sz="3200" b="1" dirty="0">
+              <a:solidFill>
+                <a:srgbClr val="851019"/>
+              </a:solidFill>
+              <a:latin typeface="Arial" pitchFamily="34" charset="0"/>
+              <a:ea typeface="KaiTi" pitchFamily="49" charset="-122"/>
+              <a:cs typeface="Arial" pitchFamily="34" charset="0"/>
+            </a:endParaRPr>
+          </a:p>
+        </p:txBody>
+      </p:sp>
+    </p:spTree>
+  </p:cSld>
+  <p:clrMapOvr>
+    <a:masterClrMapping/>
+  </p:clrMapOvr>
+  <p:transition>
+    <p:push/>
+  </p:transition>
+  <p:timing>
+    <p:tnLst>
+      <p:par>
+        <p:cTn id="1" dur="indefinite" restart="never" nodeType="tmRoot"/>
+      </p:par>
+    </p:tnLst>
+  </p:timing>
+</p:sld>
+</file>
+
+<file path=ppt/slides/slide13.xml><?xml version="1.0" encoding="utf-8"?>
+<p:sld xmlns:a="http://schemas.openxmlformats.org/drawingml/2006/main" xmlns:r="http://schemas.openxmlformats.org/officeDocument/2006/relationships" xmlns:p="http://schemas.openxmlformats.org/presentationml/2006/main">
+  <p:cSld>
+    <p:spTree>
+      <p:nvGrpSpPr>
+        <p:cNvPr id="1" name=""/>
+        <p:cNvGrpSpPr/>
+        <p:nvPr/>
+      </p:nvGrpSpPr>
+      <p:grpSpPr>
+        <a:xfrm>
+          <a:off x="0" y="0"/>
+          <a:ext cx="0" cy="0"/>
+          <a:chOff x="0" y="0"/>
+          <a:chExt cx="0" cy="0"/>
+        </a:xfrm>
+      </p:grpSpPr>
+      <p:sp>
+        <p:nvSpPr>
           <p:cNvPr id="2" name="BlokTextu 1"/>
           <p:cNvSpPr txBox="1"/>
           <p:nvPr/>
         </p:nvSpPr>
         <p:spPr>
           <a:xfrm>
-            <a:off x="0" y="0"/>
+            <a:off x="323528" y="123478"/>
             <a:ext cx="5485629" cy="784830"/>
           </a:xfrm>
           <a:prstGeom prst="rect">
@@ -8308,7 +12053,7 @@
         </p:nvSpPr>
         <p:spPr>
           <a:xfrm>
-            <a:off x="1979712" y="339502"/>
+            <a:off x="395536" y="699542"/>
             <a:ext cx="3960440" cy="1000274"/>
           </a:xfrm>
           <a:prstGeom prst="rect">
@@ -10007,7 +13752,7 @@
 </p:sld>
 </file>
 
-<file path=ppt/slides/slide11.xml><?xml version="1.0" encoding="utf-8"?>
+<file path=ppt/slides/slide14.xml><?xml version="1.0" encoding="utf-8"?>
 <p:sld xmlns:a="http://schemas.openxmlformats.org/drawingml/2006/main" xmlns:r="http://schemas.openxmlformats.org/officeDocument/2006/relationships" xmlns:p="http://schemas.openxmlformats.org/presentationml/2006/main">
   <p:cSld>
     <p:spTree>
@@ -10026,14 +13771,14 @@
       </p:grpSpPr>
       <p:sp>
         <p:nvSpPr>
-          <p:cNvPr id="2" name="BlokTextu 1"/>
+          <p:cNvPr id="4" name="BlokTextu 3"/>
           <p:cNvSpPr txBox="1"/>
           <p:nvPr/>
         </p:nvSpPr>
         <p:spPr>
           <a:xfrm>
-            <a:off x="683568" y="1635646"/>
-            <a:ext cx="5485629" cy="830997"/>
+            <a:off x="971600" y="2211710"/>
+            <a:ext cx="7344816" cy="1446550"/>
           </a:xfrm>
           <a:prstGeom prst="rect">
             <a:avLst/>
@@ -10047,118 +13792,210 @@
           <a:lstStyle/>
           <a:p>
             <a:r>
-              <a:rPr lang="en-US" sz="4800" dirty="0" err="1" smtClean="0">
+              <a:rPr lang="en-US" sz="8800" b="1" dirty="0" smtClean="0">
                 <a:solidFill>
                   <a:srgbClr val="20272A"/>
+                </a:solidFill>
+                <a:latin typeface="Arial" pitchFamily="34" charset="0"/>
+                <a:ea typeface="Segoe UI" pitchFamily="34" charset="0"/>
+                <a:cs typeface="Arial" pitchFamily="34" charset="0"/>
+              </a:rPr>
+              <a:t> Never </a:t>
+            </a:r>
+            <a:r>
+              <a:rPr lang="en-US" sz="8800" b="1" dirty="0" smtClean="0">
+                <a:solidFill>
+                  <a:srgbClr val="851019"/>
+                </a:solidFill>
+                <a:latin typeface="Arial" pitchFamily="34" charset="0"/>
+                <a:ea typeface="Segoe UI" pitchFamily="34" charset="0"/>
+                <a:cs typeface="Arial" pitchFamily="34" charset="0"/>
+              </a:rPr>
+              <a:t>more</a:t>
+            </a:r>
+            <a:r>
+              <a:rPr lang="en-US" sz="8000" b="1" dirty="0" smtClean="0">
+                <a:solidFill>
+                  <a:srgbClr val="851019"/>
+                </a:solidFill>
+                <a:latin typeface="Arial" pitchFamily="34" charset="0"/>
+                <a:ea typeface="Segoe UI" pitchFamily="34" charset="0"/>
+                <a:cs typeface="Arial" pitchFamily="34" charset="0"/>
+              </a:rPr>
+              <a:t>!</a:t>
+            </a:r>
+            <a:r>
+              <a:rPr lang="sk-SK" sz="8000" b="1" dirty="0" smtClean="0">
+                <a:solidFill>
+                  <a:srgbClr val="20272A"/>
+                </a:solidFill>
+                <a:latin typeface="Arial" pitchFamily="34" charset="0"/>
+                <a:ea typeface="Segoe UI" pitchFamily="34" charset="0"/>
+                <a:cs typeface="Arial" pitchFamily="34" charset="0"/>
+              </a:rPr>
+              <a:t> </a:t>
+            </a:r>
+            <a:endParaRPr lang="sk-SK" sz="8000" b="1" dirty="0">
+              <a:solidFill>
+                <a:srgbClr val="20272A"/>
+              </a:solidFill>
+              <a:latin typeface="Arial" pitchFamily="34" charset="0"/>
+              <a:ea typeface="Segoe UI" pitchFamily="34" charset="0"/>
+              <a:cs typeface="Arial" pitchFamily="34" charset="0"/>
+            </a:endParaRPr>
+          </a:p>
+        </p:txBody>
+      </p:sp>
+      <p:grpSp>
+        <p:nvGrpSpPr>
+          <p:cNvPr id="5" name="Skupina 4"/>
+          <p:cNvGrpSpPr/>
+          <p:nvPr/>
+        </p:nvGrpSpPr>
+        <p:grpSpPr>
+          <a:xfrm>
+            <a:off x="539552" y="1635646"/>
+            <a:ext cx="8208912" cy="2238638"/>
+            <a:chOff x="539552" y="1635646"/>
+            <a:chExt cx="8208912" cy="2238638"/>
+          </a:xfrm>
+        </p:grpSpPr>
+        <p:sp>
+          <p:nvSpPr>
+            <p:cNvPr id="2" name="BlokTextu 1"/>
+            <p:cNvSpPr txBox="1"/>
+            <p:nvPr/>
+          </p:nvSpPr>
+          <p:spPr>
+            <a:xfrm>
+              <a:off x="539552" y="1635646"/>
+              <a:ext cx="5485629" cy="1015663"/>
+            </a:xfrm>
+            <a:prstGeom prst="rect">
+              <a:avLst/>
+            </a:prstGeom>
+            <a:noFill/>
+          </p:spPr>
+          <p:txBody>
+            <a:bodyPr wrap="square" rtlCol="0">
+              <a:spAutoFit/>
+            </a:bodyPr>
+            <a:lstStyle/>
+            <a:p>
+              <a:r>
+                <a:rPr lang="en-US" sz="6000" dirty="0" err="1" smtClean="0">
+                  <a:solidFill>
+                    <a:srgbClr val="20272A"/>
+                  </a:solidFill>
+                  <a:latin typeface="Arial" pitchFamily="34" charset="0"/>
+                  <a:ea typeface="KaiTi" pitchFamily="49" charset="-122"/>
+                  <a:cs typeface="Arial" pitchFamily="34" charset="0"/>
+                </a:rPr>
+                <a:t>Čo</a:t>
+              </a:r>
+              <a:r>
+                <a:rPr lang="en-US" sz="6000" dirty="0" smtClean="0">
+                  <a:solidFill>
+                    <a:srgbClr val="20272A"/>
+                  </a:solidFill>
+                  <a:latin typeface="Arial" pitchFamily="34" charset="0"/>
+                  <a:ea typeface="KaiTi" pitchFamily="49" charset="-122"/>
+                  <a:cs typeface="Arial" pitchFamily="34" charset="0"/>
+                </a:rPr>
+                <a:t> </a:t>
+              </a:r>
+              <a:r>
+                <a:rPr lang="en-US" sz="6000" dirty="0" err="1" smtClean="0">
+                  <a:solidFill>
+                    <a:srgbClr val="20272A"/>
+                  </a:solidFill>
+                  <a:latin typeface="Arial" pitchFamily="34" charset="0"/>
+                  <a:ea typeface="KaiTi" pitchFamily="49" charset="-122"/>
+                  <a:cs typeface="Arial" pitchFamily="34" charset="0"/>
+                </a:rPr>
+                <a:t>si</a:t>
+              </a:r>
+              <a:r>
+                <a:rPr lang="en-US" sz="6000" dirty="0" smtClean="0">
+                  <a:solidFill>
+                    <a:srgbClr val="20272A"/>
+                  </a:solidFill>
+                  <a:latin typeface="Arial" pitchFamily="34" charset="0"/>
+                  <a:ea typeface="KaiTi" pitchFamily="49" charset="-122"/>
+                  <a:cs typeface="Arial" pitchFamily="34" charset="0"/>
+                </a:rPr>
+                <a:t> </a:t>
+              </a:r>
+              <a:r>
+                <a:rPr lang="en-US" sz="6000" dirty="0" err="1" smtClean="0">
+                  <a:solidFill>
+                    <a:srgbClr val="20272A"/>
+                  </a:solidFill>
+                  <a:latin typeface="Arial" pitchFamily="34" charset="0"/>
+                  <a:ea typeface="KaiTi" pitchFamily="49" charset="-122"/>
+                  <a:cs typeface="Arial" pitchFamily="34" charset="0"/>
+                </a:rPr>
+                <a:t>myslíme</a:t>
+              </a:r>
+              <a:r>
+                <a:rPr lang="en-US" sz="6000" dirty="0" smtClean="0">
+                  <a:solidFill>
+                    <a:srgbClr val="20272A"/>
+                  </a:solidFill>
+                  <a:latin typeface="Arial" pitchFamily="34" charset="0"/>
+                  <a:ea typeface="KaiTi" pitchFamily="49" charset="-122"/>
+                  <a:cs typeface="Arial" pitchFamily="34" charset="0"/>
+                </a:rPr>
+                <a:t> </a:t>
+              </a:r>
+            </a:p>
+          </p:txBody>
+        </p:sp>
+        <p:sp>
+          <p:nvSpPr>
+            <p:cNvPr id="3" name="BlokTextu 2"/>
+            <p:cNvSpPr txBox="1"/>
+            <p:nvPr/>
+          </p:nvSpPr>
+          <p:spPr>
+            <a:xfrm>
+              <a:off x="3635896" y="2427734"/>
+              <a:ext cx="5112568" cy="1446550"/>
+            </a:xfrm>
+            <a:prstGeom prst="rect">
+              <a:avLst/>
+            </a:prstGeom>
+            <a:noFill/>
+          </p:spPr>
+          <p:txBody>
+            <a:bodyPr wrap="square" rtlCol="0">
+              <a:spAutoFit/>
+            </a:bodyPr>
+            <a:lstStyle/>
+            <a:p>
+              <a:r>
+                <a:rPr lang="en-US" sz="8800" b="1" dirty="0" smtClean="0">
+                  <a:solidFill>
+                    <a:srgbClr val="851019"/>
+                  </a:solidFill>
+                  <a:latin typeface="Arial" pitchFamily="34" charset="0"/>
+                  <a:ea typeface="KaiTi" pitchFamily="49" charset="-122"/>
+                  <a:cs typeface="Arial" pitchFamily="34" charset="0"/>
+                </a:rPr>
+                <a:t>o JEES ?</a:t>
+              </a:r>
+              <a:endParaRPr lang="sk-SK" sz="8800" b="1" dirty="0">
+                <a:solidFill>
+                  <a:srgbClr val="851019"/>
                 </a:solidFill>
                 <a:latin typeface="Arial" pitchFamily="34" charset="0"/>
                 <a:ea typeface="KaiTi" pitchFamily="49" charset="-122"/>
                 <a:cs typeface="Arial" pitchFamily="34" charset="0"/>
-              </a:rPr>
-              <a:t>Čo</a:t>
-            </a:r>
-            <a:r>
-              <a:rPr lang="en-US" sz="4800" dirty="0" smtClean="0">
-                <a:solidFill>
-                  <a:srgbClr val="20272A"/>
-                </a:solidFill>
-                <a:latin typeface="Arial" pitchFamily="34" charset="0"/>
-                <a:ea typeface="KaiTi" pitchFamily="49" charset="-122"/>
-                <a:cs typeface="Arial" pitchFamily="34" charset="0"/>
-              </a:rPr>
-              <a:t> </a:t>
-            </a:r>
-            <a:r>
-              <a:rPr lang="en-US" sz="4800" dirty="0" err="1" smtClean="0">
-                <a:solidFill>
-                  <a:srgbClr val="20272A"/>
-                </a:solidFill>
-                <a:latin typeface="Arial" pitchFamily="34" charset="0"/>
-                <a:ea typeface="KaiTi" pitchFamily="49" charset="-122"/>
-                <a:cs typeface="Arial" pitchFamily="34" charset="0"/>
-              </a:rPr>
-              <a:t>si</a:t>
-            </a:r>
-            <a:r>
-              <a:rPr lang="en-US" sz="4800" dirty="0" smtClean="0">
-                <a:solidFill>
-                  <a:srgbClr val="20272A"/>
-                </a:solidFill>
-                <a:latin typeface="Arial" pitchFamily="34" charset="0"/>
-                <a:ea typeface="KaiTi" pitchFamily="49" charset="-122"/>
-                <a:cs typeface="Arial" pitchFamily="34" charset="0"/>
-              </a:rPr>
-              <a:t> </a:t>
-            </a:r>
-            <a:r>
-              <a:rPr lang="en-US" sz="4800" dirty="0" err="1" smtClean="0">
-                <a:solidFill>
-                  <a:srgbClr val="20272A"/>
-                </a:solidFill>
-                <a:latin typeface="Arial" pitchFamily="34" charset="0"/>
-                <a:ea typeface="KaiTi" pitchFamily="49" charset="-122"/>
-                <a:cs typeface="Arial" pitchFamily="34" charset="0"/>
-              </a:rPr>
-              <a:t>myslíme</a:t>
-            </a:r>
-            <a:r>
-              <a:rPr lang="en-US" sz="4800" dirty="0" smtClean="0">
-                <a:solidFill>
-                  <a:srgbClr val="20272A"/>
-                </a:solidFill>
-                <a:latin typeface="Arial" pitchFamily="34" charset="0"/>
-                <a:ea typeface="KaiTi" pitchFamily="49" charset="-122"/>
-                <a:cs typeface="Arial" pitchFamily="34" charset="0"/>
-              </a:rPr>
-              <a:t> </a:t>
-            </a:r>
-          </a:p>
-        </p:txBody>
-      </p:sp>
-      <p:sp>
-        <p:nvSpPr>
-          <p:cNvPr id="3" name="BlokTextu 2"/>
-          <p:cNvSpPr txBox="1"/>
-          <p:nvPr/>
-        </p:nvSpPr>
-        <p:spPr>
-          <a:xfrm>
-            <a:off x="3563888" y="2283718"/>
-            <a:ext cx="3960440" cy="1107996"/>
-          </a:xfrm>
-          <a:prstGeom prst="rect">
-            <a:avLst/>
-          </a:prstGeom>
-          <a:noFill/>
-        </p:spPr>
-        <p:txBody>
-          <a:bodyPr wrap="square" rtlCol="0">
-            <a:spAutoFit/>
-          </a:bodyPr>
-          <a:lstStyle/>
-          <a:p>
-            <a:r>
-              <a:rPr lang="en-US" sz="6600" b="1" dirty="0" smtClean="0">
-                <a:solidFill>
-                  <a:srgbClr val="851019"/>
-                </a:solidFill>
-                <a:latin typeface="Arial" pitchFamily="34" charset="0"/>
-                <a:ea typeface="KaiTi" pitchFamily="49" charset="-122"/>
-                <a:cs typeface="Arial" pitchFamily="34" charset="0"/>
-              </a:rPr>
-              <a:t>o JEES ?</a:t>
-            </a:r>
-            <a:endParaRPr lang="sk-SK" sz="6600" b="1" dirty="0">
-              <a:solidFill>
-                <a:srgbClr val="851019"/>
-              </a:solidFill>
-              <a:latin typeface="Arial" pitchFamily="34" charset="0"/>
-              <a:ea typeface="KaiTi" pitchFamily="49" charset="-122"/>
-              <a:cs typeface="Arial" pitchFamily="34" charset="0"/>
-            </a:endParaRPr>
-          </a:p>
-        </p:txBody>
-      </p:sp>
+              </a:endParaRPr>
+            </a:p>
+          </p:txBody>
+        </p:sp>
+      </p:grpSp>
     </p:spTree>
   </p:cSld>
   <p:clrMapOvr>
@@ -10167,46 +14004,175 @@
   <p:timing>
     <p:tnLst>
       <p:par>
-        <p:cTn id="1" dur="indefinite" restart="never" nodeType="tmRoot"/>
+        <p:cTn id="1" dur="indefinite" restart="never" nodeType="tmRoot">
+          <p:childTnLst>
+            <p:seq concurrent="1" nextAc="seek">
+              <p:cTn id="2" dur="indefinite" nodeType="mainSeq">
+                <p:childTnLst>
+                  <p:par>
+                    <p:cTn id="3" fill="hold">
+                      <p:stCondLst>
+                        <p:cond delay="indefinite"/>
+                      </p:stCondLst>
+                      <p:childTnLst>
+                        <p:par>
+                          <p:cTn id="4" fill="hold">
+                            <p:stCondLst>
+                              <p:cond delay="0"/>
+                            </p:stCondLst>
+                            <p:childTnLst>
+                              <p:par>
+                                <p:cTn id="5" presetID="1" presetClass="exit" presetSubtype="0" fill="hold" nodeType="clickEffect">
+                                  <p:stCondLst>
+                                    <p:cond delay="0"/>
+                                  </p:stCondLst>
+                                  <p:childTnLst>
+                                    <p:set>
+                                      <p:cBhvr>
+                                        <p:cTn id="6" dur="1" fill="hold">
+                                          <p:stCondLst>
+                                            <p:cond delay="0"/>
+                                          </p:stCondLst>
+                                        </p:cTn>
+                                        <p:tgtEl>
+                                          <p:spTgt spid="5"/>
+                                        </p:tgtEl>
+                                        <p:attrNameLst>
+                                          <p:attrName>style.visibility</p:attrName>
+                                        </p:attrNameLst>
+                                      </p:cBhvr>
+                                      <p:to>
+                                        <p:strVal val="hidden"/>
+                                      </p:to>
+                                    </p:set>
+                                  </p:childTnLst>
+                                </p:cTn>
+                              </p:par>
+                            </p:childTnLst>
+                          </p:cTn>
+                        </p:par>
+                        <p:par>
+                          <p:cTn id="7" fill="hold">
+                            <p:stCondLst>
+                              <p:cond delay="0"/>
+                            </p:stCondLst>
+                            <p:childTnLst>
+                              <p:par>
+                                <p:cTn id="8" presetID="53" presetClass="entr" presetSubtype="0" fill="hold" grpId="0" nodeType="afterEffect">
+                                  <p:stCondLst>
+                                    <p:cond delay="0"/>
+                                  </p:stCondLst>
+                                  <p:childTnLst>
+                                    <p:set>
+                                      <p:cBhvr>
+                                        <p:cTn id="9" dur="1" fill="hold">
+                                          <p:stCondLst>
+                                            <p:cond delay="0"/>
+                                          </p:stCondLst>
+                                        </p:cTn>
+                                        <p:tgtEl>
+                                          <p:spTgt spid="4"/>
+                                        </p:tgtEl>
+                                        <p:attrNameLst>
+                                          <p:attrName>style.visibility</p:attrName>
+                                        </p:attrNameLst>
+                                      </p:cBhvr>
+                                      <p:to>
+                                        <p:strVal val="visible"/>
+                                      </p:to>
+                                    </p:set>
+                                    <p:anim calcmode="lin" valueType="num">
+                                      <p:cBhvr>
+                                        <p:cTn id="10" dur="500" fill="hold"/>
+                                        <p:tgtEl>
+                                          <p:spTgt spid="4"/>
+                                        </p:tgtEl>
+                                        <p:attrNameLst>
+                                          <p:attrName>ppt_w</p:attrName>
+                                        </p:attrNameLst>
+                                      </p:cBhvr>
+                                      <p:tavLst>
+                                        <p:tav tm="0">
+                                          <p:val>
+                                            <p:fltVal val="0"/>
+                                          </p:val>
+                                        </p:tav>
+                                        <p:tav tm="100000">
+                                          <p:val>
+                                            <p:strVal val="#ppt_w"/>
+                                          </p:val>
+                                        </p:tav>
+                                      </p:tavLst>
+                                    </p:anim>
+                                    <p:anim calcmode="lin" valueType="num">
+                                      <p:cBhvr>
+                                        <p:cTn id="11" dur="500" fill="hold"/>
+                                        <p:tgtEl>
+                                          <p:spTgt spid="4"/>
+                                        </p:tgtEl>
+                                        <p:attrNameLst>
+                                          <p:attrName>ppt_h</p:attrName>
+                                        </p:attrNameLst>
+                                      </p:cBhvr>
+                                      <p:tavLst>
+                                        <p:tav tm="0">
+                                          <p:val>
+                                            <p:fltVal val="0"/>
+                                          </p:val>
+                                        </p:tav>
+                                        <p:tav tm="100000">
+                                          <p:val>
+                                            <p:strVal val="#ppt_h"/>
+                                          </p:val>
+                                        </p:tav>
+                                      </p:tavLst>
+                                    </p:anim>
+                                    <p:animEffect transition="in" filter="fade">
+                                      <p:cBhvr>
+                                        <p:cTn id="12" dur="500"/>
+                                        <p:tgtEl>
+                                          <p:spTgt spid="4"/>
+                                        </p:tgtEl>
+                                      </p:cBhvr>
+                                    </p:animEffect>
+                                  </p:childTnLst>
+                                </p:cTn>
+                              </p:par>
+                            </p:childTnLst>
+                          </p:cTn>
+                        </p:par>
+                      </p:childTnLst>
+                    </p:cTn>
+                  </p:par>
+                </p:childTnLst>
+              </p:cTn>
+              <p:prevCondLst>
+                <p:cond evt="onPrev" delay="0">
+                  <p:tgtEl>
+                    <p:sldTgt/>
+                  </p:tgtEl>
+                </p:cond>
+              </p:prevCondLst>
+              <p:nextCondLst>
+                <p:cond evt="onNext" delay="0">
+                  <p:tgtEl>
+                    <p:sldTgt/>
+                  </p:tgtEl>
+                </p:cond>
+              </p:nextCondLst>
+            </p:seq>
+          </p:childTnLst>
+        </p:cTn>
       </p:par>
     </p:tnLst>
+    <p:bldLst>
+      <p:bldP spid="4" grpId="0"/>
+    </p:bldLst>
   </p:timing>
 </p:sld>
 </file>
 
-<file path=ppt/slides/slide12.xml><?xml version="1.0" encoding="utf-8"?>
-<p:sld xmlns:a="http://schemas.openxmlformats.org/drawingml/2006/main" xmlns:r="http://schemas.openxmlformats.org/officeDocument/2006/relationships" xmlns:p="http://schemas.openxmlformats.org/presentationml/2006/main">
-  <p:cSld>
-    <p:spTree>
-      <p:nvGrpSpPr>
-        <p:cNvPr id="1" name=""/>
-        <p:cNvGrpSpPr/>
-        <p:nvPr/>
-      </p:nvGrpSpPr>
-      <p:grpSpPr>
-        <a:xfrm>
-          <a:off x="0" y="0"/>
-          <a:ext cx="0" cy="0"/>
-          <a:chOff x="0" y="0"/>
-          <a:chExt cx="0" cy="0"/>
-        </a:xfrm>
-      </p:grpSpPr>
-    </p:spTree>
-  </p:cSld>
-  <p:clrMapOvr>
-    <a:masterClrMapping/>
-  </p:clrMapOvr>
-  <p:timing>
-    <p:tnLst>
-      <p:par>
-        <p:cTn id="1" dur="indefinite" restart="never" nodeType="tmRoot"/>
-      </p:par>
-    </p:tnLst>
-  </p:timing>
-</p:sld>
-</file>
-
-<file path=ppt/slides/slide13.xml><?xml version="1.0" encoding="utf-8"?>
+<file path=ppt/slides/slide15.xml><?xml version="1.0" encoding="utf-8"?>
 <p:sld xmlns:a="http://schemas.openxmlformats.org/drawingml/2006/main" xmlns:r="http://schemas.openxmlformats.org/officeDocument/2006/relationships" xmlns:p="http://schemas.openxmlformats.org/presentationml/2006/main">
   <p:cSld>
     <p:spTree>
@@ -10528,7 +14494,7 @@
 </p:sld>
 </file>
 
-<file path=ppt/slides/slide14.xml><?xml version="1.0" encoding="utf-8"?>
+<file path=ppt/slides/slide16.xml><?xml version="1.0" encoding="utf-8"?>
 <p:sld xmlns:a="http://schemas.openxmlformats.org/drawingml/2006/main" xmlns:r="http://schemas.openxmlformats.org/officeDocument/2006/relationships" xmlns:p="http://schemas.openxmlformats.org/presentationml/2006/main">
   <p:cSld>
     <p:spTree>
@@ -10907,6 +14873,17 @@
           <a:lstStyle/>
           <a:p>
             <a:r>
+              <a:rPr lang="en-US" sz="5400" dirty="0" smtClean="0">
+                <a:solidFill>
+                  <a:srgbClr val="20272A"/>
+                </a:solidFill>
+                <a:latin typeface="Arial" pitchFamily="34" charset="0"/>
+                <a:ea typeface="KaiTi" pitchFamily="49" charset="-122"/>
+                <a:cs typeface="Arial" pitchFamily="34" charset="0"/>
+              </a:rPr>
+              <a:t> </a:t>
+            </a:r>
+            <a:r>
               <a:rPr lang="en-US" sz="5400" dirty="0" err="1" smtClean="0">
                 <a:solidFill>
                   <a:srgbClr val="20272A"/>
@@ -10980,8 +14957,8 @@
         </p:nvSpPr>
         <p:spPr>
           <a:xfrm>
-            <a:off x="0" y="3939902"/>
-            <a:ext cx="1944216" cy="523220"/>
+            <a:off x="179512" y="3939902"/>
+            <a:ext cx="2376264" cy="523220"/>
           </a:xfrm>
           <a:prstGeom prst="rect">
             <a:avLst/>
@@ -11003,7 +14980,7 @@
                 <a:ea typeface="KaiTi" pitchFamily="49" charset="-122"/>
                 <a:cs typeface="Arial" pitchFamily="34" charset="0"/>
               </a:rPr>
-              <a:t>developer</a:t>
+              <a:t>   developer</a:t>
             </a:r>
             <a:r>
               <a:rPr lang="en-US" sz="2800" dirty="0" smtClean="0">
@@ -11618,7 +15595,7 @@
         </p:nvSpPr>
         <p:spPr>
           <a:xfrm>
-            <a:off x="1979712" y="1779662"/>
+            <a:off x="611560" y="1635646"/>
             <a:ext cx="2808312" cy="1323439"/>
           </a:xfrm>
           <a:prstGeom prst="rect">
@@ -11673,8 +15650,8 @@
         </p:nvSpPr>
         <p:spPr>
           <a:xfrm>
-            <a:off x="3779912" y="2715766"/>
-            <a:ext cx="4968552" cy="1862048"/>
+            <a:off x="3131840" y="1491630"/>
+            <a:ext cx="6192688" cy="2215991"/>
           </a:xfrm>
           <a:prstGeom prst="rect">
             <a:avLst/>
@@ -11688,7 +15665,7 @@
           <a:lstStyle/>
           <a:p>
             <a:r>
-              <a:rPr lang="en-US" sz="11500" b="1" dirty="0" smtClean="0">
+              <a:rPr lang="en-US" sz="13800" b="1" dirty="0" smtClean="0">
                 <a:solidFill>
                   <a:srgbClr val="851019"/>
                 </a:solidFill>
@@ -11698,7 +15675,7 @@
               </a:rPr>
               <a:t>JEES? </a:t>
             </a:r>
-            <a:endParaRPr lang="sk-SK" sz="11500" b="1" dirty="0">
+            <a:endParaRPr lang="sk-SK" sz="13800" b="1" dirty="0">
               <a:solidFill>
                 <a:srgbClr val="851019"/>
               </a:solidFill>
@@ -11749,7 +15726,7 @@
         </p:nvSpPr>
         <p:spPr>
           <a:xfrm>
-            <a:off x="179512" y="195486"/>
+            <a:off x="179512" y="123478"/>
             <a:ext cx="1944216" cy="923330"/>
           </a:xfrm>
           <a:prstGeom prst="rect">
@@ -11793,8 +15770,8 @@
         </p:nvSpPr>
         <p:spPr>
           <a:xfrm>
-            <a:off x="2123728" y="411510"/>
-            <a:ext cx="2555776" cy="769441"/>
+            <a:off x="2123728" y="195486"/>
+            <a:ext cx="864096" cy="769441"/>
           </a:xfrm>
           <a:prstGeom prst="rect">
             <a:avLst/>
@@ -11816,7 +15793,7 @@
                 <a:ea typeface="KaiTi" pitchFamily="49" charset="-122"/>
                 <a:cs typeface="Arial" pitchFamily="34" charset="0"/>
               </a:rPr>
-              <a:t>je …</a:t>
+              <a:t>je </a:t>
             </a:r>
             <a:endParaRPr lang="en-US" sz="2800" dirty="0" smtClean="0">
               <a:solidFill>
@@ -11837,8 +15814,8 @@
         </p:nvSpPr>
         <p:spPr>
           <a:xfrm>
-            <a:off x="395536" y="1419622"/>
-            <a:ext cx="8424936" cy="461665"/>
+            <a:off x="395536" y="1275606"/>
+            <a:ext cx="8568952" cy="3785652"/>
           </a:xfrm>
           <a:prstGeom prst="rect">
             <a:avLst/>
@@ -11851,8 +15828,12 @@
           </a:bodyPr>
           <a:lstStyle/>
           <a:p>
-            <a:r>
-              <a:rPr lang="en-US" sz="2400" dirty="0" smtClean="0">
+            <a:pPr>
+              <a:buFont typeface="Wingdings" pitchFamily="2" charset="2"/>
+              <a:buChar char="§"/>
+            </a:pPr>
+            <a:r>
+              <a:rPr lang="sv-SE" sz="2400" dirty="0" smtClean="0">
                 <a:solidFill>
                   <a:srgbClr val="20272A"/>
                 </a:solidFill>
@@ -11860,7 +15841,387 @@
                 <a:ea typeface="KaiTi" pitchFamily="49" charset="-122"/>
                 <a:cs typeface="Arial" pitchFamily="34" charset="0"/>
               </a:rPr>
-              <a:t>… </a:t>
+              <a:t> Java Expert System Shell - verzia 7.1 (2009)</a:t>
+            </a:r>
+          </a:p>
+          <a:p>
+            <a:endParaRPr lang="en-US" sz="2400" dirty="0" smtClean="0">
+              <a:solidFill>
+                <a:srgbClr val="20272A"/>
+              </a:solidFill>
+              <a:latin typeface="Arial" pitchFamily="34" charset="0"/>
+              <a:ea typeface="KaiTi" pitchFamily="49" charset="-122"/>
+              <a:cs typeface="Arial" pitchFamily="34" charset="0"/>
+            </a:endParaRPr>
+          </a:p>
+          <a:p>
+            <a:pPr>
+              <a:buFont typeface="Wingdings" pitchFamily="2" charset="2"/>
+              <a:buChar char="§"/>
+            </a:pPr>
+            <a:r>
+              <a:rPr lang="en-US" sz="2400" dirty="0" smtClean="0">
+                <a:solidFill>
+                  <a:srgbClr val="20272A"/>
+                </a:solidFill>
+                <a:latin typeface="Arial" pitchFamily="34" charset="0"/>
+                <a:ea typeface="KaiTi" pitchFamily="49" charset="-122"/>
+                <a:cs typeface="Arial" pitchFamily="34" charset="0"/>
+              </a:rPr>
+              <a:t> Rule engine (1995 Ernest Friedman-Hill ) </a:t>
+            </a:r>
+          </a:p>
+          <a:p>
+            <a:endParaRPr lang="en-US" sz="2400" dirty="0" smtClean="0">
+              <a:solidFill>
+                <a:srgbClr val="20272A"/>
+              </a:solidFill>
+              <a:latin typeface="Arial" pitchFamily="34" charset="0"/>
+              <a:ea typeface="KaiTi" pitchFamily="49" charset="-122"/>
+              <a:cs typeface="Arial" pitchFamily="34" charset="0"/>
+            </a:endParaRPr>
+          </a:p>
+          <a:p>
+            <a:pPr>
+              <a:buFont typeface="Wingdings" pitchFamily="2" charset="2"/>
+              <a:buChar char="§"/>
+            </a:pPr>
+            <a:r>
+              <a:rPr lang="en-US" sz="2400" dirty="0" smtClean="0">
+                <a:solidFill>
+                  <a:srgbClr val="20272A"/>
+                </a:solidFill>
+                <a:latin typeface="Arial" pitchFamily="34" charset="0"/>
+                <a:ea typeface="KaiTi" pitchFamily="49" charset="-122"/>
+                <a:cs typeface="Arial" pitchFamily="34" charset="0"/>
+              </a:rPr>
+              <a:t> </a:t>
+            </a:r>
+            <a:r>
+              <a:rPr lang="en-US" sz="2400" dirty="0" err="1" smtClean="0">
+                <a:solidFill>
+                  <a:srgbClr val="20272A"/>
+                </a:solidFill>
+                <a:latin typeface="Arial" pitchFamily="34" charset="0"/>
+                <a:ea typeface="KaiTi" pitchFamily="49" charset="-122"/>
+                <a:cs typeface="Arial" pitchFamily="34" charset="0"/>
+              </a:rPr>
+              <a:t>Inšpirovaný</a:t>
+            </a:r>
+            <a:r>
+              <a:rPr lang="en-US" sz="2400" dirty="0" smtClean="0">
+                <a:solidFill>
+                  <a:srgbClr val="20272A"/>
+                </a:solidFill>
+                <a:latin typeface="Arial" pitchFamily="34" charset="0"/>
+                <a:ea typeface="KaiTi" pitchFamily="49" charset="-122"/>
+                <a:cs typeface="Arial" pitchFamily="34" charset="0"/>
+              </a:rPr>
+              <a:t> </a:t>
+            </a:r>
+            <a:r>
+              <a:rPr lang="en-US" sz="2400" dirty="0" err="1" smtClean="0">
+                <a:solidFill>
+                  <a:srgbClr val="20272A"/>
+                </a:solidFill>
+                <a:latin typeface="Arial" pitchFamily="34" charset="0"/>
+                <a:ea typeface="KaiTi" pitchFamily="49" charset="-122"/>
+                <a:cs typeface="Arial" pitchFamily="34" charset="0"/>
+              </a:rPr>
+              <a:t>nástrojom</a:t>
+            </a:r>
+            <a:r>
+              <a:rPr lang="en-US" sz="2400" dirty="0" smtClean="0">
+                <a:solidFill>
+                  <a:srgbClr val="20272A"/>
+                </a:solidFill>
+                <a:latin typeface="Arial" pitchFamily="34" charset="0"/>
+                <a:ea typeface="KaiTi" pitchFamily="49" charset="-122"/>
+                <a:cs typeface="Arial" pitchFamily="34" charset="0"/>
+              </a:rPr>
+              <a:t> Clips (</a:t>
+            </a:r>
+            <a:r>
+              <a:rPr lang="en-US" sz="2400" dirty="0" err="1" smtClean="0">
+                <a:solidFill>
+                  <a:srgbClr val="20272A"/>
+                </a:solidFill>
+                <a:latin typeface="Arial" pitchFamily="34" charset="0"/>
+                <a:ea typeface="KaiTi" pitchFamily="49" charset="-122"/>
+                <a:cs typeface="Arial" pitchFamily="34" charset="0"/>
+              </a:rPr>
+              <a:t>alternatíva</a:t>
+            </a:r>
+            <a:r>
+              <a:rPr lang="en-US" sz="2400" dirty="0" smtClean="0">
+                <a:solidFill>
+                  <a:srgbClr val="20272A"/>
+                </a:solidFill>
+                <a:latin typeface="Arial" pitchFamily="34" charset="0"/>
+                <a:ea typeface="KaiTi" pitchFamily="49" charset="-122"/>
+                <a:cs typeface="Arial" pitchFamily="34" charset="0"/>
+              </a:rPr>
+              <a:t> pre Java)</a:t>
+            </a:r>
+          </a:p>
+          <a:p>
+            <a:endParaRPr lang="en-US" sz="2400" dirty="0" smtClean="0">
+              <a:solidFill>
+                <a:srgbClr val="20272A"/>
+              </a:solidFill>
+              <a:latin typeface="Arial" pitchFamily="34" charset="0"/>
+              <a:ea typeface="KaiTi" pitchFamily="49" charset="-122"/>
+              <a:cs typeface="Arial" pitchFamily="34" charset="0"/>
+            </a:endParaRPr>
+          </a:p>
+          <a:p>
+            <a:pPr>
+              <a:buFont typeface="Wingdings" pitchFamily="2" charset="2"/>
+              <a:buChar char="§"/>
+            </a:pPr>
+            <a:r>
+              <a:rPr lang="en-US" sz="2400" dirty="0" smtClean="0">
+                <a:solidFill>
+                  <a:srgbClr val="20272A"/>
+                </a:solidFill>
+                <a:latin typeface="Arial" pitchFamily="34" charset="0"/>
+                <a:ea typeface="KaiTi" pitchFamily="49" charset="-122"/>
+                <a:cs typeface="Arial" pitchFamily="34" charset="0"/>
+              </a:rPr>
+              <a:t> </a:t>
+            </a:r>
+            <a:r>
+              <a:rPr lang="en-US" sz="2400" dirty="0" err="1" smtClean="0">
+                <a:solidFill>
+                  <a:srgbClr val="20272A"/>
+                </a:solidFill>
+                <a:latin typeface="Arial" pitchFamily="34" charset="0"/>
+                <a:ea typeface="KaiTi" pitchFamily="49" charset="-122"/>
+                <a:cs typeface="Arial" pitchFamily="34" charset="0"/>
+              </a:rPr>
+              <a:t>Že</a:t>
+            </a:r>
+            <a:r>
+              <a:rPr lang="en-US" sz="2400" dirty="0" smtClean="0">
+                <a:solidFill>
+                  <a:srgbClr val="20272A"/>
+                </a:solidFill>
+                <a:latin typeface="Arial" pitchFamily="34" charset="0"/>
+                <a:ea typeface="KaiTi" pitchFamily="49" charset="-122"/>
+                <a:cs typeface="Arial" pitchFamily="34" charset="0"/>
+              </a:rPr>
+              <a:t> </a:t>
+            </a:r>
+            <a:r>
+              <a:rPr lang="en-US" sz="2400" dirty="0" err="1" smtClean="0">
+                <a:solidFill>
+                  <a:srgbClr val="20272A"/>
+                </a:solidFill>
+                <a:latin typeface="Arial" pitchFamily="34" charset="0"/>
+                <a:ea typeface="KaiTi" pitchFamily="49" charset="-122"/>
+                <a:cs typeface="Arial" pitchFamily="34" charset="0"/>
+              </a:rPr>
+              <a:t>vraj</a:t>
+            </a:r>
+            <a:r>
+              <a:rPr lang="en-US" sz="2400" dirty="0" smtClean="0">
+                <a:solidFill>
+                  <a:srgbClr val="20272A"/>
+                </a:solidFill>
+                <a:latin typeface="Arial" pitchFamily="34" charset="0"/>
+                <a:ea typeface="KaiTi" pitchFamily="49" charset="-122"/>
+                <a:cs typeface="Arial" pitchFamily="34" charset="0"/>
+              </a:rPr>
+              <a:t> free pre </a:t>
+            </a:r>
+            <a:r>
+              <a:rPr lang="en-US" sz="2400" dirty="0" err="1" smtClean="0">
+                <a:solidFill>
+                  <a:srgbClr val="20272A"/>
+                </a:solidFill>
+                <a:latin typeface="Arial" pitchFamily="34" charset="0"/>
+                <a:ea typeface="KaiTi" pitchFamily="49" charset="-122"/>
+                <a:cs typeface="Arial" pitchFamily="34" charset="0"/>
+              </a:rPr>
+              <a:t>nekomerčné</a:t>
+            </a:r>
+            <a:r>
+              <a:rPr lang="en-US" sz="2400" dirty="0" smtClean="0">
+                <a:solidFill>
+                  <a:srgbClr val="20272A"/>
+                </a:solidFill>
+                <a:latin typeface="Arial" pitchFamily="34" charset="0"/>
+                <a:ea typeface="KaiTi" pitchFamily="49" charset="-122"/>
+                <a:cs typeface="Arial" pitchFamily="34" charset="0"/>
+              </a:rPr>
+              <a:t> </a:t>
+            </a:r>
+            <a:r>
+              <a:rPr lang="en-US" sz="2400" dirty="0" err="1" smtClean="0">
+                <a:solidFill>
+                  <a:srgbClr val="20272A"/>
+                </a:solidFill>
+                <a:latin typeface="Arial" pitchFamily="34" charset="0"/>
+                <a:ea typeface="KaiTi" pitchFamily="49" charset="-122"/>
+                <a:cs typeface="Arial" pitchFamily="34" charset="0"/>
+              </a:rPr>
+              <a:t>učely</a:t>
+            </a:r>
+            <a:r>
+              <a:rPr lang="en-US" sz="2400" dirty="0" smtClean="0">
+                <a:solidFill>
+                  <a:srgbClr val="20272A"/>
+                </a:solidFill>
+                <a:latin typeface="Arial" pitchFamily="34" charset="0"/>
+                <a:ea typeface="KaiTi" pitchFamily="49" charset="-122"/>
+                <a:cs typeface="Arial" pitchFamily="34" charset="0"/>
+              </a:rPr>
+              <a:t> ? </a:t>
+            </a:r>
+          </a:p>
+          <a:p>
+            <a:r>
+              <a:rPr lang="en-US" sz="2400" dirty="0" smtClean="0">
+                <a:solidFill>
+                  <a:schemeClr val="bg1">
+                    <a:lumMod val="50000"/>
+                  </a:schemeClr>
+                </a:solidFill>
+                <a:latin typeface="Arial" pitchFamily="34" charset="0"/>
+                <a:ea typeface="KaiTi" pitchFamily="49" charset="-122"/>
+                <a:cs typeface="Arial" pitchFamily="34" charset="0"/>
+              </a:rPr>
+              <a:t>   (no </a:t>
+            </a:r>
+            <a:r>
+              <a:rPr lang="en-US" sz="2400" dirty="0" err="1" smtClean="0">
+                <a:solidFill>
+                  <a:schemeClr val="bg1">
+                    <a:lumMod val="50000"/>
+                  </a:schemeClr>
+                </a:solidFill>
+                <a:latin typeface="Arial" pitchFamily="34" charset="0"/>
+                <a:ea typeface="KaiTi" pitchFamily="49" charset="-122"/>
+                <a:cs typeface="Arial" pitchFamily="34" charset="0"/>
+              </a:rPr>
+              <a:t>neviem</a:t>
+            </a:r>
+            <a:r>
+              <a:rPr lang="en-US" sz="2400" dirty="0" smtClean="0">
+                <a:solidFill>
+                  <a:schemeClr val="bg1">
+                    <a:lumMod val="50000"/>
+                  </a:schemeClr>
+                </a:solidFill>
+                <a:latin typeface="Arial" pitchFamily="34" charset="0"/>
+                <a:ea typeface="KaiTi" pitchFamily="49" charset="-122"/>
+                <a:cs typeface="Arial" pitchFamily="34" charset="0"/>
+              </a:rPr>
+              <a:t> </a:t>
+            </a:r>
+            <a:r>
+              <a:rPr lang="en-US" sz="2400" dirty="0" err="1" smtClean="0">
+                <a:solidFill>
+                  <a:schemeClr val="bg1">
+                    <a:lumMod val="50000"/>
+                  </a:schemeClr>
+                </a:solidFill>
+                <a:latin typeface="Arial" pitchFamily="34" charset="0"/>
+                <a:ea typeface="KaiTi" pitchFamily="49" charset="-122"/>
+                <a:cs typeface="Arial" pitchFamily="34" charset="0"/>
+              </a:rPr>
+              <a:t>jám</a:t>
+            </a:r>
+            <a:r>
+              <a:rPr lang="en-US" sz="2400" dirty="0" smtClean="0">
+                <a:solidFill>
+                  <a:schemeClr val="bg1">
+                    <a:lumMod val="50000"/>
+                  </a:schemeClr>
+                </a:solidFill>
+                <a:latin typeface="Arial" pitchFamily="34" charset="0"/>
+                <a:ea typeface="KaiTi" pitchFamily="49" charset="-122"/>
+                <a:cs typeface="Arial" pitchFamily="34" charset="0"/>
+              </a:rPr>
+              <a:t> </a:t>
+            </a:r>
+            <a:r>
+              <a:rPr lang="en-US" sz="2400" dirty="0" err="1" smtClean="0">
+                <a:solidFill>
+                  <a:schemeClr val="bg1">
+                    <a:lumMod val="50000"/>
+                  </a:schemeClr>
+                </a:solidFill>
+                <a:latin typeface="Arial" pitchFamily="34" charset="0"/>
+                <a:ea typeface="KaiTi" pitchFamily="49" charset="-122"/>
+                <a:cs typeface="Arial" pitchFamily="34" charset="0"/>
+              </a:rPr>
+              <a:t>mám</a:t>
+            </a:r>
+            <a:r>
+              <a:rPr lang="en-US" sz="2400" dirty="0" smtClean="0">
+                <a:solidFill>
+                  <a:schemeClr val="bg1">
+                    <a:lumMod val="50000"/>
+                  </a:schemeClr>
+                </a:solidFill>
+                <a:latin typeface="Arial" pitchFamily="34" charset="0"/>
+                <a:ea typeface="KaiTi" pitchFamily="49" charset="-122"/>
+                <a:cs typeface="Arial" pitchFamily="34" charset="0"/>
+              </a:rPr>
+              <a:t> </a:t>
+            </a:r>
+            <a:r>
+              <a:rPr lang="en-US" sz="2400" dirty="0" err="1" smtClean="0">
+                <a:solidFill>
+                  <a:schemeClr val="bg1">
+                    <a:lumMod val="50000"/>
+                  </a:schemeClr>
+                </a:solidFill>
+                <a:latin typeface="Arial" pitchFamily="34" charset="0"/>
+                <a:ea typeface="KaiTi" pitchFamily="49" charset="-122"/>
+                <a:cs typeface="Arial" pitchFamily="34" charset="0"/>
+              </a:rPr>
+              <a:t>iba</a:t>
+            </a:r>
+            <a:r>
+              <a:rPr lang="en-US" sz="2400" dirty="0" smtClean="0">
+                <a:solidFill>
+                  <a:schemeClr val="bg1">
+                    <a:lumMod val="50000"/>
+                  </a:schemeClr>
+                </a:solidFill>
+                <a:latin typeface="Arial" pitchFamily="34" charset="0"/>
+                <a:ea typeface="KaiTi" pitchFamily="49" charset="-122"/>
+                <a:cs typeface="Arial" pitchFamily="34" charset="0"/>
+              </a:rPr>
+              <a:t> trial)</a:t>
+            </a:r>
+          </a:p>
+          <a:p>
+            <a:r>
+              <a:rPr lang="en-US" sz="2400" dirty="0" smtClean="0">
+                <a:solidFill>
+                  <a:srgbClr val="20272A"/>
+                </a:solidFill>
+                <a:latin typeface="Arial" pitchFamily="34" charset="0"/>
+                <a:ea typeface="KaiTi" pitchFamily="49" charset="-122"/>
+                <a:cs typeface="Arial" pitchFamily="34" charset="0"/>
+              </a:rPr>
+              <a:t> </a:t>
+            </a:r>
+          </a:p>
+          <a:p>
+            <a:r>
+              <a:rPr lang="en-US" sz="2400" dirty="0" smtClean="0">
+                <a:solidFill>
+                  <a:srgbClr val="20272A"/>
+                </a:solidFill>
+                <a:latin typeface="Arial" pitchFamily="34" charset="0"/>
+                <a:ea typeface="KaiTi" pitchFamily="49" charset="-122"/>
+                <a:cs typeface="Arial" pitchFamily="34" charset="0"/>
+              </a:rPr>
+              <a:t> </a:t>
             </a:r>
             <a:endParaRPr lang="en-US" sz="1400" dirty="0" smtClean="0">
               <a:solidFill>
@@ -11905,6 +16266,207 @@
           <a:chExt cx="0" cy="0"/>
         </a:xfrm>
       </p:grpSpPr>
+      <p:sp>
+        <p:nvSpPr>
+          <p:cNvPr id="2" name="BlokTextu 1"/>
+          <p:cNvSpPr txBox="1"/>
+          <p:nvPr/>
+        </p:nvSpPr>
+        <p:spPr>
+          <a:xfrm>
+            <a:off x="0" y="483518"/>
+            <a:ext cx="3131840" cy="923330"/>
+          </a:xfrm>
+          <a:prstGeom prst="rect">
+            <a:avLst/>
+          </a:prstGeom>
+          <a:noFill/>
+        </p:spPr>
+        <p:txBody>
+          <a:bodyPr wrap="square" rtlCol="0">
+            <a:spAutoFit/>
+          </a:bodyPr>
+          <a:lstStyle/>
+          <a:p>
+            <a:r>
+              <a:rPr lang="en-US" sz="5400" b="1" dirty="0" smtClean="0">
+                <a:solidFill>
+                  <a:srgbClr val="851019"/>
+                </a:solidFill>
+                <a:latin typeface="Arial" pitchFamily="34" charset="0"/>
+                <a:ea typeface="KaiTi" pitchFamily="49" charset="-122"/>
+                <a:cs typeface="Arial" pitchFamily="34" charset="0"/>
+              </a:rPr>
+              <a:t> </a:t>
+            </a:r>
+            <a:r>
+              <a:rPr lang="en-US" sz="5400" b="1" dirty="0" err="1" smtClean="0">
+                <a:solidFill>
+                  <a:srgbClr val="851019"/>
+                </a:solidFill>
+                <a:latin typeface="Arial" pitchFamily="34" charset="0"/>
+                <a:ea typeface="KaiTi" pitchFamily="49" charset="-122"/>
+                <a:cs typeface="Arial" pitchFamily="34" charset="0"/>
+              </a:rPr>
+              <a:t>znalostí</a:t>
+            </a:r>
+            <a:r>
+              <a:rPr lang="en-US" sz="5400" b="1" dirty="0" smtClean="0">
+                <a:solidFill>
+                  <a:srgbClr val="851019"/>
+                </a:solidFill>
+                <a:latin typeface="Arial" pitchFamily="34" charset="0"/>
+                <a:ea typeface="KaiTi" pitchFamily="49" charset="-122"/>
+                <a:cs typeface="Arial" pitchFamily="34" charset="0"/>
+              </a:rPr>
+              <a:t>  </a:t>
+            </a:r>
+            <a:endParaRPr lang="sk-SK" sz="5400" b="1" dirty="0">
+              <a:solidFill>
+                <a:srgbClr val="851019"/>
+              </a:solidFill>
+              <a:latin typeface="Arial" pitchFamily="34" charset="0"/>
+              <a:ea typeface="KaiTi" pitchFamily="49" charset="-122"/>
+              <a:cs typeface="Arial" pitchFamily="34" charset="0"/>
+            </a:endParaRPr>
+          </a:p>
+        </p:txBody>
+      </p:sp>
+      <p:sp>
+        <p:nvSpPr>
+          <p:cNvPr id="3" name="BlokTextu 2"/>
+          <p:cNvSpPr txBox="1"/>
+          <p:nvPr/>
+        </p:nvSpPr>
+        <p:spPr>
+          <a:xfrm>
+            <a:off x="251520" y="0"/>
+            <a:ext cx="3888432" cy="769441"/>
+          </a:xfrm>
+          <a:prstGeom prst="rect">
+            <a:avLst/>
+          </a:prstGeom>
+          <a:noFill/>
+        </p:spPr>
+        <p:txBody>
+          <a:bodyPr wrap="square" rtlCol="0">
+            <a:spAutoFit/>
+          </a:bodyPr>
+          <a:lstStyle/>
+          <a:p>
+            <a:r>
+              <a:rPr lang="en-US" sz="4400" dirty="0" err="1" smtClean="0">
+                <a:solidFill>
+                  <a:srgbClr val="20272A"/>
+                </a:solidFill>
+                <a:latin typeface="Arial" pitchFamily="34" charset="0"/>
+                <a:ea typeface="KaiTi" pitchFamily="49" charset="-122"/>
+                <a:cs typeface="Arial" pitchFamily="34" charset="0"/>
+              </a:rPr>
+              <a:t>Reprezentácia</a:t>
+            </a:r>
+            <a:r>
+              <a:rPr lang="en-US" sz="4400" dirty="0" smtClean="0">
+                <a:solidFill>
+                  <a:srgbClr val="20272A"/>
+                </a:solidFill>
+                <a:latin typeface="Arial" pitchFamily="34" charset="0"/>
+                <a:ea typeface="KaiTi" pitchFamily="49" charset="-122"/>
+                <a:cs typeface="Arial" pitchFamily="34" charset="0"/>
+              </a:rPr>
+              <a:t>   </a:t>
+            </a:r>
+            <a:endParaRPr lang="en-US" sz="2800" dirty="0" smtClean="0">
+              <a:solidFill>
+                <a:srgbClr val="20272A"/>
+              </a:solidFill>
+              <a:latin typeface="Arial" pitchFamily="34" charset="0"/>
+              <a:ea typeface="KaiTi" pitchFamily="49" charset="-122"/>
+              <a:cs typeface="Arial" pitchFamily="34" charset="0"/>
+            </a:endParaRPr>
+          </a:p>
+        </p:txBody>
+      </p:sp>
+      <p:sp>
+        <p:nvSpPr>
+          <p:cNvPr id="4" name="BlokTextu 3"/>
+          <p:cNvSpPr txBox="1"/>
+          <p:nvPr/>
+        </p:nvSpPr>
+        <p:spPr>
+          <a:xfrm>
+            <a:off x="179512" y="1851670"/>
+            <a:ext cx="8568952" cy="1200329"/>
+          </a:xfrm>
+          <a:prstGeom prst="rect">
+            <a:avLst/>
+          </a:prstGeom>
+          <a:noFill/>
+        </p:spPr>
+        <p:txBody>
+          <a:bodyPr wrap="square" rtlCol="0">
+            <a:spAutoFit/>
+          </a:bodyPr>
+          <a:lstStyle/>
+          <a:p>
+            <a:r>
+              <a:rPr lang="en-US" sz="2400" dirty="0" smtClean="0">
+                <a:solidFill>
+                  <a:srgbClr val="20272A"/>
+                </a:solidFill>
+                <a:latin typeface="Arial" pitchFamily="34" charset="0"/>
+                <a:ea typeface="KaiTi" pitchFamily="49" charset="-122"/>
+                <a:cs typeface="Arial" pitchFamily="34" charset="0"/>
+              </a:rPr>
+              <a:t>…</a:t>
+            </a:r>
+            <a:endParaRPr lang="en-US" sz="2400" dirty="0" smtClean="0">
+              <a:solidFill>
+                <a:schemeClr val="bg1">
+                  <a:lumMod val="50000"/>
+                </a:schemeClr>
+              </a:solidFill>
+              <a:latin typeface="Arial" pitchFamily="34" charset="0"/>
+              <a:ea typeface="KaiTi" pitchFamily="49" charset="-122"/>
+              <a:cs typeface="Arial" pitchFamily="34" charset="0"/>
+            </a:endParaRPr>
+          </a:p>
+          <a:p>
+            <a:r>
+              <a:rPr lang="en-US" sz="2400" dirty="0" smtClean="0">
+                <a:solidFill>
+                  <a:srgbClr val="20272A"/>
+                </a:solidFill>
+                <a:latin typeface="Arial" pitchFamily="34" charset="0"/>
+                <a:ea typeface="KaiTi" pitchFamily="49" charset="-122"/>
+                <a:cs typeface="Arial" pitchFamily="34" charset="0"/>
+              </a:rPr>
+              <a:t> </a:t>
+            </a:r>
+          </a:p>
+          <a:p>
+            <a:r>
+              <a:rPr lang="en-US" sz="2400" dirty="0" smtClean="0">
+                <a:solidFill>
+                  <a:srgbClr val="20272A"/>
+                </a:solidFill>
+                <a:latin typeface="Arial" pitchFamily="34" charset="0"/>
+                <a:ea typeface="KaiTi" pitchFamily="49" charset="-122"/>
+                <a:cs typeface="Arial" pitchFamily="34" charset="0"/>
+              </a:rPr>
+              <a:t> </a:t>
+            </a:r>
+            <a:endParaRPr lang="en-US" sz="1400" dirty="0" smtClean="0">
+              <a:solidFill>
+                <a:srgbClr val="20272A"/>
+              </a:solidFill>
+              <a:latin typeface="Arial" pitchFamily="34" charset="0"/>
+              <a:ea typeface="KaiTi" pitchFamily="49" charset="-122"/>
+              <a:cs typeface="Arial" pitchFamily="34" charset="0"/>
+            </a:endParaRPr>
+          </a:p>
+        </p:txBody>
+      </p:sp>
     </p:spTree>
   </p:cSld>
   <p:clrMapOvr>
@@ -11937,16 +16499,80 @@
           <a:chExt cx="0" cy="0"/>
         </a:xfrm>
       </p:grpSpPr>
-      <p:sp>
-        <p:nvSpPr>
-          <p:cNvPr id="5" name="BlokTextu 4"/>
+    </p:spTree>
+  </p:cSld>
+  <p:clrMapOvr>
+    <a:masterClrMapping/>
+  </p:clrMapOvr>
+  <p:timing>
+    <p:tnLst>
+      <p:par>
+        <p:cTn id="1" dur="indefinite" restart="never" nodeType="tmRoot"/>
+      </p:par>
+    </p:tnLst>
+  </p:timing>
+</p:sld>
+</file>
+
+<file path=ppt/slides/slide8.xml><?xml version="1.0" encoding="utf-8"?>
+<p:sld xmlns:a="http://schemas.openxmlformats.org/drawingml/2006/main" xmlns:r="http://schemas.openxmlformats.org/officeDocument/2006/relationships" xmlns:p="http://schemas.openxmlformats.org/presentationml/2006/main">
+  <p:cSld>
+    <p:spTree>
+      <p:nvGrpSpPr>
+        <p:cNvPr id="1" name=""/>
+        <p:cNvGrpSpPr/>
+        <p:nvPr/>
+      </p:nvGrpSpPr>
+      <p:grpSpPr>
+        <a:xfrm>
+          <a:off x="0" y="0"/>
+          <a:ext cx="0" cy="0"/>
+          <a:chOff x="0" y="0"/>
+          <a:chExt cx="0" cy="0"/>
+        </a:xfrm>
+      </p:grpSpPr>
+    </p:spTree>
+  </p:cSld>
+  <p:clrMapOvr>
+    <a:masterClrMapping/>
+  </p:clrMapOvr>
+  <p:timing>
+    <p:tnLst>
+      <p:par>
+        <p:cTn id="1" dur="indefinite" restart="never" nodeType="tmRoot"/>
+      </p:par>
+    </p:tnLst>
+  </p:timing>
+</p:sld>
+</file>
+
+<file path=ppt/slides/slide9.xml><?xml version="1.0" encoding="utf-8"?>
+<p:sld xmlns:a="http://schemas.openxmlformats.org/drawingml/2006/main" xmlns:r="http://schemas.openxmlformats.org/officeDocument/2006/relationships" xmlns:p="http://schemas.openxmlformats.org/presentationml/2006/main">
+  <p:cSld>
+    <p:spTree>
+      <p:nvGrpSpPr>
+        <p:cNvPr id="1" name=""/>
+        <p:cNvGrpSpPr/>
+        <p:nvPr/>
+      </p:nvGrpSpPr>
+      <p:grpSpPr>
+        <a:xfrm>
+          <a:off x="0" y="0"/>
+          <a:ext cx="0" cy="0"/>
+          <a:chOff x="0" y="0"/>
+          <a:chExt cx="0" cy="0"/>
+        </a:xfrm>
+      </p:grpSpPr>
+      <p:sp>
+        <p:nvSpPr>
+          <p:cNvPr id="2" name="BlokTextu 1"/>
           <p:cNvSpPr txBox="1"/>
           <p:nvPr/>
         </p:nvSpPr>
         <p:spPr>
           <a:xfrm>
-            <a:off x="1403648" y="1419622"/>
-            <a:ext cx="2555776" cy="830997"/>
+            <a:off x="3779912" y="483518"/>
+            <a:ext cx="3888432" cy="954107"/>
           </a:xfrm>
           <a:prstGeom prst="rect">
             <a:avLst/>
@@ -11960,17 +16586,145 @@
           <a:lstStyle/>
           <a:p>
             <a:r>
-              <a:rPr lang="en-US" sz="4800" dirty="0" err="1" smtClean="0">
-                <a:solidFill>
-                  <a:srgbClr val="20272A"/>
+              <a:rPr lang="en-US" sz="5600" b="1" dirty="0" err="1" smtClean="0">
+                <a:solidFill>
+                  <a:srgbClr val="851019"/>
                 </a:solidFill>
                 <a:latin typeface="Arial" pitchFamily="34" charset="0"/>
                 <a:ea typeface="KaiTi" pitchFamily="49" charset="-122"/>
                 <a:cs typeface="Arial" pitchFamily="34" charset="0"/>
               </a:rPr>
-              <a:t>Použité</a:t>
-            </a:r>
-            <a:endParaRPr lang="en-US" sz="3200" dirty="0" smtClean="0">
+              <a:t>nevýhody</a:t>
+            </a:r>
+            <a:endParaRPr lang="sk-SK" sz="5600" b="1" dirty="0">
+              <a:solidFill>
+                <a:srgbClr val="851019"/>
+              </a:solidFill>
+              <a:latin typeface="Arial" pitchFamily="34" charset="0"/>
+              <a:ea typeface="KaiTi" pitchFamily="49" charset="-122"/>
+              <a:cs typeface="Arial" pitchFamily="34" charset="0"/>
+            </a:endParaRPr>
+          </a:p>
+        </p:txBody>
+      </p:sp>
+      <p:sp>
+        <p:nvSpPr>
+          <p:cNvPr id="3" name="BlokTextu 2"/>
+          <p:cNvSpPr txBox="1"/>
+          <p:nvPr/>
+        </p:nvSpPr>
+        <p:spPr>
+          <a:xfrm>
+            <a:off x="1403648" y="267494"/>
+            <a:ext cx="3888432" cy="830997"/>
+          </a:xfrm>
+          <a:prstGeom prst="rect">
+            <a:avLst/>
+          </a:prstGeom>
+          <a:noFill/>
+        </p:spPr>
+        <p:txBody>
+          <a:bodyPr wrap="square" rtlCol="0">
+            <a:spAutoFit/>
+          </a:bodyPr>
+          <a:lstStyle/>
+          <a:p>
+            <a:r>
+              <a:rPr lang="en-US" sz="4800" dirty="0" err="1" smtClean="0">
+                <a:solidFill>
+                  <a:srgbClr val="20272A"/>
+                </a:solidFill>
+                <a:latin typeface="Arial" pitchFamily="34" charset="0"/>
+                <a:ea typeface="KaiTi" pitchFamily="49" charset="-122"/>
+                <a:cs typeface="Arial" pitchFamily="34" charset="0"/>
+              </a:rPr>
+              <a:t>Výhody</a:t>
+            </a:r>
+            <a:r>
+              <a:rPr lang="en-US" sz="4800" dirty="0" smtClean="0">
+                <a:solidFill>
+                  <a:srgbClr val="20272A"/>
+                </a:solidFill>
+                <a:latin typeface="Arial" pitchFamily="34" charset="0"/>
+                <a:ea typeface="KaiTi" pitchFamily="49" charset="-122"/>
+                <a:cs typeface="Arial" pitchFamily="34" charset="0"/>
+              </a:rPr>
+              <a:t> /     </a:t>
+            </a:r>
+          </a:p>
+        </p:txBody>
+      </p:sp>
+      <p:sp>
+        <p:nvSpPr>
+          <p:cNvPr id="4" name="BlokTextu 3"/>
+          <p:cNvSpPr txBox="1"/>
+          <p:nvPr/>
+        </p:nvSpPr>
+        <p:spPr>
+          <a:xfrm>
+            <a:off x="251520" y="2211710"/>
+            <a:ext cx="3960440" cy="2308324"/>
+          </a:xfrm>
+          <a:prstGeom prst="rect">
+            <a:avLst/>
+          </a:prstGeom>
+          <a:noFill/>
+        </p:spPr>
+        <p:txBody>
+          <a:bodyPr wrap="square" rtlCol="0">
+            <a:spAutoFit/>
+          </a:bodyPr>
+          <a:lstStyle/>
+          <a:p>
+            <a:pPr>
+              <a:buFont typeface="Wingdings" pitchFamily="2" charset="2"/>
+              <a:buChar char="§"/>
+            </a:pPr>
+            <a:r>
+              <a:rPr lang="en-US" sz="2400" dirty="0" smtClean="0">
+                <a:solidFill>
+                  <a:srgbClr val="20272A"/>
+                </a:solidFill>
+                <a:latin typeface="Arial" pitchFamily="34" charset="0"/>
+                <a:ea typeface="KaiTi" pitchFamily="49" charset="-122"/>
+                <a:cs typeface="Arial" pitchFamily="34" charset="0"/>
+              </a:rPr>
+              <a:t> </a:t>
+            </a:r>
+            <a:r>
+              <a:rPr lang="en-US" sz="2400" dirty="0" err="1" smtClean="0">
+                <a:solidFill>
+                  <a:srgbClr val="20272A"/>
+                </a:solidFill>
+                <a:latin typeface="Arial" pitchFamily="34" charset="0"/>
+                <a:ea typeface="KaiTi" pitchFamily="49" charset="-122"/>
+                <a:cs typeface="Arial" pitchFamily="34" charset="0"/>
+              </a:rPr>
+              <a:t>Kombinácia</a:t>
+            </a:r>
+            <a:r>
+              <a:rPr lang="en-US" sz="2400" dirty="0" smtClean="0">
+                <a:solidFill>
+                  <a:srgbClr val="20272A"/>
+                </a:solidFill>
+                <a:latin typeface="Arial" pitchFamily="34" charset="0"/>
+                <a:ea typeface="KaiTi" pitchFamily="49" charset="-122"/>
+                <a:cs typeface="Arial" pitchFamily="34" charset="0"/>
+              </a:rPr>
+              <a:t> </a:t>
+            </a:r>
+            <a:r>
+              <a:rPr lang="en-US" sz="2400" dirty="0" err="1" smtClean="0">
+                <a:solidFill>
+                  <a:srgbClr val="20272A"/>
+                </a:solidFill>
+                <a:latin typeface="Arial" pitchFamily="34" charset="0"/>
+                <a:ea typeface="KaiTi" pitchFamily="49" charset="-122"/>
+                <a:cs typeface="Arial" pitchFamily="34" charset="0"/>
+              </a:rPr>
+              <a:t>pravidiel</a:t>
+            </a:r>
+            <a:endParaRPr lang="en-US" sz="2400" dirty="0" smtClean="0">
               <a:solidFill>
                 <a:srgbClr val="20272A"/>
               </a:solidFill>
@@ -11979,76 +16733,26 @@
               <a:cs typeface="Arial" pitchFamily="34" charset="0"/>
             </a:endParaRPr>
           </a:p>
-        </p:txBody>
-      </p:sp>
-      <p:sp>
-        <p:nvSpPr>
-          <p:cNvPr id="9" name="BlokTextu 8"/>
-          <p:cNvSpPr txBox="1"/>
-          <p:nvPr/>
-        </p:nvSpPr>
-        <p:spPr>
-          <a:xfrm>
-            <a:off x="2699792" y="2067694"/>
-            <a:ext cx="5040560" cy="1015663"/>
-          </a:xfrm>
-          <a:prstGeom prst="rect">
-            <a:avLst/>
-          </a:prstGeom>
-          <a:noFill/>
-        </p:spPr>
-        <p:txBody>
-          <a:bodyPr wrap="square" rtlCol="0">
-            <a:spAutoFit/>
-          </a:bodyPr>
-          <a:lstStyle/>
-          <a:p>
-            <a:r>
-              <a:rPr lang="en-US" sz="6000" b="1" dirty="0" err="1" smtClean="0">
-                <a:solidFill>
-                  <a:srgbClr val="851019"/>
+          <a:p>
+            <a:r>
+              <a:rPr lang="en-US" sz="2400" dirty="0" smtClean="0">
+                <a:solidFill>
+                  <a:srgbClr val="20272A"/>
                 </a:solidFill>
                 <a:latin typeface="Arial" pitchFamily="34" charset="0"/>
                 <a:ea typeface="KaiTi" pitchFamily="49" charset="-122"/>
                 <a:cs typeface="Arial" pitchFamily="34" charset="0"/>
               </a:rPr>
-              <a:t>technológie</a:t>
-            </a:r>
-            <a:endParaRPr lang="sk-SK" sz="6000" b="1" dirty="0">
-              <a:solidFill>
-                <a:srgbClr val="851019"/>
-              </a:solidFill>
-              <a:latin typeface="Arial" pitchFamily="34" charset="0"/>
-              <a:ea typeface="KaiTi" pitchFamily="49" charset="-122"/>
-              <a:cs typeface="Arial" pitchFamily="34" charset="0"/>
-            </a:endParaRPr>
-          </a:p>
-        </p:txBody>
-      </p:sp>
-      <p:sp>
-        <p:nvSpPr>
-          <p:cNvPr id="10" name="BlokTextu 9"/>
-          <p:cNvSpPr txBox="1"/>
-          <p:nvPr/>
-        </p:nvSpPr>
-        <p:spPr>
-          <a:xfrm>
-            <a:off x="5868144" y="3795886"/>
-            <a:ext cx="2555776" cy="646331"/>
-          </a:xfrm>
-          <a:prstGeom prst="rect">
-            <a:avLst/>
-          </a:prstGeom>
-          <a:noFill/>
-        </p:spPr>
-        <p:txBody>
-          <a:bodyPr wrap="square" rtlCol="0">
-            <a:spAutoFit/>
-          </a:bodyPr>
-          <a:lstStyle/>
-          <a:p>
-            <a:r>
-              <a:rPr lang="en-US" sz="3600" dirty="0" smtClean="0">
+              <a:t> </a:t>
+            </a:r>
+          </a:p>
+          <a:p>
+            <a:pPr>
+              <a:buFont typeface="Wingdings" pitchFamily="2" charset="2"/>
+              <a:buChar char="§"/>
+            </a:pPr>
+            <a:r>
+              <a:rPr lang="en-US" sz="2400" dirty="0" smtClean="0">
                 <a:solidFill>
                   <a:srgbClr val="20272A"/>
                 </a:solidFill>
@@ -12056,9 +16760,118 @@
                 <a:ea typeface="KaiTi" pitchFamily="49" charset="-122"/>
                 <a:cs typeface="Arial" pitchFamily="34" charset="0"/>
               </a:rPr>
-              <a:t>JEES</a:t>
-            </a:r>
-            <a:endParaRPr lang="en-US" sz="2000" dirty="0" smtClean="0">
+              <a:t> </a:t>
+            </a:r>
+            <a:r>
+              <a:rPr lang="en-US" sz="2400" dirty="0" err="1" smtClean="0">
+                <a:solidFill>
+                  <a:srgbClr val="20272A"/>
+                </a:solidFill>
+                <a:latin typeface="Arial" pitchFamily="34" charset="0"/>
+                <a:ea typeface="KaiTi" pitchFamily="49" charset="-122"/>
+                <a:cs typeface="Arial" pitchFamily="34" charset="0"/>
+              </a:rPr>
+              <a:t>Podpora</a:t>
+            </a:r>
+            <a:r>
+              <a:rPr lang="en-US" sz="2400" dirty="0" smtClean="0">
+                <a:solidFill>
+                  <a:srgbClr val="20272A"/>
+                </a:solidFill>
+                <a:latin typeface="Arial" pitchFamily="34" charset="0"/>
+                <a:ea typeface="KaiTi" pitchFamily="49" charset="-122"/>
+                <a:cs typeface="Arial" pitchFamily="34" charset="0"/>
+              </a:rPr>
+              <a:t> s Java API</a:t>
+            </a:r>
+          </a:p>
+          <a:p>
+            <a:r>
+              <a:rPr lang="en-US" sz="2400" dirty="0" smtClean="0">
+                <a:solidFill>
+                  <a:srgbClr val="20272A"/>
+                </a:solidFill>
+                <a:latin typeface="Arial" pitchFamily="34" charset="0"/>
+                <a:ea typeface="KaiTi" pitchFamily="49" charset="-122"/>
+                <a:cs typeface="Arial" pitchFamily="34" charset="0"/>
+              </a:rPr>
+              <a:t> </a:t>
+            </a:r>
+          </a:p>
+          <a:p>
+            <a:pPr>
+              <a:buFont typeface="Wingdings" pitchFamily="2" charset="2"/>
+              <a:buChar char="§"/>
+            </a:pPr>
+            <a:r>
+              <a:rPr lang="en-US" sz="2400" dirty="0" smtClean="0">
+                <a:solidFill>
+                  <a:srgbClr val="20272A"/>
+                </a:solidFill>
+                <a:latin typeface="Arial" pitchFamily="34" charset="0"/>
+                <a:ea typeface="KaiTi" pitchFamily="49" charset="-122"/>
+                <a:cs typeface="Arial" pitchFamily="34" charset="0"/>
+              </a:rPr>
+              <a:t> </a:t>
+            </a:r>
+            <a:r>
+              <a:rPr lang="en-US" sz="2400" dirty="0" err="1" smtClean="0">
+                <a:solidFill>
+                  <a:srgbClr val="20272A"/>
+                </a:solidFill>
+                <a:latin typeface="Arial" pitchFamily="34" charset="0"/>
+                <a:ea typeface="KaiTi" pitchFamily="49" charset="-122"/>
+                <a:cs typeface="Arial" pitchFamily="34" charset="0"/>
+              </a:rPr>
+              <a:t>Bohužiaľ</a:t>
+            </a:r>
+            <a:r>
+              <a:rPr lang="en-US" sz="2400" dirty="0" smtClean="0">
+                <a:solidFill>
+                  <a:srgbClr val="20272A"/>
+                </a:solidFill>
+                <a:latin typeface="Arial" pitchFamily="34" charset="0"/>
+                <a:ea typeface="KaiTi" pitchFamily="49" charset="-122"/>
+                <a:cs typeface="Arial" pitchFamily="34" charset="0"/>
+              </a:rPr>
+              <a:t> to je </a:t>
+            </a:r>
+            <a:r>
+              <a:rPr lang="en-US" sz="2400" dirty="0" err="1" smtClean="0">
+                <a:solidFill>
+                  <a:srgbClr val="20272A"/>
+                </a:solidFill>
+                <a:latin typeface="Arial" pitchFamily="34" charset="0"/>
+                <a:ea typeface="KaiTi" pitchFamily="49" charset="-122"/>
+                <a:cs typeface="Arial" pitchFamily="34" charset="0"/>
+              </a:rPr>
+              <a:t>všetko</a:t>
+            </a:r>
+            <a:r>
+              <a:rPr lang="en-US" sz="2400" dirty="0" smtClean="0">
+                <a:solidFill>
+                  <a:srgbClr val="20272A"/>
+                </a:solidFill>
+                <a:latin typeface="Arial" pitchFamily="34" charset="0"/>
+                <a:ea typeface="KaiTi" pitchFamily="49" charset="-122"/>
+                <a:cs typeface="Arial" pitchFamily="34" charset="0"/>
+              </a:rPr>
+              <a:t> </a:t>
+            </a:r>
+          </a:p>
+          <a:p>
+            <a:r>
+              <a:rPr lang="en-US" sz="2400" dirty="0" smtClean="0">
+                <a:solidFill>
+                  <a:srgbClr val="20272A"/>
+                </a:solidFill>
+                <a:latin typeface="Arial" pitchFamily="34" charset="0"/>
+                <a:ea typeface="KaiTi" pitchFamily="49" charset="-122"/>
+                <a:cs typeface="Arial" pitchFamily="34" charset="0"/>
+              </a:rPr>
+              <a:t> </a:t>
+            </a:r>
+            <a:endParaRPr lang="en-US" sz="1400" dirty="0" smtClean="0">
               <a:solidFill>
                 <a:srgbClr val="20272A"/>
               </a:solidFill>
@@ -12069,16 +16882,51 @@
           </a:p>
         </p:txBody>
       </p:sp>
-      <p:sp>
-        <p:nvSpPr>
-          <p:cNvPr id="12" name="BlokTextu 11"/>
+      <p:cxnSp>
+        <p:nvCxnSpPr>
+          <p:cNvPr id="6" name="Rovná spojnica 5"/>
+          <p:cNvCxnSpPr/>
+          <p:nvPr/>
+        </p:nvCxnSpPr>
+        <p:spPr>
+          <a:xfrm>
+            <a:off x="3635896" y="1779662"/>
+            <a:ext cx="0" cy="2664296"/>
+          </a:xfrm>
+          <a:prstGeom prst="line">
+            <a:avLst/>
+          </a:prstGeom>
+          <a:ln>
+            <a:solidFill>
+              <a:srgbClr val="20272A"/>
+            </a:solidFill>
+          </a:ln>
+        </p:spPr>
+        <p:style>
+          <a:lnRef idx="1">
+            <a:schemeClr val="accent1"/>
+          </a:lnRef>
+          <a:fillRef idx="0">
+            <a:schemeClr val="accent1"/>
+          </a:fillRef>
+          <a:effectRef idx="0">
+            <a:schemeClr val="accent1"/>
+          </a:effectRef>
+          <a:fontRef idx="minor">
+            <a:schemeClr val="tx1"/>
+          </a:fontRef>
+        </p:style>
+      </p:cxnSp>
+      <p:sp>
+        <p:nvSpPr>
+          <p:cNvPr id="7" name="BlokTextu 6"/>
           <p:cNvSpPr txBox="1"/>
           <p:nvPr/>
         </p:nvSpPr>
         <p:spPr>
           <a:xfrm>
-            <a:off x="2555776" y="3723878"/>
-            <a:ext cx="2376264" cy="584775"/>
+            <a:off x="3851920" y="2211710"/>
+            <a:ext cx="5292080" cy="2308324"/>
           </a:xfrm>
           <a:prstGeom prst="rect">
             <a:avLst/>
@@ -12091,8 +16939,12 @@
           </a:bodyPr>
           <a:lstStyle/>
           <a:p>
-            <a:r>
-              <a:rPr lang="en-US" sz="3200" dirty="0" smtClean="0">
+            <a:pPr>
+              <a:buFont typeface="Wingdings" pitchFamily="2" charset="2"/>
+              <a:buChar char="§"/>
+            </a:pPr>
+            <a:r>
+              <a:rPr lang="en-US" sz="2400" dirty="0" smtClean="0">
                 <a:solidFill>
                   <a:srgbClr val="20272A"/>
                 </a:solidFill>
@@ -12100,9 +16952,280 @@
                 <a:ea typeface="KaiTi" pitchFamily="49" charset="-122"/>
                 <a:cs typeface="Arial" pitchFamily="34" charset="0"/>
               </a:rPr>
-              <a:t>Java </a:t>
-            </a:r>
-            <a:endParaRPr lang="en-US" dirty="0" smtClean="0">
+              <a:t> </a:t>
+            </a:r>
+            <a:r>
+              <a:rPr lang="en-US" sz="2400" dirty="0" err="1" smtClean="0">
+                <a:solidFill>
+                  <a:srgbClr val="20272A"/>
+                </a:solidFill>
+                <a:latin typeface="Arial" pitchFamily="34" charset="0"/>
+                <a:ea typeface="KaiTi" pitchFamily="49" charset="-122"/>
+                <a:cs typeface="Arial" pitchFamily="34" charset="0"/>
+              </a:rPr>
+              <a:t>Veľmi</a:t>
+            </a:r>
+            <a:r>
+              <a:rPr lang="en-US" sz="2400" dirty="0" smtClean="0">
+                <a:solidFill>
+                  <a:srgbClr val="20272A"/>
+                </a:solidFill>
+                <a:latin typeface="Arial" pitchFamily="34" charset="0"/>
+                <a:ea typeface="KaiTi" pitchFamily="49" charset="-122"/>
+                <a:cs typeface="Arial" pitchFamily="34" charset="0"/>
+              </a:rPr>
+              <a:t> </a:t>
+            </a:r>
+            <a:r>
+              <a:rPr lang="en-US" sz="2400" dirty="0" err="1" smtClean="0">
+                <a:solidFill>
+                  <a:srgbClr val="20272A"/>
+                </a:solidFill>
+                <a:latin typeface="Arial" pitchFamily="34" charset="0"/>
+                <a:ea typeface="KaiTi" pitchFamily="49" charset="-122"/>
+                <a:cs typeface="Arial" pitchFamily="34" charset="0"/>
+              </a:rPr>
+              <a:t>slabá</a:t>
+            </a:r>
+            <a:r>
+              <a:rPr lang="en-US" sz="2400" dirty="0" smtClean="0">
+                <a:solidFill>
+                  <a:srgbClr val="20272A"/>
+                </a:solidFill>
+                <a:latin typeface="Arial" pitchFamily="34" charset="0"/>
+                <a:ea typeface="KaiTi" pitchFamily="49" charset="-122"/>
+                <a:cs typeface="Arial" pitchFamily="34" charset="0"/>
+              </a:rPr>
+              <a:t> </a:t>
+            </a:r>
+            <a:r>
+              <a:rPr lang="en-US" sz="2400" dirty="0" err="1" smtClean="0">
+                <a:solidFill>
+                  <a:srgbClr val="20272A"/>
+                </a:solidFill>
+                <a:latin typeface="Arial" pitchFamily="34" charset="0"/>
+                <a:ea typeface="KaiTi" pitchFamily="49" charset="-122"/>
+                <a:cs typeface="Arial" pitchFamily="34" charset="0"/>
+              </a:rPr>
+              <a:t>dostupnosť</a:t>
+            </a:r>
+            <a:r>
+              <a:rPr lang="en-US" sz="2400" dirty="0" smtClean="0">
+                <a:solidFill>
+                  <a:srgbClr val="20272A"/>
+                </a:solidFill>
+                <a:latin typeface="Arial" pitchFamily="34" charset="0"/>
+                <a:ea typeface="KaiTi" pitchFamily="49" charset="-122"/>
+                <a:cs typeface="Arial" pitchFamily="34" charset="0"/>
+              </a:rPr>
+              <a:t> </a:t>
+            </a:r>
+            <a:r>
+              <a:rPr lang="en-US" sz="2400" dirty="0" err="1" smtClean="0">
+                <a:solidFill>
+                  <a:srgbClr val="20272A"/>
+                </a:solidFill>
+                <a:latin typeface="Arial" pitchFamily="34" charset="0"/>
+                <a:ea typeface="KaiTi" pitchFamily="49" charset="-122"/>
+                <a:cs typeface="Arial" pitchFamily="34" charset="0"/>
+              </a:rPr>
+              <a:t>informácií</a:t>
+            </a:r>
+            <a:r>
+              <a:rPr lang="en-US" sz="2400" dirty="0" smtClean="0">
+                <a:solidFill>
+                  <a:srgbClr val="20272A"/>
+                </a:solidFill>
+                <a:latin typeface="Arial" pitchFamily="34" charset="0"/>
+                <a:ea typeface="KaiTi" pitchFamily="49" charset="-122"/>
+                <a:cs typeface="Arial" pitchFamily="34" charset="0"/>
+              </a:rPr>
+              <a:t> !</a:t>
+            </a:r>
+          </a:p>
+          <a:p>
+            <a:r>
+              <a:rPr lang="en-US" sz="2400" dirty="0" smtClean="0">
+                <a:solidFill>
+                  <a:srgbClr val="20272A"/>
+                </a:solidFill>
+                <a:latin typeface="Arial" pitchFamily="34" charset="0"/>
+                <a:ea typeface="KaiTi" pitchFamily="49" charset="-122"/>
+                <a:cs typeface="Arial" pitchFamily="34" charset="0"/>
+              </a:rPr>
+              <a:t> </a:t>
+            </a:r>
+          </a:p>
+          <a:p>
+            <a:pPr>
+              <a:buFont typeface="Wingdings" pitchFamily="2" charset="2"/>
+              <a:buChar char="§"/>
+            </a:pPr>
+            <a:r>
+              <a:rPr lang="en-US" sz="2400" dirty="0" smtClean="0">
+                <a:solidFill>
+                  <a:srgbClr val="20272A"/>
+                </a:solidFill>
+                <a:latin typeface="Arial" pitchFamily="34" charset="0"/>
+                <a:ea typeface="KaiTi" pitchFamily="49" charset="-122"/>
+                <a:cs typeface="Arial" pitchFamily="34" charset="0"/>
+              </a:rPr>
+              <a:t> </a:t>
+            </a:r>
+            <a:r>
+              <a:rPr lang="en-US" sz="2400" dirty="0" err="1" smtClean="0">
+                <a:solidFill>
+                  <a:srgbClr val="20272A"/>
+                </a:solidFill>
+                <a:latin typeface="Arial" pitchFamily="34" charset="0"/>
+                <a:ea typeface="KaiTi" pitchFamily="49" charset="-122"/>
+                <a:cs typeface="Arial" pitchFamily="34" charset="0"/>
+              </a:rPr>
+              <a:t>Potrebná</a:t>
+            </a:r>
+            <a:r>
+              <a:rPr lang="en-US" sz="2400" dirty="0" smtClean="0">
+                <a:solidFill>
+                  <a:srgbClr val="20272A"/>
+                </a:solidFill>
+                <a:latin typeface="Arial" pitchFamily="34" charset="0"/>
+                <a:ea typeface="KaiTi" pitchFamily="49" charset="-122"/>
+                <a:cs typeface="Arial" pitchFamily="34" charset="0"/>
+              </a:rPr>
+              <a:t> </a:t>
+            </a:r>
+            <a:r>
+              <a:rPr lang="en-US" sz="2400" dirty="0" err="1" smtClean="0">
+                <a:solidFill>
+                  <a:srgbClr val="20272A"/>
+                </a:solidFill>
+                <a:latin typeface="Arial" pitchFamily="34" charset="0"/>
+                <a:ea typeface="KaiTi" pitchFamily="49" charset="-122"/>
+                <a:cs typeface="Arial" pitchFamily="34" charset="0"/>
+              </a:rPr>
+              <a:t>registácia</a:t>
+            </a:r>
+            <a:r>
+              <a:rPr lang="en-US" sz="2400" dirty="0" smtClean="0">
+                <a:solidFill>
+                  <a:srgbClr val="20272A"/>
+                </a:solidFill>
+                <a:latin typeface="Arial" pitchFamily="34" charset="0"/>
+                <a:ea typeface="KaiTi" pitchFamily="49" charset="-122"/>
+                <a:cs typeface="Arial" pitchFamily="34" charset="0"/>
+              </a:rPr>
+              <a:t> </a:t>
+            </a:r>
+            <a:r>
+              <a:rPr lang="en-US" sz="2400" dirty="0" err="1" smtClean="0">
+                <a:solidFill>
+                  <a:srgbClr val="20272A"/>
+                </a:solidFill>
+                <a:latin typeface="Arial" pitchFamily="34" charset="0"/>
+                <a:ea typeface="KaiTi" pitchFamily="49" charset="-122"/>
+                <a:cs typeface="Arial" pitchFamily="34" charset="0"/>
+              </a:rPr>
+              <a:t>na</a:t>
+            </a:r>
+            <a:r>
+              <a:rPr lang="en-US" sz="2400" dirty="0" smtClean="0">
+                <a:solidFill>
+                  <a:srgbClr val="20272A"/>
+                </a:solidFill>
+                <a:latin typeface="Arial" pitchFamily="34" charset="0"/>
+                <a:ea typeface="KaiTi" pitchFamily="49" charset="-122"/>
+                <a:cs typeface="Arial" pitchFamily="34" charset="0"/>
+              </a:rPr>
+              <a:t> download</a:t>
+            </a:r>
+          </a:p>
+          <a:p>
+            <a:r>
+              <a:rPr lang="en-US" sz="2400" dirty="0" smtClean="0">
+                <a:solidFill>
+                  <a:srgbClr val="20272A"/>
+                </a:solidFill>
+                <a:latin typeface="Arial" pitchFamily="34" charset="0"/>
+                <a:ea typeface="KaiTi" pitchFamily="49" charset="-122"/>
+                <a:cs typeface="Arial" pitchFamily="34" charset="0"/>
+              </a:rPr>
+              <a:t> </a:t>
+            </a:r>
+          </a:p>
+          <a:p>
+            <a:pPr>
+              <a:buFont typeface="Wingdings" pitchFamily="2" charset="2"/>
+              <a:buChar char="§"/>
+            </a:pPr>
+            <a:r>
+              <a:rPr lang="en-US" sz="2400" dirty="0" smtClean="0">
+                <a:solidFill>
+                  <a:srgbClr val="20272A"/>
+                </a:solidFill>
+                <a:latin typeface="Arial" pitchFamily="34" charset="0"/>
+                <a:ea typeface="KaiTi" pitchFamily="49" charset="-122"/>
+                <a:cs typeface="Arial" pitchFamily="34" charset="0"/>
+              </a:rPr>
+              <a:t> </a:t>
+            </a:r>
+            <a:r>
+              <a:rPr lang="en-US" sz="2400" dirty="0" err="1" smtClean="0">
+                <a:solidFill>
+                  <a:srgbClr val="20272A"/>
+                </a:solidFill>
+                <a:latin typeface="Arial" pitchFamily="34" charset="0"/>
+                <a:ea typeface="KaiTi" pitchFamily="49" charset="-122"/>
+                <a:cs typeface="Arial" pitchFamily="34" charset="0"/>
+              </a:rPr>
+              <a:t>Slabá</a:t>
+            </a:r>
+            <a:r>
+              <a:rPr lang="en-US" sz="2400" dirty="0" smtClean="0">
+                <a:solidFill>
+                  <a:srgbClr val="20272A"/>
+                </a:solidFill>
+                <a:latin typeface="Arial" pitchFamily="34" charset="0"/>
+                <a:ea typeface="KaiTi" pitchFamily="49" charset="-122"/>
+                <a:cs typeface="Arial" pitchFamily="34" charset="0"/>
+              </a:rPr>
+              <a:t> </a:t>
+            </a:r>
+            <a:r>
+              <a:rPr lang="en-US" sz="2400" dirty="0" err="1" smtClean="0">
+                <a:solidFill>
+                  <a:srgbClr val="20272A"/>
+                </a:solidFill>
+                <a:latin typeface="Arial" pitchFamily="34" charset="0"/>
+                <a:ea typeface="KaiTi" pitchFamily="49" charset="-122"/>
+                <a:cs typeface="Arial" pitchFamily="34" charset="0"/>
+              </a:rPr>
+              <a:t>dokumentácia</a:t>
+            </a:r>
+            <a:r>
+              <a:rPr lang="en-US" sz="2400" dirty="0" smtClean="0">
+                <a:solidFill>
+                  <a:srgbClr val="20272A"/>
+                </a:solidFill>
+                <a:latin typeface="Arial" pitchFamily="34" charset="0"/>
+                <a:ea typeface="KaiTi" pitchFamily="49" charset="-122"/>
+                <a:cs typeface="Arial" pitchFamily="34" charset="0"/>
+              </a:rPr>
+              <a:t> </a:t>
+            </a:r>
+          </a:p>
+          <a:p>
+            <a:r>
+              <a:rPr lang="en-US" sz="2400" dirty="0" smtClean="0">
+                <a:solidFill>
+                  <a:srgbClr val="20272A"/>
+                </a:solidFill>
+                <a:latin typeface="Arial" pitchFamily="34" charset="0"/>
+                <a:ea typeface="KaiTi" pitchFamily="49" charset="-122"/>
+                <a:cs typeface="Arial" pitchFamily="34" charset="0"/>
+              </a:rPr>
+              <a:t> </a:t>
+            </a:r>
+            <a:endParaRPr lang="en-US" sz="1400" dirty="0" smtClean="0">
               <a:solidFill>
                 <a:srgbClr val="20272A"/>
               </a:solidFill>
@@ -12113,60 +17236,11 @@
           </a:p>
         </p:txBody>
       </p:sp>
-      <p:sp>
-        <p:nvSpPr>
-          <p:cNvPr id="13" name="BlokTextu 12"/>
-          <p:cNvSpPr txBox="1"/>
-          <p:nvPr/>
-        </p:nvSpPr>
-        <p:spPr>
-          <a:xfrm>
-            <a:off x="1403648" y="4371950"/>
-            <a:ext cx="1512168" cy="369332"/>
-          </a:xfrm>
-          <a:prstGeom prst="rect">
-            <a:avLst/>
-          </a:prstGeom>
-          <a:noFill/>
-        </p:spPr>
-        <p:txBody>
-          <a:bodyPr wrap="square" rtlCol="0">
-            <a:spAutoFit/>
-          </a:bodyPr>
-          <a:lstStyle/>
-          <a:p>
-            <a:r>
-              <a:rPr lang="en-US" dirty="0" err="1" smtClean="0">
-                <a:solidFill>
-                  <a:srgbClr val="20272A"/>
-                </a:solidFill>
-              </a:rPr>
-              <a:t>Netbeans</a:t>
-            </a:r>
-            <a:r>
-              <a:rPr lang="en-US" dirty="0" smtClean="0">
-                <a:solidFill>
-                  <a:srgbClr val="20272A"/>
-                </a:solidFill>
-              </a:rPr>
-              <a:t> IDE</a:t>
-            </a:r>
-            <a:endParaRPr lang="sk-SK" dirty="0">
-              <a:solidFill>
-                <a:srgbClr val="20272A"/>
-              </a:solidFill>
-            </a:endParaRPr>
-          </a:p>
-        </p:txBody>
-      </p:sp>
     </p:spTree>
   </p:cSld>
   <p:clrMapOvr>
     <a:masterClrMapping/>
   </p:clrMapOvr>
-  <p:transition>
-    <p:push/>
-  </p:transition>
   <p:timing>
     <p:tnLst>
       <p:par>
@@ -12191,7 +17265,7 @@
                             </p:stCondLst>
                             <p:childTnLst>
                               <p:par>
-                                <p:cTn id="5" presetID="53" presetClass="entr" presetSubtype="0" fill="hold" grpId="0" nodeType="withEffect">
+                                <p:cTn id="5" presetID="12" presetClass="entr" presetSubtype="4" fill="hold" grpId="0" nodeType="afterEffect">
                                   <p:stCondLst>
                                     <p:cond delay="0"/>
                                   </p:stCondLst>
@@ -12204,7 +17278,7 @@
                                           </p:stCondLst>
                                         </p:cTn>
                                         <p:tgtEl>
-                                          <p:spTgt spid="10"/>
+                                          <p:spTgt spid="4"/>
                                         </p:tgtEl>
                                         <p:attrNameLst>
                                           <p:attrName>style.visibility</p:attrName>
@@ -12214,57 +17288,11 @@
                                         <p:strVal val="visible"/>
                                       </p:to>
                                     </p:set>
-                                    <p:anim calcmode="lin" valueType="num">
+                                    <p:animEffect transition="in" filter="slide(fromBottom)">
                                       <p:cBhvr>
-                                        <p:cTn id="7" dur="500" fill="hold"/>
+                                        <p:cTn id="7" dur="500"/>
                                         <p:tgtEl>
-                                          <p:spTgt spid="10"/>
-                                        </p:tgtEl>
-                                        <p:attrNameLst>
-                                          <p:attrName>ppt_w</p:attrName>
-                                        </p:attrNameLst>
-                                      </p:cBhvr>
-                                      <p:tavLst>
-                                        <p:tav tm="0">
-                                          <p:val>
-                                            <p:fltVal val="0"/>
-                                          </p:val>
-                                        </p:tav>
-                                        <p:tav tm="100000">
-                                          <p:val>
-                                            <p:strVal val="#ppt_w"/>
-                                          </p:val>
-                                        </p:tav>
-                                      </p:tavLst>
-                                    </p:anim>
-                                    <p:anim calcmode="lin" valueType="num">
-                                      <p:cBhvr>
-                                        <p:cTn id="8" dur="500" fill="hold"/>
-                                        <p:tgtEl>
-                                          <p:spTgt spid="10"/>
-                                        </p:tgtEl>
-                                        <p:attrNameLst>
-                                          <p:attrName>ppt_h</p:attrName>
-                                        </p:attrNameLst>
-                                      </p:cBhvr>
-                                      <p:tavLst>
-                                        <p:tav tm="0">
-                                          <p:val>
-                                            <p:fltVal val="0"/>
-                                          </p:val>
-                                        </p:tav>
-                                        <p:tav tm="100000">
-                                          <p:val>
-                                            <p:strVal val="#ppt_h"/>
-                                          </p:val>
-                                        </p:tav>
-                                      </p:tavLst>
-                                    </p:anim>
-                                    <p:animEffect transition="in" filter="fade">
-                                      <p:cBhvr>
-                                        <p:cTn id="9" dur="500"/>
-                                        <p:tgtEl>
-                                          <p:spTgt spid="10"/>
+                                          <p:spTgt spid="4"/>
                                         </p:tgtEl>
                                       </p:cBhvr>
                                     </p:animEffect>
@@ -12275,26 +17303,26 @@
                           </p:cTn>
                         </p:par>
                         <p:par>
-                          <p:cTn id="10" fill="hold">
+                          <p:cTn id="8" fill="hold">
                             <p:stCondLst>
                               <p:cond delay="500"/>
                             </p:stCondLst>
                             <p:childTnLst>
                               <p:par>
-                                <p:cTn id="11" presetID="53" presetClass="entr" presetSubtype="0" fill="hold" grpId="0" nodeType="afterEffect">
+                                <p:cTn id="9" presetID="12" presetClass="entr" presetSubtype="4" fill="hold" grpId="0" nodeType="afterEffect">
                                   <p:stCondLst>
                                     <p:cond delay="0"/>
                                   </p:stCondLst>
                                   <p:childTnLst>
                                     <p:set>
                                       <p:cBhvr>
-                                        <p:cTn id="12" dur="1" fill="hold">
+                                        <p:cTn id="10" dur="1" fill="hold">
                                           <p:stCondLst>
                                             <p:cond delay="0"/>
                                           </p:stCondLst>
                                         </p:cTn>
                                         <p:tgtEl>
-                                          <p:spTgt spid="12"/>
+                                          <p:spTgt spid="7"/>
                                         </p:tgtEl>
                                         <p:attrNameLst>
                                           <p:attrName>style.visibility</p:attrName>
@@ -12304,147 +17332,11 @@
                                         <p:strVal val="visible"/>
                                       </p:to>
                                     </p:set>
-                                    <p:anim calcmode="lin" valueType="num">
+                                    <p:animEffect transition="in" filter="slide(fromBottom)">
                                       <p:cBhvr>
-                                        <p:cTn id="13" dur="500" fill="hold"/>
+                                        <p:cTn id="11" dur="500"/>
                                         <p:tgtEl>
-                                          <p:spTgt spid="12"/>
-                                        </p:tgtEl>
-                                        <p:attrNameLst>
-                                          <p:attrName>ppt_w</p:attrName>
-                                        </p:attrNameLst>
-                                      </p:cBhvr>
-                                      <p:tavLst>
-                                        <p:tav tm="0">
-                                          <p:val>
-                                            <p:fltVal val="0"/>
-                                          </p:val>
-                                        </p:tav>
-                                        <p:tav tm="100000">
-                                          <p:val>
-                                            <p:strVal val="#ppt_w"/>
-                                          </p:val>
-                                        </p:tav>
-                                      </p:tavLst>
-                                    </p:anim>
-                                    <p:anim calcmode="lin" valueType="num">
-                                      <p:cBhvr>
-                                        <p:cTn id="14" dur="500" fill="hold"/>
-                                        <p:tgtEl>
-                                          <p:spTgt spid="12"/>
-                                        </p:tgtEl>
-                                        <p:attrNameLst>
-                                          <p:attrName>ppt_h</p:attrName>
-                                        </p:attrNameLst>
-                                      </p:cBhvr>
-                                      <p:tavLst>
-                                        <p:tav tm="0">
-                                          <p:val>
-                                            <p:fltVal val="0"/>
-                                          </p:val>
-                                        </p:tav>
-                                        <p:tav tm="100000">
-                                          <p:val>
-                                            <p:strVal val="#ppt_h"/>
-                                          </p:val>
-                                        </p:tav>
-                                      </p:tavLst>
-                                    </p:anim>
-                                    <p:animEffect transition="in" filter="fade">
-                                      <p:cBhvr>
-                                        <p:cTn id="15" dur="500"/>
-                                        <p:tgtEl>
-                                          <p:spTgt spid="12"/>
-                                        </p:tgtEl>
-                                      </p:cBhvr>
-                                    </p:animEffect>
-                                  </p:childTnLst>
-                                </p:cTn>
-                              </p:par>
-                            </p:childTnLst>
-                          </p:cTn>
-                        </p:par>
-                        <p:par>
-                          <p:cTn id="16" fill="hold">
-                            <p:stCondLst>
-                              <p:cond delay="1000"/>
-                            </p:stCondLst>
-                            <p:childTnLst>
-                              <p:par>
-                                <p:cTn id="17" presetID="53" presetClass="entr" presetSubtype="0" fill="hold" grpId="0" nodeType="afterEffect">
-                                  <p:stCondLst>
-                                    <p:cond delay="0"/>
-                                  </p:stCondLst>
-                                  <p:childTnLst>
-                                    <p:set>
-                                      <p:cBhvr>
-                                        <p:cTn id="18" dur="1" fill="hold">
-                                          <p:stCondLst>
-                                            <p:cond delay="0"/>
-                                          </p:stCondLst>
-                                        </p:cTn>
-                                        <p:tgtEl>
-                                          <p:spTgt spid="13"/>
-                                        </p:tgtEl>
-                                        <p:attrNameLst>
-                                          <p:attrName>style.visibility</p:attrName>
-                                        </p:attrNameLst>
-                                      </p:cBhvr>
-                                      <p:to>
-                                        <p:strVal val="visible"/>
-                                      </p:to>
-                                    </p:set>
-                                    <p:anim calcmode="lin" valueType="num">
-                                      <p:cBhvr>
-                                        <p:cTn id="19" dur="500" fill="hold"/>
-                                        <p:tgtEl>
-                                          <p:spTgt spid="13"/>
-                                        </p:tgtEl>
-                                        <p:attrNameLst>
-                                          <p:attrName>ppt_w</p:attrName>
-                                        </p:attrNameLst>
-                                      </p:cBhvr>
-                                      <p:tavLst>
-                                        <p:tav tm="0">
-                                          <p:val>
-                                            <p:fltVal val="0"/>
-                                          </p:val>
-                                        </p:tav>
-                                        <p:tav tm="100000">
-                                          <p:val>
-                                            <p:strVal val="#ppt_w"/>
-                                          </p:val>
-                                        </p:tav>
-                                      </p:tavLst>
-                                    </p:anim>
-                                    <p:anim calcmode="lin" valueType="num">
-                                      <p:cBhvr>
-                                        <p:cTn id="20" dur="500" fill="hold"/>
-                                        <p:tgtEl>
-                                          <p:spTgt spid="13"/>
-                                        </p:tgtEl>
-                                        <p:attrNameLst>
-                                          <p:attrName>ppt_h</p:attrName>
-                                        </p:attrNameLst>
-                                      </p:cBhvr>
-                                      <p:tavLst>
-                                        <p:tav tm="0">
-                                          <p:val>
-                                            <p:fltVal val="0"/>
-                                          </p:val>
-                                        </p:tav>
-                                        <p:tav tm="100000">
-                                          <p:val>
-                                            <p:strVal val="#ppt_h"/>
-                                          </p:val>
-                                        </p:tav>
-                                      </p:tavLst>
-                                    </p:anim>
-                                    <p:animEffect transition="in" filter="fade">
-                                      <p:cBhvr>
-                                        <p:cTn id="21" dur="500"/>
-                                        <p:tgtEl>
-                                          <p:spTgt spid="13"/>
+                                          <p:spTgt spid="7"/>
                                         </p:tgtEl>
                                       </p:cBhvr>
                                     </p:animEffect>
@@ -12479,2722 +17371,9 @@
       </p:par>
     </p:tnLst>
     <p:bldLst>
-      <p:bldP spid="10" grpId="0"/>
-      <p:bldP spid="12" grpId="0"/>
-      <p:bldP spid="13" grpId="0"/>
+      <p:bldP spid="4" grpId="0"/>
+      <p:bldP spid="7" grpId="0"/>
     </p:bldLst>
-  </p:timing>
-</p:sld>
-</file>
-
-<file path=ppt/slides/slide8.xml><?xml version="1.0" encoding="utf-8"?>
-<p:sld xmlns:a="http://schemas.openxmlformats.org/drawingml/2006/main" xmlns:r="http://schemas.openxmlformats.org/officeDocument/2006/relationships" xmlns:p="http://schemas.openxmlformats.org/presentationml/2006/main">
-  <p:cSld>
-    <p:spTree>
-      <p:nvGrpSpPr>
-        <p:cNvPr id="1" name=""/>
-        <p:cNvGrpSpPr/>
-        <p:nvPr/>
-      </p:nvGrpSpPr>
-      <p:grpSpPr>
-        <a:xfrm>
-          <a:off x="0" y="0"/>
-          <a:ext cx="0" cy="0"/>
-          <a:chOff x="0" y="0"/>
-          <a:chExt cx="0" cy="0"/>
-        </a:xfrm>
-      </p:grpSpPr>
-      <p:pic>
-        <p:nvPicPr>
-          <p:cNvPr id="1026" name="Picture 2"/>
-          <p:cNvPicPr>
-            <a:picLocks noChangeAspect="1" noChangeArrowheads="1"/>
-          </p:cNvPicPr>
-          <p:nvPr/>
-        </p:nvPicPr>
-        <p:blipFill>
-          <a:blip r:embed="rId2" cstate="print"/>
-          <a:srcRect/>
-          <a:stretch>
-            <a:fillRect/>
-          </a:stretch>
-        </p:blipFill>
-        <p:spPr bwMode="auto">
-          <a:xfrm>
-            <a:off x="251520" y="1851670"/>
-            <a:ext cx="864096" cy="2592288"/>
-          </a:xfrm>
-          <a:prstGeom prst="rect">
-            <a:avLst/>
-          </a:prstGeom>
-          <a:noFill/>
-          <a:ln w="9525">
-            <a:noFill/>
-            <a:miter lim="800000"/>
-            <a:headEnd/>
-            <a:tailEnd/>
-          </a:ln>
-          <a:effectLst/>
-        </p:spPr>
-      </p:pic>
-      <p:grpSp>
-        <p:nvGrpSpPr>
-          <p:cNvPr id="51" name="Skupina 50"/>
-          <p:cNvGrpSpPr/>
-          <p:nvPr/>
-        </p:nvGrpSpPr>
-        <p:grpSpPr>
-          <a:xfrm>
-            <a:off x="1979712" y="2427734"/>
-            <a:ext cx="1440160" cy="842610"/>
-            <a:chOff x="1979712" y="2427734"/>
-            <a:chExt cx="1440160" cy="842610"/>
-          </a:xfrm>
-        </p:grpSpPr>
-        <p:grpSp>
-          <p:nvGrpSpPr>
-            <p:cNvPr id="17" name="Skupina 16"/>
-            <p:cNvGrpSpPr/>
-            <p:nvPr/>
-          </p:nvGrpSpPr>
-          <p:grpSpPr>
-            <a:xfrm>
-              <a:off x="1979712" y="2427734"/>
-              <a:ext cx="1296144" cy="792088"/>
-              <a:chOff x="1979712" y="2355726"/>
-              <a:chExt cx="1296144" cy="792088"/>
-            </a:xfrm>
-          </p:grpSpPr>
-          <p:sp>
-            <p:nvSpPr>
-              <p:cNvPr id="2" name="Zaoblený obdĺžnik 1"/>
-              <p:cNvSpPr/>
-              <p:nvPr/>
-            </p:nvSpPr>
-            <p:spPr>
-              <a:xfrm>
-                <a:off x="1979712" y="2355726"/>
-                <a:ext cx="1296144" cy="792088"/>
-              </a:xfrm>
-              <a:prstGeom prst="roundRect">
-                <a:avLst/>
-              </a:prstGeom>
-              <a:noFill/>
-              <a:ln w="38100">
-                <a:solidFill>
-                  <a:srgbClr val="20272A"/>
-                </a:solidFill>
-              </a:ln>
-            </p:spPr>
-            <p:style>
-              <a:lnRef idx="2">
-                <a:schemeClr val="accent1">
-                  <a:shade val="50000"/>
-                </a:schemeClr>
-              </a:lnRef>
-              <a:fillRef idx="1">
-                <a:schemeClr val="accent1"/>
-              </a:fillRef>
-              <a:effectRef idx="0">
-                <a:schemeClr val="accent1"/>
-              </a:effectRef>
-              <a:fontRef idx="minor">
-                <a:schemeClr val="lt1"/>
-              </a:fontRef>
-            </p:style>
-            <p:txBody>
-              <a:bodyPr rtlCol="0" anchor="ctr"/>
-              <a:lstStyle/>
-              <a:p>
-                <a:pPr algn="ctr"/>
-                <a:endParaRPr lang="sk-SK"/>
-              </a:p>
-            </p:txBody>
-          </p:sp>
-          <p:sp>
-            <p:nvSpPr>
-              <p:cNvPr id="5" name="BlokTextu 4"/>
-              <p:cNvSpPr txBox="1"/>
-              <p:nvPr/>
-            </p:nvSpPr>
-            <p:spPr>
-              <a:xfrm>
-                <a:off x="2267744" y="2427734"/>
-                <a:ext cx="936104" cy="584775"/>
-              </a:xfrm>
-              <a:prstGeom prst="rect">
-                <a:avLst/>
-              </a:prstGeom>
-              <a:noFill/>
-            </p:spPr>
-            <p:txBody>
-              <a:bodyPr wrap="square" rtlCol="0">
-                <a:spAutoFit/>
-              </a:bodyPr>
-              <a:lstStyle/>
-              <a:p>
-                <a:r>
-                  <a:rPr lang="en-US" sz="3200" b="1" dirty="0" smtClean="0">
-                    <a:solidFill>
-                      <a:srgbClr val="20272A"/>
-                    </a:solidFill>
-                    <a:latin typeface="Segoe UI" pitchFamily="34" charset="0"/>
-                    <a:ea typeface="Segoe UI" pitchFamily="34" charset="0"/>
-                    <a:cs typeface="Segoe UI" pitchFamily="34" charset="0"/>
-                  </a:rPr>
-                  <a:t>UI</a:t>
-                </a:r>
-                <a:r>
-                  <a:rPr lang="en-US" dirty="0" smtClean="0"/>
-                  <a:t> </a:t>
-                </a:r>
-                <a:endParaRPr lang="sk-SK" dirty="0"/>
-              </a:p>
-            </p:txBody>
-          </p:sp>
-        </p:grpSp>
-        <p:sp>
-          <p:nvSpPr>
-            <p:cNvPr id="6" name="BlokTextu 5"/>
-            <p:cNvSpPr txBox="1"/>
-            <p:nvPr/>
-          </p:nvSpPr>
-          <p:spPr>
-            <a:xfrm>
-              <a:off x="1979712" y="2931790"/>
-              <a:ext cx="1440160" cy="338554"/>
-            </a:xfrm>
-            <a:prstGeom prst="rect">
-              <a:avLst/>
-            </a:prstGeom>
-            <a:noFill/>
-          </p:spPr>
-          <p:txBody>
-            <a:bodyPr wrap="square" rtlCol="0">
-              <a:spAutoFit/>
-            </a:bodyPr>
-            <a:lstStyle/>
-            <a:p>
-              <a:r>
-                <a:rPr lang="en-US" sz="1600" dirty="0" smtClean="0">
-                  <a:latin typeface="Arial" pitchFamily="34" charset="0"/>
-                  <a:cs typeface="Arial" pitchFamily="34" charset="0"/>
-                </a:rPr>
-                <a:t> Java .API</a:t>
-              </a:r>
-              <a:endParaRPr lang="sk-SK" sz="1600" dirty="0">
-                <a:latin typeface="Arial" pitchFamily="34" charset="0"/>
-                <a:cs typeface="Arial" pitchFamily="34" charset="0"/>
-              </a:endParaRPr>
-            </a:p>
-          </p:txBody>
-        </p:sp>
-      </p:grpSp>
-      <p:cxnSp>
-        <p:nvCxnSpPr>
-          <p:cNvPr id="8" name="Rovná spojovacia šípka 7"/>
-          <p:cNvCxnSpPr/>
-          <p:nvPr/>
-        </p:nvCxnSpPr>
-        <p:spPr>
-          <a:xfrm>
-            <a:off x="3275856" y="2643758"/>
-            <a:ext cx="1368152" cy="0"/>
-          </a:xfrm>
-          <a:prstGeom prst="straightConnector1">
-            <a:avLst/>
-          </a:prstGeom>
-          <a:ln w="19050">
-            <a:solidFill>
-              <a:srgbClr val="20272A"/>
-            </a:solidFill>
-            <a:tailEnd type="arrow"/>
-          </a:ln>
-        </p:spPr>
-        <p:style>
-          <a:lnRef idx="1">
-            <a:schemeClr val="accent1"/>
-          </a:lnRef>
-          <a:fillRef idx="0">
-            <a:schemeClr val="accent1"/>
-          </a:fillRef>
-          <a:effectRef idx="0">
-            <a:schemeClr val="accent1"/>
-          </a:effectRef>
-          <a:fontRef idx="minor">
-            <a:schemeClr val="tx1"/>
-          </a:fontRef>
-        </p:style>
-      </p:cxnSp>
-      <p:cxnSp>
-        <p:nvCxnSpPr>
-          <p:cNvPr id="9" name="Rovná spojovacia šípka 8"/>
-          <p:cNvCxnSpPr/>
-          <p:nvPr/>
-        </p:nvCxnSpPr>
-        <p:spPr>
-          <a:xfrm flipH="1">
-            <a:off x="3275856" y="2931790"/>
-            <a:ext cx="1368152" cy="0"/>
-          </a:xfrm>
-          <a:prstGeom prst="straightConnector1">
-            <a:avLst/>
-          </a:prstGeom>
-          <a:ln w="19050">
-            <a:solidFill>
-              <a:srgbClr val="20272A"/>
-            </a:solidFill>
-            <a:tailEnd type="arrow"/>
-          </a:ln>
-        </p:spPr>
-        <p:style>
-          <a:lnRef idx="1">
-            <a:schemeClr val="accent1"/>
-          </a:lnRef>
-          <a:fillRef idx="0">
-            <a:schemeClr val="accent1"/>
-          </a:fillRef>
-          <a:effectRef idx="0">
-            <a:schemeClr val="accent1"/>
-          </a:effectRef>
-          <a:fontRef idx="minor">
-            <a:schemeClr val="tx1"/>
-          </a:fontRef>
-        </p:style>
-      </p:cxnSp>
-      <p:grpSp>
-        <p:nvGrpSpPr>
-          <p:cNvPr id="16" name="Skupina 15"/>
-          <p:cNvGrpSpPr/>
-          <p:nvPr/>
-        </p:nvGrpSpPr>
-        <p:grpSpPr>
-          <a:xfrm>
-            <a:off x="4644008" y="2283718"/>
-            <a:ext cx="1584176" cy="936104"/>
-            <a:chOff x="4644008" y="2283718"/>
-            <a:chExt cx="1584176" cy="936104"/>
-          </a:xfrm>
-        </p:grpSpPr>
-        <p:sp>
-          <p:nvSpPr>
-            <p:cNvPr id="3" name="Zaoblený obdĺžnik 2"/>
-            <p:cNvSpPr/>
-            <p:nvPr/>
-          </p:nvSpPr>
-          <p:spPr>
-            <a:xfrm>
-              <a:off x="4644008" y="2283718"/>
-              <a:ext cx="1584176" cy="936104"/>
-            </a:xfrm>
-            <a:prstGeom prst="roundRect">
-              <a:avLst/>
-            </a:prstGeom>
-            <a:noFill/>
-            <a:ln w="38100">
-              <a:solidFill>
-                <a:srgbClr val="20272A"/>
-              </a:solidFill>
-            </a:ln>
-          </p:spPr>
-          <p:style>
-            <a:lnRef idx="2">
-              <a:schemeClr val="accent1">
-                <a:shade val="50000"/>
-              </a:schemeClr>
-            </a:lnRef>
-            <a:fillRef idx="1">
-              <a:schemeClr val="accent1"/>
-            </a:fillRef>
-            <a:effectRef idx="0">
-              <a:schemeClr val="accent1"/>
-            </a:effectRef>
-            <a:fontRef idx="minor">
-              <a:schemeClr val="lt1"/>
-            </a:fontRef>
-          </p:style>
-          <p:txBody>
-            <a:bodyPr rtlCol="0" anchor="ctr"/>
-            <a:lstStyle/>
-            <a:p>
-              <a:pPr algn="ctr"/>
-              <a:endParaRPr lang="sk-SK"/>
-            </a:p>
-          </p:txBody>
-        </p:sp>
-        <p:sp>
-          <p:nvSpPr>
-            <p:cNvPr id="10" name="BlokTextu 9"/>
-            <p:cNvSpPr txBox="1"/>
-            <p:nvPr/>
-          </p:nvSpPr>
-          <p:spPr>
-            <a:xfrm>
-              <a:off x="4932040" y="2427734"/>
-              <a:ext cx="1224136" cy="584775"/>
-            </a:xfrm>
-            <a:prstGeom prst="rect">
-              <a:avLst/>
-            </a:prstGeom>
-            <a:noFill/>
-          </p:spPr>
-          <p:txBody>
-            <a:bodyPr wrap="square" rtlCol="0">
-              <a:spAutoFit/>
-            </a:bodyPr>
-            <a:lstStyle/>
-            <a:p>
-              <a:r>
-                <a:rPr lang="en-US" sz="3200" b="1" dirty="0" smtClean="0">
-                  <a:solidFill>
-                    <a:srgbClr val="20272A"/>
-                  </a:solidFill>
-                  <a:latin typeface="Segoe UI" pitchFamily="34" charset="0"/>
-                  <a:ea typeface="Segoe UI" pitchFamily="34" charset="0"/>
-                  <a:cs typeface="Segoe UI" pitchFamily="34" charset="0"/>
-                </a:rPr>
-                <a:t>JEES</a:t>
-              </a:r>
-              <a:r>
-                <a:rPr lang="en-US" dirty="0" smtClean="0"/>
-                <a:t> </a:t>
-              </a:r>
-              <a:endParaRPr lang="sk-SK" dirty="0"/>
-            </a:p>
-          </p:txBody>
-        </p:sp>
-        <p:sp>
-          <p:nvSpPr>
-            <p:cNvPr id="11" name="BlokTextu 10"/>
-            <p:cNvSpPr txBox="1"/>
-            <p:nvPr/>
-          </p:nvSpPr>
-          <p:spPr>
-            <a:xfrm>
-              <a:off x="4860032" y="2859782"/>
-              <a:ext cx="1296144" cy="338554"/>
-            </a:xfrm>
-            <a:prstGeom prst="rect">
-              <a:avLst/>
-            </a:prstGeom>
-            <a:noFill/>
-          </p:spPr>
-          <p:txBody>
-            <a:bodyPr wrap="square" rtlCol="0">
-              <a:spAutoFit/>
-            </a:bodyPr>
-            <a:lstStyle/>
-            <a:p>
-              <a:r>
-                <a:rPr lang="en-US" sz="1600" dirty="0" smtClean="0">
-                  <a:latin typeface="Arial" pitchFamily="34" charset="0"/>
-                  <a:cs typeface="Arial" pitchFamily="34" charset="0"/>
-                </a:rPr>
-                <a:t>Rule engine</a:t>
-              </a:r>
-              <a:endParaRPr lang="sk-SK" sz="1600" dirty="0">
-                <a:latin typeface="Arial" pitchFamily="34" charset="0"/>
-                <a:cs typeface="Arial" pitchFamily="34" charset="0"/>
-              </a:endParaRPr>
-            </a:p>
-          </p:txBody>
-        </p:sp>
-      </p:grpSp>
-      <p:grpSp>
-        <p:nvGrpSpPr>
-          <p:cNvPr id="15" name="Skupina 14"/>
-          <p:cNvGrpSpPr/>
-          <p:nvPr/>
-        </p:nvGrpSpPr>
-        <p:grpSpPr>
-          <a:xfrm>
-            <a:off x="4932040" y="3795886"/>
-            <a:ext cx="1152128" cy="800799"/>
-            <a:chOff x="4932040" y="3795886"/>
-            <a:chExt cx="1152128" cy="800799"/>
-          </a:xfrm>
-        </p:grpSpPr>
-        <p:sp>
-          <p:nvSpPr>
-            <p:cNvPr id="13" name="Vývojový diagram: magnetický disk 12"/>
-            <p:cNvSpPr/>
-            <p:nvPr/>
-          </p:nvSpPr>
-          <p:spPr>
-            <a:xfrm>
-              <a:off x="4932040" y="3795886"/>
-              <a:ext cx="1080120" cy="792088"/>
-            </a:xfrm>
-            <a:prstGeom prst="flowChartMagneticDisk">
-              <a:avLst/>
-            </a:prstGeom>
-            <a:noFill/>
-            <a:ln>
-              <a:solidFill>
-                <a:srgbClr val="20272A"/>
-              </a:solidFill>
-            </a:ln>
-          </p:spPr>
-          <p:style>
-            <a:lnRef idx="2">
-              <a:schemeClr val="accent1">
-                <a:shade val="50000"/>
-              </a:schemeClr>
-            </a:lnRef>
-            <a:fillRef idx="1">
-              <a:schemeClr val="accent1"/>
-            </a:fillRef>
-            <a:effectRef idx="0">
-              <a:schemeClr val="accent1"/>
-            </a:effectRef>
-            <a:fontRef idx="minor">
-              <a:schemeClr val="lt1"/>
-            </a:fontRef>
-          </p:style>
-          <p:txBody>
-            <a:bodyPr rtlCol="0" anchor="ctr"/>
-            <a:lstStyle/>
-            <a:p>
-              <a:pPr algn="ctr"/>
-              <a:endParaRPr lang="sk-SK"/>
-            </a:p>
-          </p:txBody>
-        </p:sp>
-        <p:sp>
-          <p:nvSpPr>
-            <p:cNvPr id="14" name="BlokTextu 13"/>
-            <p:cNvSpPr txBox="1"/>
-            <p:nvPr/>
-          </p:nvSpPr>
-          <p:spPr>
-            <a:xfrm>
-              <a:off x="4932040" y="4011910"/>
-              <a:ext cx="1152128" cy="584775"/>
-            </a:xfrm>
-            <a:prstGeom prst="rect">
-              <a:avLst/>
-            </a:prstGeom>
-            <a:noFill/>
-          </p:spPr>
-          <p:txBody>
-            <a:bodyPr wrap="square" rtlCol="0">
-              <a:spAutoFit/>
-            </a:bodyPr>
-            <a:lstStyle/>
-            <a:p>
-              <a:pPr algn="ctr"/>
-              <a:r>
-                <a:rPr lang="en-US" sz="1600" dirty="0" smtClean="0">
-                  <a:latin typeface="Arial" pitchFamily="34" charset="0"/>
-                  <a:cs typeface="Arial" pitchFamily="34" charset="0"/>
-                </a:rPr>
-                <a:t>Work </a:t>
-              </a:r>
-            </a:p>
-            <a:p>
-              <a:pPr algn="ctr"/>
-              <a:r>
-                <a:rPr lang="en-US" sz="1600" dirty="0" smtClean="0">
-                  <a:latin typeface="Arial" pitchFamily="34" charset="0"/>
-                  <a:cs typeface="Arial" pitchFamily="34" charset="0"/>
-                </a:rPr>
-                <a:t>memory</a:t>
-              </a:r>
-              <a:endParaRPr lang="sk-SK" sz="1600" dirty="0">
-                <a:latin typeface="Arial" pitchFamily="34" charset="0"/>
-                <a:cs typeface="Arial" pitchFamily="34" charset="0"/>
-              </a:endParaRPr>
-            </a:p>
-          </p:txBody>
-        </p:sp>
-      </p:grpSp>
-      <p:cxnSp>
-        <p:nvCxnSpPr>
-          <p:cNvPr id="18" name="Rovná spojovacia šípka 17"/>
-          <p:cNvCxnSpPr>
-            <a:stCxn id="11" idx="2"/>
-          </p:cNvCxnSpPr>
-          <p:nvPr/>
-        </p:nvCxnSpPr>
-        <p:spPr>
-          <a:xfrm>
-            <a:off x="5508104" y="3198336"/>
-            <a:ext cx="0" cy="597550"/>
-          </a:xfrm>
-          <a:prstGeom prst="straightConnector1">
-            <a:avLst/>
-          </a:prstGeom>
-          <a:ln w="19050">
-            <a:solidFill>
-              <a:srgbClr val="20272A"/>
-            </a:solidFill>
-            <a:tailEnd type="arrow"/>
-          </a:ln>
-        </p:spPr>
-        <p:style>
-          <a:lnRef idx="1">
-            <a:schemeClr val="accent1"/>
-          </a:lnRef>
-          <a:fillRef idx="0">
-            <a:schemeClr val="accent1"/>
-          </a:fillRef>
-          <a:effectRef idx="0">
-            <a:schemeClr val="accent1"/>
-          </a:effectRef>
-          <a:fontRef idx="minor">
-            <a:schemeClr val="tx1"/>
-          </a:fontRef>
-        </p:style>
-      </p:cxnSp>
-      <p:grpSp>
-        <p:nvGrpSpPr>
-          <p:cNvPr id="32" name="Skupina 31"/>
-          <p:cNvGrpSpPr/>
-          <p:nvPr/>
-        </p:nvGrpSpPr>
-        <p:grpSpPr>
-          <a:xfrm>
-            <a:off x="6948264" y="1995686"/>
-            <a:ext cx="2195736" cy="1085645"/>
-            <a:chOff x="6588224" y="1923678"/>
-            <a:chExt cx="2195736" cy="1105492"/>
-          </a:xfrm>
-        </p:grpSpPr>
-        <p:sp>
-          <p:nvSpPr>
-            <p:cNvPr id="25" name="Zahnutý roh 24"/>
-            <p:cNvSpPr/>
-            <p:nvPr/>
-          </p:nvSpPr>
-          <p:spPr>
-            <a:xfrm flipV="1">
-              <a:off x="7178690" y="1923678"/>
-              <a:ext cx="604867" cy="742793"/>
-            </a:xfrm>
-            <a:prstGeom prst="foldedCorner">
-              <a:avLst/>
-            </a:prstGeom>
-            <a:noFill/>
-            <a:ln w="19050">
-              <a:solidFill>
-                <a:srgbClr val="404040"/>
-              </a:solidFill>
-            </a:ln>
-          </p:spPr>
-          <p:style>
-            <a:lnRef idx="2">
-              <a:schemeClr val="accent1">
-                <a:shade val="50000"/>
-              </a:schemeClr>
-            </a:lnRef>
-            <a:fillRef idx="1">
-              <a:schemeClr val="accent1"/>
-            </a:fillRef>
-            <a:effectRef idx="0">
-              <a:schemeClr val="accent1"/>
-            </a:effectRef>
-            <a:fontRef idx="minor">
-              <a:schemeClr val="lt1"/>
-            </a:fontRef>
-          </p:style>
-          <p:txBody>
-            <a:bodyPr rtlCol="0" anchor="ctr"/>
-            <a:lstStyle/>
-            <a:p>
-              <a:pPr algn="ctr"/>
-              <a:endParaRPr lang="sk-SK"/>
-            </a:p>
-          </p:txBody>
-        </p:sp>
-        <p:sp>
-          <p:nvSpPr>
-            <p:cNvPr id="24" name="BlokTextu 23"/>
-            <p:cNvSpPr txBox="1"/>
-            <p:nvPr/>
-          </p:nvSpPr>
-          <p:spPr>
-            <a:xfrm>
-              <a:off x="6588224" y="2715766"/>
-              <a:ext cx="2195736" cy="313404"/>
-            </a:xfrm>
-            <a:prstGeom prst="rect">
-              <a:avLst/>
-            </a:prstGeom>
-            <a:noFill/>
-          </p:spPr>
-          <p:txBody>
-            <a:bodyPr wrap="square" rtlCol="0">
-              <a:spAutoFit/>
-            </a:bodyPr>
-            <a:lstStyle/>
-            <a:p>
-              <a:r>
-                <a:rPr lang="en-US" sz="1400" dirty="0" smtClean="0">
-                  <a:solidFill>
-                    <a:srgbClr val="20272A"/>
-                  </a:solidFill>
-                  <a:latin typeface="Arial" pitchFamily="34" charset="0"/>
-                  <a:ea typeface="Segoe UI" pitchFamily="34" charset="0"/>
-                  <a:cs typeface="Arial" pitchFamily="34" charset="0"/>
-                </a:rPr>
-                <a:t>Rule + Function base </a:t>
-              </a:r>
-              <a:endParaRPr lang="sk-SK" sz="1400" dirty="0">
-                <a:solidFill>
-                  <a:srgbClr val="20272A"/>
-                </a:solidFill>
-                <a:latin typeface="Arial" pitchFamily="34" charset="0"/>
-                <a:ea typeface="Segoe UI" pitchFamily="34" charset="0"/>
-                <a:cs typeface="Arial" pitchFamily="34" charset="0"/>
-              </a:endParaRPr>
-            </a:p>
-          </p:txBody>
-        </p:sp>
-        <p:sp>
-          <p:nvSpPr>
-            <p:cNvPr id="31" name="BlokTextu 30"/>
-            <p:cNvSpPr txBox="1"/>
-            <p:nvPr/>
-          </p:nvSpPr>
-          <p:spPr>
-            <a:xfrm>
-              <a:off x="7236296" y="2283718"/>
-              <a:ext cx="504056" cy="307777"/>
-            </a:xfrm>
-            <a:prstGeom prst="rect">
-              <a:avLst/>
-            </a:prstGeom>
-            <a:noFill/>
-          </p:spPr>
-          <p:txBody>
-            <a:bodyPr wrap="square" rtlCol="0">
-              <a:spAutoFit/>
-            </a:bodyPr>
-            <a:lstStyle/>
-            <a:p>
-              <a:r>
-                <a:rPr lang="en-US" sz="1400" dirty="0" smtClean="0">
-                  <a:solidFill>
-                    <a:srgbClr val="20272A"/>
-                  </a:solidFill>
-                  <a:latin typeface="Segoe UI" pitchFamily="34" charset="0"/>
-                  <a:ea typeface="Segoe UI" pitchFamily="34" charset="0"/>
-                  <a:cs typeface="Segoe UI" pitchFamily="34" charset="0"/>
-                </a:rPr>
-                <a:t>.</a:t>
-              </a:r>
-              <a:r>
-                <a:rPr lang="en-US" sz="1400" dirty="0" err="1" smtClean="0">
-                  <a:solidFill>
-                    <a:srgbClr val="20272A"/>
-                  </a:solidFill>
-                  <a:latin typeface="Segoe UI" pitchFamily="34" charset="0"/>
-                  <a:ea typeface="Segoe UI" pitchFamily="34" charset="0"/>
-                  <a:cs typeface="Segoe UI" pitchFamily="34" charset="0"/>
-                </a:rPr>
-                <a:t>clp</a:t>
-              </a:r>
-              <a:endParaRPr lang="sk-SK" sz="1400" dirty="0">
-                <a:solidFill>
-                  <a:srgbClr val="20272A"/>
-                </a:solidFill>
-                <a:latin typeface="Segoe UI" pitchFamily="34" charset="0"/>
-                <a:ea typeface="Segoe UI" pitchFamily="34" charset="0"/>
-                <a:cs typeface="Segoe UI" pitchFamily="34" charset="0"/>
-              </a:endParaRPr>
-            </a:p>
-          </p:txBody>
-        </p:sp>
-      </p:grpSp>
-      <p:grpSp>
-        <p:nvGrpSpPr>
-          <p:cNvPr id="33" name="Skupina 32"/>
-          <p:cNvGrpSpPr/>
-          <p:nvPr/>
-        </p:nvGrpSpPr>
-        <p:grpSpPr>
-          <a:xfrm>
-            <a:off x="6948264" y="3363838"/>
-            <a:ext cx="2195736" cy="1099865"/>
-            <a:chOff x="6588224" y="1923678"/>
-            <a:chExt cx="2195736" cy="1099865"/>
-          </a:xfrm>
-        </p:grpSpPr>
-        <p:sp>
-          <p:nvSpPr>
-            <p:cNvPr id="34" name="Zahnutý roh 33"/>
-            <p:cNvSpPr/>
-            <p:nvPr/>
-          </p:nvSpPr>
-          <p:spPr>
-            <a:xfrm flipV="1">
-              <a:off x="7178690" y="1923678"/>
-              <a:ext cx="604867" cy="742793"/>
-            </a:xfrm>
-            <a:prstGeom prst="foldedCorner">
-              <a:avLst/>
-            </a:prstGeom>
-            <a:noFill/>
-            <a:ln w="19050">
-              <a:solidFill>
-                <a:srgbClr val="404040"/>
-              </a:solidFill>
-            </a:ln>
-          </p:spPr>
-          <p:style>
-            <a:lnRef idx="2">
-              <a:schemeClr val="accent1">
-                <a:shade val="50000"/>
-              </a:schemeClr>
-            </a:lnRef>
-            <a:fillRef idx="1">
-              <a:schemeClr val="accent1"/>
-            </a:fillRef>
-            <a:effectRef idx="0">
-              <a:schemeClr val="accent1"/>
-            </a:effectRef>
-            <a:fontRef idx="minor">
-              <a:schemeClr val="lt1"/>
-            </a:fontRef>
-          </p:style>
-          <p:txBody>
-            <a:bodyPr rtlCol="0" anchor="ctr"/>
-            <a:lstStyle/>
-            <a:p>
-              <a:pPr algn="ctr"/>
-              <a:endParaRPr lang="sk-SK"/>
-            </a:p>
-          </p:txBody>
-        </p:sp>
-        <p:sp>
-          <p:nvSpPr>
-            <p:cNvPr id="35" name="BlokTextu 34"/>
-            <p:cNvSpPr txBox="1"/>
-            <p:nvPr/>
-          </p:nvSpPr>
-          <p:spPr>
-            <a:xfrm>
-              <a:off x="6588224" y="2715766"/>
-              <a:ext cx="2195736" cy="307777"/>
-            </a:xfrm>
-            <a:prstGeom prst="rect">
-              <a:avLst/>
-            </a:prstGeom>
-            <a:noFill/>
-          </p:spPr>
-          <p:txBody>
-            <a:bodyPr wrap="square" rtlCol="0">
-              <a:spAutoFit/>
-            </a:bodyPr>
-            <a:lstStyle/>
-            <a:p>
-              <a:r>
-                <a:rPr lang="en-US" sz="1400" dirty="0" smtClean="0">
-                  <a:solidFill>
-                    <a:srgbClr val="20272A"/>
-                  </a:solidFill>
-                  <a:latin typeface="Segoe UI" pitchFamily="34" charset="0"/>
-                  <a:ea typeface="Segoe UI" pitchFamily="34" charset="0"/>
-                  <a:cs typeface="Segoe UI" pitchFamily="34" charset="0"/>
-                </a:rPr>
-                <a:t>      </a:t>
-              </a:r>
-              <a:r>
-                <a:rPr lang="en-US" sz="1400" dirty="0" smtClean="0">
-                  <a:solidFill>
-                    <a:srgbClr val="20272A"/>
-                  </a:solidFill>
-                  <a:latin typeface="Arial" pitchFamily="34" charset="0"/>
-                  <a:ea typeface="Segoe UI" pitchFamily="34" charset="0"/>
-                  <a:cs typeface="Arial" pitchFamily="34" charset="0"/>
-                </a:rPr>
-                <a:t>Fact base (KB</a:t>
-              </a:r>
-              <a:r>
-                <a:rPr lang="en-US" sz="1400" dirty="0" smtClean="0">
-                  <a:solidFill>
-                    <a:srgbClr val="20272A"/>
-                  </a:solidFill>
-                  <a:latin typeface="Segoe UI" pitchFamily="34" charset="0"/>
-                  <a:ea typeface="Segoe UI" pitchFamily="34" charset="0"/>
-                  <a:cs typeface="Segoe UI" pitchFamily="34" charset="0"/>
-                </a:rPr>
-                <a:t>)</a:t>
-              </a:r>
-              <a:endParaRPr lang="sk-SK" sz="1400" dirty="0">
-                <a:solidFill>
-                  <a:srgbClr val="20272A"/>
-                </a:solidFill>
-                <a:latin typeface="Segoe UI" pitchFamily="34" charset="0"/>
-                <a:ea typeface="Segoe UI" pitchFamily="34" charset="0"/>
-                <a:cs typeface="Segoe UI" pitchFamily="34" charset="0"/>
-              </a:endParaRPr>
-            </a:p>
-          </p:txBody>
-        </p:sp>
-        <p:sp>
-          <p:nvSpPr>
-            <p:cNvPr id="36" name="BlokTextu 35"/>
-            <p:cNvSpPr txBox="1"/>
-            <p:nvPr/>
-          </p:nvSpPr>
-          <p:spPr>
-            <a:xfrm>
-              <a:off x="7236296" y="2283718"/>
-              <a:ext cx="504056" cy="307777"/>
-            </a:xfrm>
-            <a:prstGeom prst="rect">
-              <a:avLst/>
-            </a:prstGeom>
-            <a:noFill/>
-          </p:spPr>
-          <p:txBody>
-            <a:bodyPr wrap="square" rtlCol="0">
-              <a:spAutoFit/>
-            </a:bodyPr>
-            <a:lstStyle/>
-            <a:p>
-              <a:r>
-                <a:rPr lang="en-US" sz="1400" dirty="0" smtClean="0">
-                  <a:solidFill>
-                    <a:srgbClr val="20272A"/>
-                  </a:solidFill>
-                  <a:latin typeface="Segoe UI" pitchFamily="34" charset="0"/>
-                  <a:ea typeface="Segoe UI" pitchFamily="34" charset="0"/>
-                  <a:cs typeface="Segoe UI" pitchFamily="34" charset="0"/>
-                </a:rPr>
-                <a:t>.</a:t>
-              </a:r>
-              <a:r>
-                <a:rPr lang="en-US" sz="1400" dirty="0" err="1" smtClean="0">
-                  <a:solidFill>
-                    <a:srgbClr val="20272A"/>
-                  </a:solidFill>
-                  <a:latin typeface="Segoe UI" pitchFamily="34" charset="0"/>
-                  <a:ea typeface="Segoe UI" pitchFamily="34" charset="0"/>
-                  <a:cs typeface="Segoe UI" pitchFamily="34" charset="0"/>
-                </a:rPr>
-                <a:t>clp</a:t>
-              </a:r>
-              <a:endParaRPr lang="sk-SK" sz="1400" dirty="0">
-                <a:solidFill>
-                  <a:srgbClr val="20272A"/>
-                </a:solidFill>
-                <a:latin typeface="Segoe UI" pitchFamily="34" charset="0"/>
-                <a:ea typeface="Segoe UI" pitchFamily="34" charset="0"/>
-                <a:cs typeface="Segoe UI" pitchFamily="34" charset="0"/>
-              </a:endParaRPr>
-            </a:p>
-          </p:txBody>
-        </p:sp>
-      </p:grpSp>
-      <p:cxnSp>
-        <p:nvCxnSpPr>
-          <p:cNvPr id="37" name="Rovná spojovacia šípka 36"/>
-          <p:cNvCxnSpPr>
-            <a:stCxn id="3" idx="3"/>
-            <a:endCxn id="25" idx="1"/>
-          </p:cNvCxnSpPr>
-          <p:nvPr/>
-        </p:nvCxnSpPr>
-        <p:spPr>
-          <a:xfrm flipV="1">
-            <a:off x="6228184" y="2360415"/>
-            <a:ext cx="1310546" cy="391355"/>
-          </a:xfrm>
-          <a:prstGeom prst="straightConnector1">
-            <a:avLst/>
-          </a:prstGeom>
-          <a:ln w="19050">
-            <a:solidFill>
-              <a:srgbClr val="20272A"/>
-            </a:solidFill>
-            <a:tailEnd type="arrow"/>
-          </a:ln>
-        </p:spPr>
-        <p:style>
-          <a:lnRef idx="1">
-            <a:schemeClr val="accent1"/>
-          </a:lnRef>
-          <a:fillRef idx="0">
-            <a:schemeClr val="accent1"/>
-          </a:fillRef>
-          <a:effectRef idx="0">
-            <a:schemeClr val="accent1"/>
-          </a:effectRef>
-          <a:fontRef idx="minor">
-            <a:schemeClr val="tx1"/>
-          </a:fontRef>
-        </p:style>
-      </p:cxnSp>
-      <p:cxnSp>
-        <p:nvCxnSpPr>
-          <p:cNvPr id="39" name="Rovná spojovacia šípka 38"/>
-          <p:cNvCxnSpPr>
-            <a:stCxn id="3" idx="3"/>
-            <a:endCxn id="34" idx="1"/>
-          </p:cNvCxnSpPr>
-          <p:nvPr/>
-        </p:nvCxnSpPr>
-        <p:spPr>
-          <a:xfrm>
-            <a:off x="6228184" y="2751770"/>
-            <a:ext cx="1310546" cy="983464"/>
-          </a:xfrm>
-          <a:prstGeom prst="straightConnector1">
-            <a:avLst/>
-          </a:prstGeom>
-          <a:ln w="19050">
-            <a:solidFill>
-              <a:srgbClr val="20272A"/>
-            </a:solidFill>
-            <a:tailEnd type="arrow"/>
-          </a:ln>
-        </p:spPr>
-        <p:style>
-          <a:lnRef idx="1">
-            <a:schemeClr val="accent1"/>
-          </a:lnRef>
-          <a:fillRef idx="0">
-            <a:schemeClr val="accent1"/>
-          </a:fillRef>
-          <a:effectRef idx="0">
-            <a:schemeClr val="accent1"/>
-          </a:effectRef>
-          <a:fontRef idx="minor">
-            <a:schemeClr val="tx1"/>
-          </a:fontRef>
-        </p:style>
-      </p:cxnSp>
-      <p:grpSp>
-        <p:nvGrpSpPr>
-          <p:cNvPr id="44" name="Skupina 43"/>
-          <p:cNvGrpSpPr/>
-          <p:nvPr/>
-        </p:nvGrpSpPr>
-        <p:grpSpPr>
-          <a:xfrm>
-            <a:off x="1115616" y="987574"/>
-            <a:ext cx="2592288" cy="1152128"/>
-            <a:chOff x="971600" y="627534"/>
-            <a:chExt cx="2592288" cy="1152128"/>
-          </a:xfrm>
-        </p:grpSpPr>
-        <p:sp>
-          <p:nvSpPr>
-            <p:cNvPr id="12" name="Obláčik 11"/>
-            <p:cNvSpPr/>
-            <p:nvPr/>
-          </p:nvSpPr>
-          <p:spPr>
-            <a:xfrm>
-              <a:off x="971600" y="627534"/>
-              <a:ext cx="2232248" cy="1152128"/>
-            </a:xfrm>
-            <a:prstGeom prst="cloudCallout">
-              <a:avLst>
-                <a:gd name="adj1" fmla="val -57796"/>
-                <a:gd name="adj2" fmla="val 26453"/>
-              </a:avLst>
-            </a:prstGeom>
-            <a:solidFill>
-              <a:schemeClr val="bg1"/>
-            </a:solidFill>
-            <a:ln w="28575">
-              <a:solidFill>
-                <a:srgbClr val="20272A"/>
-              </a:solidFill>
-            </a:ln>
-          </p:spPr>
-          <p:style>
-            <a:lnRef idx="2">
-              <a:schemeClr val="accent1">
-                <a:shade val="50000"/>
-              </a:schemeClr>
-            </a:lnRef>
-            <a:fillRef idx="1">
-              <a:schemeClr val="accent1"/>
-            </a:fillRef>
-            <a:effectRef idx="0">
-              <a:schemeClr val="accent1"/>
-            </a:effectRef>
-            <a:fontRef idx="minor">
-              <a:schemeClr val="lt1"/>
-            </a:fontRef>
-          </p:style>
-          <p:txBody>
-            <a:bodyPr rtlCol="0" anchor="ctr"/>
-            <a:lstStyle/>
-            <a:p>
-              <a:pPr algn="ctr"/>
-              <a:endParaRPr lang="sk-SK"/>
-            </a:p>
-          </p:txBody>
-        </p:sp>
-        <p:sp>
-          <p:nvSpPr>
-            <p:cNvPr id="42" name="BlokTextu 41"/>
-            <p:cNvSpPr txBox="1"/>
-            <p:nvPr/>
-          </p:nvSpPr>
-          <p:spPr>
-            <a:xfrm>
-              <a:off x="1187624" y="915566"/>
-              <a:ext cx="2376264" cy="523220"/>
-            </a:xfrm>
-            <a:prstGeom prst="rect">
-              <a:avLst/>
-            </a:prstGeom>
-            <a:noFill/>
-          </p:spPr>
-          <p:txBody>
-            <a:bodyPr wrap="square" rtlCol="0">
-              <a:spAutoFit/>
-            </a:bodyPr>
-            <a:lstStyle/>
-            <a:p>
-              <a:r>
-                <a:rPr lang="en-US" sz="1400" dirty="0" err="1" smtClean="0">
-                  <a:solidFill>
-                    <a:srgbClr val="20272A"/>
-                  </a:solidFill>
-                  <a:latin typeface="Arial" pitchFamily="34" charset="0"/>
-                  <a:ea typeface="Segoe UI" pitchFamily="34" charset="0"/>
-                  <a:cs typeface="Arial" pitchFamily="34" charset="0"/>
-                </a:rPr>
-                <a:t>Bože</a:t>
-              </a:r>
-              <a:r>
-                <a:rPr lang="en-US" sz="1400" dirty="0" smtClean="0">
-                  <a:solidFill>
-                    <a:srgbClr val="20272A"/>
-                  </a:solidFill>
-                  <a:latin typeface="Arial" pitchFamily="34" charset="0"/>
-                  <a:ea typeface="Segoe UI" pitchFamily="34" charset="0"/>
-                  <a:cs typeface="Arial" pitchFamily="34" charset="0"/>
-                </a:rPr>
-                <a:t> </a:t>
-              </a:r>
-              <a:r>
-                <a:rPr lang="en-US" sz="1400" dirty="0" err="1" smtClean="0">
-                  <a:solidFill>
-                    <a:srgbClr val="20272A"/>
-                  </a:solidFill>
-                  <a:latin typeface="Arial" pitchFamily="34" charset="0"/>
-                  <a:ea typeface="Segoe UI" pitchFamily="34" charset="0"/>
-                  <a:cs typeface="Arial" pitchFamily="34" charset="0"/>
-                </a:rPr>
-                <a:t>aký</a:t>
-              </a:r>
-              <a:r>
-                <a:rPr lang="en-US" sz="1400" dirty="0" smtClean="0">
-                  <a:solidFill>
-                    <a:srgbClr val="20272A"/>
-                  </a:solidFill>
-                  <a:latin typeface="Arial" pitchFamily="34" charset="0"/>
-                  <a:ea typeface="Segoe UI" pitchFamily="34" charset="0"/>
-                  <a:cs typeface="Arial" pitchFamily="34" charset="0"/>
-                </a:rPr>
-                <a:t> </a:t>
-              </a:r>
-              <a:r>
-                <a:rPr lang="en-US" sz="1400" dirty="0" err="1" smtClean="0">
-                  <a:solidFill>
-                    <a:srgbClr val="20272A"/>
-                  </a:solidFill>
-                  <a:latin typeface="Arial" pitchFamily="34" charset="0"/>
-                  <a:ea typeface="Segoe UI" pitchFamily="34" charset="0"/>
-                  <a:cs typeface="Arial" pitchFamily="34" charset="0"/>
-                </a:rPr>
-                <a:t>smartphone</a:t>
-              </a:r>
-              <a:r>
-                <a:rPr lang="en-US" sz="1400" dirty="0" smtClean="0">
-                  <a:solidFill>
-                    <a:srgbClr val="20272A"/>
-                  </a:solidFill>
-                  <a:latin typeface="Arial" pitchFamily="34" charset="0"/>
-                  <a:ea typeface="Segoe UI" pitchFamily="34" charset="0"/>
-                  <a:cs typeface="Arial" pitchFamily="34" charset="0"/>
-                </a:rPr>
-                <a:t> </a:t>
-              </a:r>
-            </a:p>
-            <a:p>
-              <a:r>
-                <a:rPr lang="en-US" sz="1400" dirty="0" err="1" smtClean="0">
-                  <a:solidFill>
-                    <a:srgbClr val="20272A"/>
-                  </a:solidFill>
-                  <a:latin typeface="Arial" pitchFamily="34" charset="0"/>
-                  <a:ea typeface="Segoe UI" pitchFamily="34" charset="0"/>
-                  <a:cs typeface="Arial" pitchFamily="34" charset="0"/>
-                </a:rPr>
-                <a:t>si</a:t>
-              </a:r>
-              <a:r>
-                <a:rPr lang="en-US" sz="1400" dirty="0" smtClean="0">
-                  <a:solidFill>
-                    <a:srgbClr val="20272A"/>
-                  </a:solidFill>
-                  <a:latin typeface="Arial" pitchFamily="34" charset="0"/>
-                  <a:ea typeface="Segoe UI" pitchFamily="34" charset="0"/>
-                  <a:cs typeface="Arial" pitchFamily="34" charset="0"/>
-                </a:rPr>
-                <a:t> </a:t>
-              </a:r>
-              <a:r>
-                <a:rPr lang="en-US" sz="1400" dirty="0" err="1" smtClean="0">
-                  <a:solidFill>
-                    <a:srgbClr val="20272A"/>
-                  </a:solidFill>
-                  <a:latin typeface="Arial" pitchFamily="34" charset="0"/>
-                  <a:ea typeface="Segoe UI" pitchFamily="34" charset="0"/>
-                  <a:cs typeface="Arial" pitchFamily="34" charset="0"/>
-                </a:rPr>
-                <a:t>mám</a:t>
-              </a:r>
-              <a:r>
-                <a:rPr lang="en-US" sz="1400" dirty="0" smtClean="0">
-                  <a:solidFill>
-                    <a:srgbClr val="20272A"/>
-                  </a:solidFill>
-                  <a:latin typeface="Arial" pitchFamily="34" charset="0"/>
-                  <a:ea typeface="Segoe UI" pitchFamily="34" charset="0"/>
-                  <a:cs typeface="Arial" pitchFamily="34" charset="0"/>
-                </a:rPr>
-                <a:t> </a:t>
-              </a:r>
-              <a:r>
-                <a:rPr lang="en-US" sz="1400" dirty="0" err="1" smtClean="0">
-                  <a:solidFill>
-                    <a:srgbClr val="20272A"/>
-                  </a:solidFill>
-                  <a:latin typeface="Arial" pitchFamily="34" charset="0"/>
-                  <a:ea typeface="Segoe UI" pitchFamily="34" charset="0"/>
-                  <a:cs typeface="Arial" pitchFamily="34" charset="0"/>
-                </a:rPr>
-                <a:t>kupiť</a:t>
-              </a:r>
-              <a:r>
-                <a:rPr lang="en-US" sz="1400" dirty="0" smtClean="0">
-                  <a:solidFill>
-                    <a:srgbClr val="20272A"/>
-                  </a:solidFill>
-                  <a:latin typeface="Arial" pitchFamily="34" charset="0"/>
-                  <a:ea typeface="Segoe UI" pitchFamily="34" charset="0"/>
-                  <a:cs typeface="Arial" pitchFamily="34" charset="0"/>
-                </a:rPr>
-                <a:t> ???</a:t>
-              </a:r>
-              <a:endParaRPr lang="sk-SK" sz="1400" dirty="0">
-                <a:solidFill>
-                  <a:srgbClr val="20272A"/>
-                </a:solidFill>
-                <a:latin typeface="Arial" pitchFamily="34" charset="0"/>
-                <a:ea typeface="Segoe UI" pitchFamily="34" charset="0"/>
-                <a:cs typeface="Arial" pitchFamily="34" charset="0"/>
-              </a:endParaRPr>
-            </a:p>
-          </p:txBody>
-        </p:sp>
-      </p:grpSp>
-      <p:sp>
-        <p:nvSpPr>
-          <p:cNvPr id="43" name="BlokTextu 42"/>
-          <p:cNvSpPr txBox="1"/>
-          <p:nvPr/>
-        </p:nvSpPr>
-        <p:spPr>
-          <a:xfrm>
-            <a:off x="2771800" y="-92546"/>
-            <a:ext cx="2555776" cy="830997"/>
-          </a:xfrm>
-          <a:prstGeom prst="rect">
-            <a:avLst/>
-          </a:prstGeom>
-          <a:noFill/>
-        </p:spPr>
-        <p:txBody>
-          <a:bodyPr wrap="square" rtlCol="0">
-            <a:spAutoFit/>
-          </a:bodyPr>
-          <a:lstStyle/>
-          <a:p>
-            <a:r>
-              <a:rPr lang="en-US" sz="4800" dirty="0" err="1" smtClean="0">
-                <a:solidFill>
-                  <a:srgbClr val="20272A"/>
-                </a:solidFill>
-                <a:latin typeface="Arial" pitchFamily="34" charset="0"/>
-                <a:ea typeface="KaiTi" pitchFamily="49" charset="-122"/>
-                <a:cs typeface="Arial" pitchFamily="34" charset="0"/>
-              </a:rPr>
-              <a:t>Ako</a:t>
-            </a:r>
-            <a:r>
-              <a:rPr lang="en-US" sz="4800" dirty="0" smtClean="0">
-                <a:solidFill>
-                  <a:srgbClr val="20272A"/>
-                </a:solidFill>
-                <a:latin typeface="Arial" pitchFamily="34" charset="0"/>
-                <a:ea typeface="KaiTi" pitchFamily="49" charset="-122"/>
-                <a:cs typeface="Arial" pitchFamily="34" charset="0"/>
-              </a:rPr>
-              <a:t> to </a:t>
-            </a:r>
-            <a:endParaRPr lang="en-US" sz="3200" dirty="0" smtClean="0">
-              <a:solidFill>
-                <a:srgbClr val="20272A"/>
-              </a:solidFill>
-              <a:latin typeface="Arial" pitchFamily="34" charset="0"/>
-              <a:ea typeface="KaiTi" pitchFamily="49" charset="-122"/>
-              <a:cs typeface="Arial" pitchFamily="34" charset="0"/>
-            </a:endParaRPr>
-          </a:p>
-        </p:txBody>
-      </p:sp>
-      <p:sp>
-        <p:nvSpPr>
-          <p:cNvPr id="45" name="BlokTextu 44"/>
-          <p:cNvSpPr txBox="1"/>
-          <p:nvPr/>
-        </p:nvSpPr>
-        <p:spPr>
-          <a:xfrm>
-            <a:off x="4139952" y="411510"/>
-            <a:ext cx="4032448" cy="923330"/>
-          </a:xfrm>
-          <a:prstGeom prst="rect">
-            <a:avLst/>
-          </a:prstGeom>
-          <a:noFill/>
-        </p:spPr>
-        <p:txBody>
-          <a:bodyPr wrap="square" rtlCol="0">
-            <a:spAutoFit/>
-          </a:bodyPr>
-          <a:lstStyle/>
-          <a:p>
-            <a:r>
-              <a:rPr lang="en-US" sz="5400" b="1" dirty="0" err="1" smtClean="0">
-                <a:solidFill>
-                  <a:srgbClr val="851019"/>
-                </a:solidFill>
-                <a:latin typeface="Arial" pitchFamily="34" charset="0"/>
-                <a:ea typeface="KaiTi" pitchFamily="49" charset="-122"/>
-                <a:cs typeface="Arial" pitchFamily="34" charset="0"/>
-              </a:rPr>
-              <a:t>funguje</a:t>
-            </a:r>
-            <a:endParaRPr lang="sk-SK" sz="5400" b="1" dirty="0">
-              <a:solidFill>
-                <a:srgbClr val="851019"/>
-              </a:solidFill>
-              <a:latin typeface="Arial" pitchFamily="34" charset="0"/>
-              <a:ea typeface="KaiTi" pitchFamily="49" charset="-122"/>
-              <a:cs typeface="Arial" pitchFamily="34" charset="0"/>
-            </a:endParaRPr>
-          </a:p>
-        </p:txBody>
-      </p:sp>
-      <p:cxnSp>
-        <p:nvCxnSpPr>
-          <p:cNvPr id="47" name="Rovná spojovacia šípka 46"/>
-          <p:cNvCxnSpPr/>
-          <p:nvPr/>
-        </p:nvCxnSpPr>
-        <p:spPr>
-          <a:xfrm>
-            <a:off x="1331640" y="2787774"/>
-            <a:ext cx="504056" cy="0"/>
-          </a:xfrm>
-          <a:prstGeom prst="straightConnector1">
-            <a:avLst/>
-          </a:prstGeom>
-          <a:ln w="19050">
-            <a:solidFill>
-              <a:srgbClr val="20272A"/>
-            </a:solidFill>
-            <a:tailEnd type="arrow"/>
-          </a:ln>
-        </p:spPr>
-        <p:style>
-          <a:lnRef idx="1">
-            <a:schemeClr val="accent1"/>
-          </a:lnRef>
-          <a:fillRef idx="0">
-            <a:schemeClr val="accent1"/>
-          </a:fillRef>
-          <a:effectRef idx="0">
-            <a:schemeClr val="accent1"/>
-          </a:effectRef>
-          <a:fontRef idx="minor">
-            <a:schemeClr val="tx1"/>
-          </a:fontRef>
-        </p:style>
-      </p:cxnSp>
-      <p:cxnSp>
-        <p:nvCxnSpPr>
-          <p:cNvPr id="50" name="Rovná spojovacia šípka 49"/>
-          <p:cNvCxnSpPr/>
-          <p:nvPr/>
-        </p:nvCxnSpPr>
-        <p:spPr>
-          <a:xfrm flipH="1">
-            <a:off x="1331640" y="2931790"/>
-            <a:ext cx="504056" cy="0"/>
-          </a:xfrm>
-          <a:prstGeom prst="straightConnector1">
-            <a:avLst/>
-          </a:prstGeom>
-          <a:ln w="19050">
-            <a:solidFill>
-              <a:srgbClr val="20272A"/>
-            </a:solidFill>
-            <a:tailEnd type="arrow"/>
-          </a:ln>
-        </p:spPr>
-        <p:style>
-          <a:lnRef idx="1">
-            <a:schemeClr val="accent1"/>
-          </a:lnRef>
-          <a:fillRef idx="0">
-            <a:schemeClr val="accent1"/>
-          </a:fillRef>
-          <a:effectRef idx="0">
-            <a:schemeClr val="accent1"/>
-          </a:effectRef>
-          <a:fontRef idx="minor">
-            <a:schemeClr val="tx1"/>
-          </a:fontRef>
-        </p:style>
-      </p:cxnSp>
-      <p:grpSp>
-        <p:nvGrpSpPr>
-          <p:cNvPr id="52" name="Skupina 51"/>
-          <p:cNvGrpSpPr/>
-          <p:nvPr/>
-        </p:nvGrpSpPr>
-        <p:grpSpPr>
-          <a:xfrm>
-            <a:off x="1115616" y="1059582"/>
-            <a:ext cx="2592288" cy="1152128"/>
-            <a:chOff x="971600" y="627534"/>
-            <a:chExt cx="2592288" cy="1152128"/>
-          </a:xfrm>
-        </p:grpSpPr>
-        <p:sp>
-          <p:nvSpPr>
-            <p:cNvPr id="53" name="Obláčik 52"/>
-            <p:cNvSpPr/>
-            <p:nvPr/>
-          </p:nvSpPr>
-          <p:spPr>
-            <a:xfrm>
-              <a:off x="971600" y="627534"/>
-              <a:ext cx="2232248" cy="1152128"/>
-            </a:xfrm>
-            <a:prstGeom prst="cloudCallout">
-              <a:avLst>
-                <a:gd name="adj1" fmla="val -57796"/>
-                <a:gd name="adj2" fmla="val 26453"/>
-              </a:avLst>
-            </a:prstGeom>
-            <a:solidFill>
-              <a:schemeClr val="bg1"/>
-            </a:solidFill>
-            <a:ln w="28575">
-              <a:solidFill>
-                <a:srgbClr val="20272A"/>
-              </a:solidFill>
-            </a:ln>
-          </p:spPr>
-          <p:style>
-            <a:lnRef idx="2">
-              <a:schemeClr val="accent1">
-                <a:shade val="50000"/>
-              </a:schemeClr>
-            </a:lnRef>
-            <a:fillRef idx="1">
-              <a:schemeClr val="accent1"/>
-            </a:fillRef>
-            <a:effectRef idx="0">
-              <a:schemeClr val="accent1"/>
-            </a:effectRef>
-            <a:fontRef idx="minor">
-              <a:schemeClr val="lt1"/>
-            </a:fontRef>
-          </p:style>
-          <p:txBody>
-            <a:bodyPr rtlCol="0" anchor="ctr"/>
-            <a:lstStyle/>
-            <a:p>
-              <a:pPr algn="ctr"/>
-              <a:endParaRPr lang="sk-SK"/>
-            </a:p>
-          </p:txBody>
-        </p:sp>
-        <p:sp>
-          <p:nvSpPr>
-            <p:cNvPr id="54" name="BlokTextu 53"/>
-            <p:cNvSpPr txBox="1"/>
-            <p:nvPr/>
-          </p:nvSpPr>
-          <p:spPr>
-            <a:xfrm>
-              <a:off x="1187624" y="915566"/>
-              <a:ext cx="2376264" cy="523220"/>
-            </a:xfrm>
-            <a:prstGeom prst="rect">
-              <a:avLst/>
-            </a:prstGeom>
-            <a:noFill/>
-          </p:spPr>
-          <p:txBody>
-            <a:bodyPr wrap="square" rtlCol="0">
-              <a:spAutoFit/>
-            </a:bodyPr>
-            <a:lstStyle/>
-            <a:p>
-              <a:r>
-                <a:rPr lang="en-US" sz="1400" dirty="0" err="1" smtClean="0">
-                  <a:solidFill>
-                    <a:srgbClr val="20272A"/>
-                  </a:solidFill>
-                  <a:latin typeface="Arial" pitchFamily="34" charset="0"/>
-                  <a:ea typeface="Segoe UI" pitchFamily="34" charset="0"/>
-                  <a:cs typeface="Arial" pitchFamily="34" charset="0"/>
-                </a:rPr>
-                <a:t>Áno</a:t>
-              </a:r>
-              <a:r>
-                <a:rPr lang="en-US" sz="1400" dirty="0" smtClean="0">
-                  <a:solidFill>
-                    <a:srgbClr val="20272A"/>
-                  </a:solidFill>
-                  <a:latin typeface="Arial" pitchFamily="34" charset="0"/>
-                  <a:ea typeface="Segoe UI" pitchFamily="34" charset="0"/>
-                  <a:cs typeface="Arial" pitchFamily="34" charset="0"/>
-                </a:rPr>
-                <a:t> to </a:t>
-              </a:r>
-              <a:r>
-                <a:rPr lang="en-US" sz="1400" dirty="0" err="1" smtClean="0">
-                  <a:solidFill>
-                    <a:srgbClr val="20272A"/>
-                  </a:solidFill>
-                  <a:latin typeface="Arial" pitchFamily="34" charset="0"/>
-                  <a:ea typeface="Segoe UI" pitchFamily="34" charset="0"/>
-                  <a:cs typeface="Arial" pitchFamily="34" charset="0"/>
-                </a:rPr>
-                <a:t>som</a:t>
-              </a:r>
-              <a:r>
-                <a:rPr lang="en-US" sz="1400" dirty="0" smtClean="0">
-                  <a:solidFill>
-                    <a:srgbClr val="20272A"/>
-                  </a:solidFill>
-                  <a:latin typeface="Arial" pitchFamily="34" charset="0"/>
-                  <a:ea typeface="Segoe UI" pitchFamily="34" charset="0"/>
-                  <a:cs typeface="Arial" pitchFamily="34" charset="0"/>
-                </a:rPr>
-                <a:t> </a:t>
-              </a:r>
-              <a:r>
-                <a:rPr lang="en-US" sz="1400" dirty="0" err="1" smtClean="0">
-                  <a:solidFill>
-                    <a:srgbClr val="20272A"/>
-                  </a:solidFill>
-                  <a:latin typeface="Arial" pitchFamily="34" charset="0"/>
-                  <a:ea typeface="Segoe UI" pitchFamily="34" charset="0"/>
-                  <a:cs typeface="Arial" pitchFamily="34" charset="0"/>
-                </a:rPr>
-                <a:t>presne</a:t>
-              </a:r>
-              <a:r>
-                <a:rPr lang="en-US" sz="1400" dirty="0" smtClean="0">
-                  <a:solidFill>
-                    <a:srgbClr val="20272A"/>
-                  </a:solidFill>
-                  <a:latin typeface="Arial" pitchFamily="34" charset="0"/>
-                  <a:ea typeface="Segoe UI" pitchFamily="34" charset="0"/>
-                  <a:cs typeface="Arial" pitchFamily="34" charset="0"/>
-                </a:rPr>
-                <a:t> </a:t>
-              </a:r>
-            </a:p>
-            <a:p>
-              <a:r>
-                <a:rPr lang="en-US" sz="1400" dirty="0" err="1" smtClean="0">
-                  <a:solidFill>
-                    <a:srgbClr val="20272A"/>
-                  </a:solidFill>
-                  <a:latin typeface="Arial" pitchFamily="34" charset="0"/>
-                  <a:ea typeface="Segoe UI" pitchFamily="34" charset="0"/>
-                  <a:cs typeface="Arial" pitchFamily="34" charset="0"/>
-                </a:rPr>
-                <a:t>chcel</a:t>
-              </a:r>
-              <a:r>
-                <a:rPr lang="en-US" sz="1400" dirty="0" smtClean="0">
-                  <a:solidFill>
-                    <a:srgbClr val="20272A"/>
-                  </a:solidFill>
-                  <a:latin typeface="Arial" pitchFamily="34" charset="0"/>
-                  <a:ea typeface="Segoe UI" pitchFamily="34" charset="0"/>
-                  <a:cs typeface="Arial" pitchFamily="34" charset="0"/>
-                </a:rPr>
-                <a:t> … </a:t>
-              </a:r>
-              <a:endParaRPr lang="sk-SK" sz="1400" dirty="0">
-                <a:solidFill>
-                  <a:srgbClr val="20272A"/>
-                </a:solidFill>
-                <a:latin typeface="Arial" pitchFamily="34" charset="0"/>
-                <a:ea typeface="Segoe UI" pitchFamily="34" charset="0"/>
-                <a:cs typeface="Arial" pitchFamily="34" charset="0"/>
-              </a:endParaRPr>
-            </a:p>
-          </p:txBody>
-        </p:sp>
-      </p:grpSp>
-    </p:spTree>
-  </p:cSld>
-  <p:clrMapOvr>
-    <a:masterClrMapping/>
-  </p:clrMapOvr>
-  <p:timing>
-    <p:tnLst>
-      <p:par>
-        <p:cTn id="1" dur="indefinite" restart="never" nodeType="tmRoot">
-          <p:childTnLst>
-            <p:seq concurrent="1" nextAc="seek">
-              <p:cTn id="2" dur="indefinite" nodeType="mainSeq">
-                <p:childTnLst>
-                  <p:par>
-                    <p:cTn id="3" fill="hold">
-                      <p:stCondLst>
-                        <p:cond delay="indefinite"/>
-                      </p:stCondLst>
-                      <p:childTnLst>
-                        <p:par>
-                          <p:cTn id="4" fill="hold">
-                            <p:stCondLst>
-                              <p:cond delay="0"/>
-                            </p:stCondLst>
-                            <p:childTnLst>
-                              <p:par>
-                                <p:cTn id="5" presetID="9" presetClass="entr" presetSubtype="0" fill="hold" nodeType="clickEffect">
-                                  <p:stCondLst>
-                                    <p:cond delay="0"/>
-                                  </p:stCondLst>
-                                  <p:childTnLst>
-                                    <p:set>
-                                      <p:cBhvr>
-                                        <p:cTn id="6" dur="1" fill="hold">
-                                          <p:stCondLst>
-                                            <p:cond delay="0"/>
-                                          </p:stCondLst>
-                                        </p:cTn>
-                                        <p:tgtEl>
-                                          <p:spTgt spid="44"/>
-                                        </p:tgtEl>
-                                        <p:attrNameLst>
-                                          <p:attrName>style.visibility</p:attrName>
-                                        </p:attrNameLst>
-                                      </p:cBhvr>
-                                      <p:to>
-                                        <p:strVal val="visible"/>
-                                      </p:to>
-                                    </p:set>
-                                    <p:animEffect transition="in" filter="dissolve">
-                                      <p:cBhvr>
-                                        <p:cTn id="7" dur="500"/>
-                                        <p:tgtEl>
-                                          <p:spTgt spid="44"/>
-                                        </p:tgtEl>
-                                      </p:cBhvr>
-                                    </p:animEffect>
-                                  </p:childTnLst>
-                                </p:cTn>
-                              </p:par>
-                            </p:childTnLst>
-                          </p:cTn>
-                        </p:par>
-                        <p:par>
-                          <p:cTn id="8" fill="hold">
-                            <p:stCondLst>
-                              <p:cond delay="500"/>
-                            </p:stCondLst>
-                            <p:childTnLst>
-                              <p:par>
-                                <p:cTn id="9" presetID="12" presetClass="entr" presetSubtype="8" fill="hold" nodeType="afterEffect">
-                                  <p:stCondLst>
-                                    <p:cond delay="0"/>
-                                  </p:stCondLst>
-                                  <p:childTnLst>
-                                    <p:set>
-                                      <p:cBhvr>
-                                        <p:cTn id="10" dur="1" fill="hold">
-                                          <p:stCondLst>
-                                            <p:cond delay="0"/>
-                                          </p:stCondLst>
-                                        </p:cTn>
-                                        <p:tgtEl>
-                                          <p:spTgt spid="47"/>
-                                        </p:tgtEl>
-                                        <p:attrNameLst>
-                                          <p:attrName>style.visibility</p:attrName>
-                                        </p:attrNameLst>
-                                      </p:cBhvr>
-                                      <p:to>
-                                        <p:strVal val="visible"/>
-                                      </p:to>
-                                    </p:set>
-                                    <p:animEffect transition="in" filter="slide(fromLeft)">
-                                      <p:cBhvr>
-                                        <p:cTn id="11" dur="1000"/>
-                                        <p:tgtEl>
-                                          <p:spTgt spid="47"/>
-                                        </p:tgtEl>
-                                      </p:cBhvr>
-                                    </p:animEffect>
-                                  </p:childTnLst>
-                                </p:cTn>
-                              </p:par>
-                            </p:childTnLst>
-                          </p:cTn>
-                        </p:par>
-                        <p:par>
-                          <p:cTn id="12" fill="hold">
-                            <p:stCondLst>
-                              <p:cond delay="1500"/>
-                            </p:stCondLst>
-                            <p:childTnLst>
-                              <p:par>
-                                <p:cTn id="13" presetID="53" presetClass="entr" presetSubtype="0" fill="hold" nodeType="afterEffect">
-                                  <p:stCondLst>
-                                    <p:cond delay="0"/>
-                                  </p:stCondLst>
-                                  <p:childTnLst>
-                                    <p:set>
-                                      <p:cBhvr>
-                                        <p:cTn id="14" dur="1" fill="hold">
-                                          <p:stCondLst>
-                                            <p:cond delay="0"/>
-                                          </p:stCondLst>
-                                        </p:cTn>
-                                        <p:tgtEl>
-                                          <p:spTgt spid="51"/>
-                                        </p:tgtEl>
-                                        <p:attrNameLst>
-                                          <p:attrName>style.visibility</p:attrName>
-                                        </p:attrNameLst>
-                                      </p:cBhvr>
-                                      <p:to>
-                                        <p:strVal val="visible"/>
-                                      </p:to>
-                                    </p:set>
-                                    <p:anim calcmode="lin" valueType="num">
-                                      <p:cBhvr>
-                                        <p:cTn id="15" dur="500" fill="hold"/>
-                                        <p:tgtEl>
-                                          <p:spTgt spid="51"/>
-                                        </p:tgtEl>
-                                        <p:attrNameLst>
-                                          <p:attrName>ppt_w</p:attrName>
-                                        </p:attrNameLst>
-                                      </p:cBhvr>
-                                      <p:tavLst>
-                                        <p:tav tm="0">
-                                          <p:val>
-                                            <p:fltVal val="0"/>
-                                          </p:val>
-                                        </p:tav>
-                                        <p:tav tm="100000">
-                                          <p:val>
-                                            <p:strVal val="#ppt_w"/>
-                                          </p:val>
-                                        </p:tav>
-                                      </p:tavLst>
-                                    </p:anim>
-                                    <p:anim calcmode="lin" valueType="num">
-                                      <p:cBhvr>
-                                        <p:cTn id="16" dur="500" fill="hold"/>
-                                        <p:tgtEl>
-                                          <p:spTgt spid="51"/>
-                                        </p:tgtEl>
-                                        <p:attrNameLst>
-                                          <p:attrName>ppt_h</p:attrName>
-                                        </p:attrNameLst>
-                                      </p:cBhvr>
-                                      <p:tavLst>
-                                        <p:tav tm="0">
-                                          <p:val>
-                                            <p:fltVal val="0"/>
-                                          </p:val>
-                                        </p:tav>
-                                        <p:tav tm="100000">
-                                          <p:val>
-                                            <p:strVal val="#ppt_h"/>
-                                          </p:val>
-                                        </p:tav>
-                                      </p:tavLst>
-                                    </p:anim>
-                                    <p:animEffect transition="in" filter="fade">
-                                      <p:cBhvr>
-                                        <p:cTn id="17" dur="500"/>
-                                        <p:tgtEl>
-                                          <p:spTgt spid="51"/>
-                                        </p:tgtEl>
-                                      </p:cBhvr>
-                                    </p:animEffect>
-                                  </p:childTnLst>
-                                </p:cTn>
-                              </p:par>
-                            </p:childTnLst>
-                          </p:cTn>
-                        </p:par>
-                        <p:par>
-                          <p:cTn id="18" fill="hold">
-                            <p:stCondLst>
-                              <p:cond delay="2000"/>
-                            </p:stCondLst>
-                            <p:childTnLst>
-                              <p:par>
-                                <p:cTn id="19" presetID="12" presetClass="entr" presetSubtype="8" fill="hold" nodeType="afterEffect">
-                                  <p:stCondLst>
-                                    <p:cond delay="0"/>
-                                  </p:stCondLst>
-                                  <p:childTnLst>
-                                    <p:set>
-                                      <p:cBhvr>
-                                        <p:cTn id="20" dur="1" fill="hold">
-                                          <p:stCondLst>
-                                            <p:cond delay="0"/>
-                                          </p:stCondLst>
-                                        </p:cTn>
-                                        <p:tgtEl>
-                                          <p:spTgt spid="8"/>
-                                        </p:tgtEl>
-                                        <p:attrNameLst>
-                                          <p:attrName>style.visibility</p:attrName>
-                                        </p:attrNameLst>
-                                      </p:cBhvr>
-                                      <p:to>
-                                        <p:strVal val="visible"/>
-                                      </p:to>
-                                    </p:set>
-                                    <p:animEffect transition="in" filter="slide(fromLeft)">
-                                      <p:cBhvr>
-                                        <p:cTn id="21" dur="500"/>
-                                        <p:tgtEl>
-                                          <p:spTgt spid="8"/>
-                                        </p:tgtEl>
-                                      </p:cBhvr>
-                                    </p:animEffect>
-                                  </p:childTnLst>
-                                </p:cTn>
-                              </p:par>
-                            </p:childTnLst>
-                          </p:cTn>
-                        </p:par>
-                        <p:par>
-                          <p:cTn id="22" fill="hold">
-                            <p:stCondLst>
-                              <p:cond delay="2500"/>
-                            </p:stCondLst>
-                            <p:childTnLst>
-                              <p:par>
-                                <p:cTn id="23" presetID="53" presetClass="entr" presetSubtype="0" fill="hold" nodeType="afterEffect">
-                                  <p:stCondLst>
-                                    <p:cond delay="0"/>
-                                  </p:stCondLst>
-                                  <p:childTnLst>
-                                    <p:set>
-                                      <p:cBhvr>
-                                        <p:cTn id="24" dur="1" fill="hold">
-                                          <p:stCondLst>
-                                            <p:cond delay="0"/>
-                                          </p:stCondLst>
-                                        </p:cTn>
-                                        <p:tgtEl>
-                                          <p:spTgt spid="16"/>
-                                        </p:tgtEl>
-                                        <p:attrNameLst>
-                                          <p:attrName>style.visibility</p:attrName>
-                                        </p:attrNameLst>
-                                      </p:cBhvr>
-                                      <p:to>
-                                        <p:strVal val="visible"/>
-                                      </p:to>
-                                    </p:set>
-                                    <p:anim calcmode="lin" valueType="num">
-                                      <p:cBhvr>
-                                        <p:cTn id="25" dur="500" fill="hold"/>
-                                        <p:tgtEl>
-                                          <p:spTgt spid="16"/>
-                                        </p:tgtEl>
-                                        <p:attrNameLst>
-                                          <p:attrName>ppt_w</p:attrName>
-                                        </p:attrNameLst>
-                                      </p:cBhvr>
-                                      <p:tavLst>
-                                        <p:tav tm="0">
-                                          <p:val>
-                                            <p:fltVal val="0"/>
-                                          </p:val>
-                                        </p:tav>
-                                        <p:tav tm="100000">
-                                          <p:val>
-                                            <p:strVal val="#ppt_w"/>
-                                          </p:val>
-                                        </p:tav>
-                                      </p:tavLst>
-                                    </p:anim>
-                                    <p:anim calcmode="lin" valueType="num">
-                                      <p:cBhvr>
-                                        <p:cTn id="26" dur="500" fill="hold"/>
-                                        <p:tgtEl>
-                                          <p:spTgt spid="16"/>
-                                        </p:tgtEl>
-                                        <p:attrNameLst>
-                                          <p:attrName>ppt_h</p:attrName>
-                                        </p:attrNameLst>
-                                      </p:cBhvr>
-                                      <p:tavLst>
-                                        <p:tav tm="0">
-                                          <p:val>
-                                            <p:fltVal val="0"/>
-                                          </p:val>
-                                        </p:tav>
-                                        <p:tav tm="100000">
-                                          <p:val>
-                                            <p:strVal val="#ppt_h"/>
-                                          </p:val>
-                                        </p:tav>
-                                      </p:tavLst>
-                                    </p:anim>
-                                    <p:animEffect transition="in" filter="fade">
-                                      <p:cBhvr>
-                                        <p:cTn id="27" dur="500"/>
-                                        <p:tgtEl>
-                                          <p:spTgt spid="16"/>
-                                        </p:tgtEl>
-                                      </p:cBhvr>
-                                    </p:animEffect>
-                                  </p:childTnLst>
-                                </p:cTn>
-                              </p:par>
-                            </p:childTnLst>
-                          </p:cTn>
-                        </p:par>
-                        <p:par>
-                          <p:cTn id="28" fill="hold">
-                            <p:stCondLst>
-                              <p:cond delay="3000"/>
-                            </p:stCondLst>
-                            <p:childTnLst>
-                              <p:par>
-                                <p:cTn id="29" presetID="12" presetClass="entr" presetSubtype="1" fill="hold" nodeType="afterEffect">
-                                  <p:stCondLst>
-                                    <p:cond delay="0"/>
-                                  </p:stCondLst>
-                                  <p:childTnLst>
-                                    <p:set>
-                                      <p:cBhvr>
-                                        <p:cTn id="30" dur="1" fill="hold">
-                                          <p:stCondLst>
-                                            <p:cond delay="0"/>
-                                          </p:stCondLst>
-                                        </p:cTn>
-                                        <p:tgtEl>
-                                          <p:spTgt spid="18"/>
-                                        </p:tgtEl>
-                                        <p:attrNameLst>
-                                          <p:attrName>style.visibility</p:attrName>
-                                        </p:attrNameLst>
-                                      </p:cBhvr>
-                                      <p:to>
-                                        <p:strVal val="visible"/>
-                                      </p:to>
-                                    </p:set>
-                                    <p:animEffect transition="in" filter="slide(fromTop)">
-                                      <p:cBhvr>
-                                        <p:cTn id="31" dur="500"/>
-                                        <p:tgtEl>
-                                          <p:spTgt spid="18"/>
-                                        </p:tgtEl>
-                                      </p:cBhvr>
-                                    </p:animEffect>
-                                  </p:childTnLst>
-                                </p:cTn>
-                              </p:par>
-                            </p:childTnLst>
-                          </p:cTn>
-                        </p:par>
-                        <p:par>
-                          <p:cTn id="32" fill="hold">
-                            <p:stCondLst>
-                              <p:cond delay="3500"/>
-                            </p:stCondLst>
-                            <p:childTnLst>
-                              <p:par>
-                                <p:cTn id="33" presetID="53" presetClass="entr" presetSubtype="0" fill="hold" nodeType="afterEffect">
-                                  <p:stCondLst>
-                                    <p:cond delay="0"/>
-                                  </p:stCondLst>
-                                  <p:childTnLst>
-                                    <p:set>
-                                      <p:cBhvr>
-                                        <p:cTn id="34" dur="1" fill="hold">
-                                          <p:stCondLst>
-                                            <p:cond delay="0"/>
-                                          </p:stCondLst>
-                                        </p:cTn>
-                                        <p:tgtEl>
-                                          <p:spTgt spid="15"/>
-                                        </p:tgtEl>
-                                        <p:attrNameLst>
-                                          <p:attrName>style.visibility</p:attrName>
-                                        </p:attrNameLst>
-                                      </p:cBhvr>
-                                      <p:to>
-                                        <p:strVal val="visible"/>
-                                      </p:to>
-                                    </p:set>
-                                    <p:anim calcmode="lin" valueType="num">
-                                      <p:cBhvr>
-                                        <p:cTn id="35" dur="500" fill="hold"/>
-                                        <p:tgtEl>
-                                          <p:spTgt spid="15"/>
-                                        </p:tgtEl>
-                                        <p:attrNameLst>
-                                          <p:attrName>ppt_w</p:attrName>
-                                        </p:attrNameLst>
-                                      </p:cBhvr>
-                                      <p:tavLst>
-                                        <p:tav tm="0">
-                                          <p:val>
-                                            <p:fltVal val="0"/>
-                                          </p:val>
-                                        </p:tav>
-                                        <p:tav tm="100000">
-                                          <p:val>
-                                            <p:strVal val="#ppt_w"/>
-                                          </p:val>
-                                        </p:tav>
-                                      </p:tavLst>
-                                    </p:anim>
-                                    <p:anim calcmode="lin" valueType="num">
-                                      <p:cBhvr>
-                                        <p:cTn id="36" dur="500" fill="hold"/>
-                                        <p:tgtEl>
-                                          <p:spTgt spid="15"/>
-                                        </p:tgtEl>
-                                        <p:attrNameLst>
-                                          <p:attrName>ppt_h</p:attrName>
-                                        </p:attrNameLst>
-                                      </p:cBhvr>
-                                      <p:tavLst>
-                                        <p:tav tm="0">
-                                          <p:val>
-                                            <p:fltVal val="0"/>
-                                          </p:val>
-                                        </p:tav>
-                                        <p:tav tm="100000">
-                                          <p:val>
-                                            <p:strVal val="#ppt_h"/>
-                                          </p:val>
-                                        </p:tav>
-                                      </p:tavLst>
-                                    </p:anim>
-                                    <p:animEffect transition="in" filter="fade">
-                                      <p:cBhvr>
-                                        <p:cTn id="37" dur="500"/>
-                                        <p:tgtEl>
-                                          <p:spTgt spid="15"/>
-                                        </p:tgtEl>
-                                      </p:cBhvr>
-                                    </p:animEffect>
-                                  </p:childTnLst>
-                                </p:cTn>
-                              </p:par>
-                            </p:childTnLst>
-                          </p:cTn>
-                        </p:par>
-                        <p:par>
-                          <p:cTn id="38" fill="hold">
-                            <p:stCondLst>
-                              <p:cond delay="4000"/>
-                            </p:stCondLst>
-                            <p:childTnLst>
-                              <p:par>
-                                <p:cTn id="39" presetID="12" presetClass="entr" presetSubtype="4" fill="hold" nodeType="afterEffect">
-                                  <p:stCondLst>
-                                    <p:cond delay="0"/>
-                                  </p:stCondLst>
-                                  <p:childTnLst>
-                                    <p:set>
-                                      <p:cBhvr>
-                                        <p:cTn id="40" dur="1" fill="hold">
-                                          <p:stCondLst>
-                                            <p:cond delay="0"/>
-                                          </p:stCondLst>
-                                        </p:cTn>
-                                        <p:tgtEl>
-                                          <p:spTgt spid="37"/>
-                                        </p:tgtEl>
-                                        <p:attrNameLst>
-                                          <p:attrName>style.visibility</p:attrName>
-                                        </p:attrNameLst>
-                                      </p:cBhvr>
-                                      <p:to>
-                                        <p:strVal val="visible"/>
-                                      </p:to>
-                                    </p:set>
-                                    <p:animEffect transition="in" filter="slide(fromBottom)">
-                                      <p:cBhvr>
-                                        <p:cTn id="41" dur="500"/>
-                                        <p:tgtEl>
-                                          <p:spTgt spid="37"/>
-                                        </p:tgtEl>
-                                      </p:cBhvr>
-                                    </p:animEffect>
-                                  </p:childTnLst>
-                                </p:cTn>
-                              </p:par>
-                            </p:childTnLst>
-                          </p:cTn>
-                        </p:par>
-                        <p:par>
-                          <p:cTn id="42" fill="hold">
-                            <p:stCondLst>
-                              <p:cond delay="4500"/>
-                            </p:stCondLst>
-                            <p:childTnLst>
-                              <p:par>
-                                <p:cTn id="43" presetID="12" presetClass="entr" presetSubtype="4" fill="hold" nodeType="afterEffect">
-                                  <p:stCondLst>
-                                    <p:cond delay="0"/>
-                                  </p:stCondLst>
-                                  <p:childTnLst>
-                                    <p:set>
-                                      <p:cBhvr>
-                                        <p:cTn id="44" dur="1" fill="hold">
-                                          <p:stCondLst>
-                                            <p:cond delay="0"/>
-                                          </p:stCondLst>
-                                        </p:cTn>
-                                        <p:tgtEl>
-                                          <p:spTgt spid="39"/>
-                                        </p:tgtEl>
-                                        <p:attrNameLst>
-                                          <p:attrName>style.visibility</p:attrName>
-                                        </p:attrNameLst>
-                                      </p:cBhvr>
-                                      <p:to>
-                                        <p:strVal val="visible"/>
-                                      </p:to>
-                                    </p:set>
-                                    <p:animEffect transition="in" filter="slide(fromBottom)">
-                                      <p:cBhvr>
-                                        <p:cTn id="45" dur="500"/>
-                                        <p:tgtEl>
-                                          <p:spTgt spid="39"/>
-                                        </p:tgtEl>
-                                      </p:cBhvr>
-                                    </p:animEffect>
-                                  </p:childTnLst>
-                                </p:cTn>
-                              </p:par>
-                            </p:childTnLst>
-                          </p:cTn>
-                        </p:par>
-                        <p:par>
-                          <p:cTn id="46" fill="hold">
-                            <p:stCondLst>
-                              <p:cond delay="5000"/>
-                            </p:stCondLst>
-                            <p:childTnLst>
-                              <p:par>
-                                <p:cTn id="47" presetID="53" presetClass="entr" presetSubtype="0" fill="hold" nodeType="afterEffect">
-                                  <p:stCondLst>
-                                    <p:cond delay="0"/>
-                                  </p:stCondLst>
-                                  <p:childTnLst>
-                                    <p:set>
-                                      <p:cBhvr>
-                                        <p:cTn id="48" dur="1" fill="hold">
-                                          <p:stCondLst>
-                                            <p:cond delay="0"/>
-                                          </p:stCondLst>
-                                        </p:cTn>
-                                        <p:tgtEl>
-                                          <p:spTgt spid="32"/>
-                                        </p:tgtEl>
-                                        <p:attrNameLst>
-                                          <p:attrName>style.visibility</p:attrName>
-                                        </p:attrNameLst>
-                                      </p:cBhvr>
-                                      <p:to>
-                                        <p:strVal val="visible"/>
-                                      </p:to>
-                                    </p:set>
-                                    <p:anim calcmode="lin" valueType="num">
-                                      <p:cBhvr>
-                                        <p:cTn id="49" dur="500" fill="hold"/>
-                                        <p:tgtEl>
-                                          <p:spTgt spid="32"/>
-                                        </p:tgtEl>
-                                        <p:attrNameLst>
-                                          <p:attrName>ppt_w</p:attrName>
-                                        </p:attrNameLst>
-                                      </p:cBhvr>
-                                      <p:tavLst>
-                                        <p:tav tm="0">
-                                          <p:val>
-                                            <p:fltVal val="0"/>
-                                          </p:val>
-                                        </p:tav>
-                                        <p:tav tm="100000">
-                                          <p:val>
-                                            <p:strVal val="#ppt_w"/>
-                                          </p:val>
-                                        </p:tav>
-                                      </p:tavLst>
-                                    </p:anim>
-                                    <p:anim calcmode="lin" valueType="num">
-                                      <p:cBhvr>
-                                        <p:cTn id="50" dur="500" fill="hold"/>
-                                        <p:tgtEl>
-                                          <p:spTgt spid="32"/>
-                                        </p:tgtEl>
-                                        <p:attrNameLst>
-                                          <p:attrName>ppt_h</p:attrName>
-                                        </p:attrNameLst>
-                                      </p:cBhvr>
-                                      <p:tavLst>
-                                        <p:tav tm="0">
-                                          <p:val>
-                                            <p:fltVal val="0"/>
-                                          </p:val>
-                                        </p:tav>
-                                        <p:tav tm="100000">
-                                          <p:val>
-                                            <p:strVal val="#ppt_h"/>
-                                          </p:val>
-                                        </p:tav>
-                                      </p:tavLst>
-                                    </p:anim>
-                                    <p:animEffect transition="in" filter="fade">
-                                      <p:cBhvr>
-                                        <p:cTn id="51" dur="500"/>
-                                        <p:tgtEl>
-                                          <p:spTgt spid="32"/>
-                                        </p:tgtEl>
-                                      </p:cBhvr>
-                                    </p:animEffect>
-                                  </p:childTnLst>
-                                </p:cTn>
-                              </p:par>
-                            </p:childTnLst>
-                          </p:cTn>
-                        </p:par>
-                        <p:par>
-                          <p:cTn id="52" fill="hold">
-                            <p:stCondLst>
-                              <p:cond delay="5500"/>
-                            </p:stCondLst>
-                            <p:childTnLst>
-                              <p:par>
-                                <p:cTn id="53" presetID="53" presetClass="entr" presetSubtype="0" fill="hold" nodeType="afterEffect">
-                                  <p:stCondLst>
-                                    <p:cond delay="0"/>
-                                  </p:stCondLst>
-                                  <p:childTnLst>
-                                    <p:set>
-                                      <p:cBhvr>
-                                        <p:cTn id="54" dur="1" fill="hold">
-                                          <p:stCondLst>
-                                            <p:cond delay="0"/>
-                                          </p:stCondLst>
-                                        </p:cTn>
-                                        <p:tgtEl>
-                                          <p:spTgt spid="33"/>
-                                        </p:tgtEl>
-                                        <p:attrNameLst>
-                                          <p:attrName>style.visibility</p:attrName>
-                                        </p:attrNameLst>
-                                      </p:cBhvr>
-                                      <p:to>
-                                        <p:strVal val="visible"/>
-                                      </p:to>
-                                    </p:set>
-                                    <p:anim calcmode="lin" valueType="num">
-                                      <p:cBhvr>
-                                        <p:cTn id="55" dur="500" fill="hold"/>
-                                        <p:tgtEl>
-                                          <p:spTgt spid="33"/>
-                                        </p:tgtEl>
-                                        <p:attrNameLst>
-                                          <p:attrName>ppt_w</p:attrName>
-                                        </p:attrNameLst>
-                                      </p:cBhvr>
-                                      <p:tavLst>
-                                        <p:tav tm="0">
-                                          <p:val>
-                                            <p:fltVal val="0"/>
-                                          </p:val>
-                                        </p:tav>
-                                        <p:tav tm="100000">
-                                          <p:val>
-                                            <p:strVal val="#ppt_w"/>
-                                          </p:val>
-                                        </p:tav>
-                                      </p:tavLst>
-                                    </p:anim>
-                                    <p:anim calcmode="lin" valueType="num">
-                                      <p:cBhvr>
-                                        <p:cTn id="56" dur="500" fill="hold"/>
-                                        <p:tgtEl>
-                                          <p:spTgt spid="33"/>
-                                        </p:tgtEl>
-                                        <p:attrNameLst>
-                                          <p:attrName>ppt_h</p:attrName>
-                                        </p:attrNameLst>
-                                      </p:cBhvr>
-                                      <p:tavLst>
-                                        <p:tav tm="0">
-                                          <p:val>
-                                            <p:fltVal val="0"/>
-                                          </p:val>
-                                        </p:tav>
-                                        <p:tav tm="100000">
-                                          <p:val>
-                                            <p:strVal val="#ppt_h"/>
-                                          </p:val>
-                                        </p:tav>
-                                      </p:tavLst>
-                                    </p:anim>
-                                    <p:animEffect transition="in" filter="fade">
-                                      <p:cBhvr>
-                                        <p:cTn id="57" dur="500"/>
-                                        <p:tgtEl>
-                                          <p:spTgt spid="33"/>
-                                        </p:tgtEl>
-                                      </p:cBhvr>
-                                    </p:animEffect>
-                                  </p:childTnLst>
-                                </p:cTn>
-                              </p:par>
-                            </p:childTnLst>
-                          </p:cTn>
-                        </p:par>
-                        <p:par>
-                          <p:cTn id="58" fill="hold">
-                            <p:stCondLst>
-                              <p:cond delay="6000"/>
-                            </p:stCondLst>
-                            <p:childTnLst>
-                              <p:par>
-                                <p:cTn id="59" presetID="12" presetClass="entr" presetSubtype="2" fill="hold" nodeType="afterEffect">
-                                  <p:stCondLst>
-                                    <p:cond delay="0"/>
-                                  </p:stCondLst>
-                                  <p:childTnLst>
-                                    <p:set>
-                                      <p:cBhvr>
-                                        <p:cTn id="60" dur="1" fill="hold">
-                                          <p:stCondLst>
-                                            <p:cond delay="0"/>
-                                          </p:stCondLst>
-                                        </p:cTn>
-                                        <p:tgtEl>
-                                          <p:spTgt spid="9"/>
-                                        </p:tgtEl>
-                                        <p:attrNameLst>
-                                          <p:attrName>style.visibility</p:attrName>
-                                        </p:attrNameLst>
-                                      </p:cBhvr>
-                                      <p:to>
-                                        <p:strVal val="visible"/>
-                                      </p:to>
-                                    </p:set>
-                                    <p:animEffect transition="in" filter="slide(fromRight)">
-                                      <p:cBhvr>
-                                        <p:cTn id="61" dur="500"/>
-                                        <p:tgtEl>
-                                          <p:spTgt spid="9"/>
-                                        </p:tgtEl>
-                                      </p:cBhvr>
-                                    </p:animEffect>
-                                  </p:childTnLst>
-                                </p:cTn>
-                              </p:par>
-                            </p:childTnLst>
-                          </p:cTn>
-                        </p:par>
-                        <p:par>
-                          <p:cTn id="62" fill="hold">
-                            <p:stCondLst>
-                              <p:cond delay="6500"/>
-                            </p:stCondLst>
-                            <p:childTnLst>
-                              <p:par>
-                                <p:cTn id="63" presetID="12" presetClass="entr" presetSubtype="2" fill="hold" nodeType="afterEffect">
-                                  <p:stCondLst>
-                                    <p:cond delay="0"/>
-                                  </p:stCondLst>
-                                  <p:childTnLst>
-                                    <p:set>
-                                      <p:cBhvr>
-                                        <p:cTn id="64" dur="1" fill="hold">
-                                          <p:stCondLst>
-                                            <p:cond delay="0"/>
-                                          </p:stCondLst>
-                                        </p:cTn>
-                                        <p:tgtEl>
-                                          <p:spTgt spid="50"/>
-                                        </p:tgtEl>
-                                        <p:attrNameLst>
-                                          <p:attrName>style.visibility</p:attrName>
-                                        </p:attrNameLst>
-                                      </p:cBhvr>
-                                      <p:to>
-                                        <p:strVal val="visible"/>
-                                      </p:to>
-                                    </p:set>
-                                    <p:animEffect transition="in" filter="slide(fromRight)">
-                                      <p:cBhvr>
-                                        <p:cTn id="65" dur="500"/>
-                                        <p:tgtEl>
-                                          <p:spTgt spid="50"/>
-                                        </p:tgtEl>
-                                      </p:cBhvr>
-                                    </p:animEffect>
-                                  </p:childTnLst>
-                                </p:cTn>
-                              </p:par>
-                            </p:childTnLst>
-                          </p:cTn>
-                        </p:par>
-                        <p:par>
-                          <p:cTn id="66" fill="hold">
-                            <p:stCondLst>
-                              <p:cond delay="7000"/>
-                            </p:stCondLst>
-                            <p:childTnLst>
-                              <p:par>
-                                <p:cTn id="67" presetID="4" presetClass="exit" presetSubtype="16" fill="hold" nodeType="afterEffect">
-                                  <p:stCondLst>
-                                    <p:cond delay="0"/>
-                                  </p:stCondLst>
-                                  <p:childTnLst>
-                                    <p:animEffect transition="out" filter="box(in)">
-                                      <p:cBhvr>
-                                        <p:cTn id="68" dur="500"/>
-                                        <p:tgtEl>
-                                          <p:spTgt spid="44"/>
-                                        </p:tgtEl>
-                                      </p:cBhvr>
-                                    </p:animEffect>
-                                    <p:set>
-                                      <p:cBhvr>
-                                        <p:cTn id="69" dur="1" fill="hold">
-                                          <p:stCondLst>
-                                            <p:cond delay="499"/>
-                                          </p:stCondLst>
-                                        </p:cTn>
-                                        <p:tgtEl>
-                                          <p:spTgt spid="44"/>
-                                        </p:tgtEl>
-                                        <p:attrNameLst>
-                                          <p:attrName>style.visibility</p:attrName>
-                                        </p:attrNameLst>
-                                      </p:cBhvr>
-                                      <p:to>
-                                        <p:strVal val="hidden"/>
-                                      </p:to>
-                                    </p:set>
-                                  </p:childTnLst>
-                                </p:cTn>
-                              </p:par>
-                            </p:childTnLst>
-                          </p:cTn>
-                        </p:par>
-                        <p:par>
-                          <p:cTn id="70" fill="hold">
-                            <p:stCondLst>
-                              <p:cond delay="7500"/>
-                            </p:stCondLst>
-                            <p:childTnLst>
-                              <p:par>
-                                <p:cTn id="71" presetID="9" presetClass="entr" presetSubtype="0" fill="hold" nodeType="afterEffect">
-                                  <p:stCondLst>
-                                    <p:cond delay="0"/>
-                                  </p:stCondLst>
-                                  <p:childTnLst>
-                                    <p:set>
-                                      <p:cBhvr>
-                                        <p:cTn id="72" dur="1" fill="hold">
-                                          <p:stCondLst>
-                                            <p:cond delay="0"/>
-                                          </p:stCondLst>
-                                        </p:cTn>
-                                        <p:tgtEl>
-                                          <p:spTgt spid="52"/>
-                                        </p:tgtEl>
-                                        <p:attrNameLst>
-                                          <p:attrName>style.visibility</p:attrName>
-                                        </p:attrNameLst>
-                                      </p:cBhvr>
-                                      <p:to>
-                                        <p:strVal val="visible"/>
-                                      </p:to>
-                                    </p:set>
-                                    <p:animEffect transition="in" filter="dissolve">
-                                      <p:cBhvr>
-                                        <p:cTn id="73" dur="500"/>
-                                        <p:tgtEl>
-                                          <p:spTgt spid="52"/>
-                                        </p:tgtEl>
-                                      </p:cBhvr>
-                                    </p:animEffect>
-                                  </p:childTnLst>
-                                </p:cTn>
-                              </p:par>
-                            </p:childTnLst>
-                          </p:cTn>
-                        </p:par>
-                      </p:childTnLst>
-                    </p:cTn>
-                  </p:par>
-                </p:childTnLst>
-              </p:cTn>
-              <p:prevCondLst>
-                <p:cond evt="onPrev" delay="0">
-                  <p:tgtEl>
-                    <p:sldTgt/>
-                  </p:tgtEl>
-                </p:cond>
-              </p:prevCondLst>
-              <p:nextCondLst>
-                <p:cond evt="onNext" delay="0">
-                  <p:tgtEl>
-                    <p:sldTgt/>
-                  </p:tgtEl>
-                </p:cond>
-              </p:nextCondLst>
-            </p:seq>
-          </p:childTnLst>
-        </p:cTn>
-      </p:par>
-    </p:tnLst>
-  </p:timing>
-</p:sld>
-</file>
-
-<file path=ppt/slides/slide9.xml><?xml version="1.0" encoding="utf-8"?>
-<p:sld xmlns:a="http://schemas.openxmlformats.org/drawingml/2006/main" xmlns:r="http://schemas.openxmlformats.org/officeDocument/2006/relationships" xmlns:p="http://schemas.openxmlformats.org/presentationml/2006/main">
-  <p:cSld>
-    <p:spTree>
-      <p:nvGrpSpPr>
-        <p:cNvPr id="1" name=""/>
-        <p:cNvGrpSpPr/>
-        <p:nvPr/>
-      </p:nvGrpSpPr>
-      <p:grpSpPr>
-        <a:xfrm>
-          <a:off x="0" y="0"/>
-          <a:ext cx="0" cy="0"/>
-          <a:chOff x="0" y="0"/>
-          <a:chExt cx="0" cy="0"/>
-        </a:xfrm>
-      </p:grpSpPr>
-      <p:sp>
-        <p:nvSpPr>
-          <p:cNvPr id="9" name="TextBox 2"/>
-          <p:cNvSpPr txBox="1"/>
-          <p:nvPr/>
-        </p:nvSpPr>
-        <p:spPr>
-          <a:xfrm>
-            <a:off x="1690664" y="1275606"/>
-            <a:ext cx="7453336" cy="3016210"/>
-          </a:xfrm>
-          <a:prstGeom prst="rect">
-            <a:avLst/>
-          </a:prstGeom>
-          <a:noFill/>
-        </p:spPr>
-        <p:txBody>
-          <a:bodyPr wrap="square" lIns="0" tIns="0" rIns="0" bIns="0" rtlCol="0">
-            <a:spAutoFit/>
-          </a:bodyPr>
-          <a:lstStyle/>
-          <a:p>
-            <a:pPr marL="0" marR="0" lvl="0" indent="0" defTabSz="914400" eaLnBrk="1" fontAlgn="auto" latinLnBrk="0" hangingPunct="1">
-              <a:lnSpc>
-                <a:spcPct val="100000"/>
-              </a:lnSpc>
-              <a:spcBef>
-                <a:spcPts val="0"/>
-              </a:spcBef>
-              <a:spcAft>
-                <a:spcPts val="0"/>
-              </a:spcAft>
-              <a:buClrTx/>
-              <a:buSzTx/>
-              <a:buFontTx/>
-              <a:buNone/>
-              <a:tabLst/>
-              <a:defRPr/>
-            </a:pPr>
-            <a:r>
-              <a:rPr lang="sk-SK" sz="11000" kern="0" spc="-300" dirty="0" smtClean="0">
-                <a:ln w="18415" cmpd="sng">
-                  <a:solidFill>
-                    <a:srgbClr val="FFFFFF"/>
-                  </a:solidFill>
-                  <a:prstDash val="solid"/>
-                </a:ln>
-                <a:solidFill>
-                  <a:srgbClr val="FFFFFF"/>
-                </a:solidFill>
-                <a:effectLst>
-                  <a:outerShdw blurRad="50800" dist="38100" dir="2700000" algn="tl" rotWithShape="0">
-                    <a:prstClr val="black">
-                      <a:alpha val="40000"/>
-                    </a:prstClr>
-                  </a:outerShdw>
-                  <a:reflection blurRad="6350" stA="55000" endA="300" endPos="45500" dir="5400000" sy="-100000" algn="bl" rotWithShape="0"/>
-                </a:effectLst>
-                <a:latin typeface="Square721 BT" pitchFamily="34" charset="0"/>
-              </a:rPr>
-              <a:t> </a:t>
-            </a:r>
-            <a:r>
-              <a:rPr lang="en-US" sz="19600" b="1" kern="0" spc="-300" dirty="0" smtClean="0">
-                <a:ln w="18415" cmpd="sng">
-                  <a:noFill/>
-                  <a:prstDash val="solid"/>
-                </a:ln>
-                <a:solidFill>
-                  <a:srgbClr val="20272A"/>
-                </a:solidFill>
-                <a:latin typeface="Arial" pitchFamily="34" charset="0"/>
-                <a:cs typeface="Arial" pitchFamily="34" charset="0"/>
-              </a:rPr>
-              <a:t>demo</a:t>
-            </a:r>
-            <a:endParaRPr kumimoji="0" lang="en-US" sz="9600" b="1" u="none" strike="noStrike" kern="0" cap="none" spc="-300" normalizeH="0" baseline="0" noProof="0" dirty="0" smtClean="0">
-              <a:ln w="18415" cmpd="sng">
-                <a:noFill/>
-                <a:prstDash val="solid"/>
-              </a:ln>
-              <a:solidFill>
-                <a:srgbClr val="20272A"/>
-              </a:solidFill>
-              <a:uLnTx/>
-              <a:uFillTx/>
-              <a:latin typeface="Square721 BT" pitchFamily="34" charset="0"/>
-            </a:endParaRPr>
-          </a:p>
-        </p:txBody>
-      </p:sp>
-      <p:sp>
-        <p:nvSpPr>
-          <p:cNvPr id="12" name="BlokTextu 11"/>
-          <p:cNvSpPr txBox="1"/>
-          <p:nvPr/>
-        </p:nvSpPr>
-        <p:spPr>
-          <a:xfrm>
-            <a:off x="5292080" y="3867894"/>
-            <a:ext cx="3851920" cy="584775"/>
-          </a:xfrm>
-          <a:prstGeom prst="rect">
-            <a:avLst/>
-          </a:prstGeom>
-          <a:noFill/>
-        </p:spPr>
-        <p:txBody>
-          <a:bodyPr wrap="square" rtlCol="0">
-            <a:spAutoFit/>
-          </a:bodyPr>
-          <a:lstStyle/>
-          <a:p>
-            <a:r>
-              <a:rPr lang="en-US" sz="3200" dirty="0" smtClean="0">
-                <a:solidFill>
-                  <a:srgbClr val="20272A"/>
-                </a:solidFill>
-                <a:latin typeface="Arial" pitchFamily="34" charset="0"/>
-                <a:ea typeface="KaiTi" pitchFamily="49" charset="-122"/>
-                <a:cs typeface="Arial" pitchFamily="34" charset="0"/>
-              </a:rPr>
-              <a:t>  </a:t>
-            </a:r>
-            <a:r>
-              <a:rPr lang="en-US" sz="3200" dirty="0" err="1" smtClean="0">
-                <a:solidFill>
-                  <a:srgbClr val="20272A"/>
-                </a:solidFill>
-                <a:latin typeface="Arial" pitchFamily="34" charset="0"/>
-                <a:ea typeface="KaiTi" pitchFamily="49" charset="-122"/>
-                <a:cs typeface="Arial" pitchFamily="34" charset="0"/>
-              </a:rPr>
-              <a:t>ukážka</a:t>
-            </a:r>
-            <a:r>
-              <a:rPr lang="en-US" sz="3200" dirty="0" smtClean="0">
-                <a:solidFill>
-                  <a:srgbClr val="20272A"/>
-                </a:solidFill>
-                <a:latin typeface="Arial" pitchFamily="34" charset="0"/>
-                <a:ea typeface="KaiTi" pitchFamily="49" charset="-122"/>
-                <a:cs typeface="Arial" pitchFamily="34" charset="0"/>
-              </a:rPr>
-              <a:t> </a:t>
-            </a:r>
-            <a:r>
-              <a:rPr lang="en-US" sz="2800" b="1" dirty="0" err="1" smtClean="0">
-                <a:solidFill>
-                  <a:srgbClr val="851019"/>
-                </a:solidFill>
-                <a:latin typeface="Arial" pitchFamily="34" charset="0"/>
-                <a:ea typeface="KaiTi" pitchFamily="49" charset="-122"/>
-                <a:cs typeface="Arial" pitchFamily="34" charset="0"/>
-              </a:rPr>
-              <a:t>aplikácie</a:t>
-            </a:r>
-            <a:endParaRPr lang="sk-SK" sz="3200" b="1" dirty="0">
-              <a:solidFill>
-                <a:srgbClr val="851019"/>
-              </a:solidFill>
-              <a:latin typeface="Arial" pitchFamily="34" charset="0"/>
-              <a:ea typeface="KaiTi" pitchFamily="49" charset="-122"/>
-              <a:cs typeface="Arial" pitchFamily="34" charset="0"/>
-            </a:endParaRPr>
-          </a:p>
-        </p:txBody>
-      </p:sp>
-    </p:spTree>
-  </p:cSld>
-  <p:clrMapOvr>
-    <a:masterClrMapping/>
-  </p:clrMapOvr>
-  <p:transition>
-    <p:push/>
-  </p:transition>
-  <p:timing>
-    <p:tnLst>
-      <p:par>
-        <p:cTn id="1" dur="indefinite" restart="never" nodeType="tmRoot"/>
-      </p:par>
-    </p:tnLst>
   </p:timing>
 </p:sld>
 </file>

--- a/Jozef_Krajčovič.pptx
+++ b/Jozef_Krajčovič.pptx
@@ -209,7 +209,7 @@
             <a:fld id="{417BABF7-0521-4687-9D2B-807B4AABA4E6}" type="datetimeFigureOut">
               <a:rPr lang="sk-SK" smtClean="0"/>
               <a:pPr/>
-              <a:t>29. 11. 2012</a:t>
+              <a:t>5. 12. 2012</a:t>
             </a:fld>
             <a:endParaRPr lang="sk-SK" dirty="0"/>
           </a:p>
@@ -1706,6 +1706,47 @@
               <a:rPr lang="en-US" baseline="0" dirty="0" smtClean="0"/>
               <a:t>  </a:t>
             </a:r>
+          </a:p>
+          <a:p>
+            <a:endParaRPr lang="en-US" baseline="0" dirty="0" smtClean="0"/>
+          </a:p>
+          <a:p>
+            <a:r>
+              <a:rPr lang="en-US" baseline="0" dirty="0" smtClean="0"/>
+              <a:t>- </a:t>
+            </a:r>
+            <a:r>
+              <a:rPr lang="en-US" baseline="0" dirty="0" err="1" smtClean="0"/>
+              <a:t>Podrobnejšie</a:t>
+            </a:r>
+            <a:r>
+              <a:rPr lang="en-US" baseline="0" dirty="0" smtClean="0"/>
+              <a:t>  </a:t>
+            </a:r>
+            <a:r>
+              <a:rPr lang="en-US" baseline="0" dirty="0" err="1" smtClean="0"/>
+              <a:t>ukaže</a:t>
+            </a:r>
+            <a:r>
+              <a:rPr lang="en-US" baseline="0" dirty="0" smtClean="0"/>
+              <a:t> </a:t>
+            </a:r>
+            <a:r>
+              <a:rPr lang="en-US" baseline="0" dirty="0" err="1" smtClean="0"/>
+              <a:t>kolega</a:t>
+            </a:r>
+            <a:r>
+              <a:rPr lang="en-US" baseline="0" dirty="0" smtClean="0"/>
+              <a:t> v </a:t>
+            </a:r>
+            <a:r>
+              <a:rPr lang="en-US" baseline="0" dirty="0" err="1" smtClean="0"/>
+              <a:t>demu</a:t>
+            </a:r>
+            <a:r>
+              <a:rPr lang="en-US" baseline="0" dirty="0" smtClean="0"/>
+              <a:t> … </a:t>
+            </a:r>
             <a:endParaRPr lang="sk-SK" dirty="0" smtClean="0"/>
           </a:p>
           <a:p>
@@ -1792,85 +1833,65 @@
           <a:lstStyle/>
           <a:p>
             <a:r>
-              <a:rPr lang="en-US" dirty="0" err="1" smtClean="0"/>
-              <a:t>Reprezentacia</a:t>
-            </a:r>
-            <a:r>
               <a:rPr lang="en-US" dirty="0" smtClean="0"/>
               <a:t> </a:t>
             </a:r>
             <a:r>
-              <a:rPr lang="en-US" dirty="0" err="1" smtClean="0"/>
-              <a:t>znalosti</a:t>
-            </a:r>
-            <a:r>
-              <a:rPr lang="en-US" dirty="0" smtClean="0"/>
-              <a:t> : </a:t>
-            </a:r>
-          </a:p>
-          <a:p>
-            <a:endParaRPr lang="en-US" dirty="0" smtClean="0"/>
-          </a:p>
-          <a:p>
-            <a:r>
-              <a:rPr lang="en-US" dirty="0" err="1" smtClean="0"/>
-              <a:t>Priklady</a:t>
-            </a:r>
-            <a:r>
-              <a:rPr lang="en-US" dirty="0" smtClean="0"/>
-              <a:t> </a:t>
-            </a:r>
-            <a:r>
-              <a:rPr lang="en-US" dirty="0" err="1" smtClean="0"/>
-              <a:t>na</a:t>
-            </a:r>
-            <a:r>
-              <a:rPr lang="en-US" dirty="0" smtClean="0"/>
-              <a:t> </a:t>
-            </a:r>
-            <a:r>
-              <a:rPr lang="en-US" dirty="0" err="1" smtClean="0"/>
-              <a:t>všetky</a:t>
-            </a:r>
-            <a:r>
-              <a:rPr lang="en-US" baseline="0" dirty="0" smtClean="0"/>
-              <a:t>  </a:t>
-            </a:r>
-            <a:r>
-              <a:rPr lang="en-US" baseline="0" dirty="0" err="1" smtClean="0"/>
-              <a:t>možne</a:t>
-            </a:r>
-            <a:r>
-              <a:rPr lang="en-US" baseline="0" dirty="0" smtClean="0"/>
-              <a:t> </a:t>
-            </a:r>
-            <a:r>
-              <a:rPr lang="en-US" baseline="0" dirty="0" err="1" smtClean="0"/>
-              <a:t>reprezentacie</a:t>
-            </a:r>
-            <a:r>
-              <a:rPr lang="en-US" baseline="0" dirty="0" smtClean="0"/>
-              <a:t> </a:t>
-            </a:r>
-            <a:r>
-              <a:rPr lang="en-US" baseline="0" dirty="0" err="1" smtClean="0"/>
-              <a:t>pravidiel</a:t>
-            </a:r>
-            <a:r>
-              <a:rPr lang="en-US" baseline="0" dirty="0" smtClean="0"/>
-              <a:t> </a:t>
-            </a:r>
-            <a:r>
-              <a:rPr lang="en-US" dirty="0" err="1" smtClean="0"/>
-              <a:t>nejake</a:t>
-            </a:r>
-            <a:r>
-              <a:rPr lang="en-US" dirty="0" smtClean="0"/>
-              <a:t> simple</a:t>
-            </a:r>
-            <a:r>
-              <a:rPr lang="en-US" baseline="0" dirty="0" smtClean="0"/>
-              <a:t>  </a:t>
+              <a:rPr lang="sk-SK" sz="1200" u="sng" kern="1200" dirty="0" err="1" smtClean="0">
+                <a:solidFill>
+                  <a:schemeClr val="tx1"/>
+                </a:solidFill>
+                <a:latin typeface="+mn-lt"/>
+                <a:ea typeface="+mn-ea"/>
+                <a:cs typeface="+mn-cs"/>
+              </a:rPr>
+              <a:t>Inferenčný</a:t>
+            </a:r>
+            <a:r>
+              <a:rPr lang="sk-SK" sz="1200" u="sng" kern="1200" dirty="0" smtClean="0">
+                <a:solidFill>
+                  <a:schemeClr val="tx1"/>
+                </a:solidFill>
+                <a:latin typeface="+mn-lt"/>
+                <a:ea typeface="+mn-ea"/>
+                <a:cs typeface="+mn-cs"/>
+              </a:rPr>
+              <a:t> mechanizmus:</a:t>
+            </a:r>
+            <a:r>
+              <a:rPr lang="sk-SK" sz="1200" kern="1200" dirty="0" smtClean="0">
+                <a:solidFill>
+                  <a:schemeClr val="tx1"/>
+                </a:solidFill>
+                <a:latin typeface="+mn-lt"/>
+                <a:ea typeface="+mn-ea"/>
+                <a:cs typeface="+mn-cs"/>
+              </a:rPr>
+              <a:t>  je založený na doprednom zreťazení, porovnávanie  </a:t>
+            </a:r>
+          </a:p>
+          <a:p>
+            <a:r>
+              <a:rPr lang="sk-SK" sz="1200" kern="1200" dirty="0" smtClean="0">
+                <a:solidFill>
+                  <a:schemeClr val="tx1"/>
+                </a:solidFill>
+                <a:latin typeface="+mn-lt"/>
+                <a:ea typeface="+mn-ea"/>
+                <a:cs typeface="+mn-cs"/>
+              </a:rPr>
+              <a:t>                                            pomocou algoritmu </a:t>
+            </a:r>
+            <a:r>
+              <a:rPr lang="sk-SK" sz="1200" kern="1200" dirty="0" err="1" smtClean="0">
+                <a:solidFill>
+                  <a:schemeClr val="tx1"/>
+                </a:solidFill>
+                <a:latin typeface="+mn-lt"/>
+                <a:ea typeface="+mn-ea"/>
+                <a:cs typeface="+mn-cs"/>
+              </a:rPr>
+              <a:t>Rete</a:t>
             </a:r>
             <a:endParaRPr lang="sk-SK" dirty="0"/>
           </a:p>
@@ -2718,7 +2739,7 @@
             <a:fld id="{10336B07-8511-4DF2-93E1-5665CA9277ED}" type="datetimeFigureOut">
               <a:rPr lang="sk-SK" smtClean="0"/>
               <a:pPr/>
-              <a:t>29. 11. 2012</a:t>
+              <a:t>5. 12. 2012</a:t>
             </a:fld>
             <a:endParaRPr lang="sk-SK" dirty="0"/>
           </a:p>
@@ -2885,7 +2906,7 @@
             <a:fld id="{10336B07-8511-4DF2-93E1-5665CA9277ED}" type="datetimeFigureOut">
               <a:rPr lang="sk-SK" smtClean="0"/>
               <a:pPr/>
-              <a:t>29. 11. 2012</a:t>
+              <a:t>5. 12. 2012</a:t>
             </a:fld>
             <a:endParaRPr lang="sk-SK" dirty="0"/>
           </a:p>
@@ -3062,7 +3083,7 @@
             <a:fld id="{10336B07-8511-4DF2-93E1-5665CA9277ED}" type="datetimeFigureOut">
               <a:rPr lang="sk-SK" smtClean="0"/>
               <a:pPr/>
-              <a:t>29. 11. 2012</a:t>
+              <a:t>5. 12. 2012</a:t>
             </a:fld>
             <a:endParaRPr lang="sk-SK" dirty="0"/>
           </a:p>
@@ -3307,7 +3328,7 @@
                 </a:solidFill>
               </a:rPr>
               <a:pPr/>
-              <a:t>29. 11. 2012</a:t>
+              <a:t>5. 12. 2012</a:t>
             </a:fld>
             <a:endParaRPr lang="sk-SK" dirty="0">
               <a:solidFill>
@@ -3504,7 +3525,7 @@
                 </a:solidFill>
               </a:rPr>
               <a:pPr/>
-              <a:t>29. 11. 2012</a:t>
+              <a:t>5. 12. 2012</a:t>
             </a:fld>
             <a:endParaRPr lang="sk-SK" dirty="0">
               <a:solidFill>
@@ -3777,7 +3798,7 @@
                 </a:solidFill>
               </a:rPr>
               <a:pPr/>
-              <a:t>29. 11. 2012</a:t>
+              <a:t>5. 12. 2012</a:t>
             </a:fld>
             <a:endParaRPr lang="sk-SK" dirty="0">
               <a:solidFill>
@@ -4092,7 +4113,7 @@
                 </a:solidFill>
               </a:rPr>
               <a:pPr/>
-              <a:t>29. 11. 2012</a:t>
+              <a:t>5. 12. 2012</a:t>
             </a:fld>
             <a:endParaRPr lang="sk-SK" dirty="0">
               <a:solidFill>
@@ -4541,7 +4562,7 @@
                 </a:solidFill>
               </a:rPr>
               <a:pPr/>
-              <a:t>29. 11. 2012</a:t>
+              <a:t>5. 12. 2012</a:t>
             </a:fld>
             <a:endParaRPr lang="sk-SK" dirty="0">
               <a:solidFill>
@@ -4686,7 +4707,7 @@
                 </a:solidFill>
               </a:rPr>
               <a:pPr/>
-              <a:t>29. 11. 2012</a:t>
+              <a:t>5. 12. 2012</a:t>
             </a:fld>
             <a:endParaRPr lang="sk-SK" dirty="0">
               <a:solidFill>
@@ -4808,7 +4829,7 @@
                 </a:solidFill>
               </a:rPr>
               <a:pPr/>
-              <a:t>29. 11. 2012</a:t>
+              <a:t>5. 12. 2012</a:t>
             </a:fld>
             <a:endParaRPr lang="sk-SK" dirty="0">
               <a:solidFill>
@@ -5112,7 +5133,7 @@
                 </a:solidFill>
               </a:rPr>
               <a:pPr/>
-              <a:t>29. 11. 2012</a:t>
+              <a:t>5. 12. 2012</a:t>
             </a:fld>
             <a:endParaRPr lang="sk-SK" dirty="0">
               <a:solidFill>
@@ -5303,7 +5324,7 @@
             <a:fld id="{10336B07-8511-4DF2-93E1-5665CA9277ED}" type="datetimeFigureOut">
               <a:rPr lang="sk-SK" smtClean="0"/>
               <a:pPr/>
-              <a:t>29. 11. 2012</a:t>
+              <a:t>5. 12. 2012</a:t>
             </a:fld>
             <a:endParaRPr lang="sk-SK" dirty="0"/>
           </a:p>
@@ -5559,7 +5580,7 @@
                 </a:solidFill>
               </a:rPr>
               <a:pPr/>
-              <a:t>29. 11. 2012</a:t>
+              <a:t>5. 12. 2012</a:t>
             </a:fld>
             <a:endParaRPr lang="sk-SK" dirty="0">
               <a:solidFill>
@@ -5756,7 +5777,7 @@
                 </a:solidFill>
               </a:rPr>
               <a:pPr/>
-              <a:t>29. 11. 2012</a:t>
+              <a:t>5. 12. 2012</a:t>
             </a:fld>
             <a:endParaRPr lang="sk-SK" dirty="0">
               <a:solidFill>
@@ -5963,7 +5984,7 @@
                 </a:solidFill>
               </a:rPr>
               <a:pPr/>
-              <a:t>29. 11. 2012</a:t>
+              <a:t>5. 12. 2012</a:t>
             </a:fld>
             <a:endParaRPr lang="sk-SK" dirty="0">
               <a:solidFill>
@@ -6230,7 +6251,7 @@
             <a:fld id="{10336B07-8511-4DF2-93E1-5665CA9277ED}" type="datetimeFigureOut">
               <a:rPr lang="sk-SK" smtClean="0"/>
               <a:pPr/>
-              <a:t>29. 11. 2012</a:t>
+              <a:t>5. 12. 2012</a:t>
             </a:fld>
             <a:endParaRPr lang="sk-SK" dirty="0"/>
           </a:p>
@@ -6515,7 +6536,7 @@
             <a:fld id="{10336B07-8511-4DF2-93E1-5665CA9277ED}" type="datetimeFigureOut">
               <a:rPr lang="sk-SK" smtClean="0"/>
               <a:pPr/>
-              <a:t>29. 11. 2012</a:t>
+              <a:t>5. 12. 2012</a:t>
             </a:fld>
             <a:endParaRPr lang="sk-SK" dirty="0"/>
           </a:p>
@@ -6939,7 +6960,7 @@
             <a:fld id="{10336B07-8511-4DF2-93E1-5665CA9277ED}" type="datetimeFigureOut">
               <a:rPr lang="sk-SK" smtClean="0"/>
               <a:pPr/>
-              <a:t>29. 11. 2012</a:t>
+              <a:t>5. 12. 2012</a:t>
             </a:fld>
             <a:endParaRPr lang="sk-SK" dirty="0"/>
           </a:p>
@@ -7054,7 +7075,7 @@
             <a:fld id="{10336B07-8511-4DF2-93E1-5665CA9277ED}" type="datetimeFigureOut">
               <a:rPr lang="sk-SK" smtClean="0"/>
               <a:pPr/>
-              <a:t>29. 11. 2012</a:t>
+              <a:t>5. 12. 2012</a:t>
             </a:fld>
             <a:endParaRPr lang="sk-SK" dirty="0"/>
           </a:p>
@@ -7146,7 +7167,7 @@
             <a:fld id="{10336B07-8511-4DF2-93E1-5665CA9277ED}" type="datetimeFigureOut">
               <a:rPr lang="sk-SK" smtClean="0"/>
               <a:pPr/>
-              <a:t>29. 11. 2012</a:t>
+              <a:t>5. 12. 2012</a:t>
             </a:fld>
             <a:endParaRPr lang="sk-SK" dirty="0"/>
           </a:p>
@@ -7420,7 +7441,7 @@
             <a:fld id="{10336B07-8511-4DF2-93E1-5665CA9277ED}" type="datetimeFigureOut">
               <a:rPr lang="sk-SK" smtClean="0"/>
               <a:pPr/>
-              <a:t>29. 11. 2012</a:t>
+              <a:t>5. 12. 2012</a:t>
             </a:fld>
             <a:endParaRPr lang="sk-SK" dirty="0"/>
           </a:p>
@@ -7670,7 +7691,7 @@
             <a:fld id="{10336B07-8511-4DF2-93E1-5665CA9277ED}" type="datetimeFigureOut">
               <a:rPr lang="sk-SK" smtClean="0"/>
               <a:pPr/>
-              <a:t>29. 11. 2012</a:t>
+              <a:t>5. 12. 2012</a:t>
             </a:fld>
             <a:endParaRPr lang="sk-SK" dirty="0"/>
           </a:p>
@@ -7897,7 +7918,7 @@
             <a:fld id="{10336B07-8511-4DF2-93E1-5665CA9277ED}" type="datetimeFigureOut">
               <a:rPr lang="sk-SK" smtClean="0"/>
               <a:pPr/>
-              <a:t>29. 11. 2012</a:t>
+              <a:t>5. 12. 2012</a:t>
             </a:fld>
             <a:endParaRPr lang="sk-SK" dirty="0"/>
           </a:p>
@@ -8427,7 +8448,7 @@
                 </a:solidFill>
               </a:rPr>
               <a:pPr/>
-              <a:t>29. 11. 2012</a:t>
+              <a:t>5. 12. 2012</a:t>
             </a:fld>
             <a:endParaRPr lang="sk-SK" dirty="0">
               <a:solidFill>
@@ -8851,7 +8872,7 @@
   <p:clrMapOvr>
     <a:masterClrMapping/>
   </p:clrMapOvr>
-  <p:transition advTm="8000">
+  <p:transition spd="med" advTm="8000">
     <p:cover/>
   </p:transition>
   <p:timing>
@@ -9040,7 +9061,7 @@
   <p:clrMapOvr>
     <a:masterClrMapping/>
   </p:clrMapOvr>
-  <p:transition>
+  <p:transition spd="med">
     <p:push/>
   </p:transition>
   <p:timing>
@@ -10346,7 +10367,18 @@
                   <a:ea typeface="Segoe UI" pitchFamily="34" charset="0"/>
                   <a:cs typeface="Arial" pitchFamily="34" charset="0"/>
                 </a:rPr>
-                <a:t> ???</a:t>
+                <a:t> </a:t>
+              </a:r>
+              <a:r>
+                <a:rPr lang="en-US" sz="1400" dirty="0" smtClean="0">
+                  <a:solidFill>
+                    <a:srgbClr val="20272A"/>
+                  </a:solidFill>
+                  <a:latin typeface="Arial" pitchFamily="34" charset="0"/>
+                  <a:ea typeface="Segoe UI" pitchFamily="34" charset="0"/>
+                  <a:cs typeface="Arial" pitchFamily="34" charset="0"/>
+                </a:rPr>
+                <a:t>???</a:t>
               </a:r>
               <a:endParaRPr lang="sk-SK" sz="1400" dirty="0">
                 <a:solidFill>
@@ -10605,7 +10637,7 @@
           <p:spPr>
             <a:xfrm>
               <a:off x="1187624" y="915566"/>
-              <a:ext cx="2376264" cy="523220"/>
+              <a:ext cx="2376264" cy="738664"/>
             </a:xfrm>
             <a:prstGeom prst="rect">
               <a:avLst/>
@@ -10708,6 +10740,60 @@
                 </a:rPr>
                 <a:t> … </a:t>
               </a:r>
+              <a:endParaRPr lang="en-US" sz="1400" dirty="0" smtClean="0">
+                <a:solidFill>
+                  <a:srgbClr val="20272A"/>
+                </a:solidFill>
+                <a:latin typeface="Arial" pitchFamily="34" charset="0"/>
+                <a:ea typeface="Segoe UI" pitchFamily="34" charset="0"/>
+                <a:cs typeface="Arial" pitchFamily="34" charset="0"/>
+              </a:endParaRPr>
+            </a:p>
+            <a:p>
+              <a:r>
+                <a:rPr lang="en-US" sz="1400" dirty="0" smtClean="0">
+                  <a:solidFill>
+                    <a:srgbClr val="20272A"/>
+                  </a:solidFill>
+                  <a:latin typeface="Arial" pitchFamily="34" charset="0"/>
+                  <a:ea typeface="Segoe UI" pitchFamily="34" charset="0"/>
+                  <a:cs typeface="Arial" pitchFamily="34" charset="0"/>
+                </a:rPr>
+                <a:t>        </a:t>
+              </a:r>
+              <a:r>
+                <a:rPr lang="en-US" sz="1400" dirty="0" err="1" smtClean="0">
+                  <a:solidFill>
+                    <a:srgbClr val="20272A"/>
+                  </a:solidFill>
+                  <a:latin typeface="Arial" pitchFamily="34" charset="0"/>
+                  <a:ea typeface="Segoe UI" pitchFamily="34" charset="0"/>
+                  <a:cs typeface="Arial" pitchFamily="34" charset="0"/>
+                </a:rPr>
+                <a:t>h</a:t>
+              </a:r>
+              <a:r>
+                <a:rPr lang="en-US" sz="1400" dirty="0" err="1" smtClean="0">
+                  <a:solidFill>
+                    <a:srgbClr val="20272A"/>
+                  </a:solidFill>
+                  <a:latin typeface="Arial" pitchFamily="34" charset="0"/>
+                  <a:ea typeface="Segoe UI" pitchFamily="34" charset="0"/>
+                  <a:cs typeface="Arial" pitchFamily="34" charset="0"/>
+                </a:rPr>
+                <a:t>ej</a:t>
+              </a:r>
+              <a:r>
+                <a:rPr lang="en-US" sz="1400" dirty="0" smtClean="0">
+                  <a:solidFill>
+                    <a:srgbClr val="20272A"/>
+                  </a:solidFill>
+                  <a:latin typeface="Arial" pitchFamily="34" charset="0"/>
+                  <a:ea typeface="Segoe UI" pitchFamily="34" charset="0"/>
+                  <a:cs typeface="Arial" pitchFamily="34" charset="0"/>
+                </a:rPr>
+                <a:t> hop</a:t>
+              </a:r>
               <a:endParaRPr lang="sk-SK" sz="1400" dirty="0">
                 <a:solidFill>
                   <a:srgbClr val="20272A"/>
@@ -10758,6 +10844,9 @@
   <p:clrMapOvr>
     <a:masterClrMapping/>
   </p:clrMapOvr>
+  <p:transition spd="med">
+    <p:push/>
+  </p:transition>
   <p:timing>
     <p:tnLst>
       <p:par>
@@ -11850,8 +11939,8 @@
         </p:nvSpPr>
         <p:spPr>
           <a:xfrm>
-            <a:off x="5292080" y="3867894"/>
-            <a:ext cx="3851920" cy="584775"/>
+            <a:off x="5652120" y="3795886"/>
+            <a:ext cx="2952328" cy="584775"/>
           </a:xfrm>
           <a:prstGeom prst="rect">
             <a:avLst/>
@@ -11876,7 +11965,7 @@
               <a:t>  </a:t>
             </a:r>
             <a:r>
-              <a:rPr lang="en-US" sz="3200" dirty="0" err="1" smtClean="0">
+              <a:rPr lang="en-US" sz="2800" dirty="0" err="1" smtClean="0">
                 <a:solidFill>
                   <a:srgbClr val="20272A"/>
                 </a:solidFill>
@@ -11887,7 +11976,7 @@
               <a:t>ukážka</a:t>
             </a:r>
             <a:r>
-              <a:rPr lang="en-US" sz="3200" dirty="0" smtClean="0">
+              <a:rPr lang="en-US" sz="2800" dirty="0" smtClean="0">
                 <a:solidFill>
                   <a:srgbClr val="20272A"/>
                 </a:solidFill>
@@ -11898,7 +11987,7 @@
               <a:t> </a:t>
             </a:r>
             <a:r>
-              <a:rPr lang="en-US" sz="2800" b="1" dirty="0" err="1" smtClean="0">
+              <a:rPr lang="en-US" sz="2400" b="1" dirty="0" err="1" smtClean="0">
                 <a:solidFill>
                   <a:srgbClr val="851019"/>
                 </a:solidFill>
@@ -11924,7 +12013,7 @@
   <p:clrMapOvr>
     <a:masterClrMapping/>
   </p:clrMapOvr>
-  <p:transition>
+  <p:transition spd="med">
     <p:push/>
   </p:transition>
   <p:timing>
@@ -13047,6 +13136,9 @@
   <p:clrMapOvr>
     <a:masterClrMapping/>
   </p:clrMapOvr>
+  <p:transition spd="med">
+    <p:push/>
+  </p:transition>
   <p:timing>
     <p:tnLst>
       <p:par>
@@ -14001,6 +14093,9 @@
   <p:clrMapOvr>
     <a:masterClrMapping/>
   </p:clrMapOvr>
+  <p:transition spd="med">
+    <p:push/>
+  </p:transition>
   <p:timing>
     <p:tnLst>
       <p:par>
@@ -14481,7 +14576,7 @@
   <p:clrMapOvr>
     <a:masterClrMapping/>
   </p:clrMapOvr>
-  <p:transition advTm="8000">
+  <p:transition spd="med" advTm="8000">
     <p:push/>
   </p:transition>
   <p:timing>
@@ -15009,7 +15104,9 @@
   <p:clrMapOvr>
     <a:masterClrMapping/>
   </p:clrMapOvr>
-  <p:transition advTm="6000"/>
+  <p:transition spd="med" advTm="6000">
+    <p:push/>
+  </p:transition>
   <p:timing>
     <p:tnLst>
       <p:par>
@@ -15410,7 +15507,18 @@
                   <a:ea typeface="Segoe UI" pitchFamily="34" charset="0"/>
                   <a:cs typeface="Arial" pitchFamily="34" charset="0"/>
                 </a:rPr>
-                <a:t>  pre </a:t>
+                <a:t> </a:t>
+              </a:r>
+              <a:r>
+                <a:rPr lang="en-US" sz="2000" dirty="0" smtClean="0">
+                  <a:solidFill>
+                    <a:srgbClr val="20272A"/>
+                  </a:solidFill>
+                  <a:latin typeface="Arial" pitchFamily="34" charset="0"/>
+                  <a:ea typeface="Segoe UI" pitchFamily="34" charset="0"/>
+                  <a:cs typeface="Arial" pitchFamily="34" charset="0"/>
+                </a:rPr>
+                <a:t>pre </a:t>
               </a:r>
               <a:r>
                 <a:rPr lang="en-US" sz="2000" dirty="0" err="1" smtClean="0">
@@ -15434,6 +15542,14 @@
                 </a:rPr>
                 <a:t> </a:t>
               </a:r>
+              <a:endParaRPr lang="en-US" sz="2000" dirty="0" smtClean="0">
+                <a:solidFill>
+                  <a:srgbClr val="20272A"/>
+                </a:solidFill>
+                <a:latin typeface="Arial" pitchFamily="34" charset="0"/>
+                <a:ea typeface="Segoe UI" pitchFamily="34" charset="0"/>
+                <a:cs typeface="Arial" pitchFamily="34" charset="0"/>
+              </a:endParaRPr>
             </a:p>
             <a:p>
               <a:r>
@@ -15484,6 +15600,9 @@
   <p:clrMapOvr>
     <a:masterClrMapping/>
   </p:clrMapOvr>
+  <p:transition spd="med">
+    <p:push/>
+  </p:transition>
   <p:timing>
     <p:tnLst>
       <p:par>
@@ -15691,6 +15810,9 @@
   <p:clrMapOvr>
     <a:masterClrMapping/>
   </p:clrMapOvr>
+  <p:transition spd="med">
+    <p:push/>
+  </p:transition>
   <p:timing>
     <p:tnLst>
       <p:par>
@@ -15814,7 +15936,7 @@
         </p:nvSpPr>
         <p:spPr>
           <a:xfrm>
-            <a:off x="395536" y="1275606"/>
+            <a:off x="575048" y="1357848"/>
             <a:ext cx="8568952" cy="3785652"/>
           </a:xfrm>
           <a:prstGeom prst="rect">
@@ -16239,6 +16361,9 @@
   <p:clrMapOvr>
     <a:masterClrMapping/>
   </p:clrMapOvr>
+  <p:transition spd="med">
+    <p:push/>
+  </p:transition>
   <p:timing>
     <p:tnLst>
       <p:par>
@@ -16274,8 +16399,8 @@
         </p:nvSpPr>
         <p:spPr>
           <a:xfrm>
-            <a:off x="0" y="483518"/>
-            <a:ext cx="3131840" cy="923330"/>
+            <a:off x="179512" y="627534"/>
+            <a:ext cx="3059832" cy="923330"/>
           </a:xfrm>
           <a:prstGeom prst="rect">
             <a:avLst/>
@@ -16340,7 +16465,7 @@
         </p:nvSpPr>
         <p:spPr>
           <a:xfrm>
-            <a:off x="251520" y="0"/>
+            <a:off x="323528" y="123478"/>
             <a:ext cx="3888432" cy="769441"/>
           </a:xfrm>
           <a:prstGeom prst="rect">
@@ -16387,16 +16512,162 @@
           </a:p>
         </p:txBody>
       </p:sp>
-      <p:sp>
-        <p:nvSpPr>
-          <p:cNvPr id="4" name="BlokTextu 3"/>
+      <p:pic>
+        <p:nvPicPr>
+          <p:cNvPr id="5" name="Obrázok 4" descr="1.png"/>
+          <p:cNvPicPr>
+            <a:picLocks noChangeAspect="1"/>
+          </p:cNvPicPr>
+          <p:nvPr/>
+        </p:nvPicPr>
+        <p:blipFill>
+          <a:blip r:embed="rId3" cstate="print"/>
+          <a:stretch>
+            <a:fillRect/>
+          </a:stretch>
+        </p:blipFill>
+        <p:spPr>
+          <a:xfrm>
+            <a:off x="755576" y="2211710"/>
+            <a:ext cx="588846" cy="565678"/>
+          </a:xfrm>
+          <a:prstGeom prst="rect">
+            <a:avLst/>
+          </a:prstGeom>
+        </p:spPr>
+      </p:pic>
+      <p:pic>
+        <p:nvPicPr>
+          <p:cNvPr id="6" name="Obrázok 5" descr="2.png"/>
+          <p:cNvPicPr>
+            <a:picLocks noChangeAspect="1"/>
+          </p:cNvPicPr>
+          <p:nvPr/>
+        </p:nvPicPr>
+        <p:blipFill>
+          <a:blip r:embed="rId4" cstate="print"/>
+          <a:stretch>
+            <a:fillRect/>
+          </a:stretch>
+        </p:blipFill>
+        <p:spPr>
+          <a:xfrm>
+            <a:off x="755576" y="3075806"/>
+            <a:ext cx="587881" cy="565679"/>
+          </a:xfrm>
+          <a:prstGeom prst="rect">
+            <a:avLst/>
+          </a:prstGeom>
+        </p:spPr>
+      </p:pic>
+      <p:pic>
+        <p:nvPicPr>
+          <p:cNvPr id="7" name="Obrázok 6" descr="3.png"/>
+          <p:cNvPicPr>
+            <a:picLocks noChangeAspect="1"/>
+          </p:cNvPicPr>
+          <p:nvPr/>
+        </p:nvPicPr>
+        <p:blipFill>
+          <a:blip r:embed="rId5" cstate="print"/>
+          <a:stretch>
+            <a:fillRect/>
+          </a:stretch>
+        </p:blipFill>
+        <p:spPr>
+          <a:xfrm>
+            <a:off x="755576" y="3939902"/>
+            <a:ext cx="587384" cy="565200"/>
+          </a:xfrm>
+          <a:prstGeom prst="rect">
+            <a:avLst/>
+          </a:prstGeom>
+        </p:spPr>
+      </p:pic>
+      <p:cxnSp>
+        <p:nvCxnSpPr>
+          <p:cNvPr id="8" name="Rovná spojnica 7"/>
+          <p:cNvCxnSpPr/>
+          <p:nvPr/>
+        </p:nvCxnSpPr>
+        <p:spPr>
+          <a:xfrm>
+            <a:off x="1547664" y="2283718"/>
+            <a:ext cx="0" cy="504056"/>
+          </a:xfrm>
+          <a:prstGeom prst="line">
+            <a:avLst/>
+          </a:prstGeom>
+          <a:ln>
+            <a:solidFill>
+              <a:schemeClr val="bg1">
+                <a:lumMod val="50000"/>
+              </a:schemeClr>
+            </a:solidFill>
+          </a:ln>
+        </p:spPr>
+        <p:style>
+          <a:lnRef idx="1">
+            <a:schemeClr val="accent1"/>
+          </a:lnRef>
+          <a:fillRef idx="0">
+            <a:schemeClr val="accent1"/>
+          </a:fillRef>
+          <a:effectRef idx="0">
+            <a:schemeClr val="accent1"/>
+          </a:effectRef>
+          <a:fontRef idx="minor">
+            <a:schemeClr val="tx1"/>
+          </a:fontRef>
+        </p:style>
+      </p:cxnSp>
+      <p:cxnSp>
+        <p:nvCxnSpPr>
+          <p:cNvPr id="9" name="Rovná spojnica 8"/>
+          <p:cNvCxnSpPr/>
+          <p:nvPr/>
+        </p:nvCxnSpPr>
+        <p:spPr>
+          <a:xfrm>
+            <a:off x="1547664" y="3147814"/>
+            <a:ext cx="0" cy="504056"/>
+          </a:xfrm>
+          <a:prstGeom prst="line">
+            <a:avLst/>
+          </a:prstGeom>
+          <a:ln>
+            <a:solidFill>
+              <a:schemeClr val="bg1">
+                <a:lumMod val="50000"/>
+              </a:schemeClr>
+            </a:solidFill>
+          </a:ln>
+        </p:spPr>
+        <p:style>
+          <a:lnRef idx="1">
+            <a:schemeClr val="accent1"/>
+          </a:lnRef>
+          <a:fillRef idx="0">
+            <a:schemeClr val="accent1"/>
+          </a:fillRef>
+          <a:effectRef idx="0">
+            <a:schemeClr val="accent1"/>
+          </a:effectRef>
+          <a:fontRef idx="minor">
+            <a:schemeClr val="tx1"/>
+          </a:fontRef>
+        </p:style>
+      </p:cxnSp>
+      <p:sp>
+        <p:nvSpPr>
+          <p:cNvPr id="14" name="BlokTextu 13"/>
           <p:cNvSpPr txBox="1"/>
           <p:nvPr/>
         </p:nvSpPr>
         <p:spPr>
           <a:xfrm>
-            <a:off x="179512" y="1851670"/>
-            <a:ext cx="8568952" cy="1200329"/>
+            <a:off x="1691680" y="2283718"/>
+            <a:ext cx="2805576" cy="461665"/>
           </a:xfrm>
           <a:prstGeom prst="rect">
             <a:avLst/>
@@ -16404,74 +16675,300 @@
           <a:noFill/>
         </p:spPr>
         <p:txBody>
-          <a:bodyPr wrap="square" rtlCol="0">
+          <a:bodyPr wrap="none" rtlCol="0">
             <a:spAutoFit/>
           </a:bodyPr>
           <a:lstStyle/>
           <a:p>
             <a:r>
+              <a:rPr lang="en-US" sz="2400" dirty="0" err="1" smtClean="0">
+                <a:solidFill>
+                  <a:srgbClr val="20272A"/>
+                </a:solidFill>
+                <a:latin typeface="Arial" pitchFamily="34" charset="0"/>
+                <a:cs typeface="Arial" pitchFamily="34" charset="0"/>
+              </a:rPr>
+              <a:t>Pomocou</a:t>
+            </a:r>
+            <a:r>
               <a:rPr lang="en-US" sz="2400" dirty="0" smtClean="0">
                 <a:solidFill>
                   <a:srgbClr val="20272A"/>
                 </a:solidFill>
                 <a:latin typeface="Arial" pitchFamily="34" charset="0"/>
-                <a:ea typeface="KaiTi" pitchFamily="49" charset="-122"/>
-                <a:cs typeface="Arial" pitchFamily="34" charset="0"/>
-              </a:rPr>
-              <a:t>…</a:t>
-            </a:r>
-            <a:endParaRPr lang="en-US" sz="2400" dirty="0" smtClean="0">
-              <a:solidFill>
-                <a:schemeClr val="bg1">
-                  <a:lumMod val="50000"/>
-                </a:schemeClr>
-              </a:solidFill>
-              <a:latin typeface="Arial" pitchFamily="34" charset="0"/>
-              <a:ea typeface="KaiTi" pitchFamily="49" charset="-122"/>
-              <a:cs typeface="Arial" pitchFamily="34" charset="0"/>
-            </a:endParaRPr>
-          </a:p>
-          <a:p>
+                <a:cs typeface="Arial" pitchFamily="34" charset="0"/>
+              </a:rPr>
+              <a:t> </a:t>
+            </a:r>
+            <a:r>
+              <a:rPr lang="en-US" sz="2400" dirty="0" err="1" smtClean="0">
+                <a:solidFill>
+                  <a:srgbClr val="20272A"/>
+                </a:solidFill>
+                <a:latin typeface="Arial" pitchFamily="34" charset="0"/>
+                <a:cs typeface="Arial" pitchFamily="34" charset="0"/>
+              </a:rPr>
+              <a:t>pravidiel</a:t>
+            </a:r>
             <a:r>
               <a:rPr lang="en-US" sz="2400" dirty="0" smtClean="0">
                 <a:solidFill>
                   <a:srgbClr val="20272A"/>
                 </a:solidFill>
                 <a:latin typeface="Arial" pitchFamily="34" charset="0"/>
-                <a:ea typeface="KaiTi" pitchFamily="49" charset="-122"/>
                 <a:cs typeface="Arial" pitchFamily="34" charset="0"/>
               </a:rPr>
               <a:t> </a:t>
             </a:r>
-          </a:p>
-          <a:p>
-            <a:r>
-              <a:rPr lang="en-US" sz="2400" dirty="0" smtClean="0">
-                <a:solidFill>
-                  <a:srgbClr val="20272A"/>
-                </a:solidFill>
-                <a:latin typeface="Arial" pitchFamily="34" charset="0"/>
-                <a:ea typeface="KaiTi" pitchFamily="49" charset="-122"/>
-                <a:cs typeface="Arial" pitchFamily="34" charset="0"/>
-              </a:rPr>
-              <a:t> </a:t>
-            </a:r>
-            <a:endParaRPr lang="en-US" sz="1400" dirty="0" smtClean="0">
+            <a:endParaRPr lang="sk-SK" sz="2400" dirty="0">
               <a:solidFill>
                 <a:srgbClr val="20272A"/>
               </a:solidFill>
               <a:latin typeface="Arial" pitchFamily="34" charset="0"/>
-              <a:ea typeface="KaiTi" pitchFamily="49" charset="-122"/>
               <a:cs typeface="Arial" pitchFamily="34" charset="0"/>
             </a:endParaRPr>
           </a:p>
         </p:txBody>
       </p:sp>
+      <p:sp>
+        <p:nvSpPr>
+          <p:cNvPr id="16" name="BlokTextu 15"/>
+          <p:cNvSpPr txBox="1"/>
+          <p:nvPr/>
+        </p:nvSpPr>
+        <p:spPr>
+          <a:xfrm>
+            <a:off x="1691680" y="3147814"/>
+            <a:ext cx="4035079" cy="461665"/>
+          </a:xfrm>
+          <a:prstGeom prst="rect">
+            <a:avLst/>
+          </a:prstGeom>
+          <a:noFill/>
+        </p:spPr>
+        <p:txBody>
+          <a:bodyPr wrap="none" rtlCol="0">
+            <a:spAutoFit/>
+          </a:bodyPr>
+          <a:lstStyle/>
+          <a:p>
+            <a:r>
+              <a:rPr lang="en-US" sz="2400" dirty="0" err="1" smtClean="0">
+                <a:solidFill>
+                  <a:srgbClr val="20272A"/>
+                </a:solidFill>
+                <a:latin typeface="Arial" pitchFamily="34" charset="0"/>
+                <a:cs typeface="Arial" pitchFamily="34" charset="0"/>
+              </a:rPr>
+              <a:t>Pomocou</a:t>
+            </a:r>
+            <a:r>
+              <a:rPr lang="en-US" sz="2400" dirty="0" smtClean="0">
+                <a:solidFill>
+                  <a:srgbClr val="20272A"/>
+                </a:solidFill>
+                <a:latin typeface="Arial" pitchFamily="34" charset="0"/>
+                <a:cs typeface="Arial" pitchFamily="34" charset="0"/>
+              </a:rPr>
+              <a:t> </a:t>
+            </a:r>
+            <a:r>
+              <a:rPr lang="en-US" sz="2400" dirty="0" err="1" smtClean="0">
+                <a:solidFill>
+                  <a:srgbClr val="20272A"/>
+                </a:solidFill>
+                <a:latin typeface="Arial" pitchFamily="34" charset="0"/>
+                <a:cs typeface="Arial" pitchFamily="34" charset="0"/>
+              </a:rPr>
+              <a:t>funkcií</a:t>
+            </a:r>
+            <a:r>
+              <a:rPr lang="en-US" sz="2400" dirty="0" smtClean="0">
+                <a:solidFill>
+                  <a:srgbClr val="20272A"/>
+                </a:solidFill>
+                <a:latin typeface="Arial" pitchFamily="34" charset="0"/>
+                <a:cs typeface="Arial" pitchFamily="34" charset="0"/>
+              </a:rPr>
+              <a:t> a </a:t>
+            </a:r>
+            <a:r>
+              <a:rPr lang="en-US" sz="2400" dirty="0" err="1" smtClean="0">
+                <a:solidFill>
+                  <a:srgbClr val="20272A"/>
+                </a:solidFill>
+                <a:latin typeface="Arial" pitchFamily="34" charset="0"/>
+                <a:cs typeface="Arial" pitchFamily="34" charset="0"/>
+              </a:rPr>
+              <a:t>objektov</a:t>
+            </a:r>
+            <a:r>
+              <a:rPr lang="en-US" sz="2400" dirty="0" smtClean="0">
+                <a:solidFill>
+                  <a:srgbClr val="20272A"/>
+                </a:solidFill>
+                <a:latin typeface="Arial" pitchFamily="34" charset="0"/>
+                <a:cs typeface="Arial" pitchFamily="34" charset="0"/>
+              </a:rPr>
+              <a:t> </a:t>
+            </a:r>
+            <a:endParaRPr lang="sk-SK" sz="2400" dirty="0">
+              <a:solidFill>
+                <a:srgbClr val="20272A"/>
+              </a:solidFill>
+              <a:latin typeface="Arial" pitchFamily="34" charset="0"/>
+              <a:cs typeface="Arial" pitchFamily="34" charset="0"/>
+            </a:endParaRPr>
+          </a:p>
+        </p:txBody>
+      </p:sp>
+      <p:sp>
+        <p:nvSpPr>
+          <p:cNvPr id="17" name="BlokTextu 16"/>
+          <p:cNvSpPr txBox="1"/>
+          <p:nvPr/>
+        </p:nvSpPr>
+        <p:spPr>
+          <a:xfrm>
+            <a:off x="1691680" y="4011910"/>
+            <a:ext cx="4303999" cy="461665"/>
+          </a:xfrm>
+          <a:prstGeom prst="rect">
+            <a:avLst/>
+          </a:prstGeom>
+          <a:noFill/>
+        </p:spPr>
+        <p:txBody>
+          <a:bodyPr wrap="none" rtlCol="0">
+            <a:spAutoFit/>
+          </a:bodyPr>
+          <a:lstStyle/>
+          <a:p>
+            <a:r>
+              <a:rPr lang="en-US" sz="2400" dirty="0" smtClean="0">
+                <a:solidFill>
+                  <a:srgbClr val="20272A"/>
+                </a:solidFill>
+                <a:latin typeface="Arial" pitchFamily="34" charset="0"/>
+                <a:cs typeface="Arial" pitchFamily="34" charset="0"/>
+              </a:rPr>
+              <a:t>Mix (</a:t>
+            </a:r>
+            <a:r>
+              <a:rPr lang="en-US" sz="2400" dirty="0" err="1" smtClean="0">
+                <a:solidFill>
+                  <a:srgbClr val="20272A"/>
+                </a:solidFill>
+                <a:latin typeface="Arial" pitchFamily="34" charset="0"/>
+                <a:cs typeface="Arial" pitchFamily="34" charset="0"/>
+              </a:rPr>
+              <a:t>pravidlá</a:t>
+            </a:r>
+            <a:r>
+              <a:rPr lang="en-US" sz="2400" dirty="0" smtClean="0">
+                <a:solidFill>
+                  <a:srgbClr val="20272A"/>
+                </a:solidFill>
+                <a:latin typeface="Arial" pitchFamily="34" charset="0"/>
+                <a:cs typeface="Arial" pitchFamily="34" charset="0"/>
+              </a:rPr>
+              <a:t>, </a:t>
+            </a:r>
+            <a:r>
+              <a:rPr lang="en-US" sz="2400" dirty="0" err="1" smtClean="0">
+                <a:solidFill>
+                  <a:srgbClr val="20272A"/>
+                </a:solidFill>
+                <a:latin typeface="Arial" pitchFamily="34" charset="0"/>
+                <a:cs typeface="Arial" pitchFamily="34" charset="0"/>
+              </a:rPr>
+              <a:t>objekty</a:t>
+            </a:r>
+            <a:r>
+              <a:rPr lang="en-US" sz="2400" dirty="0" smtClean="0">
+                <a:solidFill>
+                  <a:srgbClr val="20272A"/>
+                </a:solidFill>
+                <a:latin typeface="Arial" pitchFamily="34" charset="0"/>
+                <a:cs typeface="Arial" pitchFamily="34" charset="0"/>
+              </a:rPr>
+              <a:t>, </a:t>
+            </a:r>
+            <a:r>
+              <a:rPr lang="en-US" sz="2400" dirty="0" err="1" smtClean="0">
+                <a:solidFill>
+                  <a:srgbClr val="20272A"/>
+                </a:solidFill>
+                <a:latin typeface="Arial" pitchFamily="34" charset="0"/>
+                <a:cs typeface="Arial" pitchFamily="34" charset="0"/>
+              </a:rPr>
+              <a:t>funkcie</a:t>
+            </a:r>
+            <a:r>
+              <a:rPr lang="en-US" sz="2400" dirty="0" smtClean="0">
+                <a:solidFill>
+                  <a:srgbClr val="20272A"/>
+                </a:solidFill>
+                <a:latin typeface="Arial" pitchFamily="34" charset="0"/>
+                <a:cs typeface="Arial" pitchFamily="34" charset="0"/>
+              </a:rPr>
+              <a:t>)</a:t>
+            </a:r>
+            <a:endParaRPr lang="sk-SK" sz="2400" dirty="0">
+              <a:solidFill>
+                <a:srgbClr val="20272A"/>
+              </a:solidFill>
+              <a:latin typeface="Arial" pitchFamily="34" charset="0"/>
+              <a:cs typeface="Arial" pitchFamily="34" charset="0"/>
+            </a:endParaRPr>
+          </a:p>
+        </p:txBody>
+      </p:sp>
+      <p:cxnSp>
+        <p:nvCxnSpPr>
+          <p:cNvPr id="18" name="Rovná spojnica 17"/>
+          <p:cNvCxnSpPr/>
+          <p:nvPr/>
+        </p:nvCxnSpPr>
+        <p:spPr>
+          <a:xfrm>
+            <a:off x="1547664" y="4011910"/>
+            <a:ext cx="0" cy="504056"/>
+          </a:xfrm>
+          <a:prstGeom prst="line">
+            <a:avLst/>
+          </a:prstGeom>
+          <a:ln>
+            <a:solidFill>
+              <a:schemeClr val="bg1">
+                <a:lumMod val="50000"/>
+              </a:schemeClr>
+            </a:solidFill>
+          </a:ln>
+        </p:spPr>
+        <p:style>
+          <a:lnRef idx="1">
+            <a:schemeClr val="accent1"/>
+          </a:lnRef>
+          <a:fillRef idx="0">
+            <a:schemeClr val="accent1"/>
+          </a:fillRef>
+          <a:effectRef idx="0">
+            <a:schemeClr val="accent1"/>
+          </a:effectRef>
+          <a:fontRef idx="minor">
+            <a:schemeClr val="tx1"/>
+          </a:fontRef>
+        </p:style>
+      </p:cxnSp>
     </p:spTree>
   </p:cSld>
   <p:clrMapOvr>
     <a:masterClrMapping/>
   </p:clrMapOvr>
+  <p:transition spd="med">
+    <p:push/>
+  </p:transition>
   <p:timing>
     <p:tnLst>
       <p:par>
@@ -16499,11 +16996,292 @@
           <a:chExt cx="0" cy="0"/>
         </a:xfrm>
       </p:grpSpPr>
+      <p:sp>
+        <p:nvSpPr>
+          <p:cNvPr id="2" name="BlokTextu 1"/>
+          <p:cNvSpPr txBox="1"/>
+          <p:nvPr/>
+        </p:nvSpPr>
+        <p:spPr>
+          <a:xfrm>
+            <a:off x="1115616" y="195486"/>
+            <a:ext cx="3888432" cy="769441"/>
+          </a:xfrm>
+          <a:prstGeom prst="rect">
+            <a:avLst/>
+          </a:prstGeom>
+          <a:noFill/>
+        </p:spPr>
+        <p:txBody>
+          <a:bodyPr wrap="square" rtlCol="0">
+            <a:spAutoFit/>
+          </a:bodyPr>
+          <a:lstStyle/>
+          <a:p>
+            <a:r>
+              <a:rPr lang="en-US" sz="4400" dirty="0" err="1" smtClean="0">
+                <a:solidFill>
+                  <a:srgbClr val="20272A"/>
+                </a:solidFill>
+                <a:latin typeface="Arial" pitchFamily="34" charset="0"/>
+                <a:ea typeface="KaiTi" pitchFamily="49" charset="-122"/>
+                <a:cs typeface="Arial" pitchFamily="34" charset="0"/>
+              </a:rPr>
+              <a:t>Interferenčný</a:t>
+            </a:r>
+            <a:r>
+              <a:rPr lang="en-US" sz="4400" dirty="0" smtClean="0">
+                <a:solidFill>
+                  <a:srgbClr val="20272A"/>
+                </a:solidFill>
+                <a:latin typeface="Arial" pitchFamily="34" charset="0"/>
+                <a:ea typeface="KaiTi" pitchFamily="49" charset="-122"/>
+                <a:cs typeface="Arial" pitchFamily="34" charset="0"/>
+              </a:rPr>
+              <a:t> </a:t>
+            </a:r>
+            <a:endParaRPr lang="en-US" sz="2800" dirty="0" smtClean="0">
+              <a:solidFill>
+                <a:srgbClr val="20272A"/>
+              </a:solidFill>
+              <a:latin typeface="Arial" pitchFamily="34" charset="0"/>
+              <a:ea typeface="KaiTi" pitchFamily="49" charset="-122"/>
+              <a:cs typeface="Arial" pitchFamily="34" charset="0"/>
+            </a:endParaRPr>
+          </a:p>
+        </p:txBody>
+      </p:sp>
+      <p:sp>
+        <p:nvSpPr>
+          <p:cNvPr id="3" name="BlokTextu 2"/>
+          <p:cNvSpPr txBox="1"/>
+          <p:nvPr/>
+        </p:nvSpPr>
+        <p:spPr>
+          <a:xfrm>
+            <a:off x="2483768" y="699542"/>
+            <a:ext cx="4752528" cy="923330"/>
+          </a:xfrm>
+          <a:prstGeom prst="rect">
+            <a:avLst/>
+          </a:prstGeom>
+          <a:noFill/>
+        </p:spPr>
+        <p:txBody>
+          <a:bodyPr wrap="square" rtlCol="0">
+            <a:spAutoFit/>
+          </a:bodyPr>
+          <a:lstStyle/>
+          <a:p>
+            <a:r>
+              <a:rPr lang="en-US" sz="5400" b="1" dirty="0" err="1" smtClean="0">
+                <a:solidFill>
+                  <a:srgbClr val="851019"/>
+                </a:solidFill>
+                <a:latin typeface="Arial" pitchFamily="34" charset="0"/>
+                <a:ea typeface="KaiTi" pitchFamily="49" charset="-122"/>
+                <a:cs typeface="Arial" pitchFamily="34" charset="0"/>
+              </a:rPr>
+              <a:t>machanizmus</a:t>
+            </a:r>
+            <a:endParaRPr lang="sk-SK" sz="5400" b="1" dirty="0">
+              <a:solidFill>
+                <a:srgbClr val="851019"/>
+              </a:solidFill>
+              <a:latin typeface="Arial" pitchFamily="34" charset="0"/>
+              <a:ea typeface="KaiTi" pitchFamily="49" charset="-122"/>
+              <a:cs typeface="Arial" pitchFamily="34" charset="0"/>
+            </a:endParaRPr>
+          </a:p>
+        </p:txBody>
+      </p:sp>
+      <p:sp>
+        <p:nvSpPr>
+          <p:cNvPr id="4" name="BlokTextu 3"/>
+          <p:cNvSpPr txBox="1"/>
+          <p:nvPr/>
+        </p:nvSpPr>
+        <p:spPr>
+          <a:xfrm>
+            <a:off x="0" y="2859782"/>
+            <a:ext cx="8568952" cy="1323439"/>
+          </a:xfrm>
+          <a:prstGeom prst="rect">
+            <a:avLst/>
+          </a:prstGeom>
+          <a:noFill/>
+        </p:spPr>
+        <p:txBody>
+          <a:bodyPr wrap="square" rtlCol="0">
+            <a:spAutoFit/>
+          </a:bodyPr>
+          <a:lstStyle/>
+          <a:p>
+            <a:pPr algn="ctr"/>
+            <a:r>
+              <a:rPr lang="en-US" sz="2800" dirty="0" err="1" smtClean="0">
+                <a:solidFill>
+                  <a:srgbClr val="20272A"/>
+                </a:solidFill>
+                <a:latin typeface="Arial" pitchFamily="34" charset="0"/>
+                <a:ea typeface="KaiTi" pitchFamily="49" charset="-122"/>
+                <a:cs typeface="Arial" pitchFamily="34" charset="0"/>
+              </a:rPr>
+              <a:t>Klasika</a:t>
+            </a:r>
+            <a:r>
+              <a:rPr lang="en-US" sz="2800" dirty="0" smtClean="0">
+                <a:solidFill>
+                  <a:srgbClr val="20272A"/>
+                </a:solidFill>
+                <a:latin typeface="Arial" pitchFamily="34" charset="0"/>
+                <a:ea typeface="KaiTi" pitchFamily="49" charset="-122"/>
+                <a:cs typeface="Arial" pitchFamily="34" charset="0"/>
+              </a:rPr>
+              <a:t> – </a:t>
+            </a:r>
+            <a:r>
+              <a:rPr lang="en-US" sz="2800" dirty="0" err="1" smtClean="0">
+                <a:solidFill>
+                  <a:srgbClr val="20272A"/>
+                </a:solidFill>
+                <a:latin typeface="Arial" pitchFamily="34" charset="0"/>
+                <a:ea typeface="KaiTi" pitchFamily="49" charset="-122"/>
+                <a:cs typeface="Arial" pitchFamily="34" charset="0"/>
+              </a:rPr>
+              <a:t>založený</a:t>
+            </a:r>
+            <a:r>
+              <a:rPr lang="en-US" sz="2800" dirty="0" smtClean="0">
+                <a:solidFill>
+                  <a:srgbClr val="20272A"/>
+                </a:solidFill>
+                <a:latin typeface="Arial" pitchFamily="34" charset="0"/>
+                <a:ea typeface="KaiTi" pitchFamily="49" charset="-122"/>
+                <a:cs typeface="Arial" pitchFamily="34" charset="0"/>
+              </a:rPr>
+              <a:t> </a:t>
+            </a:r>
+            <a:r>
+              <a:rPr lang="en-US" sz="2800" dirty="0" err="1" smtClean="0">
+                <a:solidFill>
+                  <a:srgbClr val="20272A"/>
+                </a:solidFill>
+                <a:latin typeface="Arial" pitchFamily="34" charset="0"/>
+                <a:ea typeface="KaiTi" pitchFamily="49" charset="-122"/>
+                <a:cs typeface="Arial" pitchFamily="34" charset="0"/>
+              </a:rPr>
+              <a:t>na</a:t>
+            </a:r>
+            <a:r>
+              <a:rPr lang="en-US" sz="2800" dirty="0" smtClean="0">
+                <a:solidFill>
+                  <a:srgbClr val="20272A"/>
+                </a:solidFill>
+                <a:latin typeface="Arial" pitchFamily="34" charset="0"/>
+                <a:ea typeface="KaiTi" pitchFamily="49" charset="-122"/>
+                <a:cs typeface="Arial" pitchFamily="34" charset="0"/>
+              </a:rPr>
+              <a:t> doprednom </a:t>
+            </a:r>
+            <a:r>
+              <a:rPr lang="en-US" sz="2800" dirty="0" err="1" smtClean="0">
+                <a:solidFill>
+                  <a:srgbClr val="20272A"/>
+                </a:solidFill>
+                <a:latin typeface="Arial" pitchFamily="34" charset="0"/>
+                <a:ea typeface="KaiTi" pitchFamily="49" charset="-122"/>
+                <a:cs typeface="Arial" pitchFamily="34" charset="0"/>
+              </a:rPr>
+              <a:t>zreťazení</a:t>
+            </a:r>
+            <a:r>
+              <a:rPr lang="en-US" sz="2800" dirty="0" smtClean="0">
+                <a:solidFill>
+                  <a:srgbClr val="20272A"/>
+                </a:solidFill>
+                <a:latin typeface="Arial" pitchFamily="34" charset="0"/>
+                <a:ea typeface="KaiTi" pitchFamily="49" charset="-122"/>
+                <a:cs typeface="Arial" pitchFamily="34" charset="0"/>
+              </a:rPr>
+              <a:t>, </a:t>
+            </a:r>
+            <a:r>
+              <a:rPr lang="en-US" sz="2800" dirty="0" err="1" smtClean="0">
+                <a:solidFill>
+                  <a:srgbClr val="20272A"/>
+                </a:solidFill>
+                <a:latin typeface="Arial" pitchFamily="34" charset="0"/>
+                <a:ea typeface="KaiTi" pitchFamily="49" charset="-122"/>
+                <a:cs typeface="Arial" pitchFamily="34" charset="0"/>
+              </a:rPr>
+              <a:t>používa</a:t>
+            </a:r>
+            <a:r>
+              <a:rPr lang="en-US" sz="2800" dirty="0" smtClean="0">
+                <a:solidFill>
+                  <a:srgbClr val="20272A"/>
+                </a:solidFill>
+                <a:latin typeface="Arial" pitchFamily="34" charset="0"/>
+                <a:ea typeface="KaiTi" pitchFamily="49" charset="-122"/>
+                <a:cs typeface="Arial" pitchFamily="34" charset="0"/>
+              </a:rPr>
+              <a:t> </a:t>
+            </a:r>
+            <a:r>
+              <a:rPr lang="en-US" sz="2800" dirty="0" err="1" smtClean="0">
+                <a:solidFill>
+                  <a:srgbClr val="20272A"/>
+                </a:solidFill>
+                <a:latin typeface="Arial" pitchFamily="34" charset="0"/>
+                <a:ea typeface="KaiTi" pitchFamily="49" charset="-122"/>
+                <a:cs typeface="Arial" pitchFamily="34" charset="0"/>
+              </a:rPr>
+              <a:t>algoritmus</a:t>
+            </a:r>
+            <a:r>
+              <a:rPr lang="en-US" sz="2800" dirty="0" smtClean="0">
+                <a:solidFill>
+                  <a:srgbClr val="20272A"/>
+                </a:solidFill>
+                <a:latin typeface="Arial" pitchFamily="34" charset="0"/>
+                <a:ea typeface="KaiTi" pitchFamily="49" charset="-122"/>
+                <a:cs typeface="Arial" pitchFamily="34" charset="0"/>
+              </a:rPr>
+              <a:t> RETE </a:t>
+            </a:r>
+          </a:p>
+          <a:p>
+            <a:r>
+              <a:rPr lang="en-US" sz="2400" dirty="0" smtClean="0">
+                <a:solidFill>
+                  <a:srgbClr val="20272A"/>
+                </a:solidFill>
+                <a:latin typeface="Arial" pitchFamily="34" charset="0"/>
+                <a:ea typeface="KaiTi" pitchFamily="49" charset="-122"/>
+                <a:cs typeface="Arial" pitchFamily="34" charset="0"/>
+              </a:rPr>
+              <a:t> </a:t>
+            </a:r>
+            <a:endParaRPr lang="en-US" sz="1400" dirty="0" smtClean="0">
+              <a:solidFill>
+                <a:srgbClr val="20272A"/>
+              </a:solidFill>
+              <a:latin typeface="Arial" pitchFamily="34" charset="0"/>
+              <a:ea typeface="KaiTi" pitchFamily="49" charset="-122"/>
+              <a:cs typeface="Arial" pitchFamily="34" charset="0"/>
+            </a:endParaRPr>
+          </a:p>
+        </p:txBody>
+      </p:sp>
     </p:spTree>
   </p:cSld>
   <p:clrMapOvr>
     <a:masterClrMapping/>
   </p:clrMapOvr>
+  <p:transition spd="med">
+    <p:push/>
+  </p:transition>
   <p:timing>
     <p:tnLst>
       <p:par>
@@ -16531,11 +17309,467 @@
           <a:chExt cx="0" cy="0"/>
         </a:xfrm>
       </p:grpSpPr>
+      <p:sp>
+        <p:nvSpPr>
+          <p:cNvPr id="2" name="BlokTextu 1"/>
+          <p:cNvSpPr txBox="1"/>
+          <p:nvPr/>
+        </p:nvSpPr>
+        <p:spPr>
+          <a:xfrm>
+            <a:off x="0" y="0"/>
+            <a:ext cx="5760640" cy="769441"/>
+          </a:xfrm>
+          <a:prstGeom prst="rect">
+            <a:avLst/>
+          </a:prstGeom>
+          <a:noFill/>
+        </p:spPr>
+        <p:txBody>
+          <a:bodyPr wrap="square" rtlCol="0">
+            <a:spAutoFit/>
+          </a:bodyPr>
+          <a:lstStyle/>
+          <a:p>
+            <a:r>
+              <a:rPr lang="en-US" sz="4400" dirty="0" err="1" smtClean="0">
+                <a:solidFill>
+                  <a:srgbClr val="20272A"/>
+                </a:solidFill>
+                <a:latin typeface="Arial" pitchFamily="34" charset="0"/>
+                <a:ea typeface="KaiTi" pitchFamily="49" charset="-122"/>
+                <a:cs typeface="Arial" pitchFamily="34" charset="0"/>
+              </a:rPr>
+              <a:t>Možnosti</a:t>
+            </a:r>
+            <a:r>
+              <a:rPr lang="en-US" sz="4400" dirty="0" smtClean="0">
+                <a:solidFill>
+                  <a:srgbClr val="20272A"/>
+                </a:solidFill>
+                <a:latin typeface="Arial" pitchFamily="34" charset="0"/>
+                <a:ea typeface="KaiTi" pitchFamily="49" charset="-122"/>
+                <a:cs typeface="Arial" pitchFamily="34" charset="0"/>
+              </a:rPr>
+              <a:t> </a:t>
+            </a:r>
+            <a:r>
+              <a:rPr lang="en-US" sz="4400" dirty="0" err="1" smtClean="0">
+                <a:solidFill>
+                  <a:srgbClr val="20272A"/>
+                </a:solidFill>
+                <a:latin typeface="Arial" pitchFamily="34" charset="0"/>
+                <a:ea typeface="KaiTi" pitchFamily="49" charset="-122"/>
+                <a:cs typeface="Arial" pitchFamily="34" charset="0"/>
+              </a:rPr>
+              <a:t>tvorby</a:t>
+            </a:r>
+            <a:r>
+              <a:rPr lang="en-US" sz="4400" dirty="0" smtClean="0">
+                <a:solidFill>
+                  <a:srgbClr val="20272A"/>
+                </a:solidFill>
+                <a:latin typeface="Arial" pitchFamily="34" charset="0"/>
+                <a:ea typeface="KaiTi" pitchFamily="49" charset="-122"/>
+                <a:cs typeface="Arial" pitchFamily="34" charset="0"/>
+              </a:rPr>
+              <a:t>    </a:t>
+            </a:r>
+            <a:endParaRPr lang="en-US" sz="2800" dirty="0" smtClean="0">
+              <a:solidFill>
+                <a:srgbClr val="20272A"/>
+              </a:solidFill>
+              <a:latin typeface="Arial" pitchFamily="34" charset="0"/>
+              <a:ea typeface="KaiTi" pitchFamily="49" charset="-122"/>
+              <a:cs typeface="Arial" pitchFamily="34" charset="0"/>
+            </a:endParaRPr>
+          </a:p>
+        </p:txBody>
+      </p:sp>
+      <p:sp>
+        <p:nvSpPr>
+          <p:cNvPr id="3" name="BlokTextu 2"/>
+          <p:cNvSpPr txBox="1"/>
+          <p:nvPr/>
+        </p:nvSpPr>
+        <p:spPr>
+          <a:xfrm>
+            <a:off x="2411760" y="411510"/>
+            <a:ext cx="6228184" cy="923330"/>
+          </a:xfrm>
+          <a:prstGeom prst="rect">
+            <a:avLst/>
+          </a:prstGeom>
+          <a:noFill/>
+        </p:spPr>
+        <p:txBody>
+          <a:bodyPr wrap="square" rtlCol="0">
+            <a:spAutoFit/>
+          </a:bodyPr>
+          <a:lstStyle/>
+          <a:p>
+            <a:r>
+              <a:rPr lang="en-US" sz="5400" b="1" dirty="0" smtClean="0">
+                <a:solidFill>
+                  <a:srgbClr val="851019"/>
+                </a:solidFill>
+                <a:latin typeface="Arial" pitchFamily="34" charset="0"/>
+                <a:ea typeface="KaiTi" pitchFamily="49" charset="-122"/>
+                <a:cs typeface="Arial" pitchFamily="34" charset="0"/>
+              </a:rPr>
+              <a:t> </a:t>
+            </a:r>
+            <a:r>
+              <a:rPr lang="en-US" sz="4800" b="1" dirty="0" err="1" smtClean="0">
+                <a:solidFill>
+                  <a:srgbClr val="851019"/>
+                </a:solidFill>
+                <a:latin typeface="Arial" pitchFamily="34" charset="0"/>
+                <a:ea typeface="KaiTi" pitchFamily="49" charset="-122"/>
+                <a:cs typeface="Arial" pitchFamily="34" charset="0"/>
+              </a:rPr>
+              <a:t>systémov</a:t>
+            </a:r>
+            <a:r>
+              <a:rPr lang="en-US" sz="4800" b="1" dirty="0" smtClean="0">
+                <a:solidFill>
+                  <a:srgbClr val="851019"/>
+                </a:solidFill>
+                <a:latin typeface="Arial" pitchFamily="34" charset="0"/>
+                <a:ea typeface="KaiTi" pitchFamily="49" charset="-122"/>
+                <a:cs typeface="Arial" pitchFamily="34" charset="0"/>
+              </a:rPr>
+              <a:t> v JEES  </a:t>
+            </a:r>
+            <a:endParaRPr lang="sk-SK" sz="5400" b="1" dirty="0">
+              <a:solidFill>
+                <a:srgbClr val="851019"/>
+              </a:solidFill>
+              <a:latin typeface="Arial" pitchFamily="34" charset="0"/>
+              <a:ea typeface="KaiTi" pitchFamily="49" charset="-122"/>
+              <a:cs typeface="Arial" pitchFamily="34" charset="0"/>
+            </a:endParaRPr>
+          </a:p>
+        </p:txBody>
+      </p:sp>
+      <p:sp>
+        <p:nvSpPr>
+          <p:cNvPr id="4" name="BlokTextu 3"/>
+          <p:cNvSpPr txBox="1"/>
+          <p:nvPr/>
+        </p:nvSpPr>
+        <p:spPr>
+          <a:xfrm>
+            <a:off x="179512" y="1419622"/>
+            <a:ext cx="8964488" cy="4385816"/>
+          </a:xfrm>
+          <a:prstGeom prst="rect">
+            <a:avLst/>
+          </a:prstGeom>
+          <a:noFill/>
+        </p:spPr>
+        <p:txBody>
+          <a:bodyPr wrap="square" rtlCol="0">
+            <a:spAutoFit/>
+          </a:bodyPr>
+          <a:lstStyle/>
+          <a:p>
+            <a:pPr marL="457200" lvl="0" indent="-457200"/>
+            <a:r>
+              <a:rPr lang="en-US" sz="2100" dirty="0" smtClean="0">
+                <a:latin typeface="Arial" pitchFamily="34" charset="0"/>
+                <a:cs typeface="Arial" pitchFamily="34" charset="0"/>
+              </a:rPr>
+              <a:t>1. </a:t>
+            </a:r>
+            <a:r>
+              <a:rPr lang="sk-SK" sz="2100" dirty="0" smtClean="0">
+                <a:latin typeface="Arial" pitchFamily="34" charset="0"/>
+                <a:cs typeface="Arial" pitchFamily="34" charset="0"/>
+              </a:rPr>
+              <a:t>Čistý JESS systém, bez použitia Java kódu</a:t>
+            </a:r>
+            <a:endParaRPr lang="en-US" sz="2100" dirty="0" smtClean="0">
+              <a:latin typeface="Arial" pitchFamily="34" charset="0"/>
+              <a:cs typeface="Arial" pitchFamily="34" charset="0"/>
+            </a:endParaRPr>
+          </a:p>
+          <a:p>
+            <a:pPr marL="457200" lvl="0" indent="-457200"/>
+            <a:endParaRPr lang="sk-SK" sz="1400" dirty="0" smtClean="0">
+              <a:latin typeface="Arial" pitchFamily="34" charset="0"/>
+              <a:cs typeface="Arial" pitchFamily="34" charset="0"/>
+            </a:endParaRPr>
+          </a:p>
+          <a:p>
+            <a:pPr lvl="0"/>
+            <a:r>
+              <a:rPr lang="en-US" sz="2100" dirty="0" smtClean="0">
+                <a:latin typeface="Arial" pitchFamily="34" charset="0"/>
+                <a:cs typeface="Arial" pitchFamily="34" charset="0"/>
+              </a:rPr>
+              <a:t>2. </a:t>
+            </a:r>
+            <a:r>
+              <a:rPr lang="sk-SK" sz="2100" dirty="0" smtClean="0">
+                <a:latin typeface="Arial" pitchFamily="34" charset="0"/>
+                <a:cs typeface="Arial" pitchFamily="34" charset="0"/>
+              </a:rPr>
+              <a:t>Čistý JESS systém, s prístupom do Java API</a:t>
+            </a:r>
+            <a:endParaRPr lang="en-US" sz="2100" dirty="0" smtClean="0">
+              <a:latin typeface="Arial" pitchFamily="34" charset="0"/>
+              <a:cs typeface="Arial" pitchFamily="34" charset="0"/>
+            </a:endParaRPr>
+          </a:p>
+          <a:p>
+            <a:pPr lvl="0"/>
+            <a:endParaRPr lang="sk-SK" sz="1400" dirty="0" smtClean="0">
+              <a:latin typeface="Arial" pitchFamily="34" charset="0"/>
+              <a:cs typeface="Arial" pitchFamily="34" charset="0"/>
+            </a:endParaRPr>
+          </a:p>
+          <a:p>
+            <a:pPr lvl="0"/>
+            <a:r>
+              <a:rPr lang="en-US" sz="2100" dirty="0" smtClean="0">
+                <a:latin typeface="Arial" pitchFamily="34" charset="0"/>
+                <a:cs typeface="Arial" pitchFamily="34" charset="0"/>
+              </a:rPr>
+              <a:t>3. </a:t>
+            </a:r>
+            <a:r>
+              <a:rPr lang="sk-SK" sz="2100" dirty="0" smtClean="0">
+                <a:latin typeface="Arial" pitchFamily="34" charset="0"/>
+                <a:cs typeface="Arial" pitchFamily="34" charset="0"/>
+              </a:rPr>
+              <a:t>Väčšina v JESS, v Jave napísaných zopár upravených JESS príkazov</a:t>
+            </a:r>
+            <a:endParaRPr lang="en-US" sz="2100" dirty="0" smtClean="0">
+              <a:latin typeface="Arial" pitchFamily="34" charset="0"/>
+              <a:cs typeface="Arial" pitchFamily="34" charset="0"/>
+            </a:endParaRPr>
+          </a:p>
+          <a:p>
+            <a:pPr lvl="0"/>
+            <a:endParaRPr lang="sk-SK" sz="1400" dirty="0" smtClean="0">
+              <a:latin typeface="Arial" pitchFamily="34" charset="0"/>
+              <a:cs typeface="Arial" pitchFamily="34" charset="0"/>
+            </a:endParaRPr>
+          </a:p>
+          <a:p>
+            <a:pPr lvl="0"/>
+            <a:r>
+              <a:rPr lang="en-US" sz="2100" dirty="0" smtClean="0">
+                <a:latin typeface="Arial" pitchFamily="34" charset="0"/>
+                <a:cs typeface="Arial" pitchFamily="34" charset="0"/>
+              </a:rPr>
+              <a:t>4. </a:t>
+            </a:r>
+            <a:r>
+              <a:rPr lang="sk-SK" sz="2100" dirty="0" smtClean="0">
+                <a:latin typeface="Arial" pitchFamily="34" charset="0"/>
+                <a:cs typeface="Arial" pitchFamily="34" charset="0"/>
+              </a:rPr>
+              <a:t>Polovica v JESS, podstatná časť v Jave</a:t>
+            </a:r>
+            <a:r>
+              <a:rPr lang="en-US" sz="2100" dirty="0" smtClean="0">
+                <a:latin typeface="Arial" pitchFamily="34" charset="0"/>
+                <a:cs typeface="Arial" pitchFamily="34" charset="0"/>
+              </a:rPr>
+              <a:t>, </a:t>
+            </a:r>
+            <a:r>
+              <a:rPr lang="sk-SK" sz="2100" i="1" dirty="0" err="1" smtClean="0">
+                <a:latin typeface="Arial" pitchFamily="34" charset="0"/>
+                <a:cs typeface="Arial" pitchFamily="34" charset="0"/>
+              </a:rPr>
+              <a:t>main</a:t>
+            </a:r>
+            <a:r>
+              <a:rPr lang="sk-SK" sz="2100" i="1" dirty="0" smtClean="0">
+                <a:latin typeface="Arial" pitchFamily="34" charset="0"/>
+                <a:cs typeface="Arial" pitchFamily="34" charset="0"/>
+              </a:rPr>
+              <a:t>()</a:t>
+            </a:r>
+            <a:r>
+              <a:rPr lang="sk-SK" sz="2100" dirty="0" smtClean="0">
+                <a:latin typeface="Arial" pitchFamily="34" charset="0"/>
+                <a:cs typeface="Arial" pitchFamily="34" charset="0"/>
+              </a:rPr>
+              <a:t> funkcia je v JESS</a:t>
+            </a:r>
+            <a:endParaRPr lang="en-US" sz="2100" dirty="0" smtClean="0">
+              <a:latin typeface="Arial" pitchFamily="34" charset="0"/>
+              <a:cs typeface="Arial" pitchFamily="34" charset="0"/>
+            </a:endParaRPr>
+          </a:p>
+          <a:p>
+            <a:pPr lvl="0"/>
+            <a:endParaRPr lang="sk-SK" sz="1400" dirty="0" smtClean="0">
+              <a:latin typeface="Arial" pitchFamily="34" charset="0"/>
+              <a:cs typeface="Arial" pitchFamily="34" charset="0"/>
+            </a:endParaRPr>
+          </a:p>
+          <a:p>
+            <a:pPr lvl="0"/>
+            <a:r>
+              <a:rPr lang="en-US" sz="2100" dirty="0" smtClean="0">
+                <a:latin typeface="Arial" pitchFamily="34" charset="0"/>
+                <a:cs typeface="Arial" pitchFamily="34" charset="0"/>
+              </a:rPr>
+              <a:t>5. </a:t>
+            </a:r>
+            <a:r>
+              <a:rPr lang="sk-SK" sz="2100" dirty="0" smtClean="0">
+                <a:latin typeface="Arial" pitchFamily="34" charset="0"/>
+                <a:cs typeface="Arial" pitchFamily="34" charset="0"/>
+              </a:rPr>
+              <a:t>Ako predchádzajúce, ale </a:t>
+            </a:r>
+            <a:r>
+              <a:rPr lang="sk-SK" sz="2100" i="1" dirty="0" err="1" smtClean="0">
+                <a:latin typeface="Arial" pitchFamily="34" charset="0"/>
+                <a:cs typeface="Arial" pitchFamily="34" charset="0"/>
+              </a:rPr>
+              <a:t>main</a:t>
+            </a:r>
+            <a:r>
+              <a:rPr lang="sk-SK" sz="2100" i="1" dirty="0" smtClean="0">
+                <a:latin typeface="Arial" pitchFamily="34" charset="0"/>
+                <a:cs typeface="Arial" pitchFamily="34" charset="0"/>
+              </a:rPr>
+              <a:t>()</a:t>
+            </a:r>
+            <a:r>
+              <a:rPr lang="sk-SK" sz="2100" dirty="0" smtClean="0">
+                <a:latin typeface="Arial" pitchFamily="34" charset="0"/>
+                <a:cs typeface="Arial" pitchFamily="34" charset="0"/>
+              </a:rPr>
+              <a:t> je v Jave</a:t>
+            </a:r>
+            <a:endParaRPr lang="en-US" sz="2100" dirty="0" smtClean="0">
+              <a:latin typeface="Arial" pitchFamily="34" charset="0"/>
+              <a:cs typeface="Arial" pitchFamily="34" charset="0"/>
+            </a:endParaRPr>
+          </a:p>
+          <a:p>
+            <a:pPr lvl="0"/>
+            <a:endParaRPr lang="sk-SK" sz="1400" dirty="0" smtClean="0">
+              <a:latin typeface="Arial" pitchFamily="34" charset="0"/>
+              <a:cs typeface="Arial" pitchFamily="34" charset="0"/>
+            </a:endParaRPr>
+          </a:p>
+          <a:p>
+            <a:pPr lvl="0"/>
+            <a:r>
+              <a:rPr lang="en-US" sz="2100" dirty="0" smtClean="0">
+                <a:solidFill>
+                  <a:srgbClr val="851019"/>
+                </a:solidFill>
+                <a:latin typeface="Arial" pitchFamily="34" charset="0"/>
+                <a:cs typeface="Arial" pitchFamily="34" charset="0"/>
+              </a:rPr>
+              <a:t>6. </a:t>
+            </a:r>
+            <a:r>
+              <a:rPr lang="sk-SK" sz="2100" dirty="0" smtClean="0">
+                <a:solidFill>
+                  <a:srgbClr val="851019"/>
+                </a:solidFill>
+                <a:latin typeface="Arial" pitchFamily="34" charset="0"/>
+                <a:cs typeface="Arial" pitchFamily="34" charset="0"/>
+              </a:rPr>
+              <a:t>Väčšina v Jave, načítava JESS kód v </a:t>
+            </a:r>
+            <a:r>
+              <a:rPr lang="sk-SK" sz="2100" dirty="0" err="1" smtClean="0">
+                <a:solidFill>
+                  <a:srgbClr val="851019"/>
+                </a:solidFill>
+                <a:latin typeface="Arial" pitchFamily="34" charset="0"/>
+                <a:cs typeface="Arial" pitchFamily="34" charset="0"/>
+              </a:rPr>
+              <a:t>runtime</a:t>
+            </a:r>
+            <a:endParaRPr lang="en-US" sz="2100" dirty="0" smtClean="0">
+              <a:solidFill>
+                <a:srgbClr val="851019"/>
+              </a:solidFill>
+              <a:latin typeface="Arial" pitchFamily="34" charset="0"/>
+              <a:cs typeface="Arial" pitchFamily="34" charset="0"/>
+            </a:endParaRPr>
+          </a:p>
+          <a:p>
+            <a:pPr lvl="0"/>
+            <a:endParaRPr lang="sk-SK" sz="1400" dirty="0" smtClean="0">
+              <a:latin typeface="Arial" pitchFamily="34" charset="0"/>
+              <a:cs typeface="Arial" pitchFamily="34" charset="0"/>
+            </a:endParaRPr>
+          </a:p>
+          <a:p>
+            <a:pPr lvl="0"/>
+            <a:r>
+              <a:rPr lang="en-US" sz="2100" dirty="0" smtClean="0">
+                <a:latin typeface="Arial" pitchFamily="34" charset="0"/>
+                <a:cs typeface="Arial" pitchFamily="34" charset="0"/>
+              </a:rPr>
+              <a:t>7. </a:t>
+            </a:r>
+            <a:r>
+              <a:rPr lang="sk-SK" sz="2100" dirty="0" smtClean="0">
+                <a:latin typeface="Arial" pitchFamily="34" charset="0"/>
+                <a:cs typeface="Arial" pitchFamily="34" charset="0"/>
+              </a:rPr>
+              <a:t>Čistý Java systém, ktorý pracuje s JESS iba cez Java API</a:t>
+            </a:r>
+          </a:p>
+          <a:p>
+            <a:r>
+              <a:rPr lang="en-US" sz="2400" dirty="0" smtClean="0">
+                <a:solidFill>
+                  <a:srgbClr val="20272A"/>
+                </a:solidFill>
+                <a:latin typeface="Arial" pitchFamily="34" charset="0"/>
+                <a:ea typeface="KaiTi" pitchFamily="49" charset="-122"/>
+                <a:cs typeface="Arial" pitchFamily="34" charset="0"/>
+              </a:rPr>
+              <a:t> </a:t>
+            </a:r>
+          </a:p>
+          <a:p>
+            <a:r>
+              <a:rPr lang="en-US" sz="2400" dirty="0" smtClean="0">
+                <a:solidFill>
+                  <a:srgbClr val="20272A"/>
+                </a:solidFill>
+                <a:latin typeface="Arial" pitchFamily="34" charset="0"/>
+                <a:ea typeface="KaiTi" pitchFamily="49" charset="-122"/>
+                <a:cs typeface="Arial" pitchFamily="34" charset="0"/>
+              </a:rPr>
+              <a:t> </a:t>
+            </a:r>
+            <a:endParaRPr lang="en-US" sz="1400" dirty="0" smtClean="0">
+              <a:solidFill>
+                <a:srgbClr val="20272A"/>
+              </a:solidFill>
+              <a:latin typeface="Arial" pitchFamily="34" charset="0"/>
+              <a:ea typeface="KaiTi" pitchFamily="49" charset="-122"/>
+              <a:cs typeface="Arial" pitchFamily="34" charset="0"/>
+            </a:endParaRPr>
+          </a:p>
+        </p:txBody>
+      </p:sp>
     </p:spTree>
   </p:cSld>
   <p:clrMapOvr>
     <a:masterClrMapping/>
   </p:clrMapOvr>
+  <p:transition spd="med">
+    <p:push/>
+  </p:transition>
   <p:timing>
     <p:tnLst>
       <p:par>
@@ -17241,6 +18475,9 @@
   <p:clrMapOvr>
     <a:masterClrMapping/>
   </p:clrMapOvr>
+  <p:transition spd="med">
+    <p:push/>
+  </p:transition>
   <p:timing>
     <p:tnLst>
       <p:par>
@@ -17302,21 +18539,30 @@
                             </p:childTnLst>
                           </p:cTn>
                         </p:par>
+                      </p:childTnLst>
+                    </p:cTn>
+                  </p:par>
+                  <p:par>
+                    <p:cTn id="8" fill="hold">
+                      <p:stCondLst>
+                        <p:cond delay="indefinite"/>
+                      </p:stCondLst>
+                      <p:childTnLst>
                         <p:par>
-                          <p:cTn id="8" fill="hold">
+                          <p:cTn id="9" fill="hold">
                             <p:stCondLst>
-                              <p:cond delay="500"/>
+                              <p:cond delay="0"/>
                             </p:stCondLst>
                             <p:childTnLst>
                               <p:par>
-                                <p:cTn id="9" presetID="12" presetClass="entr" presetSubtype="4" fill="hold" grpId="0" nodeType="afterEffect">
+                                <p:cTn id="10" presetID="12" presetClass="entr" presetSubtype="4" fill="hold" grpId="0" nodeType="clickEffect">
                                   <p:stCondLst>
                                     <p:cond delay="0"/>
                                   </p:stCondLst>
                                   <p:childTnLst>
                                     <p:set>
                                       <p:cBhvr>
-                                        <p:cTn id="10" dur="1" fill="hold">
+                                        <p:cTn id="11" dur="1" fill="hold">
                                           <p:stCondLst>
                                             <p:cond delay="0"/>
                                           </p:stCondLst>
@@ -17334,7 +18580,7 @@
                                     </p:set>
                                     <p:animEffect transition="in" filter="slide(fromBottom)">
                                       <p:cBhvr>
-                                        <p:cTn id="11" dur="500"/>
+                                        <p:cTn id="12" dur="500"/>
                                         <p:tgtEl>
                                           <p:spTgt spid="7"/>
                                         </p:tgtEl>

--- a/Jozef_Krajčovič.pptx
+++ b/Jozef_Krajčovič.pptx
@@ -10367,18 +10367,7 @@
                   <a:ea typeface="Segoe UI" pitchFamily="34" charset="0"/>
                   <a:cs typeface="Arial" pitchFamily="34" charset="0"/>
                 </a:rPr>
-                <a:t> </a:t>
-              </a:r>
-              <a:r>
-                <a:rPr lang="en-US" sz="1400" dirty="0" smtClean="0">
-                  <a:solidFill>
-                    <a:srgbClr val="20272A"/>
-                  </a:solidFill>
-                  <a:latin typeface="Arial" pitchFamily="34" charset="0"/>
-                  <a:ea typeface="Segoe UI" pitchFamily="34" charset="0"/>
-                  <a:cs typeface="Arial" pitchFamily="34" charset="0"/>
-                </a:rPr>
-                <a:t>???</a:t>
+                <a:t> ???</a:t>
               </a:r>
               <a:endParaRPr lang="sk-SK" sz="1400" dirty="0">
                 <a:solidFill>
@@ -10740,14 +10729,6 @@
                 </a:rPr>
                 <a:t> … </a:t>
               </a:r>
-              <a:endParaRPr lang="en-US" sz="1400" dirty="0" smtClean="0">
-                <a:solidFill>
-                  <a:srgbClr val="20272A"/>
-                </a:solidFill>
-                <a:latin typeface="Arial" pitchFamily="34" charset="0"/>
-                <a:ea typeface="Segoe UI" pitchFamily="34" charset="0"/>
-                <a:cs typeface="Arial" pitchFamily="34" charset="0"/>
-              </a:endParaRPr>
             </a:p>
             <a:p>
               <a:r>
@@ -10762,7 +10743,7 @@
                 <a:t>        </a:t>
               </a:r>
               <a:r>
-                <a:rPr lang="en-US" sz="1400" dirty="0" err="1" smtClean="0">
+                <a:rPr lang="en-US" sz="1400" dirty="0" smtClean="0">
                   <a:solidFill>
                     <a:srgbClr val="20272A"/>
                   </a:solidFill>
@@ -10770,7 +10751,7 @@
                   <a:ea typeface="Segoe UI" pitchFamily="34" charset="0"/>
                   <a:cs typeface="Arial" pitchFamily="34" charset="0"/>
                 </a:rPr>
-                <a:t>h</a:t>
+                <a:t>   </a:t>
               </a:r>
               <a:r>
                 <a:rPr lang="en-US" sz="1400" dirty="0" err="1" smtClean="0">
@@ -10781,7 +10762,7 @@
                   <a:ea typeface="Segoe UI" pitchFamily="34" charset="0"/>
                   <a:cs typeface="Arial" pitchFamily="34" charset="0"/>
                 </a:rPr>
-                <a:t>ej</a:t>
+                <a:t>hej</a:t>
               </a:r>
               <a:r>
                 <a:rPr lang="en-US" sz="1400" dirty="0" smtClean="0">
@@ -12357,9 +12338,9 @@
         <p:grpSpPr>
           <a:xfrm>
             <a:off x="1619672" y="3795886"/>
-            <a:ext cx="6671506" cy="595809"/>
+            <a:ext cx="3129383" cy="595809"/>
             <a:chOff x="1475656" y="1275606"/>
-            <a:chExt cx="6671506" cy="595809"/>
+            <a:chExt cx="3129383" cy="595809"/>
           </a:xfrm>
         </p:grpSpPr>
         <p:sp>
@@ -12453,7 +12434,7 @@
           <p:spPr>
             <a:xfrm>
               <a:off x="1475656" y="1563638"/>
-              <a:ext cx="6671506" cy="307777"/>
+              <a:ext cx="3129383" cy="307777"/>
             </a:xfrm>
             <a:prstGeom prst="rect">
               <a:avLst/>
@@ -12584,19 +12565,7 @@
                   <a:latin typeface="Arial" pitchFamily="34" charset="0"/>
                   <a:cs typeface="Arial" pitchFamily="34" charset="0"/>
                 </a:rPr>
-                <a:t> + </a:t>
-              </a:r>
-              <a:r>
-                <a:rPr lang="en-US" sz="1400" dirty="0" err="1" smtClean="0">
-                  <a:solidFill>
-                    <a:schemeClr val="bg1">
-                      <a:lumMod val="50000"/>
-                    </a:schemeClr>
-                  </a:solidFill>
-                  <a:latin typeface="Arial" pitchFamily="34" charset="0"/>
-                  <a:cs typeface="Arial" pitchFamily="34" charset="0"/>
-                </a:rPr>
-                <a:t>podpora</a:t>
+                <a:t> </a:t>
               </a:r>
               <a:r>
                 <a:rPr lang="en-US" sz="1400" dirty="0" smtClean="0">
@@ -12607,80 +12576,9 @@
                   </a:solidFill>
                   <a:latin typeface="Arial" pitchFamily="34" charset="0"/>
                   <a:cs typeface="Arial" pitchFamily="34" charset="0"/>
+                  <a:sym typeface="Wingdings" pitchFamily="2" charset="2"/>
                 </a:rPr>
-                <a:t> </a:t>
-              </a:r>
-              <a:r>
-                <a:rPr lang="en-US" sz="1400" dirty="0" err="1" smtClean="0">
-                  <a:solidFill>
-                    <a:schemeClr val="bg1">
-                      <a:lumMod val="50000"/>
-                    </a:schemeClr>
-                  </a:solidFill>
-                  <a:latin typeface="Arial" pitchFamily="34" charset="0"/>
-                  <a:cs typeface="Arial" pitchFamily="34" charset="0"/>
-                </a:rPr>
-                <a:t>iných</a:t>
-              </a:r>
-              <a:r>
-                <a:rPr lang="en-US" sz="1400" dirty="0" smtClean="0">
-                  <a:solidFill>
-                    <a:schemeClr val="bg1">
-                      <a:lumMod val="50000"/>
-                    </a:schemeClr>
-                  </a:solidFill>
-                  <a:latin typeface="Arial" pitchFamily="34" charset="0"/>
-                  <a:cs typeface="Arial" pitchFamily="34" charset="0"/>
-                </a:rPr>
-                <a:t> devices (pc, </a:t>
-              </a:r>
-              <a:r>
-                <a:rPr lang="en-US" sz="1400" dirty="0" err="1" smtClean="0">
-                  <a:solidFill>
-                    <a:schemeClr val="bg1">
-                      <a:lumMod val="50000"/>
-                    </a:schemeClr>
-                  </a:solidFill>
-                  <a:latin typeface="Arial" pitchFamily="34" charset="0"/>
-                  <a:cs typeface="Arial" pitchFamily="34" charset="0"/>
-                </a:rPr>
-                <a:t>tv</a:t>
-              </a:r>
-              <a:r>
-                <a:rPr lang="en-US" sz="1400" dirty="0" smtClean="0">
-                  <a:solidFill>
-                    <a:schemeClr val="bg1">
-                      <a:lumMod val="50000"/>
-                    </a:schemeClr>
-                  </a:solidFill>
-                  <a:latin typeface="Arial" pitchFamily="34" charset="0"/>
-                  <a:cs typeface="Arial" pitchFamily="34" charset="0"/>
-                </a:rPr>
-                <a:t>, </a:t>
-              </a:r>
-              <a:r>
-                <a:rPr lang="en-US" sz="1400" dirty="0" err="1" smtClean="0">
-                  <a:solidFill>
-                    <a:schemeClr val="bg1">
-                      <a:lumMod val="50000"/>
-                    </a:schemeClr>
-                  </a:solidFill>
-                  <a:latin typeface="Arial" pitchFamily="34" charset="0"/>
-                  <a:cs typeface="Arial" pitchFamily="34" charset="0"/>
-                </a:rPr>
-                <a:t>fotoaparát</a:t>
-              </a:r>
-              <a:r>
-                <a:rPr lang="en-US" sz="1400" dirty="0" smtClean="0">
-                  <a:solidFill>
-                    <a:schemeClr val="bg1">
-                      <a:lumMod val="50000"/>
-                    </a:schemeClr>
-                  </a:solidFill>
-                  <a:latin typeface="Arial" pitchFamily="34" charset="0"/>
-                  <a:cs typeface="Arial" pitchFamily="34" charset="0"/>
-                </a:rPr>
-                <a:t> …)</a:t>
+                <a:t>:)</a:t>
               </a:r>
               <a:endParaRPr lang="sk-SK" sz="1400" dirty="0">
                 <a:solidFill>
@@ -12830,7 +12728,7 @@
           <p:spPr>
             <a:xfrm>
               <a:off x="1475656" y="1563638"/>
-              <a:ext cx="2592705" cy="307777"/>
+              <a:ext cx="2226928" cy="307777"/>
             </a:xfrm>
             <a:prstGeom prst="rect">
               <a:avLst/>
@@ -12901,7 +12799,20 @@
                   <a:latin typeface="Arial" pitchFamily="34" charset="0"/>
                   <a:cs typeface="Arial" pitchFamily="34" charset="0"/>
                 </a:rPr>
-                <a:t> Java Swing :(  :(( </a:t>
+                <a:t> Java Swing </a:t>
+              </a:r>
+              <a:r>
+                <a:rPr lang="en-US" sz="1400" dirty="0" smtClean="0">
+                  <a:solidFill>
+                    <a:schemeClr val="bg1">
+                      <a:lumMod val="50000"/>
+                    </a:schemeClr>
+                  </a:solidFill>
+                  <a:latin typeface="Arial" pitchFamily="34" charset="0"/>
+                  <a:cs typeface="Arial" pitchFamily="34" charset="0"/>
+                  <a:sym typeface="Wingdings" pitchFamily="2" charset="2"/>
+                </a:rPr>
+                <a:t>:(</a:t>
               </a:r>
               <a:endParaRPr lang="sk-SK" sz="1400" dirty="0">
                 <a:solidFill>
@@ -13084,7 +12995,20 @@
                   <a:latin typeface="Arial" pitchFamily="34" charset="0"/>
                   <a:cs typeface="Arial" pitchFamily="34" charset="0"/>
                 </a:rPr>
-                <a:t> s JEES  :)</a:t>
+                <a:t> s JEES  </a:t>
+              </a:r>
+              <a:r>
+                <a:rPr lang="en-US" sz="1400" dirty="0" smtClean="0">
+                  <a:solidFill>
+                    <a:schemeClr val="bg1">
+                      <a:lumMod val="50000"/>
+                    </a:schemeClr>
+                  </a:solidFill>
+                  <a:latin typeface="Arial" pitchFamily="34" charset="0"/>
+                  <a:cs typeface="Arial" pitchFamily="34" charset="0"/>
+                  <a:sym typeface="Wingdings" pitchFamily="2" charset="2"/>
+                </a:rPr>
+                <a:t>:)</a:t>
               </a:r>
               <a:endParaRPr lang="sk-SK" sz="1400" dirty="0">
                 <a:solidFill>
@@ -15507,18 +15431,7 @@
                   <a:ea typeface="Segoe UI" pitchFamily="34" charset="0"/>
                   <a:cs typeface="Arial" pitchFamily="34" charset="0"/>
                 </a:rPr>
-                <a:t> </a:t>
-              </a:r>
-              <a:r>
-                <a:rPr lang="en-US" sz="2000" dirty="0" smtClean="0">
-                  <a:solidFill>
-                    <a:srgbClr val="20272A"/>
-                  </a:solidFill>
-                  <a:latin typeface="Arial" pitchFamily="34" charset="0"/>
-                  <a:ea typeface="Segoe UI" pitchFamily="34" charset="0"/>
-                  <a:cs typeface="Arial" pitchFamily="34" charset="0"/>
-                </a:rPr>
-                <a:t>pre </a:t>
+                <a:t> pre </a:t>
               </a:r>
               <a:r>
                 <a:rPr lang="en-US" sz="2000" dirty="0" err="1" smtClean="0">
@@ -15542,14 +15455,6 @@
                 </a:rPr>
                 <a:t> </a:t>
               </a:r>
-              <a:endParaRPr lang="en-US" sz="2000" dirty="0" smtClean="0">
-                <a:solidFill>
-                  <a:srgbClr val="20272A"/>
-                </a:solidFill>
-                <a:latin typeface="Arial" pitchFamily="34" charset="0"/>
-                <a:ea typeface="Segoe UI" pitchFamily="34" charset="0"/>
-                <a:cs typeface="Arial" pitchFamily="34" charset="0"/>
-              </a:endParaRPr>
             </a:p>
             <a:p>
               <a:r>
@@ -15936,8 +15841,8 @@
         </p:nvSpPr>
         <p:spPr>
           <a:xfrm>
-            <a:off x="575048" y="1357848"/>
-            <a:ext cx="8568952" cy="3785652"/>
+            <a:off x="575048" y="1563638"/>
+            <a:ext cx="8568952" cy="3046988"/>
           </a:xfrm>
           <a:prstGeom prst="rect">
             <a:avLst/>
@@ -16198,8 +16103,16 @@
                 <a:ea typeface="KaiTi" pitchFamily="49" charset="-122"/>
                 <a:cs typeface="Arial" pitchFamily="34" charset="0"/>
               </a:rPr>
-              <a:t> ? </a:t>
-            </a:r>
+              <a:t>? </a:t>
+            </a:r>
+            <a:endParaRPr lang="en-US" sz="2400" dirty="0" smtClean="0">
+              <a:solidFill>
+                <a:srgbClr val="20272A"/>
+              </a:solidFill>
+              <a:latin typeface="Arial" pitchFamily="34" charset="0"/>
+              <a:ea typeface="KaiTi" pitchFamily="49" charset="-122"/>
+              <a:cs typeface="Arial" pitchFamily="34" charset="0"/>
+            </a:endParaRPr>
           </a:p>
           <a:p>
             <a:r>
@@ -16252,7 +16165,7 @@
                 <a:ea typeface="KaiTi" pitchFamily="49" charset="-122"/>
                 <a:cs typeface="Arial" pitchFamily="34" charset="0"/>
               </a:rPr>
-              <a:t>jám</a:t>
+              <a:t>ja</a:t>
             </a:r>
             <a:r>
               <a:rPr lang="en-US" sz="2400" dirty="0" smtClean="0">
@@ -16317,37 +16230,26 @@
                 <a:ea typeface="KaiTi" pitchFamily="49" charset="-122"/>
                 <a:cs typeface="Arial" pitchFamily="34" charset="0"/>
               </a:rPr>
-              <a:t> trial)</a:t>
-            </a:r>
-          </a:p>
-          <a:p>
+              <a:t> trial</a:t>
+            </a:r>
             <a:r>
               <a:rPr lang="en-US" sz="2400" dirty="0" smtClean="0">
                 <a:solidFill>
-                  <a:srgbClr val="20272A"/>
+                  <a:schemeClr val="bg1">
+                    <a:lumMod val="50000"/>
+                  </a:schemeClr>
                 </a:solidFill>
                 <a:latin typeface="Arial" pitchFamily="34" charset="0"/>
                 <a:ea typeface="KaiTi" pitchFamily="49" charset="-122"/>
                 <a:cs typeface="Arial" pitchFamily="34" charset="0"/>
               </a:rPr>
-              <a:t> </a:t>
-            </a:r>
-          </a:p>
-          <a:p>
-            <a:r>
-              <a:rPr lang="en-US" sz="2400" dirty="0" smtClean="0">
-                <a:solidFill>
-                  <a:srgbClr val="20272A"/>
-                </a:solidFill>
-                <a:latin typeface="Arial" pitchFamily="34" charset="0"/>
-                <a:ea typeface="KaiTi" pitchFamily="49" charset="-122"/>
-                <a:cs typeface="Arial" pitchFamily="34" charset="0"/>
-              </a:rPr>
-              <a:t> </a:t>
-            </a:r>
-            <a:endParaRPr lang="en-US" sz="1400" dirty="0" smtClean="0">
+              <a:t>)</a:t>
+            </a:r>
+            <a:endParaRPr lang="en-US" sz="2400" dirty="0" smtClean="0">
               <a:solidFill>
-                <a:srgbClr val="20272A"/>
+                <a:schemeClr val="bg1">
+                  <a:lumMod val="50000"/>
+                </a:schemeClr>
               </a:solidFill>
               <a:latin typeface="Arial" pitchFamily="34" charset="0"/>
               <a:ea typeface="KaiTi" pitchFamily="49" charset="-122"/>
@@ -16528,7 +16430,7 @@
         </p:blipFill>
         <p:spPr>
           <a:xfrm>
-            <a:off x="755576" y="2211710"/>
+            <a:off x="1115616" y="2139702"/>
             <a:ext cx="588846" cy="565678"/>
           </a:xfrm>
           <a:prstGeom prst="rect">
@@ -16552,7 +16454,7 @@
         </p:blipFill>
         <p:spPr>
           <a:xfrm>
-            <a:off x="755576" y="3075806"/>
+            <a:off x="1115616" y="3003798"/>
             <a:ext cx="587881" cy="565679"/>
           </a:xfrm>
           <a:prstGeom prst="rect">
@@ -16576,7 +16478,7 @@
         </p:blipFill>
         <p:spPr>
           <a:xfrm>
-            <a:off x="755576" y="3939902"/>
+            <a:off x="1115616" y="3867894"/>
             <a:ext cx="587384" cy="565200"/>
           </a:xfrm>
           <a:prstGeom prst="rect">
@@ -16592,8 +16494,8 @@
         </p:nvCxnSpPr>
         <p:spPr>
           <a:xfrm>
-            <a:off x="1547664" y="2283718"/>
-            <a:ext cx="0" cy="504056"/>
+            <a:off x="1835696" y="2283718"/>
+            <a:ext cx="0" cy="360000"/>
           </a:xfrm>
           <a:prstGeom prst="line">
             <a:avLst/>
@@ -16629,8 +16531,8 @@
         </p:nvCxnSpPr>
         <p:spPr>
           <a:xfrm>
-            <a:off x="1547664" y="3147814"/>
-            <a:ext cx="0" cy="504056"/>
+            <a:off x="1835696" y="3147814"/>
+            <a:ext cx="0" cy="360000"/>
           </a:xfrm>
           <a:prstGeom prst="line">
             <a:avLst/>
@@ -16666,8 +16568,8 @@
         </p:nvSpPr>
         <p:spPr>
           <a:xfrm>
-            <a:off x="1691680" y="2283718"/>
-            <a:ext cx="2805576" cy="461665"/>
+            <a:off x="1835696" y="2211710"/>
+            <a:ext cx="2890535" cy="461665"/>
           </a:xfrm>
           <a:prstGeom prst="rect">
             <a:avLst/>
@@ -16681,6 +16583,16 @@
           <a:lstStyle/>
           <a:p>
             <a:r>
+              <a:rPr lang="en-US" sz="2400" dirty="0" smtClean="0">
+                <a:solidFill>
+                  <a:srgbClr val="20272A"/>
+                </a:solidFill>
+                <a:latin typeface="Arial" pitchFamily="34" charset="0"/>
+                <a:cs typeface="Arial" pitchFamily="34" charset="0"/>
+              </a:rPr>
+              <a:t> </a:t>
+            </a:r>
+            <a:r>
               <a:rPr lang="en-US" sz="2400" dirty="0" err="1" smtClean="0">
                 <a:solidFill>
                   <a:srgbClr val="20272A"/>
@@ -16738,8 +16650,8 @@
         </p:nvSpPr>
         <p:spPr>
           <a:xfrm>
-            <a:off x="1691680" y="3147814"/>
-            <a:ext cx="4035079" cy="461665"/>
+            <a:off x="1835696" y="3075806"/>
+            <a:ext cx="4120039" cy="461665"/>
           </a:xfrm>
           <a:prstGeom prst="rect">
             <a:avLst/>
@@ -16753,6 +16665,16 @@
           <a:lstStyle/>
           <a:p>
             <a:r>
+              <a:rPr lang="en-US" sz="2400" dirty="0" smtClean="0">
+                <a:solidFill>
+                  <a:srgbClr val="20272A"/>
+                </a:solidFill>
+                <a:latin typeface="Arial" pitchFamily="34" charset="0"/>
+                <a:cs typeface="Arial" pitchFamily="34" charset="0"/>
+              </a:rPr>
+              <a:t> </a:t>
+            </a:r>
+            <a:r>
               <a:rPr lang="en-US" sz="2400" dirty="0" err="1" smtClean="0">
                 <a:solidFill>
                   <a:srgbClr val="20272A"/>
@@ -16830,8 +16752,8 @@
         </p:nvSpPr>
         <p:spPr>
           <a:xfrm>
-            <a:off x="1691680" y="4011910"/>
-            <a:ext cx="4303999" cy="461665"/>
+            <a:off x="1835696" y="3939902"/>
+            <a:ext cx="4388958" cy="461665"/>
           </a:xfrm>
           <a:prstGeom prst="rect">
             <a:avLst/>
@@ -16852,7 +16774,17 @@
                 <a:latin typeface="Arial" pitchFamily="34" charset="0"/>
                 <a:cs typeface="Arial" pitchFamily="34" charset="0"/>
               </a:rPr>
-              <a:t>Mix (</a:t>
+              <a:t> Mix </a:t>
+            </a:r>
+            <a:r>
+              <a:rPr lang="en-US" sz="2400" dirty="0" smtClean="0">
+                <a:solidFill>
+                  <a:srgbClr val="20272A"/>
+                </a:solidFill>
+                <a:latin typeface="Arial" pitchFamily="34" charset="0"/>
+                <a:cs typeface="Arial" pitchFamily="34" charset="0"/>
+              </a:rPr>
+              <a:t>(</a:t>
             </a:r>
             <a:r>
               <a:rPr lang="en-US" sz="2400" dirty="0" err="1" smtClean="0">
@@ -16932,8 +16864,8 @@
         </p:nvCxnSpPr>
         <p:spPr>
           <a:xfrm>
-            <a:off x="1547664" y="4011910"/>
-            <a:ext cx="0" cy="504056"/>
+            <a:off x="1835696" y="4011910"/>
+            <a:ext cx="0" cy="360040"/>
           </a:xfrm>
           <a:prstGeom prst="line">
             <a:avLst/>
@@ -16972,9 +16904,691 @@
   <p:timing>
     <p:tnLst>
       <p:par>
-        <p:cTn id="1" dur="indefinite" restart="never" nodeType="tmRoot"/>
+        <p:cTn id="1" dur="indefinite" restart="never" nodeType="tmRoot">
+          <p:childTnLst>
+            <p:seq concurrent="1" nextAc="seek">
+              <p:cTn id="2" dur="indefinite" nodeType="mainSeq">
+                <p:childTnLst>
+                  <p:par>
+                    <p:cTn id="3" fill="hold">
+                      <p:stCondLst>
+                        <p:cond delay="indefinite"/>
+                      </p:stCondLst>
+                      <p:childTnLst>
+                        <p:par>
+                          <p:cTn id="4" fill="hold">
+                            <p:stCondLst>
+                              <p:cond delay="0"/>
+                            </p:stCondLst>
+                            <p:childTnLst>
+                              <p:par>
+                                <p:cTn id="5" presetID="53" presetClass="entr" presetSubtype="0" fill="hold" nodeType="clickEffect">
+                                  <p:stCondLst>
+                                    <p:cond delay="0"/>
+                                  </p:stCondLst>
+                                  <p:childTnLst>
+                                    <p:set>
+                                      <p:cBhvr>
+                                        <p:cTn id="6" dur="1" fill="hold">
+                                          <p:stCondLst>
+                                            <p:cond delay="0"/>
+                                          </p:stCondLst>
+                                        </p:cTn>
+                                        <p:tgtEl>
+                                          <p:spTgt spid="5"/>
+                                        </p:tgtEl>
+                                        <p:attrNameLst>
+                                          <p:attrName>style.visibility</p:attrName>
+                                        </p:attrNameLst>
+                                      </p:cBhvr>
+                                      <p:to>
+                                        <p:strVal val="visible"/>
+                                      </p:to>
+                                    </p:set>
+                                    <p:anim calcmode="lin" valueType="num">
+                                      <p:cBhvr>
+                                        <p:cTn id="7" dur="500" fill="hold"/>
+                                        <p:tgtEl>
+                                          <p:spTgt spid="5"/>
+                                        </p:tgtEl>
+                                        <p:attrNameLst>
+                                          <p:attrName>ppt_w</p:attrName>
+                                        </p:attrNameLst>
+                                      </p:cBhvr>
+                                      <p:tavLst>
+                                        <p:tav tm="0">
+                                          <p:val>
+                                            <p:fltVal val="0"/>
+                                          </p:val>
+                                        </p:tav>
+                                        <p:tav tm="100000">
+                                          <p:val>
+                                            <p:strVal val="#ppt_w"/>
+                                          </p:val>
+                                        </p:tav>
+                                      </p:tavLst>
+                                    </p:anim>
+                                    <p:anim calcmode="lin" valueType="num">
+                                      <p:cBhvr>
+                                        <p:cTn id="8" dur="500" fill="hold"/>
+                                        <p:tgtEl>
+                                          <p:spTgt spid="5"/>
+                                        </p:tgtEl>
+                                        <p:attrNameLst>
+                                          <p:attrName>ppt_h</p:attrName>
+                                        </p:attrNameLst>
+                                      </p:cBhvr>
+                                      <p:tavLst>
+                                        <p:tav tm="0">
+                                          <p:val>
+                                            <p:fltVal val="0"/>
+                                          </p:val>
+                                        </p:tav>
+                                        <p:tav tm="100000">
+                                          <p:val>
+                                            <p:strVal val="#ppt_h"/>
+                                          </p:val>
+                                        </p:tav>
+                                      </p:tavLst>
+                                    </p:anim>
+                                    <p:animEffect transition="in" filter="fade">
+                                      <p:cBhvr>
+                                        <p:cTn id="9" dur="500"/>
+                                        <p:tgtEl>
+                                          <p:spTgt spid="5"/>
+                                        </p:tgtEl>
+                                      </p:cBhvr>
+                                    </p:animEffect>
+                                  </p:childTnLst>
+                                </p:cTn>
+                              </p:par>
+                              <p:par>
+                                <p:cTn id="10" presetID="53" presetClass="entr" presetSubtype="0" fill="hold" nodeType="withEffect">
+                                  <p:stCondLst>
+                                    <p:cond delay="0"/>
+                                  </p:stCondLst>
+                                  <p:childTnLst>
+                                    <p:set>
+                                      <p:cBhvr>
+                                        <p:cTn id="11" dur="1" fill="hold">
+                                          <p:stCondLst>
+                                            <p:cond delay="0"/>
+                                          </p:stCondLst>
+                                        </p:cTn>
+                                        <p:tgtEl>
+                                          <p:spTgt spid="8"/>
+                                        </p:tgtEl>
+                                        <p:attrNameLst>
+                                          <p:attrName>style.visibility</p:attrName>
+                                        </p:attrNameLst>
+                                      </p:cBhvr>
+                                      <p:to>
+                                        <p:strVal val="visible"/>
+                                      </p:to>
+                                    </p:set>
+                                    <p:anim calcmode="lin" valueType="num">
+                                      <p:cBhvr>
+                                        <p:cTn id="12" dur="500" fill="hold"/>
+                                        <p:tgtEl>
+                                          <p:spTgt spid="8"/>
+                                        </p:tgtEl>
+                                        <p:attrNameLst>
+                                          <p:attrName>ppt_w</p:attrName>
+                                        </p:attrNameLst>
+                                      </p:cBhvr>
+                                      <p:tavLst>
+                                        <p:tav tm="0">
+                                          <p:val>
+                                            <p:fltVal val="0"/>
+                                          </p:val>
+                                        </p:tav>
+                                        <p:tav tm="100000">
+                                          <p:val>
+                                            <p:strVal val="#ppt_w"/>
+                                          </p:val>
+                                        </p:tav>
+                                      </p:tavLst>
+                                    </p:anim>
+                                    <p:anim calcmode="lin" valueType="num">
+                                      <p:cBhvr>
+                                        <p:cTn id="13" dur="500" fill="hold"/>
+                                        <p:tgtEl>
+                                          <p:spTgt spid="8"/>
+                                        </p:tgtEl>
+                                        <p:attrNameLst>
+                                          <p:attrName>ppt_h</p:attrName>
+                                        </p:attrNameLst>
+                                      </p:cBhvr>
+                                      <p:tavLst>
+                                        <p:tav tm="0">
+                                          <p:val>
+                                            <p:fltVal val="0"/>
+                                          </p:val>
+                                        </p:tav>
+                                        <p:tav tm="100000">
+                                          <p:val>
+                                            <p:strVal val="#ppt_h"/>
+                                          </p:val>
+                                        </p:tav>
+                                      </p:tavLst>
+                                    </p:anim>
+                                    <p:animEffect transition="in" filter="fade">
+                                      <p:cBhvr>
+                                        <p:cTn id="14" dur="500"/>
+                                        <p:tgtEl>
+                                          <p:spTgt spid="8"/>
+                                        </p:tgtEl>
+                                      </p:cBhvr>
+                                    </p:animEffect>
+                                  </p:childTnLst>
+                                </p:cTn>
+                              </p:par>
+                            </p:childTnLst>
+                          </p:cTn>
+                        </p:par>
+                        <p:par>
+                          <p:cTn id="15" fill="hold">
+                            <p:stCondLst>
+                              <p:cond delay="500"/>
+                            </p:stCondLst>
+                            <p:childTnLst>
+                              <p:par>
+                                <p:cTn id="16" presetID="12" presetClass="entr" presetSubtype="4" fill="hold" grpId="0" nodeType="afterEffect">
+                                  <p:stCondLst>
+                                    <p:cond delay="0"/>
+                                  </p:stCondLst>
+                                  <p:childTnLst>
+                                    <p:set>
+                                      <p:cBhvr>
+                                        <p:cTn id="17" dur="1" fill="hold">
+                                          <p:stCondLst>
+                                            <p:cond delay="0"/>
+                                          </p:stCondLst>
+                                        </p:cTn>
+                                        <p:tgtEl>
+                                          <p:spTgt spid="14"/>
+                                        </p:tgtEl>
+                                        <p:attrNameLst>
+                                          <p:attrName>style.visibility</p:attrName>
+                                        </p:attrNameLst>
+                                      </p:cBhvr>
+                                      <p:to>
+                                        <p:strVal val="visible"/>
+                                      </p:to>
+                                    </p:set>
+                                    <p:animEffect transition="in" filter="slide(fromBottom)">
+                                      <p:cBhvr>
+                                        <p:cTn id="18" dur="500"/>
+                                        <p:tgtEl>
+                                          <p:spTgt spid="14"/>
+                                        </p:tgtEl>
+                                      </p:cBhvr>
+                                    </p:animEffect>
+                                  </p:childTnLst>
+                                </p:cTn>
+                              </p:par>
+                            </p:childTnLst>
+                          </p:cTn>
+                        </p:par>
+                        <p:par>
+                          <p:cTn id="19" fill="hold">
+                            <p:stCondLst>
+                              <p:cond delay="1000"/>
+                            </p:stCondLst>
+                            <p:childTnLst>
+                              <p:par>
+                                <p:cTn id="20" presetID="53" presetClass="entr" presetSubtype="0" fill="hold" nodeType="afterEffect">
+                                  <p:stCondLst>
+                                    <p:cond delay="0"/>
+                                  </p:stCondLst>
+                                  <p:childTnLst>
+                                    <p:set>
+                                      <p:cBhvr>
+                                        <p:cTn id="21" dur="1" fill="hold">
+                                          <p:stCondLst>
+                                            <p:cond delay="0"/>
+                                          </p:stCondLst>
+                                        </p:cTn>
+                                        <p:tgtEl>
+                                          <p:spTgt spid="6"/>
+                                        </p:tgtEl>
+                                        <p:attrNameLst>
+                                          <p:attrName>style.visibility</p:attrName>
+                                        </p:attrNameLst>
+                                      </p:cBhvr>
+                                      <p:to>
+                                        <p:strVal val="visible"/>
+                                      </p:to>
+                                    </p:set>
+                                    <p:anim calcmode="lin" valueType="num">
+                                      <p:cBhvr>
+                                        <p:cTn id="22" dur="500" fill="hold"/>
+                                        <p:tgtEl>
+                                          <p:spTgt spid="6"/>
+                                        </p:tgtEl>
+                                        <p:attrNameLst>
+                                          <p:attrName>ppt_w</p:attrName>
+                                        </p:attrNameLst>
+                                      </p:cBhvr>
+                                      <p:tavLst>
+                                        <p:tav tm="0">
+                                          <p:val>
+                                            <p:fltVal val="0"/>
+                                          </p:val>
+                                        </p:tav>
+                                        <p:tav tm="100000">
+                                          <p:val>
+                                            <p:strVal val="#ppt_w"/>
+                                          </p:val>
+                                        </p:tav>
+                                      </p:tavLst>
+                                    </p:anim>
+                                    <p:anim calcmode="lin" valueType="num">
+                                      <p:cBhvr>
+                                        <p:cTn id="23" dur="500" fill="hold"/>
+                                        <p:tgtEl>
+                                          <p:spTgt spid="6"/>
+                                        </p:tgtEl>
+                                        <p:attrNameLst>
+                                          <p:attrName>ppt_h</p:attrName>
+                                        </p:attrNameLst>
+                                      </p:cBhvr>
+                                      <p:tavLst>
+                                        <p:tav tm="0">
+                                          <p:val>
+                                            <p:fltVal val="0"/>
+                                          </p:val>
+                                        </p:tav>
+                                        <p:tav tm="100000">
+                                          <p:val>
+                                            <p:strVal val="#ppt_h"/>
+                                          </p:val>
+                                        </p:tav>
+                                      </p:tavLst>
+                                    </p:anim>
+                                    <p:animEffect transition="in" filter="fade">
+                                      <p:cBhvr>
+                                        <p:cTn id="24" dur="500"/>
+                                        <p:tgtEl>
+                                          <p:spTgt spid="6"/>
+                                        </p:tgtEl>
+                                      </p:cBhvr>
+                                    </p:animEffect>
+                                  </p:childTnLst>
+                                </p:cTn>
+                              </p:par>
+                              <p:par>
+                                <p:cTn id="25" presetID="53" presetClass="entr" presetSubtype="0" fill="hold" nodeType="withEffect">
+                                  <p:stCondLst>
+                                    <p:cond delay="0"/>
+                                  </p:stCondLst>
+                                  <p:childTnLst>
+                                    <p:set>
+                                      <p:cBhvr>
+                                        <p:cTn id="26" dur="1" fill="hold">
+                                          <p:stCondLst>
+                                            <p:cond delay="0"/>
+                                          </p:stCondLst>
+                                        </p:cTn>
+                                        <p:tgtEl>
+                                          <p:spTgt spid="9"/>
+                                        </p:tgtEl>
+                                        <p:attrNameLst>
+                                          <p:attrName>style.visibility</p:attrName>
+                                        </p:attrNameLst>
+                                      </p:cBhvr>
+                                      <p:to>
+                                        <p:strVal val="visible"/>
+                                      </p:to>
+                                    </p:set>
+                                    <p:anim calcmode="lin" valueType="num">
+                                      <p:cBhvr>
+                                        <p:cTn id="27" dur="500" fill="hold"/>
+                                        <p:tgtEl>
+                                          <p:spTgt spid="9"/>
+                                        </p:tgtEl>
+                                        <p:attrNameLst>
+                                          <p:attrName>ppt_w</p:attrName>
+                                        </p:attrNameLst>
+                                      </p:cBhvr>
+                                      <p:tavLst>
+                                        <p:tav tm="0">
+                                          <p:val>
+                                            <p:fltVal val="0"/>
+                                          </p:val>
+                                        </p:tav>
+                                        <p:tav tm="100000">
+                                          <p:val>
+                                            <p:strVal val="#ppt_w"/>
+                                          </p:val>
+                                        </p:tav>
+                                      </p:tavLst>
+                                    </p:anim>
+                                    <p:anim calcmode="lin" valueType="num">
+                                      <p:cBhvr>
+                                        <p:cTn id="28" dur="500" fill="hold"/>
+                                        <p:tgtEl>
+                                          <p:spTgt spid="9"/>
+                                        </p:tgtEl>
+                                        <p:attrNameLst>
+                                          <p:attrName>ppt_h</p:attrName>
+                                        </p:attrNameLst>
+                                      </p:cBhvr>
+                                      <p:tavLst>
+                                        <p:tav tm="0">
+                                          <p:val>
+                                            <p:fltVal val="0"/>
+                                          </p:val>
+                                        </p:tav>
+                                        <p:tav tm="100000">
+                                          <p:val>
+                                            <p:strVal val="#ppt_h"/>
+                                          </p:val>
+                                        </p:tav>
+                                      </p:tavLst>
+                                    </p:anim>
+                                    <p:animEffect transition="in" filter="fade">
+                                      <p:cBhvr>
+                                        <p:cTn id="29" dur="500"/>
+                                        <p:tgtEl>
+                                          <p:spTgt spid="9"/>
+                                        </p:tgtEl>
+                                      </p:cBhvr>
+                                    </p:animEffect>
+                                  </p:childTnLst>
+                                </p:cTn>
+                              </p:par>
+                            </p:childTnLst>
+                          </p:cTn>
+                        </p:par>
+                        <p:par>
+                          <p:cTn id="30" fill="hold">
+                            <p:stCondLst>
+                              <p:cond delay="1500"/>
+                            </p:stCondLst>
+                            <p:childTnLst>
+                              <p:par>
+                                <p:cTn id="31" presetID="12" presetClass="entr" presetSubtype="4" fill="hold" grpId="0" nodeType="afterEffect">
+                                  <p:stCondLst>
+                                    <p:cond delay="0"/>
+                                  </p:stCondLst>
+                                  <p:childTnLst>
+                                    <p:set>
+                                      <p:cBhvr>
+                                        <p:cTn id="32" dur="1" fill="hold">
+                                          <p:stCondLst>
+                                            <p:cond delay="0"/>
+                                          </p:stCondLst>
+                                        </p:cTn>
+                                        <p:tgtEl>
+                                          <p:spTgt spid="16"/>
+                                        </p:tgtEl>
+                                        <p:attrNameLst>
+                                          <p:attrName>style.visibility</p:attrName>
+                                        </p:attrNameLst>
+                                      </p:cBhvr>
+                                      <p:to>
+                                        <p:strVal val="visible"/>
+                                      </p:to>
+                                    </p:set>
+                                    <p:animEffect transition="in" filter="slide(fromBottom)">
+                                      <p:cBhvr>
+                                        <p:cTn id="33" dur="500"/>
+                                        <p:tgtEl>
+                                          <p:spTgt spid="16"/>
+                                        </p:tgtEl>
+                                      </p:cBhvr>
+                                    </p:animEffect>
+                                  </p:childTnLst>
+                                </p:cTn>
+                              </p:par>
+                            </p:childTnLst>
+                          </p:cTn>
+                        </p:par>
+                        <p:par>
+                          <p:cTn id="34" fill="hold">
+                            <p:stCondLst>
+                              <p:cond delay="2000"/>
+                            </p:stCondLst>
+                            <p:childTnLst>
+                              <p:par>
+                                <p:cTn id="35" presetID="53" presetClass="entr" presetSubtype="0" fill="hold" nodeType="afterEffect">
+                                  <p:stCondLst>
+                                    <p:cond delay="0"/>
+                                  </p:stCondLst>
+                                  <p:childTnLst>
+                                    <p:set>
+                                      <p:cBhvr>
+                                        <p:cTn id="36" dur="1" fill="hold">
+                                          <p:stCondLst>
+                                            <p:cond delay="0"/>
+                                          </p:stCondLst>
+                                        </p:cTn>
+                                        <p:tgtEl>
+                                          <p:spTgt spid="7"/>
+                                        </p:tgtEl>
+                                        <p:attrNameLst>
+                                          <p:attrName>style.visibility</p:attrName>
+                                        </p:attrNameLst>
+                                      </p:cBhvr>
+                                      <p:to>
+                                        <p:strVal val="visible"/>
+                                      </p:to>
+                                    </p:set>
+                                    <p:anim calcmode="lin" valueType="num">
+                                      <p:cBhvr>
+                                        <p:cTn id="37" dur="500" fill="hold"/>
+                                        <p:tgtEl>
+                                          <p:spTgt spid="7"/>
+                                        </p:tgtEl>
+                                        <p:attrNameLst>
+                                          <p:attrName>ppt_w</p:attrName>
+                                        </p:attrNameLst>
+                                      </p:cBhvr>
+                                      <p:tavLst>
+                                        <p:tav tm="0">
+                                          <p:val>
+                                            <p:fltVal val="0"/>
+                                          </p:val>
+                                        </p:tav>
+                                        <p:tav tm="100000">
+                                          <p:val>
+                                            <p:strVal val="#ppt_w"/>
+                                          </p:val>
+                                        </p:tav>
+                                      </p:tavLst>
+                                    </p:anim>
+                                    <p:anim calcmode="lin" valueType="num">
+                                      <p:cBhvr>
+                                        <p:cTn id="38" dur="500" fill="hold"/>
+                                        <p:tgtEl>
+                                          <p:spTgt spid="7"/>
+                                        </p:tgtEl>
+                                        <p:attrNameLst>
+                                          <p:attrName>ppt_h</p:attrName>
+                                        </p:attrNameLst>
+                                      </p:cBhvr>
+                                      <p:tavLst>
+                                        <p:tav tm="0">
+                                          <p:val>
+                                            <p:fltVal val="0"/>
+                                          </p:val>
+                                        </p:tav>
+                                        <p:tav tm="100000">
+                                          <p:val>
+                                            <p:strVal val="#ppt_h"/>
+                                          </p:val>
+                                        </p:tav>
+                                      </p:tavLst>
+                                    </p:anim>
+                                    <p:animEffect transition="in" filter="fade">
+                                      <p:cBhvr>
+                                        <p:cTn id="39" dur="500"/>
+                                        <p:tgtEl>
+                                          <p:spTgt spid="7"/>
+                                        </p:tgtEl>
+                                      </p:cBhvr>
+                                    </p:animEffect>
+                                  </p:childTnLst>
+                                </p:cTn>
+                              </p:par>
+                              <p:par>
+                                <p:cTn id="40" presetID="53" presetClass="entr" presetSubtype="0" fill="hold" nodeType="withEffect">
+                                  <p:stCondLst>
+                                    <p:cond delay="0"/>
+                                  </p:stCondLst>
+                                  <p:childTnLst>
+                                    <p:set>
+                                      <p:cBhvr>
+                                        <p:cTn id="41" dur="1" fill="hold">
+                                          <p:stCondLst>
+                                            <p:cond delay="0"/>
+                                          </p:stCondLst>
+                                        </p:cTn>
+                                        <p:tgtEl>
+                                          <p:spTgt spid="18"/>
+                                        </p:tgtEl>
+                                        <p:attrNameLst>
+                                          <p:attrName>style.visibility</p:attrName>
+                                        </p:attrNameLst>
+                                      </p:cBhvr>
+                                      <p:to>
+                                        <p:strVal val="visible"/>
+                                      </p:to>
+                                    </p:set>
+                                    <p:anim calcmode="lin" valueType="num">
+                                      <p:cBhvr>
+                                        <p:cTn id="42" dur="500" fill="hold"/>
+                                        <p:tgtEl>
+                                          <p:spTgt spid="18"/>
+                                        </p:tgtEl>
+                                        <p:attrNameLst>
+                                          <p:attrName>ppt_w</p:attrName>
+                                        </p:attrNameLst>
+                                      </p:cBhvr>
+                                      <p:tavLst>
+                                        <p:tav tm="0">
+                                          <p:val>
+                                            <p:fltVal val="0"/>
+                                          </p:val>
+                                        </p:tav>
+                                        <p:tav tm="100000">
+                                          <p:val>
+                                            <p:strVal val="#ppt_w"/>
+                                          </p:val>
+                                        </p:tav>
+                                      </p:tavLst>
+                                    </p:anim>
+                                    <p:anim calcmode="lin" valueType="num">
+                                      <p:cBhvr>
+                                        <p:cTn id="43" dur="500" fill="hold"/>
+                                        <p:tgtEl>
+                                          <p:spTgt spid="18"/>
+                                        </p:tgtEl>
+                                        <p:attrNameLst>
+                                          <p:attrName>ppt_h</p:attrName>
+                                        </p:attrNameLst>
+                                      </p:cBhvr>
+                                      <p:tavLst>
+                                        <p:tav tm="0">
+                                          <p:val>
+                                            <p:fltVal val="0"/>
+                                          </p:val>
+                                        </p:tav>
+                                        <p:tav tm="100000">
+                                          <p:val>
+                                            <p:strVal val="#ppt_h"/>
+                                          </p:val>
+                                        </p:tav>
+                                      </p:tavLst>
+                                    </p:anim>
+                                    <p:animEffect transition="in" filter="fade">
+                                      <p:cBhvr>
+                                        <p:cTn id="44" dur="500"/>
+                                        <p:tgtEl>
+                                          <p:spTgt spid="18"/>
+                                        </p:tgtEl>
+                                      </p:cBhvr>
+                                    </p:animEffect>
+                                  </p:childTnLst>
+                                </p:cTn>
+                              </p:par>
+                            </p:childTnLst>
+                          </p:cTn>
+                        </p:par>
+                        <p:par>
+                          <p:cTn id="45" fill="hold">
+                            <p:stCondLst>
+                              <p:cond delay="2500"/>
+                            </p:stCondLst>
+                            <p:childTnLst>
+                              <p:par>
+                                <p:cTn id="46" presetID="12" presetClass="entr" presetSubtype="4" fill="hold" grpId="0" nodeType="afterEffect">
+                                  <p:stCondLst>
+                                    <p:cond delay="0"/>
+                                  </p:stCondLst>
+                                  <p:childTnLst>
+                                    <p:set>
+                                      <p:cBhvr>
+                                        <p:cTn id="47" dur="1" fill="hold">
+                                          <p:stCondLst>
+                                            <p:cond delay="0"/>
+                                          </p:stCondLst>
+                                        </p:cTn>
+                                        <p:tgtEl>
+                                          <p:spTgt spid="17"/>
+                                        </p:tgtEl>
+                                        <p:attrNameLst>
+                                          <p:attrName>style.visibility</p:attrName>
+                                        </p:attrNameLst>
+                                      </p:cBhvr>
+                                      <p:to>
+                                        <p:strVal val="visible"/>
+                                      </p:to>
+                                    </p:set>
+                                    <p:animEffect transition="in" filter="slide(fromBottom)">
+                                      <p:cBhvr>
+                                        <p:cTn id="48" dur="500"/>
+                                        <p:tgtEl>
+                                          <p:spTgt spid="17"/>
+                                        </p:tgtEl>
+                                      </p:cBhvr>
+                                    </p:animEffect>
+                                  </p:childTnLst>
+                                </p:cTn>
+                              </p:par>
+                            </p:childTnLst>
+                          </p:cTn>
+                        </p:par>
+                      </p:childTnLst>
+                    </p:cTn>
+                  </p:par>
+                </p:childTnLst>
+              </p:cTn>
+              <p:prevCondLst>
+                <p:cond evt="onPrev" delay="0">
+                  <p:tgtEl>
+                    <p:sldTgt/>
+                  </p:tgtEl>
+                </p:cond>
+              </p:prevCondLst>
+              <p:nextCondLst>
+                <p:cond evt="onNext" delay="0">
+                  <p:tgtEl>
+                    <p:sldTgt/>
+                  </p:tgtEl>
+                </p:cond>
+              </p:nextCondLst>
+            </p:seq>
+          </p:childTnLst>
+        </p:cTn>
       </p:par>
     </p:tnLst>
+    <p:bldLst>
+      <p:bldP spid="14" grpId="0"/>
+      <p:bldP spid="16" grpId="0"/>
+      <p:bldP spid="17" grpId="0"/>
+    </p:bldLst>
   </p:timing>
 </p:sld>
 </file>
@@ -17394,7 +18008,7 @@
         </p:nvSpPr>
         <p:spPr>
           <a:xfrm>
-            <a:off x="2411760" y="411510"/>
+            <a:off x="1331640" y="411510"/>
             <a:ext cx="6228184" cy="923330"/>
           </a:xfrm>
           <a:prstGeom prst="rect">
@@ -17460,8 +18074,8 @@
         </p:nvSpPr>
         <p:spPr>
           <a:xfrm>
-            <a:off x="179512" y="1419622"/>
-            <a:ext cx="8964488" cy="4385816"/>
+            <a:off x="179512" y="1573292"/>
+            <a:ext cx="8964488" cy="3570208"/>
           </a:xfrm>
           <a:prstGeom prst="rect">
             <a:avLst/>
@@ -17476,27 +18090,27 @@
           <a:p>
             <a:pPr marL="457200" lvl="0" indent="-457200"/>
             <a:r>
-              <a:rPr lang="en-US" sz="2100" dirty="0" smtClean="0">
+              <a:rPr lang="en-US" sz="2000" dirty="0" smtClean="0">
                 <a:latin typeface="Arial" pitchFamily="34" charset="0"/>
                 <a:cs typeface="Arial" pitchFamily="34" charset="0"/>
               </a:rPr>
               <a:t>1. </a:t>
             </a:r>
             <a:r>
-              <a:rPr lang="sk-SK" sz="2100" dirty="0" smtClean="0">
+              <a:rPr lang="sk-SK" sz="2000" dirty="0" smtClean="0">
                 <a:latin typeface="Arial" pitchFamily="34" charset="0"/>
                 <a:cs typeface="Arial" pitchFamily="34" charset="0"/>
               </a:rPr>
               <a:t>Čistý JESS systém, bez použitia Java kódu</a:t>
             </a:r>
-            <a:endParaRPr lang="en-US" sz="2100" dirty="0" smtClean="0">
+            <a:endParaRPr lang="en-US" sz="2000" dirty="0" smtClean="0">
               <a:latin typeface="Arial" pitchFamily="34" charset="0"/>
               <a:cs typeface="Arial" pitchFamily="34" charset="0"/>
             </a:endParaRPr>
           </a:p>
           <a:p>
             <a:pPr marL="457200" lvl="0" indent="-457200"/>
-            <a:endParaRPr lang="sk-SK" sz="1400" dirty="0" smtClean="0">
+            <a:endParaRPr lang="sk-SK" sz="1200" dirty="0" smtClean="0">
               <a:latin typeface="Arial" pitchFamily="34" charset="0"/>
               <a:cs typeface="Arial" pitchFamily="34" charset="0"/>
             </a:endParaRPr>
@@ -17504,27 +18118,27 @@
           <a:p>
             <a:pPr lvl="0"/>
             <a:r>
-              <a:rPr lang="en-US" sz="2100" dirty="0" smtClean="0">
+              <a:rPr lang="en-US" sz="2000" dirty="0" smtClean="0">
                 <a:latin typeface="Arial" pitchFamily="34" charset="0"/>
                 <a:cs typeface="Arial" pitchFamily="34" charset="0"/>
               </a:rPr>
               <a:t>2. </a:t>
             </a:r>
             <a:r>
-              <a:rPr lang="sk-SK" sz="2100" dirty="0" smtClean="0">
+              <a:rPr lang="sk-SK" sz="2000" dirty="0" smtClean="0">
                 <a:latin typeface="Arial" pitchFamily="34" charset="0"/>
                 <a:cs typeface="Arial" pitchFamily="34" charset="0"/>
               </a:rPr>
               <a:t>Čistý JESS systém, s prístupom do Java API</a:t>
             </a:r>
-            <a:endParaRPr lang="en-US" sz="2100" dirty="0" smtClean="0">
+            <a:endParaRPr lang="en-US" sz="2000" dirty="0" smtClean="0">
               <a:latin typeface="Arial" pitchFamily="34" charset="0"/>
               <a:cs typeface="Arial" pitchFamily="34" charset="0"/>
             </a:endParaRPr>
           </a:p>
           <a:p>
             <a:pPr lvl="0"/>
-            <a:endParaRPr lang="sk-SK" sz="1400" dirty="0" smtClean="0">
+            <a:endParaRPr lang="sk-SK" sz="1200" dirty="0" smtClean="0">
               <a:latin typeface="Arial" pitchFamily="34" charset="0"/>
               <a:cs typeface="Arial" pitchFamily="34" charset="0"/>
             </a:endParaRPr>
@@ -17532,27 +18146,27 @@
           <a:p>
             <a:pPr lvl="0"/>
             <a:r>
-              <a:rPr lang="en-US" sz="2100" dirty="0" smtClean="0">
+              <a:rPr lang="en-US" sz="2000" dirty="0" smtClean="0">
                 <a:latin typeface="Arial" pitchFamily="34" charset="0"/>
                 <a:cs typeface="Arial" pitchFamily="34" charset="0"/>
               </a:rPr>
               <a:t>3. </a:t>
             </a:r>
             <a:r>
-              <a:rPr lang="sk-SK" sz="2100" dirty="0" smtClean="0">
+              <a:rPr lang="sk-SK" sz="2000" dirty="0" smtClean="0">
                 <a:latin typeface="Arial" pitchFamily="34" charset="0"/>
                 <a:cs typeface="Arial" pitchFamily="34" charset="0"/>
               </a:rPr>
               <a:t>Väčšina v JESS, v Jave napísaných zopár upravených JESS príkazov</a:t>
             </a:r>
-            <a:endParaRPr lang="en-US" sz="2100" dirty="0" smtClean="0">
+            <a:endParaRPr lang="en-US" sz="2000" dirty="0" smtClean="0">
               <a:latin typeface="Arial" pitchFamily="34" charset="0"/>
               <a:cs typeface="Arial" pitchFamily="34" charset="0"/>
             </a:endParaRPr>
           </a:p>
           <a:p>
             <a:pPr lvl="0"/>
-            <a:endParaRPr lang="sk-SK" sz="1400" dirty="0" smtClean="0">
+            <a:endParaRPr lang="sk-SK" sz="1200" dirty="0" smtClean="0">
               <a:latin typeface="Arial" pitchFamily="34" charset="0"/>
               <a:cs typeface="Arial" pitchFamily="34" charset="0"/>
             </a:endParaRPr>
@@ -17560,55 +18174,55 @@
           <a:p>
             <a:pPr lvl="0"/>
             <a:r>
-              <a:rPr lang="en-US" sz="2100" dirty="0" smtClean="0">
+              <a:rPr lang="en-US" sz="2000" dirty="0" smtClean="0">
                 <a:latin typeface="Arial" pitchFamily="34" charset="0"/>
                 <a:cs typeface="Arial" pitchFamily="34" charset="0"/>
               </a:rPr>
               <a:t>4. </a:t>
             </a:r>
             <a:r>
-              <a:rPr lang="sk-SK" sz="2100" dirty="0" smtClean="0">
+              <a:rPr lang="sk-SK" sz="2000" dirty="0" smtClean="0">
                 <a:latin typeface="Arial" pitchFamily="34" charset="0"/>
                 <a:cs typeface="Arial" pitchFamily="34" charset="0"/>
               </a:rPr>
               <a:t>Polovica v JESS, podstatná časť v Jave</a:t>
             </a:r>
             <a:r>
-              <a:rPr lang="en-US" sz="2100" dirty="0" smtClean="0">
+              <a:rPr lang="en-US" sz="2000" dirty="0" smtClean="0">
                 <a:latin typeface="Arial" pitchFamily="34" charset="0"/>
                 <a:cs typeface="Arial" pitchFamily="34" charset="0"/>
               </a:rPr>
               <a:t>, </a:t>
             </a:r>
             <a:r>
-              <a:rPr lang="sk-SK" sz="2100" i="1" dirty="0" err="1" smtClean="0">
+              <a:rPr lang="sk-SK" sz="2000" i="1" dirty="0" err="1" smtClean="0">
                 <a:latin typeface="Arial" pitchFamily="34" charset="0"/>
                 <a:cs typeface="Arial" pitchFamily="34" charset="0"/>
               </a:rPr>
               <a:t>main</a:t>
             </a:r>
             <a:r>
-              <a:rPr lang="sk-SK" sz="2100" i="1" dirty="0" smtClean="0">
+              <a:rPr lang="sk-SK" sz="2000" i="1" dirty="0" smtClean="0">
                 <a:latin typeface="Arial" pitchFamily="34" charset="0"/>
                 <a:cs typeface="Arial" pitchFamily="34" charset="0"/>
               </a:rPr>
               <a:t>()</a:t>
             </a:r>
             <a:r>
-              <a:rPr lang="sk-SK" sz="2100" dirty="0" smtClean="0">
+              <a:rPr lang="sk-SK" sz="2000" dirty="0" smtClean="0">
                 <a:latin typeface="Arial" pitchFamily="34" charset="0"/>
                 <a:cs typeface="Arial" pitchFamily="34" charset="0"/>
               </a:rPr>
               <a:t> funkcia je v JESS</a:t>
             </a:r>
-            <a:endParaRPr lang="en-US" sz="2100" dirty="0" smtClean="0">
+            <a:endParaRPr lang="en-US" sz="2000" dirty="0" smtClean="0">
               <a:latin typeface="Arial" pitchFamily="34" charset="0"/>
               <a:cs typeface="Arial" pitchFamily="34" charset="0"/>
             </a:endParaRPr>
           </a:p>
           <a:p>
             <a:pPr lvl="0"/>
-            <a:endParaRPr lang="sk-SK" sz="1400" dirty="0" smtClean="0">
+            <a:endParaRPr lang="sk-SK" sz="1200" dirty="0" smtClean="0">
               <a:latin typeface="Arial" pitchFamily="34" charset="0"/>
               <a:cs typeface="Arial" pitchFamily="34" charset="0"/>
             </a:endParaRPr>
@@ -17616,48 +18230,48 @@
           <a:p>
             <a:pPr lvl="0"/>
             <a:r>
-              <a:rPr lang="en-US" sz="2100" dirty="0" smtClean="0">
+              <a:rPr lang="en-US" sz="2000" dirty="0" smtClean="0">
                 <a:latin typeface="Arial" pitchFamily="34" charset="0"/>
                 <a:cs typeface="Arial" pitchFamily="34" charset="0"/>
               </a:rPr>
               <a:t>5. </a:t>
             </a:r>
             <a:r>
-              <a:rPr lang="sk-SK" sz="2100" dirty="0" smtClean="0">
+              <a:rPr lang="sk-SK" sz="2000" dirty="0" smtClean="0">
                 <a:latin typeface="Arial" pitchFamily="34" charset="0"/>
                 <a:cs typeface="Arial" pitchFamily="34" charset="0"/>
               </a:rPr>
               <a:t>Ako predchádzajúce, ale </a:t>
             </a:r>
             <a:r>
-              <a:rPr lang="sk-SK" sz="2100" i="1" dirty="0" err="1" smtClean="0">
+              <a:rPr lang="sk-SK" sz="2000" i="1" dirty="0" err="1" smtClean="0">
                 <a:latin typeface="Arial" pitchFamily="34" charset="0"/>
                 <a:cs typeface="Arial" pitchFamily="34" charset="0"/>
               </a:rPr>
               <a:t>main</a:t>
             </a:r>
             <a:r>
-              <a:rPr lang="sk-SK" sz="2100" i="1" dirty="0" smtClean="0">
+              <a:rPr lang="sk-SK" sz="2000" i="1" dirty="0" smtClean="0">
                 <a:latin typeface="Arial" pitchFamily="34" charset="0"/>
                 <a:cs typeface="Arial" pitchFamily="34" charset="0"/>
               </a:rPr>
               <a:t>()</a:t>
             </a:r>
             <a:r>
-              <a:rPr lang="sk-SK" sz="2100" dirty="0" smtClean="0">
+              <a:rPr lang="sk-SK" sz="2000" dirty="0" smtClean="0">
                 <a:latin typeface="Arial" pitchFamily="34" charset="0"/>
                 <a:cs typeface="Arial" pitchFamily="34" charset="0"/>
               </a:rPr>
               <a:t> je v Jave</a:t>
             </a:r>
-            <a:endParaRPr lang="en-US" sz="2100" dirty="0" smtClean="0">
+            <a:endParaRPr lang="en-US" sz="2000" dirty="0" smtClean="0">
               <a:latin typeface="Arial" pitchFamily="34" charset="0"/>
               <a:cs typeface="Arial" pitchFamily="34" charset="0"/>
             </a:endParaRPr>
           </a:p>
           <a:p>
             <a:pPr lvl="0"/>
-            <a:endParaRPr lang="sk-SK" sz="1400" dirty="0" smtClean="0">
+            <a:endParaRPr lang="sk-SK" sz="1200" dirty="0" smtClean="0">
               <a:latin typeface="Arial" pitchFamily="34" charset="0"/>
               <a:cs typeface="Arial" pitchFamily="34" charset="0"/>
             </a:endParaRPr>
@@ -17665,7 +18279,7 @@
           <a:p>
             <a:pPr lvl="0"/>
             <a:r>
-              <a:rPr lang="en-US" sz="2100" dirty="0" smtClean="0">
+              <a:rPr lang="en-US" sz="2000" dirty="0" smtClean="0">
                 <a:solidFill>
                   <a:srgbClr val="851019"/>
                 </a:solidFill>
@@ -17675,7 +18289,7 @@
               <a:t>6. </a:t>
             </a:r>
             <a:r>
-              <a:rPr lang="sk-SK" sz="2100" dirty="0" smtClean="0">
+              <a:rPr lang="sk-SK" sz="2000" dirty="0" smtClean="0">
                 <a:solidFill>
                   <a:srgbClr val="851019"/>
                 </a:solidFill>
@@ -17685,7 +18299,7 @@
               <a:t>Väčšina v Jave, načítava JESS kód v </a:t>
             </a:r>
             <a:r>
-              <a:rPr lang="sk-SK" sz="2100" dirty="0" err="1" smtClean="0">
+              <a:rPr lang="sk-SK" sz="2000" dirty="0" err="1" smtClean="0">
                 <a:solidFill>
                   <a:srgbClr val="851019"/>
                 </a:solidFill>
@@ -17694,7 +18308,7 @@
               </a:rPr>
               <a:t>runtime</a:t>
             </a:r>
-            <a:endParaRPr lang="en-US" sz="2100" dirty="0" smtClean="0">
+            <a:endParaRPr lang="en-US" sz="2000" dirty="0" smtClean="0">
               <a:solidFill>
                 <a:srgbClr val="851019"/>
               </a:solidFill>
@@ -17704,7 +18318,7 @@
           </a:p>
           <a:p>
             <a:pPr lvl="0"/>
-            <a:endParaRPr lang="sk-SK" sz="1400" dirty="0" smtClean="0">
+            <a:endParaRPr lang="sk-SK" sz="1200" dirty="0" smtClean="0">
               <a:latin typeface="Arial" pitchFamily="34" charset="0"/>
               <a:cs typeface="Arial" pitchFamily="34" charset="0"/>
             </a:endParaRPr>
@@ -17712,45 +18326,36 @@
           <a:p>
             <a:pPr lvl="0"/>
             <a:r>
-              <a:rPr lang="en-US" sz="2100" dirty="0" smtClean="0">
+              <a:rPr lang="en-US" sz="2000" dirty="0" smtClean="0">
                 <a:latin typeface="Arial" pitchFamily="34" charset="0"/>
                 <a:cs typeface="Arial" pitchFamily="34" charset="0"/>
               </a:rPr>
               <a:t>7. </a:t>
             </a:r>
             <a:r>
-              <a:rPr lang="sk-SK" sz="2100" dirty="0" smtClean="0">
-                <a:latin typeface="Arial" pitchFamily="34" charset="0"/>
-                <a:cs typeface="Arial" pitchFamily="34" charset="0"/>
-              </a:rPr>
-              <a:t>Čistý Java systém, ktorý pracuje s JESS iba cez Java API</a:t>
-            </a:r>
-          </a:p>
-          <a:p>
-            <a:r>
-              <a:rPr lang="en-US" sz="2400" dirty="0" smtClean="0">
-                <a:solidFill>
-                  <a:srgbClr val="20272A"/>
-                </a:solidFill>
-                <a:latin typeface="Arial" pitchFamily="34" charset="0"/>
-                <a:ea typeface="KaiTi" pitchFamily="49" charset="-122"/>
-                <a:cs typeface="Arial" pitchFamily="34" charset="0"/>
-              </a:rPr>
-              <a:t> </a:t>
-            </a:r>
-          </a:p>
-          <a:p>
-            <a:r>
-              <a:rPr lang="en-US" sz="2400" dirty="0" smtClean="0">
-                <a:solidFill>
-                  <a:srgbClr val="20272A"/>
-                </a:solidFill>
-                <a:latin typeface="Arial" pitchFamily="34" charset="0"/>
-                <a:ea typeface="KaiTi" pitchFamily="49" charset="-122"/>
-                <a:cs typeface="Arial" pitchFamily="34" charset="0"/>
-              </a:rPr>
-              <a:t> </a:t>
-            </a:r>
+              <a:rPr lang="sk-SK" sz="2000" dirty="0" smtClean="0">
+                <a:latin typeface="Arial" pitchFamily="34" charset="0"/>
+                <a:cs typeface="Arial" pitchFamily="34" charset="0"/>
+              </a:rPr>
+              <a:t>Čistý Java systém, ktorý pracuje s JESS iba cez Java </a:t>
+            </a:r>
+            <a:r>
+              <a:rPr lang="sk-SK" sz="2000" dirty="0" smtClean="0">
+                <a:latin typeface="Arial" pitchFamily="34" charset="0"/>
+                <a:cs typeface="Arial" pitchFamily="34" charset="0"/>
+              </a:rPr>
+              <a:t>API</a:t>
+            </a:r>
+            <a:endParaRPr lang="en-US" sz="2400" dirty="0" smtClean="0">
+              <a:solidFill>
+                <a:srgbClr val="20272A"/>
+              </a:solidFill>
+              <a:latin typeface="Arial" pitchFamily="34" charset="0"/>
+              <a:ea typeface="KaiTi" pitchFamily="49" charset="-122"/>
+              <a:cs typeface="Arial" pitchFamily="34" charset="0"/>
+            </a:endParaRPr>
+          </a:p>
+          <a:p>
             <a:endParaRPr lang="en-US" sz="1400" dirty="0" smtClean="0">
               <a:solidFill>
                 <a:srgbClr val="20272A"/>
